--- a/CodeMonkey/cs05 UI前端/UI设计.pptx
+++ b/CodeMonkey/cs05 UI前端/UI设计.pptx
@@ -11,9 +11,9 @@
     <p:sldId id="257" r:id="rId2"/>
     <p:sldId id="260" r:id="rId3"/>
     <p:sldId id="258" r:id="rId4"/>
-    <p:sldId id="289" r:id="rId5"/>
-    <p:sldId id="298" r:id="rId6"/>
-    <p:sldId id="263" r:id="rId7"/>
+    <p:sldId id="298" r:id="rId5"/>
+    <p:sldId id="289" r:id="rId6"/>
+    <p:sldId id="299" r:id="rId7"/>
     <p:sldId id="280" r:id="rId8"/>
     <p:sldId id="281" r:id="rId9"/>
     <p:sldId id="285" r:id="rId10"/>
@@ -147,6 +147,4139 @@
 </p:presentation>
 </file>
 
+<file path=ppt/diagrams/colors1.xml><?xml version="1.0" encoding="utf-8"?>
+<dgm:colorsDef xmlns:dgm="http://schemas.openxmlformats.org/drawingml/2006/diagram" xmlns:a="http://schemas.openxmlformats.org/drawingml/2006/main" uniqueId="urn:microsoft.com/office/officeart/2005/8/colors/accent5_4">
+  <dgm:title val=""/>
+  <dgm:desc val=""/>
+  <dgm:catLst>
+    <dgm:cat type="accent5" pri="11400"/>
+  </dgm:catLst>
+  <dgm:styleLbl name="node0">
+    <dgm:fillClrLst meth="cycle">
+      <a:schemeClr val="accent5">
+        <a:shade val="60000"/>
+      </a:schemeClr>
+    </dgm:fillClrLst>
+    <dgm:linClrLst meth="repeat">
+      <a:schemeClr val="lt1"/>
+    </dgm:linClrLst>
+    <dgm:effectClrLst/>
+    <dgm:txLinClrLst/>
+    <dgm:txFillClrLst/>
+    <dgm:txEffectClrLst/>
+  </dgm:styleLbl>
+  <dgm:styleLbl name="node1">
+    <dgm:fillClrLst meth="cycle">
+      <a:schemeClr val="accent5">
+        <a:shade val="50000"/>
+      </a:schemeClr>
+      <a:schemeClr val="accent5">
+        <a:tint val="55000"/>
+      </a:schemeClr>
+    </dgm:fillClrLst>
+    <dgm:linClrLst meth="repeat">
+      <a:schemeClr val="lt1"/>
+    </dgm:linClrLst>
+    <dgm:effectClrLst/>
+    <dgm:txLinClrLst/>
+    <dgm:txFillClrLst/>
+    <dgm:txEffectClrLst/>
+  </dgm:styleLbl>
+  <dgm:styleLbl name="alignNode1">
+    <dgm:fillClrLst meth="cycle">
+      <a:schemeClr val="accent5">
+        <a:shade val="50000"/>
+      </a:schemeClr>
+      <a:schemeClr val="accent5">
+        <a:tint val="55000"/>
+      </a:schemeClr>
+    </dgm:fillClrLst>
+    <dgm:linClrLst meth="cycle">
+      <a:schemeClr val="accent5">
+        <a:shade val="50000"/>
+      </a:schemeClr>
+      <a:schemeClr val="accent5">
+        <a:tint val="55000"/>
+      </a:schemeClr>
+    </dgm:linClrLst>
+    <dgm:effectClrLst/>
+    <dgm:txLinClrLst/>
+    <dgm:txFillClrLst/>
+    <dgm:txEffectClrLst/>
+  </dgm:styleLbl>
+  <dgm:styleLbl name="lnNode1">
+    <dgm:fillClrLst meth="cycle">
+      <a:schemeClr val="accent5">
+        <a:shade val="50000"/>
+      </a:schemeClr>
+      <a:schemeClr val="accent5">
+        <a:tint val="55000"/>
+      </a:schemeClr>
+    </dgm:fillClrLst>
+    <dgm:linClrLst meth="repeat">
+      <a:schemeClr val="lt1"/>
+    </dgm:linClrLst>
+    <dgm:effectClrLst/>
+    <dgm:txLinClrLst/>
+    <dgm:txFillClrLst/>
+    <dgm:txEffectClrLst/>
+  </dgm:styleLbl>
+  <dgm:styleLbl name="vennNode1">
+    <dgm:fillClrLst meth="cycle">
+      <a:schemeClr val="accent5">
+        <a:shade val="80000"/>
+        <a:alpha val="50000"/>
+      </a:schemeClr>
+      <a:schemeClr val="accent5">
+        <a:tint val="50000"/>
+        <a:alpha val="50000"/>
+      </a:schemeClr>
+    </dgm:fillClrLst>
+    <dgm:linClrLst meth="repeat">
+      <a:schemeClr val="lt1"/>
+    </dgm:linClrLst>
+    <dgm:effectClrLst/>
+    <dgm:txLinClrLst/>
+    <dgm:txFillClrLst/>
+    <dgm:txEffectClrLst/>
+  </dgm:styleLbl>
+  <dgm:styleLbl name="node2">
+    <dgm:fillClrLst>
+      <a:schemeClr val="accent5">
+        <a:shade val="80000"/>
+      </a:schemeClr>
+    </dgm:fillClrLst>
+    <dgm:linClrLst meth="repeat">
+      <a:schemeClr val="lt1"/>
+    </dgm:linClrLst>
+    <dgm:effectClrLst/>
+    <dgm:txLinClrLst/>
+    <dgm:txFillClrLst/>
+    <dgm:txEffectClrLst/>
+  </dgm:styleLbl>
+  <dgm:styleLbl name="node3">
+    <dgm:fillClrLst>
+      <a:schemeClr val="accent5">
+        <a:tint val="99000"/>
+      </a:schemeClr>
+    </dgm:fillClrLst>
+    <dgm:linClrLst meth="repeat">
+      <a:schemeClr val="lt1"/>
+    </dgm:linClrLst>
+    <dgm:effectClrLst/>
+    <dgm:txLinClrLst/>
+    <dgm:txFillClrLst/>
+    <dgm:txEffectClrLst/>
+  </dgm:styleLbl>
+  <dgm:styleLbl name="node4">
+    <dgm:fillClrLst>
+      <a:schemeClr val="accent5">
+        <a:tint val="70000"/>
+      </a:schemeClr>
+    </dgm:fillClrLst>
+    <dgm:linClrLst meth="repeat">
+      <a:schemeClr val="lt1"/>
+    </dgm:linClrLst>
+    <dgm:effectClrLst/>
+    <dgm:txLinClrLst/>
+    <dgm:txFillClrLst/>
+    <dgm:txEffectClrLst/>
+  </dgm:styleLbl>
+  <dgm:styleLbl name="fgImgPlace1">
+    <dgm:fillClrLst>
+      <a:schemeClr val="accent5">
+        <a:tint val="50000"/>
+      </a:schemeClr>
+      <a:schemeClr val="accent5">
+        <a:tint val="55000"/>
+      </a:schemeClr>
+    </dgm:fillClrLst>
+    <dgm:linClrLst meth="repeat">
+      <a:schemeClr val="lt1"/>
+    </dgm:linClrLst>
+    <dgm:effectClrLst/>
+    <dgm:txLinClrLst/>
+    <dgm:txFillClrLst meth="repeat">
+      <a:schemeClr val="lt1"/>
+    </dgm:txFillClrLst>
+    <dgm:txEffectClrLst/>
+  </dgm:styleLbl>
+  <dgm:styleLbl name="alignImgPlace1">
+    <dgm:fillClrLst>
+      <a:schemeClr val="accent5">
+        <a:tint val="50000"/>
+      </a:schemeClr>
+      <a:schemeClr val="accent5">
+        <a:tint val="55000"/>
+      </a:schemeClr>
+    </dgm:fillClrLst>
+    <dgm:linClrLst meth="repeat">
+      <a:schemeClr val="lt1"/>
+    </dgm:linClrLst>
+    <dgm:effectClrLst/>
+    <dgm:txLinClrLst/>
+    <dgm:txFillClrLst meth="repeat">
+      <a:schemeClr val="lt1"/>
+    </dgm:txFillClrLst>
+    <dgm:txEffectClrLst/>
+  </dgm:styleLbl>
+  <dgm:styleLbl name="bgImgPlace1">
+    <dgm:fillClrLst>
+      <a:schemeClr val="accent5">
+        <a:tint val="50000"/>
+      </a:schemeClr>
+      <a:schemeClr val="accent5">
+        <a:tint val="55000"/>
+      </a:schemeClr>
+    </dgm:fillClrLst>
+    <dgm:linClrLst meth="repeat">
+      <a:schemeClr val="lt1"/>
+    </dgm:linClrLst>
+    <dgm:effectClrLst/>
+    <dgm:txLinClrLst/>
+    <dgm:txFillClrLst meth="repeat">
+      <a:schemeClr val="lt1"/>
+    </dgm:txFillClrLst>
+    <dgm:txEffectClrLst/>
+  </dgm:styleLbl>
+  <dgm:styleLbl name="sibTrans2D1">
+    <dgm:fillClrLst meth="cycle">
+      <a:schemeClr val="accent5">
+        <a:shade val="90000"/>
+      </a:schemeClr>
+      <a:schemeClr val="accent5">
+        <a:tint val="50000"/>
+      </a:schemeClr>
+    </dgm:fillClrLst>
+    <dgm:linClrLst meth="cycle">
+      <a:schemeClr val="accent5">
+        <a:shade val="90000"/>
+      </a:schemeClr>
+      <a:schemeClr val="accent5">
+        <a:tint val="50000"/>
+      </a:schemeClr>
+    </dgm:linClrLst>
+    <dgm:effectClrLst/>
+    <dgm:txLinClrLst/>
+    <dgm:txFillClrLst/>
+    <dgm:txEffectClrLst/>
+  </dgm:styleLbl>
+  <dgm:styleLbl name="fgSibTrans2D1">
+    <dgm:fillClrLst meth="cycle">
+      <a:schemeClr val="accent5">
+        <a:shade val="90000"/>
+      </a:schemeClr>
+      <a:schemeClr val="accent5">
+        <a:tint val="50000"/>
+      </a:schemeClr>
+    </dgm:fillClrLst>
+    <dgm:linClrLst meth="cycle">
+      <a:schemeClr val="accent5">
+        <a:shade val="90000"/>
+      </a:schemeClr>
+      <a:schemeClr val="accent5">
+        <a:tint val="50000"/>
+      </a:schemeClr>
+    </dgm:linClrLst>
+    <dgm:effectClrLst/>
+    <dgm:txLinClrLst/>
+    <dgm:txFillClrLst/>
+    <dgm:txEffectClrLst/>
+  </dgm:styleLbl>
+  <dgm:styleLbl name="bgSibTrans2D1">
+    <dgm:fillClrLst meth="cycle">
+      <a:schemeClr val="accent5">
+        <a:shade val="90000"/>
+      </a:schemeClr>
+      <a:schemeClr val="accent5">
+        <a:tint val="50000"/>
+      </a:schemeClr>
+    </dgm:fillClrLst>
+    <dgm:linClrLst meth="cycle">
+      <a:schemeClr val="accent5">
+        <a:shade val="90000"/>
+      </a:schemeClr>
+      <a:schemeClr val="accent5">
+        <a:tint val="50000"/>
+      </a:schemeClr>
+    </dgm:linClrLst>
+    <dgm:effectClrLst/>
+    <dgm:txLinClrLst/>
+    <dgm:txFillClrLst/>
+    <dgm:txEffectClrLst/>
+  </dgm:styleLbl>
+  <dgm:styleLbl name="fgSibTrans2D1">
+    <dgm:fillClrLst meth="cycle">
+      <a:schemeClr val="accent5">
+        <a:shade val="90000"/>
+      </a:schemeClr>
+      <a:schemeClr val="accent5">
+        <a:tint val="50000"/>
+      </a:schemeClr>
+    </dgm:fillClrLst>
+    <dgm:linClrLst meth="cycle">
+      <a:schemeClr val="accent5">
+        <a:shade val="90000"/>
+      </a:schemeClr>
+      <a:schemeClr val="accent5">
+        <a:tint val="50000"/>
+      </a:schemeClr>
+    </dgm:linClrLst>
+    <dgm:effectClrLst/>
+    <dgm:txLinClrLst/>
+    <dgm:txFillClrLst/>
+    <dgm:txEffectClrLst/>
+  </dgm:styleLbl>
+  <dgm:styleLbl name="sibTrans1D1">
+    <dgm:fillClrLst meth="cycle">
+      <a:schemeClr val="accent5">
+        <a:shade val="90000"/>
+      </a:schemeClr>
+      <a:schemeClr val="accent5">
+        <a:tint val="50000"/>
+      </a:schemeClr>
+    </dgm:fillClrLst>
+    <dgm:linClrLst meth="cycle">
+      <a:schemeClr val="accent5">
+        <a:shade val="90000"/>
+      </a:schemeClr>
+      <a:schemeClr val="accent5">
+        <a:tint val="50000"/>
+      </a:schemeClr>
+    </dgm:linClrLst>
+    <dgm:effectClrLst/>
+    <dgm:txLinClrLst/>
+    <dgm:txFillClrLst meth="repeat">
+      <a:schemeClr val="tx1"/>
+    </dgm:txFillClrLst>
+    <dgm:txEffectClrLst/>
+  </dgm:styleLbl>
+  <dgm:styleLbl name="callout">
+    <dgm:fillClrLst meth="repeat">
+      <a:schemeClr val="accent5"/>
+    </dgm:fillClrLst>
+    <dgm:linClrLst meth="repeat">
+      <a:schemeClr val="accent5"/>
+    </dgm:linClrLst>
+    <dgm:effectClrLst/>
+    <dgm:txLinClrLst/>
+    <dgm:txFillClrLst meth="repeat">
+      <a:schemeClr val="tx1"/>
+    </dgm:txFillClrLst>
+    <dgm:txEffectClrLst/>
+  </dgm:styleLbl>
+  <dgm:styleLbl name="asst0">
+    <dgm:fillClrLst meth="repeat">
+      <a:schemeClr val="accent5">
+        <a:shade val="80000"/>
+      </a:schemeClr>
+    </dgm:fillClrLst>
+    <dgm:linClrLst meth="repeat">
+      <a:schemeClr val="lt1"/>
+    </dgm:linClrLst>
+    <dgm:effectClrLst/>
+    <dgm:txLinClrLst/>
+    <dgm:txFillClrLst/>
+    <dgm:txEffectClrLst/>
+  </dgm:styleLbl>
+  <dgm:styleLbl name="asst1">
+    <dgm:fillClrLst meth="repeat">
+      <a:schemeClr val="accent5">
+        <a:shade val="80000"/>
+      </a:schemeClr>
+    </dgm:fillClrLst>
+    <dgm:linClrLst meth="repeat">
+      <a:schemeClr val="lt1"/>
+    </dgm:linClrLst>
+    <dgm:effectClrLst/>
+    <dgm:txLinClrLst/>
+    <dgm:txFillClrLst/>
+    <dgm:txEffectClrLst/>
+  </dgm:styleLbl>
+  <dgm:styleLbl name="asst2">
+    <dgm:fillClrLst>
+      <a:schemeClr val="accent5">
+        <a:tint val="90000"/>
+      </a:schemeClr>
+    </dgm:fillClrLst>
+    <dgm:linClrLst meth="repeat">
+      <a:schemeClr val="lt1"/>
+    </dgm:linClrLst>
+    <dgm:effectClrLst/>
+    <dgm:txLinClrLst/>
+    <dgm:txFillClrLst/>
+    <dgm:txEffectClrLst/>
+  </dgm:styleLbl>
+  <dgm:styleLbl name="asst3">
+    <dgm:fillClrLst>
+      <a:schemeClr val="accent5">
+        <a:tint val="70000"/>
+      </a:schemeClr>
+    </dgm:fillClrLst>
+    <dgm:linClrLst meth="repeat">
+      <a:schemeClr val="lt1"/>
+    </dgm:linClrLst>
+    <dgm:effectClrLst/>
+    <dgm:txLinClrLst/>
+    <dgm:txFillClrLst/>
+    <dgm:txEffectClrLst/>
+  </dgm:styleLbl>
+  <dgm:styleLbl name="asst4">
+    <dgm:fillClrLst>
+      <a:schemeClr val="accent5">
+        <a:tint val="50000"/>
+      </a:schemeClr>
+    </dgm:fillClrLst>
+    <dgm:linClrLst meth="repeat">
+      <a:schemeClr val="lt1"/>
+    </dgm:linClrLst>
+    <dgm:effectClrLst/>
+    <dgm:txLinClrLst/>
+    <dgm:txFillClrLst/>
+    <dgm:txEffectClrLst/>
+  </dgm:styleLbl>
+  <dgm:styleLbl name="parChTrans2D1">
+    <dgm:fillClrLst meth="repeat">
+      <a:schemeClr val="accent5">
+        <a:tint val="60000"/>
+      </a:schemeClr>
+    </dgm:fillClrLst>
+    <dgm:linClrLst meth="repeat">
+      <a:schemeClr val="accent5">
+        <a:shade val="80000"/>
+      </a:schemeClr>
+    </dgm:linClrLst>
+    <dgm:effectClrLst/>
+    <dgm:txLinClrLst/>
+    <dgm:txFillClrLst/>
+    <dgm:txEffectClrLst/>
+  </dgm:styleLbl>
+  <dgm:styleLbl name="parChTrans2D2">
+    <dgm:fillClrLst meth="repeat">
+      <a:schemeClr val="accent5">
+        <a:tint val="90000"/>
+      </a:schemeClr>
+    </dgm:fillClrLst>
+    <dgm:linClrLst meth="repeat">
+      <a:schemeClr val="accent5">
+        <a:tint val="90000"/>
+      </a:schemeClr>
+    </dgm:linClrLst>
+    <dgm:effectClrLst/>
+    <dgm:txLinClrLst/>
+    <dgm:txFillClrLst/>
+    <dgm:txEffectClrLst/>
+  </dgm:styleLbl>
+  <dgm:styleLbl name="parChTrans2D3">
+    <dgm:fillClrLst meth="repeat">
+      <a:schemeClr val="accent5">
+        <a:tint val="70000"/>
+      </a:schemeClr>
+    </dgm:fillClrLst>
+    <dgm:linClrLst meth="repeat">
+      <a:schemeClr val="accent5">
+        <a:tint val="70000"/>
+      </a:schemeClr>
+    </dgm:linClrLst>
+    <dgm:effectClrLst/>
+    <dgm:txLinClrLst/>
+    <dgm:txFillClrLst/>
+    <dgm:txEffectClrLst/>
+  </dgm:styleLbl>
+  <dgm:styleLbl name="parChTrans2D4">
+    <dgm:fillClrLst meth="repeat">
+      <a:schemeClr val="accent5">
+        <a:tint val="50000"/>
+      </a:schemeClr>
+    </dgm:fillClrLst>
+    <dgm:linClrLst meth="repeat">
+      <a:schemeClr val="accent5">
+        <a:tint val="50000"/>
+      </a:schemeClr>
+    </dgm:linClrLst>
+    <dgm:effectClrLst/>
+    <dgm:txLinClrLst/>
+    <dgm:txFillClrLst meth="repeat">
+      <a:schemeClr val="dk1"/>
+    </dgm:txFillClrLst>
+    <dgm:txEffectClrLst/>
+  </dgm:styleLbl>
+  <dgm:styleLbl name="parChTrans1D1">
+    <dgm:fillClrLst meth="repeat">
+      <a:schemeClr val="accent5">
+        <a:shade val="80000"/>
+      </a:schemeClr>
+    </dgm:fillClrLst>
+    <dgm:linClrLst meth="repeat">
+      <a:schemeClr val="accent5">
+        <a:shade val="80000"/>
+      </a:schemeClr>
+    </dgm:linClrLst>
+    <dgm:effectClrLst/>
+    <dgm:txLinClrLst/>
+    <dgm:txFillClrLst meth="repeat">
+      <a:schemeClr val="tx1"/>
+    </dgm:txFillClrLst>
+    <dgm:txEffectClrLst/>
+  </dgm:styleLbl>
+  <dgm:styleLbl name="parChTrans1D2">
+    <dgm:fillClrLst meth="repeat">
+      <a:schemeClr val="accent5">
+        <a:tint val="90000"/>
+      </a:schemeClr>
+    </dgm:fillClrLst>
+    <dgm:linClrLst meth="repeat">
+      <a:schemeClr val="accent5">
+        <a:tint val="90000"/>
+      </a:schemeClr>
+    </dgm:linClrLst>
+    <dgm:effectClrLst/>
+    <dgm:txLinClrLst/>
+    <dgm:txFillClrLst meth="repeat">
+      <a:schemeClr val="tx1"/>
+    </dgm:txFillClrLst>
+    <dgm:txEffectClrLst/>
+  </dgm:styleLbl>
+  <dgm:styleLbl name="parChTrans1D3">
+    <dgm:fillClrLst meth="repeat">
+      <a:schemeClr val="accent5">
+        <a:tint val="70000"/>
+      </a:schemeClr>
+    </dgm:fillClrLst>
+    <dgm:linClrLst meth="repeat">
+      <a:schemeClr val="accent5">
+        <a:tint val="70000"/>
+      </a:schemeClr>
+    </dgm:linClrLst>
+    <dgm:effectClrLst/>
+    <dgm:txLinClrLst/>
+    <dgm:txFillClrLst meth="repeat">
+      <a:schemeClr val="tx1"/>
+    </dgm:txFillClrLst>
+    <dgm:txEffectClrLst/>
+  </dgm:styleLbl>
+  <dgm:styleLbl name="parChTrans1D4">
+    <dgm:fillClrLst meth="repeat">
+      <a:schemeClr val="accent5">
+        <a:tint val="50000"/>
+      </a:schemeClr>
+    </dgm:fillClrLst>
+    <dgm:linClrLst meth="repeat">
+      <a:schemeClr val="accent5">
+        <a:tint val="50000"/>
+      </a:schemeClr>
+    </dgm:linClrLst>
+    <dgm:effectClrLst/>
+    <dgm:txLinClrLst/>
+    <dgm:txFillClrLst meth="repeat">
+      <a:schemeClr val="tx1"/>
+    </dgm:txFillClrLst>
+    <dgm:txEffectClrLst/>
+  </dgm:styleLbl>
+  <dgm:styleLbl name="fgAcc1">
+    <dgm:fillClrLst meth="repeat">
+      <a:schemeClr val="lt1">
+        <a:alpha val="90000"/>
+      </a:schemeClr>
+    </dgm:fillClrLst>
+    <dgm:linClrLst meth="cycle">
+      <a:schemeClr val="accent5">
+        <a:shade val="50000"/>
+      </a:schemeClr>
+      <a:schemeClr val="accent5">
+        <a:tint val="55000"/>
+      </a:schemeClr>
+    </dgm:linClrLst>
+    <dgm:effectClrLst/>
+    <dgm:txLinClrLst/>
+    <dgm:txFillClrLst meth="repeat">
+      <a:schemeClr val="dk1"/>
+    </dgm:txFillClrLst>
+    <dgm:txEffectClrLst/>
+  </dgm:styleLbl>
+  <dgm:styleLbl name="conFgAcc1">
+    <dgm:fillClrLst meth="repeat">
+      <a:schemeClr val="lt1">
+        <a:alpha val="90000"/>
+      </a:schemeClr>
+    </dgm:fillClrLst>
+    <dgm:linClrLst meth="cycle">
+      <a:schemeClr val="accent5">
+        <a:shade val="50000"/>
+      </a:schemeClr>
+      <a:schemeClr val="accent5">
+        <a:tint val="55000"/>
+      </a:schemeClr>
+    </dgm:linClrLst>
+    <dgm:effectClrLst/>
+    <dgm:txLinClrLst/>
+    <dgm:txFillClrLst meth="repeat">
+      <a:schemeClr val="dk1"/>
+    </dgm:txFillClrLst>
+    <dgm:txEffectClrLst/>
+  </dgm:styleLbl>
+  <dgm:styleLbl name="alignAcc1">
+    <dgm:fillClrLst meth="repeat">
+      <a:schemeClr val="lt1">
+        <a:alpha val="90000"/>
+      </a:schemeClr>
+    </dgm:fillClrLst>
+    <dgm:linClrLst meth="cycle">
+      <a:schemeClr val="accent5">
+        <a:shade val="50000"/>
+      </a:schemeClr>
+      <a:schemeClr val="accent5">
+        <a:tint val="55000"/>
+      </a:schemeClr>
+    </dgm:linClrLst>
+    <dgm:effectClrLst/>
+    <dgm:txLinClrLst/>
+    <dgm:txFillClrLst meth="repeat">
+      <a:schemeClr val="dk1"/>
+    </dgm:txFillClrLst>
+    <dgm:txEffectClrLst/>
+  </dgm:styleLbl>
+  <dgm:styleLbl name="trAlignAcc1">
+    <dgm:fillClrLst meth="repeat">
+      <a:schemeClr val="lt1">
+        <a:alpha val="55000"/>
+      </a:schemeClr>
+    </dgm:fillClrLst>
+    <dgm:linClrLst meth="repeat">
+      <a:schemeClr val="accent5"/>
+    </dgm:linClrLst>
+    <dgm:effectClrLst/>
+    <dgm:txLinClrLst/>
+    <dgm:txFillClrLst meth="repeat">
+      <a:schemeClr val="dk1"/>
+    </dgm:txFillClrLst>
+    <dgm:txEffectClrLst/>
+  </dgm:styleLbl>
+  <dgm:styleLbl name="bgAcc1">
+    <dgm:fillClrLst meth="repeat">
+      <a:schemeClr val="lt1">
+        <a:alpha val="90000"/>
+      </a:schemeClr>
+    </dgm:fillClrLst>
+    <dgm:linClrLst meth="cycle">
+      <a:schemeClr val="accent5">
+        <a:shade val="50000"/>
+      </a:schemeClr>
+      <a:schemeClr val="accent5">
+        <a:tint val="55000"/>
+      </a:schemeClr>
+    </dgm:linClrLst>
+    <dgm:effectClrLst/>
+    <dgm:txLinClrLst/>
+    <dgm:txFillClrLst meth="repeat">
+      <a:schemeClr val="dk1"/>
+    </dgm:txFillClrLst>
+    <dgm:txEffectClrLst/>
+  </dgm:styleLbl>
+  <dgm:styleLbl name="solidFgAcc1">
+    <dgm:fillClrLst meth="repeat">
+      <a:schemeClr val="lt1"/>
+    </dgm:fillClrLst>
+    <dgm:linClrLst meth="cycle">
+      <a:schemeClr val="accent5">
+        <a:shade val="50000"/>
+      </a:schemeClr>
+      <a:schemeClr val="accent5">
+        <a:tint val="55000"/>
+      </a:schemeClr>
+    </dgm:linClrLst>
+    <dgm:effectClrLst/>
+    <dgm:txLinClrLst/>
+    <dgm:txFillClrLst meth="repeat">
+      <a:schemeClr val="dk1"/>
+    </dgm:txFillClrLst>
+    <dgm:txEffectClrLst/>
+  </dgm:styleLbl>
+  <dgm:styleLbl name="solidAlignAcc1">
+    <dgm:fillClrLst meth="repeat">
+      <a:schemeClr val="lt1"/>
+    </dgm:fillClrLst>
+    <dgm:linClrLst meth="repeat">
+      <a:schemeClr val="accent5"/>
+    </dgm:linClrLst>
+    <dgm:effectClrLst/>
+    <dgm:txLinClrLst/>
+    <dgm:txFillClrLst meth="repeat">
+      <a:schemeClr val="dk1"/>
+    </dgm:txFillClrLst>
+    <dgm:txEffectClrLst/>
+  </dgm:styleLbl>
+  <dgm:styleLbl name="solidBgAcc1">
+    <dgm:fillClrLst meth="repeat">
+      <a:schemeClr val="lt1"/>
+    </dgm:fillClrLst>
+    <dgm:linClrLst meth="repeat">
+      <a:schemeClr val="accent5"/>
+    </dgm:linClrLst>
+    <dgm:effectClrLst/>
+    <dgm:txLinClrLst/>
+    <dgm:txFillClrLst meth="repeat">
+      <a:schemeClr val="dk1"/>
+    </dgm:txFillClrLst>
+    <dgm:txEffectClrLst/>
+  </dgm:styleLbl>
+  <dgm:styleLbl name="fgAccFollowNode1">
+    <dgm:fillClrLst meth="repeat">
+      <a:schemeClr val="accent5">
+        <a:alpha val="90000"/>
+        <a:tint val="55000"/>
+      </a:schemeClr>
+    </dgm:fillClrLst>
+    <dgm:linClrLst meth="repeat">
+      <a:schemeClr val="accent5">
+        <a:alpha val="90000"/>
+        <a:tint val="55000"/>
+      </a:schemeClr>
+    </dgm:linClrLst>
+    <dgm:effectClrLst/>
+    <dgm:txLinClrLst/>
+    <dgm:txFillClrLst meth="repeat">
+      <a:schemeClr val="dk1"/>
+    </dgm:txFillClrLst>
+    <dgm:txEffectClrLst/>
+  </dgm:styleLbl>
+  <dgm:styleLbl name="alignAccFollowNode1">
+    <dgm:fillClrLst meth="repeat">
+      <a:schemeClr val="accent5">
+        <a:alpha val="90000"/>
+        <a:tint val="55000"/>
+      </a:schemeClr>
+    </dgm:fillClrLst>
+    <dgm:linClrLst meth="repeat">
+      <a:schemeClr val="accent5">
+        <a:alpha val="90000"/>
+        <a:tint val="55000"/>
+      </a:schemeClr>
+    </dgm:linClrLst>
+    <dgm:effectClrLst/>
+    <dgm:txLinClrLst/>
+    <dgm:txFillClrLst meth="repeat">
+      <a:schemeClr val="dk1"/>
+    </dgm:txFillClrLst>
+    <dgm:txEffectClrLst/>
+  </dgm:styleLbl>
+  <dgm:styleLbl name="bgAccFollowNode1">
+    <dgm:fillClrLst meth="repeat">
+      <a:schemeClr val="accent5">
+        <a:alpha val="90000"/>
+        <a:tint val="55000"/>
+      </a:schemeClr>
+    </dgm:fillClrLst>
+    <dgm:linClrLst meth="repeat">
+      <a:schemeClr val="lt1"/>
+    </dgm:linClrLst>
+    <dgm:effectClrLst/>
+    <dgm:txLinClrLst/>
+    <dgm:txFillClrLst meth="repeat">
+      <a:schemeClr val="dk1"/>
+    </dgm:txFillClrLst>
+    <dgm:txEffectClrLst/>
+  </dgm:styleLbl>
+  <dgm:styleLbl name="fgAcc0">
+    <dgm:fillClrLst meth="repeat">
+      <a:schemeClr val="lt1">
+        <a:alpha val="90000"/>
+      </a:schemeClr>
+    </dgm:fillClrLst>
+    <dgm:linClrLst meth="repeat">
+      <a:schemeClr val="accent5">
+        <a:shade val="80000"/>
+      </a:schemeClr>
+    </dgm:linClrLst>
+    <dgm:effectClrLst/>
+    <dgm:txLinClrLst/>
+    <dgm:txFillClrLst meth="repeat">
+      <a:schemeClr val="dk1"/>
+    </dgm:txFillClrLst>
+    <dgm:txEffectClrLst/>
+  </dgm:styleLbl>
+  <dgm:styleLbl name="fgAcc2">
+    <dgm:fillClrLst meth="repeat">
+      <a:schemeClr val="lt1">
+        <a:alpha val="90000"/>
+      </a:schemeClr>
+    </dgm:fillClrLst>
+    <dgm:linClrLst meth="repeat">
+      <a:schemeClr val="accent5">
+        <a:tint val="90000"/>
+      </a:schemeClr>
+    </dgm:linClrLst>
+    <dgm:effectClrLst/>
+    <dgm:txLinClrLst/>
+    <dgm:txFillClrLst meth="repeat">
+      <a:schemeClr val="dk1"/>
+    </dgm:txFillClrLst>
+    <dgm:txEffectClrLst/>
+  </dgm:styleLbl>
+  <dgm:styleLbl name="fgAcc3">
+    <dgm:fillClrLst meth="repeat">
+      <a:schemeClr val="lt1">
+        <a:alpha val="90000"/>
+      </a:schemeClr>
+    </dgm:fillClrLst>
+    <dgm:linClrLst meth="repeat">
+      <a:schemeClr val="accent5">
+        <a:tint val="70000"/>
+      </a:schemeClr>
+    </dgm:linClrLst>
+    <dgm:effectClrLst/>
+    <dgm:txLinClrLst/>
+    <dgm:txFillClrLst meth="repeat">
+      <a:schemeClr val="dk1"/>
+    </dgm:txFillClrLst>
+    <dgm:txEffectClrLst/>
+  </dgm:styleLbl>
+  <dgm:styleLbl name="fgAcc4">
+    <dgm:fillClrLst meth="repeat">
+      <a:schemeClr val="lt1">
+        <a:alpha val="90000"/>
+      </a:schemeClr>
+    </dgm:fillClrLst>
+    <dgm:linClrLst meth="repeat">
+      <a:schemeClr val="accent5">
+        <a:tint val="50000"/>
+      </a:schemeClr>
+    </dgm:linClrLst>
+    <dgm:effectClrLst/>
+    <dgm:txLinClrLst/>
+    <dgm:txFillClrLst meth="repeat">
+      <a:schemeClr val="dk1"/>
+    </dgm:txFillClrLst>
+    <dgm:txEffectClrLst/>
+  </dgm:styleLbl>
+  <dgm:styleLbl name="bgShp">
+    <dgm:fillClrLst meth="repeat">
+      <a:schemeClr val="accent5">
+        <a:tint val="55000"/>
+      </a:schemeClr>
+    </dgm:fillClrLst>
+    <dgm:linClrLst meth="repeat">
+      <a:schemeClr val="dk1"/>
+    </dgm:linClrLst>
+    <dgm:effectClrLst/>
+    <dgm:txLinClrLst/>
+    <dgm:txFillClrLst meth="repeat">
+      <a:schemeClr val="dk1"/>
+    </dgm:txFillClrLst>
+    <dgm:txEffectClrLst/>
+  </dgm:styleLbl>
+  <dgm:styleLbl name="dkBgShp">
+    <dgm:fillClrLst meth="repeat">
+      <a:schemeClr val="accent5">
+        <a:shade val="90000"/>
+      </a:schemeClr>
+    </dgm:fillClrLst>
+    <dgm:linClrLst meth="repeat">
+      <a:schemeClr val="dk1"/>
+    </dgm:linClrLst>
+    <dgm:effectClrLst/>
+    <dgm:txLinClrLst/>
+    <dgm:txFillClrLst meth="repeat">
+      <a:schemeClr val="lt1"/>
+    </dgm:txFillClrLst>
+    <dgm:txEffectClrLst/>
+  </dgm:styleLbl>
+  <dgm:styleLbl name="trBgShp">
+    <dgm:fillClrLst meth="repeat">
+      <a:schemeClr val="accent5">
+        <a:tint val="50000"/>
+        <a:alpha val="55000"/>
+      </a:schemeClr>
+    </dgm:fillClrLst>
+    <dgm:linClrLst meth="repeat">
+      <a:schemeClr val="accent5"/>
+    </dgm:linClrLst>
+    <dgm:effectClrLst/>
+    <dgm:txLinClrLst/>
+    <dgm:txFillClrLst meth="repeat">
+      <a:schemeClr val="lt1"/>
+    </dgm:txFillClrLst>
+    <dgm:txEffectClrLst/>
+  </dgm:styleLbl>
+  <dgm:styleLbl name="fgShp">
+    <dgm:fillClrLst meth="repeat">
+      <a:schemeClr val="accent5">
+        <a:tint val="55000"/>
+      </a:schemeClr>
+    </dgm:fillClrLst>
+    <dgm:linClrLst meth="repeat">
+      <a:schemeClr val="lt1"/>
+    </dgm:linClrLst>
+    <dgm:effectClrLst/>
+    <dgm:txLinClrLst/>
+    <dgm:txFillClrLst meth="repeat">
+      <a:schemeClr val="dk1"/>
+    </dgm:txFillClrLst>
+    <dgm:txEffectClrLst/>
+  </dgm:styleLbl>
+  <dgm:styleLbl name="revTx">
+    <dgm:fillClrLst meth="repeat">
+      <a:schemeClr val="lt1">
+        <a:alpha val="0"/>
+      </a:schemeClr>
+    </dgm:fillClrLst>
+    <dgm:linClrLst meth="repeat">
+      <a:schemeClr val="dk1">
+        <a:alpha val="0"/>
+      </a:schemeClr>
+    </dgm:linClrLst>
+    <dgm:effectClrLst/>
+    <dgm:txLinClrLst/>
+    <dgm:txFillClrLst meth="repeat">
+      <a:schemeClr val="tx1"/>
+    </dgm:txFillClrLst>
+    <dgm:txEffectClrLst/>
+  </dgm:styleLbl>
+</dgm:colorsDef>
+</file>
+
+<file path=ppt/diagrams/data1.xml><?xml version="1.0" encoding="utf-8"?>
+<dgm:dataModel xmlns:dgm="http://schemas.openxmlformats.org/drawingml/2006/diagram" xmlns:a="http://schemas.openxmlformats.org/drawingml/2006/main">
+  <dgm:ptLst>
+    <dgm:pt modelId="{D89CBB3A-6B44-4627-B754-F8408759180C}" type="doc">
+      <dgm:prSet loTypeId="urn:microsoft.com/office/officeart/2005/8/layout/target1" loCatId="relationship" qsTypeId="urn:microsoft.com/office/officeart/2005/8/quickstyle/simple2" qsCatId="simple" csTypeId="urn:microsoft.com/office/officeart/2005/8/colors/accent5_4" csCatId="accent5" phldr="1"/>
+      <dgm:spPr/>
+    </dgm:pt>
+    <dgm:pt modelId="{9FD2730A-B180-4670-8299-8AD349DA01DF}">
+      <dgm:prSet phldrT="[文本]" custT="1"/>
+      <dgm:spPr/>
+      <dgm:t>
+        <a:bodyPr/>
+        <a:lstStyle/>
+        <a:p>
+          <a:r>
+            <a:rPr lang="en-US" altLang="zh-CN" sz="2000" dirty="0">
+              <a:solidFill>
+                <a:srgbClr val="00B0F0"/>
+              </a:solidFill>
+            </a:rPr>
+            <a:t>10.14</a:t>
+          </a:r>
+          <a:r>
+            <a:rPr lang="en-US" altLang="zh-CN" sz="2000" dirty="0"/>
+            <a:t>   </a:t>
+          </a:r>
+          <a:r>
+            <a:rPr lang="en-US" altLang="zh-CN" sz="2000" dirty="0">
+              <a:solidFill>
+                <a:srgbClr val="00B0F0"/>
+              </a:solidFill>
+            </a:rPr>
+            <a:t>2</a:t>
+          </a:r>
+          <a:r>
+            <a:rPr lang="zh-CN" altLang="en-US" sz="2000" dirty="0">
+              <a:solidFill>
+                <a:srgbClr val="00B0F0"/>
+              </a:solidFill>
+            </a:rPr>
+            <a:t>次 </a:t>
+          </a:r>
+          <a:r>
+            <a:rPr lang="en-US" altLang="zh-CN" sz="2000" dirty="0">
+              <a:solidFill>
+                <a:srgbClr val="00B0F0"/>
+              </a:solidFill>
+            </a:rPr>
+            <a:t>x 2h</a:t>
+          </a:r>
+          <a:endParaRPr lang="zh-CN" altLang="en-US" sz="2000" dirty="0">
+            <a:solidFill>
+              <a:srgbClr val="00B0F0"/>
+            </a:solidFill>
+          </a:endParaRPr>
+        </a:p>
+      </dgm:t>
+    </dgm:pt>
+    <dgm:pt modelId="{315B8487-00BC-4343-939C-8DFF5758284F}" type="parTrans" cxnId="{F9A1A87B-4DC4-4C17-8078-D7BC95CF2C95}">
+      <dgm:prSet/>
+      <dgm:spPr/>
+      <dgm:t>
+        <a:bodyPr/>
+        <a:lstStyle/>
+        <a:p>
+          <a:endParaRPr lang="zh-CN" altLang="en-US"/>
+        </a:p>
+      </dgm:t>
+    </dgm:pt>
+    <dgm:pt modelId="{66B54E8B-F2B0-4BB8-8D2D-55F82C32E14F}" type="sibTrans" cxnId="{F9A1A87B-4DC4-4C17-8078-D7BC95CF2C95}">
+      <dgm:prSet/>
+      <dgm:spPr/>
+      <dgm:t>
+        <a:bodyPr/>
+        <a:lstStyle/>
+        <a:p>
+          <a:endParaRPr lang="zh-CN" altLang="en-US"/>
+        </a:p>
+      </dgm:t>
+    </dgm:pt>
+    <dgm:pt modelId="{8406E67A-EEC6-4269-A186-6A42F21AB565}">
+      <dgm:prSet phldrT="[文本]" custT="1"/>
+      <dgm:spPr/>
+      <dgm:t>
+        <a:bodyPr/>
+        <a:lstStyle/>
+        <a:p>
+          <a:r>
+            <a:rPr lang="en-US" altLang="zh-CN" sz="2000" dirty="0">
+              <a:solidFill>
+                <a:srgbClr val="00B0F0"/>
+              </a:solidFill>
+            </a:rPr>
+            <a:t>10.20 </a:t>
+          </a:r>
+          <a:r>
+            <a:rPr lang="en-US" altLang="zh-CN" sz="2000" dirty="0"/>
+            <a:t>  </a:t>
+          </a:r>
+          <a:r>
+            <a:rPr lang="en-US" altLang="zh-CN" sz="2000" dirty="0">
+              <a:solidFill>
+                <a:srgbClr val="00B0F0"/>
+              </a:solidFill>
+            </a:rPr>
+            <a:t>2</a:t>
+          </a:r>
+          <a:r>
+            <a:rPr lang="zh-CN" altLang="en-US" sz="2000" dirty="0">
+              <a:solidFill>
+                <a:srgbClr val="00B0F0"/>
+              </a:solidFill>
+            </a:rPr>
+            <a:t>次 </a:t>
+          </a:r>
+          <a:r>
+            <a:rPr lang="en-US" altLang="zh-CN" sz="2000" dirty="0">
+              <a:solidFill>
+                <a:srgbClr val="00B0F0"/>
+              </a:solidFill>
+            </a:rPr>
+            <a:t>x 2h</a:t>
+          </a:r>
+          <a:endParaRPr lang="zh-CN" altLang="en-US" sz="2000" dirty="0">
+            <a:solidFill>
+              <a:srgbClr val="00B0F0"/>
+            </a:solidFill>
+          </a:endParaRPr>
+        </a:p>
+      </dgm:t>
+    </dgm:pt>
+    <dgm:pt modelId="{B296A762-07B1-48F5-A0AD-9C239558C6F0}" type="parTrans" cxnId="{FBD1197F-F028-4D6C-8FE5-5B2F41C1B4C8}">
+      <dgm:prSet/>
+      <dgm:spPr/>
+      <dgm:t>
+        <a:bodyPr/>
+        <a:lstStyle/>
+        <a:p>
+          <a:endParaRPr lang="zh-CN" altLang="en-US"/>
+        </a:p>
+      </dgm:t>
+    </dgm:pt>
+    <dgm:pt modelId="{D71CA3C1-7EFD-4435-BDF5-38A048DFFC42}" type="sibTrans" cxnId="{FBD1197F-F028-4D6C-8FE5-5B2F41C1B4C8}">
+      <dgm:prSet/>
+      <dgm:spPr/>
+      <dgm:t>
+        <a:bodyPr/>
+        <a:lstStyle/>
+        <a:p>
+          <a:endParaRPr lang="zh-CN" altLang="en-US"/>
+        </a:p>
+      </dgm:t>
+    </dgm:pt>
+    <dgm:pt modelId="{0E3976E1-90F4-49D1-BF2D-FA4177D318E3}">
+      <dgm:prSet phldrT="[文本]" custT="1"/>
+      <dgm:spPr/>
+      <dgm:t>
+        <a:bodyPr/>
+        <a:lstStyle/>
+        <a:p>
+          <a:r>
+            <a:rPr lang="en-US" altLang="zh-CN" sz="2000" dirty="0">
+              <a:solidFill>
+                <a:srgbClr val="00B0F0"/>
+              </a:solidFill>
+            </a:rPr>
+            <a:t>10.26   2</a:t>
+          </a:r>
+          <a:r>
+            <a:rPr lang="zh-CN" altLang="en-US" sz="2000" dirty="0">
+              <a:solidFill>
+                <a:srgbClr val="00B0F0"/>
+              </a:solidFill>
+            </a:rPr>
+            <a:t>次 </a:t>
+          </a:r>
+          <a:r>
+            <a:rPr lang="en-US" altLang="zh-CN" sz="2000" dirty="0">
+              <a:solidFill>
+                <a:srgbClr val="00B0F0"/>
+              </a:solidFill>
+            </a:rPr>
+            <a:t>x 2h</a:t>
+          </a:r>
+          <a:endParaRPr lang="zh-CN" altLang="en-US" sz="2000" dirty="0">
+            <a:solidFill>
+              <a:srgbClr val="00B0F0"/>
+            </a:solidFill>
+          </a:endParaRPr>
+        </a:p>
+      </dgm:t>
+    </dgm:pt>
+    <dgm:pt modelId="{729CB77F-7CC8-4739-A6A5-650BB9F91A16}" type="sibTrans" cxnId="{439BFEF7-A597-4300-9B8E-9718E26F7A19}">
+      <dgm:prSet/>
+      <dgm:spPr/>
+      <dgm:t>
+        <a:bodyPr/>
+        <a:lstStyle/>
+        <a:p>
+          <a:endParaRPr lang="zh-CN" altLang="en-US"/>
+        </a:p>
+      </dgm:t>
+    </dgm:pt>
+    <dgm:pt modelId="{A90828FA-166A-4318-861B-5E1526000F76}" type="parTrans" cxnId="{439BFEF7-A597-4300-9B8E-9718E26F7A19}">
+      <dgm:prSet/>
+      <dgm:spPr/>
+      <dgm:t>
+        <a:bodyPr/>
+        <a:lstStyle/>
+        <a:p>
+          <a:endParaRPr lang="zh-CN" altLang="en-US"/>
+        </a:p>
+      </dgm:t>
+    </dgm:pt>
+    <dgm:pt modelId="{CAC275A4-7E50-4ECF-9EF8-8A09A3177BE3}" type="pres">
+      <dgm:prSet presAssocID="{D89CBB3A-6B44-4627-B754-F8408759180C}" presName="composite" presStyleCnt="0">
+        <dgm:presLayoutVars>
+          <dgm:chMax val="5"/>
+          <dgm:dir/>
+          <dgm:resizeHandles val="exact"/>
+        </dgm:presLayoutVars>
+      </dgm:prSet>
+      <dgm:spPr/>
+    </dgm:pt>
+    <dgm:pt modelId="{DAAA8073-0BD4-4551-8537-02259978E98E}" type="pres">
+      <dgm:prSet presAssocID="{9FD2730A-B180-4670-8299-8AD349DA01DF}" presName="circle1" presStyleLbl="lnNode1" presStyleIdx="0" presStyleCnt="3"/>
+      <dgm:spPr/>
+    </dgm:pt>
+    <dgm:pt modelId="{CBF98FEB-7F84-45E5-AB2B-CC96F054C289}" type="pres">
+      <dgm:prSet presAssocID="{9FD2730A-B180-4670-8299-8AD349DA01DF}" presName="text1" presStyleLbl="revTx" presStyleIdx="0" presStyleCnt="3" custScaleX="142206" custLinFactNeighborX="20134" custLinFactNeighborY="1045">
+        <dgm:presLayoutVars>
+          <dgm:bulletEnabled val="1"/>
+        </dgm:presLayoutVars>
+      </dgm:prSet>
+      <dgm:spPr/>
+    </dgm:pt>
+    <dgm:pt modelId="{B2F1E4F5-4A19-48A2-A61A-EF894508A8C6}" type="pres">
+      <dgm:prSet presAssocID="{9FD2730A-B180-4670-8299-8AD349DA01DF}" presName="line1" presStyleLbl="callout" presStyleIdx="0" presStyleCnt="6"/>
+      <dgm:spPr/>
+    </dgm:pt>
+    <dgm:pt modelId="{2D08CAB8-58F5-4A27-B306-9D817CF2A6D9}" type="pres">
+      <dgm:prSet presAssocID="{9FD2730A-B180-4670-8299-8AD349DA01DF}" presName="d1" presStyleLbl="callout" presStyleIdx="1" presStyleCnt="6"/>
+      <dgm:spPr/>
+    </dgm:pt>
+    <dgm:pt modelId="{462EC6C9-E127-4BBB-AB94-F0F43A1AD808}" type="pres">
+      <dgm:prSet presAssocID="{8406E67A-EEC6-4269-A186-6A42F21AB565}" presName="circle2" presStyleLbl="lnNode1" presStyleIdx="1" presStyleCnt="3"/>
+      <dgm:spPr/>
+    </dgm:pt>
+    <dgm:pt modelId="{03D88539-E00D-439B-A681-1BADAC9ADA61}" type="pres">
+      <dgm:prSet presAssocID="{8406E67A-EEC6-4269-A186-6A42F21AB565}" presName="text2" presStyleLbl="revTx" presStyleIdx="1" presStyleCnt="3" custScaleX="143759" custLinFactNeighborX="21299" custLinFactNeighborY="-2801">
+        <dgm:presLayoutVars>
+          <dgm:bulletEnabled val="1"/>
+        </dgm:presLayoutVars>
+      </dgm:prSet>
+      <dgm:spPr/>
+    </dgm:pt>
+    <dgm:pt modelId="{DFB551B3-F259-4649-BF24-93DED1792091}" type="pres">
+      <dgm:prSet presAssocID="{8406E67A-EEC6-4269-A186-6A42F21AB565}" presName="line2" presStyleLbl="callout" presStyleIdx="2" presStyleCnt="6"/>
+      <dgm:spPr/>
+    </dgm:pt>
+    <dgm:pt modelId="{D8703178-9361-4A95-B147-DE98A74987AC}" type="pres">
+      <dgm:prSet presAssocID="{8406E67A-EEC6-4269-A186-6A42F21AB565}" presName="d2" presStyleLbl="callout" presStyleIdx="3" presStyleCnt="6"/>
+      <dgm:spPr/>
+    </dgm:pt>
+    <dgm:pt modelId="{AF344A2B-5F90-4ED3-89AD-A50647AD727D}" type="pres">
+      <dgm:prSet presAssocID="{0E3976E1-90F4-49D1-BF2D-FA4177D318E3}" presName="circle3" presStyleLbl="lnNode1" presStyleIdx="2" presStyleCnt="3"/>
+      <dgm:spPr/>
+    </dgm:pt>
+    <dgm:pt modelId="{C1581AEF-19B0-4875-A650-60E95E78552C}" type="pres">
+      <dgm:prSet presAssocID="{0E3976E1-90F4-49D1-BF2D-FA4177D318E3}" presName="text3" presStyleLbl="revTx" presStyleIdx="2" presStyleCnt="3" custScaleX="130749" custLinFactNeighborX="16343" custLinFactNeighborY="2497">
+        <dgm:presLayoutVars>
+          <dgm:bulletEnabled val="1"/>
+        </dgm:presLayoutVars>
+      </dgm:prSet>
+      <dgm:spPr/>
+    </dgm:pt>
+    <dgm:pt modelId="{CE23729D-17F9-4B7C-8AFC-27E363F8691A}" type="pres">
+      <dgm:prSet presAssocID="{0E3976E1-90F4-49D1-BF2D-FA4177D318E3}" presName="line3" presStyleLbl="callout" presStyleIdx="4" presStyleCnt="6"/>
+      <dgm:spPr/>
+    </dgm:pt>
+    <dgm:pt modelId="{3E024318-2F6F-4EBA-A281-E65D3F389730}" type="pres">
+      <dgm:prSet presAssocID="{0E3976E1-90F4-49D1-BF2D-FA4177D318E3}" presName="d3" presStyleLbl="callout" presStyleIdx="5" presStyleCnt="6"/>
+      <dgm:spPr/>
+    </dgm:pt>
+  </dgm:ptLst>
+  <dgm:cxnLst>
+    <dgm:cxn modelId="{67386832-BD89-49A8-A746-F873C1BBA70E}" type="presOf" srcId="{0E3976E1-90F4-49D1-BF2D-FA4177D318E3}" destId="{C1581AEF-19B0-4875-A650-60E95E78552C}" srcOrd="0" destOrd="0" presId="urn:microsoft.com/office/officeart/2005/8/layout/target1"/>
+    <dgm:cxn modelId="{5493E760-BD11-4616-8723-DEC7B5EA14C1}" type="presOf" srcId="{D89CBB3A-6B44-4627-B754-F8408759180C}" destId="{CAC275A4-7E50-4ECF-9EF8-8A09A3177BE3}" srcOrd="0" destOrd="0" presId="urn:microsoft.com/office/officeart/2005/8/layout/target1"/>
+    <dgm:cxn modelId="{FBD1197F-F028-4D6C-8FE5-5B2F41C1B4C8}" srcId="{D89CBB3A-6B44-4627-B754-F8408759180C}" destId="{8406E67A-EEC6-4269-A186-6A42F21AB565}" srcOrd="1" destOrd="0" parTransId="{B296A762-07B1-48F5-A0AD-9C239558C6F0}" sibTransId="{D71CA3C1-7EFD-4435-BDF5-38A048DFFC42}"/>
+    <dgm:cxn modelId="{439BFEF7-A597-4300-9B8E-9718E26F7A19}" srcId="{D89CBB3A-6B44-4627-B754-F8408759180C}" destId="{0E3976E1-90F4-49D1-BF2D-FA4177D318E3}" srcOrd="2" destOrd="0" parTransId="{A90828FA-166A-4318-861B-5E1526000F76}" sibTransId="{729CB77F-7CC8-4739-A6A5-650BB9F91A16}"/>
+    <dgm:cxn modelId="{F9A1A87B-4DC4-4C17-8078-D7BC95CF2C95}" srcId="{D89CBB3A-6B44-4627-B754-F8408759180C}" destId="{9FD2730A-B180-4670-8299-8AD349DA01DF}" srcOrd="0" destOrd="0" parTransId="{315B8487-00BC-4343-939C-8DFF5758284F}" sibTransId="{66B54E8B-F2B0-4BB8-8D2D-55F82C32E14F}"/>
+    <dgm:cxn modelId="{035964F1-3195-465C-A5B4-E4696F42FA4C}" type="presOf" srcId="{9FD2730A-B180-4670-8299-8AD349DA01DF}" destId="{CBF98FEB-7F84-45E5-AB2B-CC96F054C289}" srcOrd="0" destOrd="0" presId="urn:microsoft.com/office/officeart/2005/8/layout/target1"/>
+    <dgm:cxn modelId="{0D610F8E-3BE4-4C21-BE34-0F002F72F903}" type="presOf" srcId="{8406E67A-EEC6-4269-A186-6A42F21AB565}" destId="{03D88539-E00D-439B-A681-1BADAC9ADA61}" srcOrd="0" destOrd="0" presId="urn:microsoft.com/office/officeart/2005/8/layout/target1"/>
+    <dgm:cxn modelId="{06E69526-B345-405A-B300-6FB4A7C87DC6}" type="presParOf" srcId="{CAC275A4-7E50-4ECF-9EF8-8A09A3177BE3}" destId="{DAAA8073-0BD4-4551-8537-02259978E98E}" srcOrd="0" destOrd="0" presId="urn:microsoft.com/office/officeart/2005/8/layout/target1"/>
+    <dgm:cxn modelId="{E740D888-01C2-4C86-8FEF-5DA9395768A6}" type="presParOf" srcId="{CAC275A4-7E50-4ECF-9EF8-8A09A3177BE3}" destId="{CBF98FEB-7F84-45E5-AB2B-CC96F054C289}" srcOrd="1" destOrd="0" presId="urn:microsoft.com/office/officeart/2005/8/layout/target1"/>
+    <dgm:cxn modelId="{F493B966-EE04-4E97-AF38-5FF1A94408D8}" type="presParOf" srcId="{CAC275A4-7E50-4ECF-9EF8-8A09A3177BE3}" destId="{B2F1E4F5-4A19-48A2-A61A-EF894508A8C6}" srcOrd="2" destOrd="0" presId="urn:microsoft.com/office/officeart/2005/8/layout/target1"/>
+    <dgm:cxn modelId="{9F2E360D-444E-4C74-A1AB-B45C26923A22}" type="presParOf" srcId="{CAC275A4-7E50-4ECF-9EF8-8A09A3177BE3}" destId="{2D08CAB8-58F5-4A27-B306-9D817CF2A6D9}" srcOrd="3" destOrd="0" presId="urn:microsoft.com/office/officeart/2005/8/layout/target1"/>
+    <dgm:cxn modelId="{A9442AB9-318D-4FF0-AC51-BE17E741556B}" type="presParOf" srcId="{CAC275A4-7E50-4ECF-9EF8-8A09A3177BE3}" destId="{462EC6C9-E127-4BBB-AB94-F0F43A1AD808}" srcOrd="4" destOrd="0" presId="urn:microsoft.com/office/officeart/2005/8/layout/target1"/>
+    <dgm:cxn modelId="{6F9C9674-3F6C-4570-9659-110E6B5D690C}" type="presParOf" srcId="{CAC275A4-7E50-4ECF-9EF8-8A09A3177BE3}" destId="{03D88539-E00D-439B-A681-1BADAC9ADA61}" srcOrd="5" destOrd="0" presId="urn:microsoft.com/office/officeart/2005/8/layout/target1"/>
+    <dgm:cxn modelId="{5CA674D3-1525-4F7E-A36E-231894DAB823}" type="presParOf" srcId="{CAC275A4-7E50-4ECF-9EF8-8A09A3177BE3}" destId="{DFB551B3-F259-4649-BF24-93DED1792091}" srcOrd="6" destOrd="0" presId="urn:microsoft.com/office/officeart/2005/8/layout/target1"/>
+    <dgm:cxn modelId="{A519F144-8778-40C2-88BA-7E1FC43F7241}" type="presParOf" srcId="{CAC275A4-7E50-4ECF-9EF8-8A09A3177BE3}" destId="{D8703178-9361-4A95-B147-DE98A74987AC}" srcOrd="7" destOrd="0" presId="urn:microsoft.com/office/officeart/2005/8/layout/target1"/>
+    <dgm:cxn modelId="{A6F2CA60-9345-4A33-9B1F-8981F79C62BE}" type="presParOf" srcId="{CAC275A4-7E50-4ECF-9EF8-8A09A3177BE3}" destId="{AF344A2B-5F90-4ED3-89AD-A50647AD727D}" srcOrd="8" destOrd="0" presId="urn:microsoft.com/office/officeart/2005/8/layout/target1"/>
+    <dgm:cxn modelId="{79800FA7-DA20-4251-8D14-A27EDB82298C}" type="presParOf" srcId="{CAC275A4-7E50-4ECF-9EF8-8A09A3177BE3}" destId="{C1581AEF-19B0-4875-A650-60E95E78552C}" srcOrd="9" destOrd="0" presId="urn:microsoft.com/office/officeart/2005/8/layout/target1"/>
+    <dgm:cxn modelId="{571076CE-0AEB-4E51-A701-E19B6E666886}" type="presParOf" srcId="{CAC275A4-7E50-4ECF-9EF8-8A09A3177BE3}" destId="{CE23729D-17F9-4B7C-8AFC-27E363F8691A}" srcOrd="10" destOrd="0" presId="urn:microsoft.com/office/officeart/2005/8/layout/target1"/>
+    <dgm:cxn modelId="{3CE79B04-55EC-4ABA-B214-E611AB8AA213}" type="presParOf" srcId="{CAC275A4-7E50-4ECF-9EF8-8A09A3177BE3}" destId="{3E024318-2F6F-4EBA-A281-E65D3F389730}" srcOrd="11" destOrd="0" presId="urn:microsoft.com/office/officeart/2005/8/layout/target1"/>
+  </dgm:cxnLst>
+  <dgm:bg/>
+  <dgm:whole/>
+  <dgm:extLst>
+    <a:ext uri="http://schemas.microsoft.com/office/drawing/2008/diagram">
+      <dsp:dataModelExt xmlns:dsp="http://schemas.microsoft.com/office/drawing/2008/diagram" relId="rId6" minVer="http://schemas.openxmlformats.org/drawingml/2006/diagram"/>
+    </a:ext>
+  </dgm:extLst>
+</dgm:dataModel>
+</file>
+
+<file path=ppt/diagrams/drawing1.xml><?xml version="1.0" encoding="utf-8"?>
+<dsp:drawing xmlns:dgm="http://schemas.openxmlformats.org/drawingml/2006/diagram" xmlns:dsp="http://schemas.microsoft.com/office/drawing/2008/diagram" xmlns:a="http://schemas.openxmlformats.org/drawingml/2006/main">
+  <dsp:spTree>
+    <dsp:nvGrpSpPr>
+      <dsp:cNvPr id="0" name=""/>
+      <dsp:cNvGrpSpPr/>
+    </dsp:nvGrpSpPr>
+    <dsp:grpSpPr/>
+    <dsp:sp modelId="{AF344A2B-5F90-4ED3-89AD-A50647AD727D}">
+      <dsp:nvSpPr>
+        <dsp:cNvPr id="0" name=""/>
+        <dsp:cNvSpPr/>
+      </dsp:nvSpPr>
+      <dsp:spPr>
+        <a:xfrm>
+          <a:off x="341278" y="1015999"/>
+          <a:ext cx="3048000" cy="3048000"/>
+        </a:xfrm>
+        <a:prstGeom prst="ellipse">
+          <a:avLst/>
+        </a:prstGeom>
+        <a:solidFill>
+          <a:schemeClr val="accent5">
+            <a:shade val="50000"/>
+            <a:hueOff val="168648"/>
+            <a:satOff val="-3730"/>
+            <a:lumOff val="27991"/>
+            <a:alphaOff val="0"/>
+          </a:schemeClr>
+        </a:solidFill>
+        <a:ln w="38100" cap="flat" cmpd="sng" algn="ctr">
+          <a:solidFill>
+            <a:schemeClr val="lt1">
+              <a:hueOff val="0"/>
+              <a:satOff val="0"/>
+              <a:lumOff val="0"/>
+              <a:alphaOff val="0"/>
+            </a:schemeClr>
+          </a:solidFill>
+          <a:prstDash val="solid"/>
+        </a:ln>
+        <a:effectLst>
+          <a:outerShdw blurRad="40000" dist="20000" dir="5400000" rotWithShape="0">
+            <a:srgbClr val="000000">
+              <a:alpha val="38000"/>
+            </a:srgbClr>
+          </a:outerShdw>
+        </a:effectLst>
+      </dsp:spPr>
+      <dsp:style>
+        <a:lnRef idx="3">
+          <a:scrgbClr r="0" g="0" b="0"/>
+        </a:lnRef>
+        <a:fillRef idx="1">
+          <a:scrgbClr r="0" g="0" b="0"/>
+        </a:fillRef>
+        <a:effectRef idx="1">
+          <a:scrgbClr r="0" g="0" b="0"/>
+        </a:effectRef>
+        <a:fontRef idx="minor">
+          <a:schemeClr val="lt1"/>
+        </a:fontRef>
+      </dsp:style>
+    </dsp:sp>
+    <dsp:sp modelId="{462EC6C9-E127-4BBB-AB94-F0F43A1AD808}">
+      <dsp:nvSpPr>
+        <dsp:cNvPr id="0" name=""/>
+        <dsp:cNvSpPr/>
+      </dsp:nvSpPr>
+      <dsp:spPr>
+        <a:xfrm>
+          <a:off x="950878" y="1625599"/>
+          <a:ext cx="1828800" cy="1828800"/>
+        </a:xfrm>
+        <a:prstGeom prst="ellipse">
+          <a:avLst/>
+        </a:prstGeom>
+        <a:solidFill>
+          <a:schemeClr val="accent5">
+            <a:shade val="50000"/>
+            <a:hueOff val="168648"/>
+            <a:satOff val="-3730"/>
+            <a:lumOff val="27991"/>
+            <a:alphaOff val="0"/>
+          </a:schemeClr>
+        </a:solidFill>
+        <a:ln w="38100" cap="flat" cmpd="sng" algn="ctr">
+          <a:solidFill>
+            <a:schemeClr val="lt1">
+              <a:hueOff val="0"/>
+              <a:satOff val="0"/>
+              <a:lumOff val="0"/>
+              <a:alphaOff val="0"/>
+            </a:schemeClr>
+          </a:solidFill>
+          <a:prstDash val="solid"/>
+        </a:ln>
+        <a:effectLst>
+          <a:outerShdw blurRad="40000" dist="20000" dir="5400000" rotWithShape="0">
+            <a:srgbClr val="000000">
+              <a:alpha val="38000"/>
+            </a:srgbClr>
+          </a:outerShdw>
+        </a:effectLst>
+      </dsp:spPr>
+      <dsp:style>
+        <a:lnRef idx="3">
+          <a:scrgbClr r="0" g="0" b="0"/>
+        </a:lnRef>
+        <a:fillRef idx="1">
+          <a:scrgbClr r="0" g="0" b="0"/>
+        </a:fillRef>
+        <a:effectRef idx="1">
+          <a:scrgbClr r="0" g="0" b="0"/>
+        </a:effectRef>
+        <a:fontRef idx="minor">
+          <a:schemeClr val="lt1"/>
+        </a:fontRef>
+      </dsp:style>
+    </dsp:sp>
+    <dsp:sp modelId="{DAAA8073-0BD4-4551-8537-02259978E98E}">
+      <dsp:nvSpPr>
+        <dsp:cNvPr id="0" name=""/>
+        <dsp:cNvSpPr/>
+      </dsp:nvSpPr>
+      <dsp:spPr>
+        <a:xfrm>
+          <a:off x="1560478" y="2235200"/>
+          <a:ext cx="609600" cy="609600"/>
+        </a:xfrm>
+        <a:prstGeom prst="ellipse">
+          <a:avLst/>
+        </a:prstGeom>
+        <a:solidFill>
+          <a:schemeClr val="accent5">
+            <a:shade val="50000"/>
+            <a:hueOff val="0"/>
+            <a:satOff val="0"/>
+            <a:lumOff val="0"/>
+            <a:alphaOff val="0"/>
+          </a:schemeClr>
+        </a:solidFill>
+        <a:ln w="38100" cap="flat" cmpd="sng" algn="ctr">
+          <a:solidFill>
+            <a:schemeClr val="lt1">
+              <a:hueOff val="0"/>
+              <a:satOff val="0"/>
+              <a:lumOff val="0"/>
+              <a:alphaOff val="0"/>
+            </a:schemeClr>
+          </a:solidFill>
+          <a:prstDash val="solid"/>
+        </a:ln>
+        <a:effectLst>
+          <a:outerShdw blurRad="40000" dist="20000" dir="5400000" rotWithShape="0">
+            <a:srgbClr val="000000">
+              <a:alpha val="38000"/>
+            </a:srgbClr>
+          </a:outerShdw>
+        </a:effectLst>
+      </dsp:spPr>
+      <dsp:style>
+        <a:lnRef idx="3">
+          <a:scrgbClr r="0" g="0" b="0"/>
+        </a:lnRef>
+        <a:fillRef idx="1">
+          <a:scrgbClr r="0" g="0" b="0"/>
+        </a:fillRef>
+        <a:effectRef idx="1">
+          <a:scrgbClr r="0" g="0" b="0"/>
+        </a:effectRef>
+        <a:fontRef idx="minor">
+          <a:schemeClr val="lt1"/>
+        </a:fontRef>
+      </dsp:style>
+    </dsp:sp>
+    <dsp:sp modelId="{CBF98FEB-7F84-45E5-AB2B-CC96F054C289}">
+      <dsp:nvSpPr>
+        <dsp:cNvPr id="0" name=""/>
+        <dsp:cNvSpPr/>
+      </dsp:nvSpPr>
+      <dsp:spPr>
+        <a:xfrm>
+          <a:off x="3882510" y="9290"/>
+          <a:ext cx="2167219" cy="889000"/>
+        </a:xfrm>
+        <a:prstGeom prst="rect">
+          <a:avLst/>
+        </a:prstGeom>
+        <a:noFill/>
+        <a:ln>
+          <a:noFill/>
+        </a:ln>
+        <a:effectLst/>
+      </dsp:spPr>
+      <dsp:style>
+        <a:lnRef idx="0">
+          <a:scrgbClr r="0" g="0" b="0"/>
+        </a:lnRef>
+        <a:fillRef idx="0">
+          <a:scrgbClr r="0" g="0" b="0"/>
+        </a:fillRef>
+        <a:effectRef idx="0">
+          <a:scrgbClr r="0" g="0" b="0"/>
+        </a:effectRef>
+        <a:fontRef idx="minor"/>
+      </dsp:style>
+      <dsp:txBody>
+        <a:bodyPr spcFirstLastPara="0" vert="horz" wrap="square" lIns="142240" tIns="25400" rIns="25400" bIns="25400" numCol="1" spcCol="1270" anchor="ctr" anchorCtr="0">
+          <a:noAutofit/>
+        </a:bodyPr>
+        <a:lstStyle/>
+        <a:p>
+          <a:pPr marL="0" lvl="0" indent="0" algn="l" defTabSz="889000">
+            <a:lnSpc>
+              <a:spcPct val="90000"/>
+            </a:lnSpc>
+            <a:spcBef>
+              <a:spcPct val="0"/>
+            </a:spcBef>
+            <a:spcAft>
+              <a:spcPct val="35000"/>
+            </a:spcAft>
+            <a:buNone/>
+          </a:pPr>
+          <a:r>
+            <a:rPr lang="en-US" altLang="zh-CN" sz="2000" kern="1200" dirty="0">
+              <a:solidFill>
+                <a:srgbClr val="00B0F0"/>
+              </a:solidFill>
+            </a:rPr>
+            <a:t>10.14</a:t>
+          </a:r>
+          <a:r>
+            <a:rPr lang="en-US" altLang="zh-CN" sz="2000" kern="1200" dirty="0"/>
+            <a:t>   </a:t>
+          </a:r>
+          <a:r>
+            <a:rPr lang="en-US" altLang="zh-CN" sz="2000" kern="1200" dirty="0">
+              <a:solidFill>
+                <a:srgbClr val="00B0F0"/>
+              </a:solidFill>
+            </a:rPr>
+            <a:t>2</a:t>
+          </a:r>
+          <a:r>
+            <a:rPr lang="zh-CN" altLang="en-US" sz="2000" kern="1200" dirty="0">
+              <a:solidFill>
+                <a:srgbClr val="00B0F0"/>
+              </a:solidFill>
+            </a:rPr>
+            <a:t>次 </a:t>
+          </a:r>
+          <a:r>
+            <a:rPr lang="en-US" altLang="zh-CN" sz="2000" kern="1200" dirty="0">
+              <a:solidFill>
+                <a:srgbClr val="00B0F0"/>
+              </a:solidFill>
+            </a:rPr>
+            <a:t>x 2h</a:t>
+          </a:r>
+          <a:endParaRPr lang="zh-CN" altLang="en-US" sz="2000" kern="1200" dirty="0">
+            <a:solidFill>
+              <a:srgbClr val="00B0F0"/>
+            </a:solidFill>
+          </a:endParaRPr>
+        </a:p>
+      </dsp:txBody>
+      <dsp:txXfrm>
+        <a:off x="3882510" y="9290"/>
+        <a:ext cx="2167219" cy="889000"/>
+      </dsp:txXfrm>
+    </dsp:sp>
+    <dsp:sp modelId="{B2F1E4F5-4A19-48A2-A61A-EF894508A8C6}">
+      <dsp:nvSpPr>
+        <dsp:cNvPr id="0" name=""/>
+        <dsp:cNvSpPr/>
+      </dsp:nvSpPr>
+      <dsp:spPr>
+        <a:xfrm>
+          <a:off x="3516278" y="444499"/>
+          <a:ext cx="381000" cy="0"/>
+        </a:xfrm>
+        <a:prstGeom prst="line">
+          <a:avLst/>
+        </a:prstGeom>
+        <a:solidFill>
+          <a:schemeClr val="accent5">
+            <a:hueOff val="0"/>
+            <a:satOff val="0"/>
+            <a:lumOff val="0"/>
+            <a:alphaOff val="0"/>
+          </a:schemeClr>
+        </a:solidFill>
+        <a:ln w="25400" cap="flat" cmpd="sng" algn="ctr">
+          <a:solidFill>
+            <a:schemeClr val="accent5">
+              <a:hueOff val="0"/>
+              <a:satOff val="0"/>
+              <a:lumOff val="0"/>
+              <a:alphaOff val="0"/>
+            </a:schemeClr>
+          </a:solidFill>
+          <a:prstDash val="solid"/>
+        </a:ln>
+        <a:effectLst>
+          <a:outerShdw blurRad="40000" dist="20000" dir="5400000" rotWithShape="0">
+            <a:srgbClr val="000000">
+              <a:alpha val="38000"/>
+            </a:srgbClr>
+          </a:outerShdw>
+        </a:effectLst>
+      </dsp:spPr>
+      <dsp:style>
+        <a:lnRef idx="2">
+          <a:scrgbClr r="0" g="0" b="0"/>
+        </a:lnRef>
+        <a:fillRef idx="1">
+          <a:scrgbClr r="0" g="0" b="0"/>
+        </a:fillRef>
+        <a:effectRef idx="1">
+          <a:scrgbClr r="0" g="0" b="0"/>
+        </a:effectRef>
+        <a:fontRef idx="minor"/>
+      </dsp:style>
+    </dsp:sp>
+    <dsp:sp modelId="{2D08CAB8-58F5-4A27-B306-9D817CF2A6D9}">
+      <dsp:nvSpPr>
+        <dsp:cNvPr id="0" name=""/>
+        <dsp:cNvSpPr/>
+      </dsp:nvSpPr>
+      <dsp:spPr>
+        <a:xfrm rot="5400000">
+          <a:off x="1642520" y="667766"/>
+          <a:ext cx="2094991" cy="1649476"/>
+        </a:xfrm>
+        <a:prstGeom prst="line">
+          <a:avLst/>
+        </a:prstGeom>
+        <a:solidFill>
+          <a:schemeClr val="accent5">
+            <a:hueOff val="0"/>
+            <a:satOff val="0"/>
+            <a:lumOff val="0"/>
+            <a:alphaOff val="0"/>
+          </a:schemeClr>
+        </a:solidFill>
+        <a:ln w="25400" cap="flat" cmpd="sng" algn="ctr">
+          <a:solidFill>
+            <a:schemeClr val="accent5">
+              <a:hueOff val="0"/>
+              <a:satOff val="0"/>
+              <a:lumOff val="0"/>
+              <a:alphaOff val="0"/>
+            </a:schemeClr>
+          </a:solidFill>
+          <a:prstDash val="solid"/>
+        </a:ln>
+        <a:effectLst>
+          <a:outerShdw blurRad="40000" dist="20000" dir="5400000" rotWithShape="0">
+            <a:srgbClr val="000000">
+              <a:alpha val="38000"/>
+            </a:srgbClr>
+          </a:outerShdw>
+        </a:effectLst>
+      </dsp:spPr>
+      <dsp:style>
+        <a:lnRef idx="2">
+          <a:scrgbClr r="0" g="0" b="0"/>
+        </a:lnRef>
+        <a:fillRef idx="1">
+          <a:scrgbClr r="0" g="0" b="0"/>
+        </a:fillRef>
+        <a:effectRef idx="1">
+          <a:scrgbClr r="0" g="0" b="0"/>
+        </a:effectRef>
+        <a:fontRef idx="minor"/>
+      </dsp:style>
+    </dsp:sp>
+    <dsp:sp modelId="{03D88539-E00D-439B-A681-1BADAC9ADA61}">
+      <dsp:nvSpPr>
+        <dsp:cNvPr id="0" name=""/>
+        <dsp:cNvSpPr/>
+      </dsp:nvSpPr>
+      <dsp:spPr>
+        <a:xfrm>
+          <a:off x="3888431" y="864099"/>
+          <a:ext cx="2190887" cy="889000"/>
+        </a:xfrm>
+        <a:prstGeom prst="rect">
+          <a:avLst/>
+        </a:prstGeom>
+        <a:noFill/>
+        <a:ln>
+          <a:noFill/>
+        </a:ln>
+        <a:effectLst/>
+      </dsp:spPr>
+      <dsp:style>
+        <a:lnRef idx="0">
+          <a:scrgbClr r="0" g="0" b="0"/>
+        </a:lnRef>
+        <a:fillRef idx="0">
+          <a:scrgbClr r="0" g="0" b="0"/>
+        </a:fillRef>
+        <a:effectRef idx="0">
+          <a:scrgbClr r="0" g="0" b="0"/>
+        </a:effectRef>
+        <a:fontRef idx="minor"/>
+      </dsp:style>
+      <dsp:txBody>
+        <a:bodyPr spcFirstLastPara="0" vert="horz" wrap="square" lIns="142240" tIns="25400" rIns="25400" bIns="25400" numCol="1" spcCol="1270" anchor="ctr" anchorCtr="0">
+          <a:noAutofit/>
+        </a:bodyPr>
+        <a:lstStyle/>
+        <a:p>
+          <a:pPr marL="0" lvl="0" indent="0" algn="l" defTabSz="889000">
+            <a:lnSpc>
+              <a:spcPct val="90000"/>
+            </a:lnSpc>
+            <a:spcBef>
+              <a:spcPct val="0"/>
+            </a:spcBef>
+            <a:spcAft>
+              <a:spcPct val="35000"/>
+            </a:spcAft>
+            <a:buNone/>
+          </a:pPr>
+          <a:r>
+            <a:rPr lang="en-US" altLang="zh-CN" sz="2000" kern="1200" dirty="0">
+              <a:solidFill>
+                <a:srgbClr val="00B0F0"/>
+              </a:solidFill>
+            </a:rPr>
+            <a:t>10.20 </a:t>
+          </a:r>
+          <a:r>
+            <a:rPr lang="en-US" altLang="zh-CN" sz="2000" kern="1200" dirty="0"/>
+            <a:t>  </a:t>
+          </a:r>
+          <a:r>
+            <a:rPr lang="en-US" altLang="zh-CN" sz="2000" kern="1200" dirty="0">
+              <a:solidFill>
+                <a:srgbClr val="00B0F0"/>
+              </a:solidFill>
+            </a:rPr>
+            <a:t>2</a:t>
+          </a:r>
+          <a:r>
+            <a:rPr lang="zh-CN" altLang="en-US" sz="2000" kern="1200" dirty="0">
+              <a:solidFill>
+                <a:srgbClr val="00B0F0"/>
+              </a:solidFill>
+            </a:rPr>
+            <a:t>次 </a:t>
+          </a:r>
+          <a:r>
+            <a:rPr lang="en-US" altLang="zh-CN" sz="2000" kern="1200" dirty="0">
+              <a:solidFill>
+                <a:srgbClr val="00B0F0"/>
+              </a:solidFill>
+            </a:rPr>
+            <a:t>x 2h</a:t>
+          </a:r>
+          <a:endParaRPr lang="zh-CN" altLang="en-US" sz="2000" kern="1200" dirty="0">
+            <a:solidFill>
+              <a:srgbClr val="00B0F0"/>
+            </a:solidFill>
+          </a:endParaRPr>
+        </a:p>
+      </dsp:txBody>
+      <dsp:txXfrm>
+        <a:off x="3888431" y="864099"/>
+        <a:ext cx="2190887" cy="889000"/>
+      </dsp:txXfrm>
+    </dsp:sp>
+    <dsp:sp modelId="{DFB551B3-F259-4649-BF24-93DED1792091}">
+      <dsp:nvSpPr>
+        <dsp:cNvPr id="0" name=""/>
+        <dsp:cNvSpPr/>
+      </dsp:nvSpPr>
+      <dsp:spPr>
+        <a:xfrm>
+          <a:off x="3516278" y="1333499"/>
+          <a:ext cx="381000" cy="0"/>
+        </a:xfrm>
+        <a:prstGeom prst="line">
+          <a:avLst/>
+        </a:prstGeom>
+        <a:solidFill>
+          <a:schemeClr val="accent5">
+            <a:hueOff val="0"/>
+            <a:satOff val="0"/>
+            <a:lumOff val="0"/>
+            <a:alphaOff val="0"/>
+          </a:schemeClr>
+        </a:solidFill>
+        <a:ln w="25400" cap="flat" cmpd="sng" algn="ctr">
+          <a:solidFill>
+            <a:schemeClr val="accent5">
+              <a:hueOff val="0"/>
+              <a:satOff val="0"/>
+              <a:lumOff val="0"/>
+              <a:alphaOff val="0"/>
+            </a:schemeClr>
+          </a:solidFill>
+          <a:prstDash val="solid"/>
+        </a:ln>
+        <a:effectLst>
+          <a:outerShdw blurRad="40000" dist="20000" dir="5400000" rotWithShape="0">
+            <a:srgbClr val="000000">
+              <a:alpha val="38000"/>
+            </a:srgbClr>
+          </a:outerShdw>
+        </a:effectLst>
+      </dsp:spPr>
+      <dsp:style>
+        <a:lnRef idx="2">
+          <a:scrgbClr r="0" g="0" b="0"/>
+        </a:lnRef>
+        <a:fillRef idx="1">
+          <a:scrgbClr r="0" g="0" b="0"/>
+        </a:fillRef>
+        <a:effectRef idx="1">
+          <a:scrgbClr r="0" g="0" b="0"/>
+        </a:effectRef>
+        <a:fontRef idx="minor"/>
+      </dsp:style>
+    </dsp:sp>
+    <dsp:sp modelId="{D8703178-9361-4A95-B147-DE98A74987AC}">
+      <dsp:nvSpPr>
+        <dsp:cNvPr id="0" name=""/>
+        <dsp:cNvSpPr/>
+      </dsp:nvSpPr>
+      <dsp:spPr>
+        <a:xfrm rot="5400000">
+          <a:off x="2092201" y="1542897"/>
+          <a:ext cx="1632508" cy="1212596"/>
+        </a:xfrm>
+        <a:prstGeom prst="line">
+          <a:avLst/>
+        </a:prstGeom>
+        <a:solidFill>
+          <a:schemeClr val="accent5">
+            <a:hueOff val="0"/>
+            <a:satOff val="0"/>
+            <a:lumOff val="0"/>
+            <a:alphaOff val="0"/>
+          </a:schemeClr>
+        </a:solidFill>
+        <a:ln w="25400" cap="flat" cmpd="sng" algn="ctr">
+          <a:solidFill>
+            <a:schemeClr val="accent5">
+              <a:hueOff val="0"/>
+              <a:satOff val="0"/>
+              <a:lumOff val="0"/>
+              <a:alphaOff val="0"/>
+            </a:schemeClr>
+          </a:solidFill>
+          <a:prstDash val="solid"/>
+        </a:ln>
+        <a:effectLst>
+          <a:outerShdw blurRad="40000" dist="20000" dir="5400000" rotWithShape="0">
+            <a:srgbClr val="000000">
+              <a:alpha val="38000"/>
+            </a:srgbClr>
+          </a:outerShdw>
+        </a:effectLst>
+      </dsp:spPr>
+      <dsp:style>
+        <a:lnRef idx="2">
+          <a:scrgbClr r="0" g="0" b="0"/>
+        </a:lnRef>
+        <a:fillRef idx="1">
+          <a:scrgbClr r="0" g="0" b="0"/>
+        </a:fillRef>
+        <a:effectRef idx="1">
+          <a:scrgbClr r="0" g="0" b="0"/>
+        </a:effectRef>
+        <a:fontRef idx="minor"/>
+      </dsp:style>
+    </dsp:sp>
+    <dsp:sp modelId="{C1581AEF-19B0-4875-A650-60E95E78552C}">
+      <dsp:nvSpPr>
+        <dsp:cNvPr id="0" name=""/>
+        <dsp:cNvSpPr/>
+      </dsp:nvSpPr>
+      <dsp:spPr>
+        <a:xfrm>
+          <a:off x="3912038" y="1800198"/>
+          <a:ext cx="1992614" cy="889000"/>
+        </a:xfrm>
+        <a:prstGeom prst="rect">
+          <a:avLst/>
+        </a:prstGeom>
+        <a:noFill/>
+        <a:ln>
+          <a:noFill/>
+        </a:ln>
+        <a:effectLst/>
+      </dsp:spPr>
+      <dsp:style>
+        <a:lnRef idx="0">
+          <a:scrgbClr r="0" g="0" b="0"/>
+        </a:lnRef>
+        <a:fillRef idx="0">
+          <a:scrgbClr r="0" g="0" b="0"/>
+        </a:fillRef>
+        <a:effectRef idx="0">
+          <a:scrgbClr r="0" g="0" b="0"/>
+        </a:effectRef>
+        <a:fontRef idx="minor"/>
+      </dsp:style>
+      <dsp:txBody>
+        <a:bodyPr spcFirstLastPara="0" vert="horz" wrap="square" lIns="142240" tIns="25400" rIns="25400" bIns="25400" numCol="1" spcCol="1270" anchor="ctr" anchorCtr="0">
+          <a:noAutofit/>
+        </a:bodyPr>
+        <a:lstStyle/>
+        <a:p>
+          <a:pPr marL="0" lvl="0" indent="0" algn="l" defTabSz="889000">
+            <a:lnSpc>
+              <a:spcPct val="90000"/>
+            </a:lnSpc>
+            <a:spcBef>
+              <a:spcPct val="0"/>
+            </a:spcBef>
+            <a:spcAft>
+              <a:spcPct val="35000"/>
+            </a:spcAft>
+            <a:buNone/>
+          </a:pPr>
+          <a:r>
+            <a:rPr lang="en-US" altLang="zh-CN" sz="2000" kern="1200" dirty="0">
+              <a:solidFill>
+                <a:srgbClr val="00B0F0"/>
+              </a:solidFill>
+            </a:rPr>
+            <a:t>10.26   2</a:t>
+          </a:r>
+          <a:r>
+            <a:rPr lang="zh-CN" altLang="en-US" sz="2000" kern="1200" dirty="0">
+              <a:solidFill>
+                <a:srgbClr val="00B0F0"/>
+              </a:solidFill>
+            </a:rPr>
+            <a:t>次 </a:t>
+          </a:r>
+          <a:r>
+            <a:rPr lang="en-US" altLang="zh-CN" sz="2000" kern="1200" dirty="0">
+              <a:solidFill>
+                <a:srgbClr val="00B0F0"/>
+              </a:solidFill>
+            </a:rPr>
+            <a:t>x 2h</a:t>
+          </a:r>
+          <a:endParaRPr lang="zh-CN" altLang="en-US" sz="2000" kern="1200" dirty="0">
+            <a:solidFill>
+              <a:srgbClr val="00B0F0"/>
+            </a:solidFill>
+          </a:endParaRPr>
+        </a:p>
+      </dsp:txBody>
+      <dsp:txXfrm>
+        <a:off x="3912038" y="1800198"/>
+        <a:ext cx="1992614" cy="889000"/>
+      </dsp:txXfrm>
+    </dsp:sp>
+    <dsp:sp modelId="{CE23729D-17F9-4B7C-8AFC-27E363F8691A}">
+      <dsp:nvSpPr>
+        <dsp:cNvPr id="0" name=""/>
+        <dsp:cNvSpPr/>
+      </dsp:nvSpPr>
+      <dsp:spPr>
+        <a:xfrm>
+          <a:off x="3516278" y="2222499"/>
+          <a:ext cx="381000" cy="0"/>
+        </a:xfrm>
+        <a:prstGeom prst="line">
+          <a:avLst/>
+        </a:prstGeom>
+        <a:solidFill>
+          <a:schemeClr val="accent5">
+            <a:hueOff val="0"/>
+            <a:satOff val="0"/>
+            <a:lumOff val="0"/>
+            <a:alphaOff val="0"/>
+          </a:schemeClr>
+        </a:solidFill>
+        <a:ln w="25400" cap="flat" cmpd="sng" algn="ctr">
+          <a:solidFill>
+            <a:schemeClr val="accent5">
+              <a:hueOff val="0"/>
+              <a:satOff val="0"/>
+              <a:lumOff val="0"/>
+              <a:alphaOff val="0"/>
+            </a:schemeClr>
+          </a:solidFill>
+          <a:prstDash val="solid"/>
+        </a:ln>
+        <a:effectLst>
+          <a:outerShdw blurRad="40000" dist="20000" dir="5400000" rotWithShape="0">
+            <a:srgbClr val="000000">
+              <a:alpha val="38000"/>
+            </a:srgbClr>
+          </a:outerShdw>
+        </a:effectLst>
+      </dsp:spPr>
+      <dsp:style>
+        <a:lnRef idx="2">
+          <a:scrgbClr r="0" g="0" b="0"/>
+        </a:lnRef>
+        <a:fillRef idx="1">
+          <a:scrgbClr r="0" g="0" b="0"/>
+        </a:fillRef>
+        <a:effectRef idx="1">
+          <a:scrgbClr r="0" g="0" b="0"/>
+        </a:effectRef>
+        <a:fontRef idx="minor"/>
+      </dsp:style>
+    </dsp:sp>
+    <dsp:sp modelId="{3E024318-2F6F-4EBA-A281-E65D3F389730}">
+      <dsp:nvSpPr>
+        <dsp:cNvPr id="0" name=""/>
+        <dsp:cNvSpPr/>
+      </dsp:nvSpPr>
+      <dsp:spPr>
+        <a:xfrm rot="5400000">
+          <a:off x="2542442" y="2417317"/>
+          <a:ext cx="1166368" cy="775716"/>
+        </a:xfrm>
+        <a:prstGeom prst="line">
+          <a:avLst/>
+        </a:prstGeom>
+        <a:solidFill>
+          <a:schemeClr val="accent5">
+            <a:hueOff val="0"/>
+            <a:satOff val="0"/>
+            <a:lumOff val="0"/>
+            <a:alphaOff val="0"/>
+          </a:schemeClr>
+        </a:solidFill>
+        <a:ln w="25400" cap="flat" cmpd="sng" algn="ctr">
+          <a:solidFill>
+            <a:schemeClr val="accent5">
+              <a:hueOff val="0"/>
+              <a:satOff val="0"/>
+              <a:lumOff val="0"/>
+              <a:alphaOff val="0"/>
+            </a:schemeClr>
+          </a:solidFill>
+          <a:prstDash val="solid"/>
+        </a:ln>
+        <a:effectLst>
+          <a:outerShdw blurRad="40000" dist="20000" dir="5400000" rotWithShape="0">
+            <a:srgbClr val="000000">
+              <a:alpha val="38000"/>
+            </a:srgbClr>
+          </a:outerShdw>
+        </a:effectLst>
+      </dsp:spPr>
+      <dsp:style>
+        <a:lnRef idx="2">
+          <a:scrgbClr r="0" g="0" b="0"/>
+        </a:lnRef>
+        <a:fillRef idx="1">
+          <a:scrgbClr r="0" g="0" b="0"/>
+        </a:fillRef>
+        <a:effectRef idx="1">
+          <a:scrgbClr r="0" g="0" b="0"/>
+        </a:effectRef>
+        <a:fontRef idx="minor"/>
+      </dsp:style>
+    </dsp:sp>
+  </dsp:spTree>
+</dsp:drawing>
+</file>
+
+<file path=ppt/diagrams/layout1.xml><?xml version="1.0" encoding="utf-8"?>
+<dgm:layoutDef xmlns:dgm="http://schemas.openxmlformats.org/drawingml/2006/diagram" xmlns:a="http://schemas.openxmlformats.org/drawingml/2006/main" uniqueId="urn:microsoft.com/office/officeart/2005/8/layout/target1">
+  <dgm:title val=""/>
+  <dgm:desc val=""/>
+  <dgm:catLst>
+    <dgm:cat type="relationship" pri="25000"/>
+    <dgm:cat type="convert" pri="20000"/>
+  </dgm:catLst>
+  <dgm:sampData useDef="1">
+    <dgm:dataModel>
+      <dgm:ptLst/>
+      <dgm:bg/>
+      <dgm:whole/>
+    </dgm:dataModel>
+  </dgm:sampData>
+  <dgm:styleData>
+    <dgm:dataModel>
+      <dgm:ptLst>
+        <dgm:pt modelId="0" type="doc"/>
+        <dgm:pt modelId="1"/>
+        <dgm:pt modelId="2"/>
+      </dgm:ptLst>
+      <dgm:cxnLst>
+        <dgm:cxn modelId="3" srcId="0" destId="1" srcOrd="0" destOrd="0"/>
+        <dgm:cxn modelId="4" srcId="0" destId="2" srcOrd="1" destOrd="0"/>
+      </dgm:cxnLst>
+      <dgm:bg/>
+      <dgm:whole/>
+    </dgm:dataModel>
+  </dgm:styleData>
+  <dgm:clrData>
+    <dgm:dataModel>
+      <dgm:ptLst>
+        <dgm:pt modelId="0" type="doc"/>
+        <dgm:pt modelId="1"/>
+        <dgm:pt modelId="2"/>
+        <dgm:pt modelId="3"/>
+        <dgm:pt modelId="4"/>
+      </dgm:ptLst>
+      <dgm:cxnLst>
+        <dgm:cxn modelId="5" srcId="0" destId="1" srcOrd="0" destOrd="0"/>
+        <dgm:cxn modelId="6" srcId="0" destId="2" srcOrd="1" destOrd="0"/>
+        <dgm:cxn modelId="7" srcId="0" destId="3" srcOrd="2" destOrd="0"/>
+        <dgm:cxn modelId="8" srcId="0" destId="4" srcOrd="3" destOrd="0"/>
+      </dgm:cxnLst>
+      <dgm:bg/>
+      <dgm:whole/>
+    </dgm:dataModel>
+  </dgm:clrData>
+  <dgm:layoutNode name="composite">
+    <dgm:varLst>
+      <dgm:chMax val="5"/>
+      <dgm:dir/>
+      <dgm:resizeHandles val="exact"/>
+    </dgm:varLst>
+    <dgm:alg type="composite">
+      <dgm:param type="ar" val="1.25"/>
+    </dgm:alg>
+    <dgm:shape xmlns:r="http://schemas.openxmlformats.org/officeDocument/2006/relationships" r:blip="">
+      <dgm:adjLst/>
+    </dgm:shape>
+    <dgm:presOf/>
+    <dgm:choose name="Name0">
+      <dgm:if name="Name1" func="var" arg="dir" op="equ" val="norm">
+        <dgm:choose name="Name2">
+          <dgm:if name="Name3" axis="ch" ptType="node" func="cnt" op="equ" val="0">
+            <dgm:constrLst/>
+          </dgm:if>
+          <dgm:if name="Name4" axis="ch" ptType="node" func="cnt" op="equ" val="1">
+            <dgm:constrLst>
+              <dgm:constr type="primFontSz" for="des" ptType="node" op="equ" val="65"/>
+              <dgm:constr type="w" for="ch" forName="circle1" refType="w" fact="0.6"/>
+              <dgm:constr type="h" for="ch" forName="circle1" refType="w" refFor="ch" refForName="circle1"/>
+              <dgm:constr type="ctrX" for="ch" forName="circle1" refType="w" fact="0.3"/>
+              <dgm:constr type="ctrY" for="ch" forName="circle1" refType="h" fact="0.625"/>
+              <dgm:constr type="w" for="ch" forName="text1" refType="w" fact="0.3"/>
+              <dgm:constr type="h" for="ch" forName="text1" refType="h" fact="0.3125"/>
+              <dgm:constr type="r" for="ch" forName="text1" refType="w"/>
+              <dgm:constr type="t" for="ch" forName="text1"/>
+              <dgm:constr type="l" for="ch" forName="line1" refType="w" fact="0.625"/>
+              <dgm:constr type="ctrY" for="ch" forName="line1" refType="ctrY" refFor="ch" refForName="text1"/>
+              <dgm:constr type="r" for="ch" forName="line1" refType="l" refFor="ch" refForName="text1"/>
+              <dgm:constr type="h" for="ch" forName="line1"/>
+              <dgm:constr type="l" for="ch" forName="d1" refType="w" fact="0.3"/>
+              <dgm:constr type="b" for="ch" forName="d1" refType="h" fact="0.625"/>
+              <dgm:constr type="w" for="ch" forName="d1" refType="w" fact="0.32475"/>
+              <dgm:constr type="h" for="ch" forName="d1" refType="h" fact="0.469"/>
+            </dgm:constrLst>
+          </dgm:if>
+          <dgm:if name="Name5" axis="ch" ptType="node" func="cnt" op="equ" val="2">
+            <dgm:constrLst>
+              <dgm:constr type="primFontSz" for="des" ptType="node" op="equ" val="65"/>
+              <dgm:constr type="w" for="ch" forName="circle1" refType="w" fact="0.2"/>
+              <dgm:constr type="h" for="ch" forName="circle1" refType="w" refFor="ch" refForName="circle1"/>
+              <dgm:constr type="ctrX" for="ch" forName="circle1" refType="w" fact="0.3"/>
+              <dgm:constr type="ctrY" for="ch" forName="circle1" refType="h" fact="0.625"/>
+              <dgm:constr type="w" for="ch" forName="text1" refType="w" fact="0.3"/>
+              <dgm:constr type="h" for="ch" forName="text1" refType="h" fact="0.3125"/>
+              <dgm:constr type="r" for="ch" forName="text1" refType="w"/>
+              <dgm:constr type="t" for="ch" forName="text1"/>
+              <dgm:constr type="l" for="ch" forName="line1" refType="w" fact="0.625"/>
+              <dgm:constr type="ctrY" for="ch" forName="line1" refType="ctrY" refFor="ch" refForName="text1"/>
+              <dgm:constr type="w" for="ch" forName="line1" refType="w" fact="0.075"/>
+              <dgm:constr type="h" for="ch" forName="line1"/>
+              <dgm:constr type="l" for="ch" forName="d1" refType="w" fact="0.3"/>
+              <dgm:constr type="b" for="ch" forName="d1" refType="h" fact="0.625"/>
+              <dgm:constr type="w" for="ch" forName="d1" refType="w" fact="0.32475"/>
+              <dgm:constr type="h" for="ch" forName="d1" refType="h" fact="0.469"/>
+              <dgm:constr type="w" for="ch" forName="circle2" refType="w" fact="0.6"/>
+              <dgm:constr type="h" for="ch" forName="circle2" refType="w" refFor="ch" refForName="circle2"/>
+              <dgm:constr type="ctrX" for="ch" forName="circle2" refType="w" fact="0.3"/>
+              <dgm:constr type="ctrY" for="ch" forName="circle2" refType="h" fact="0.625"/>
+              <dgm:constr type="w" for="ch" forName="text2" refType="w" fact="0.3"/>
+              <dgm:constr type="h" for="ch" forName="text2" refType="h" fact="0.3125"/>
+              <dgm:constr type="r" for="ch" forName="text2" refType="w"/>
+              <dgm:constr type="t" for="ch" forName="text2" refType="b" refFor="ch" refForName="text1"/>
+              <dgm:constr type="l" for="ch" forName="line2" refType="w" fact="0.625"/>
+              <dgm:constr type="ctrY" for="ch" forName="line2" refType="ctrY" refFor="ch" refForName="text2"/>
+              <dgm:constr type="w" for="ch" forName="line2" refType="w" fact="0.075"/>
+              <dgm:constr type="h" for="ch" forName="line2"/>
+              <dgm:constr type="l" for="ch" forName="d2" refType="w" fact="0.44325"/>
+              <dgm:constr type="b" for="ch" forName="d2" refType="h" fact="0.7975"/>
+              <dgm:constr type="w" for="ch" forName="d2" refType="w" fact="0.1815"/>
+              <dgm:constr type="h" for="ch" forName="d2" refType="h" fact="0.3283"/>
+            </dgm:constrLst>
+          </dgm:if>
+          <dgm:if name="Name6" axis="ch" ptType="node" func="cnt" op="equ" val="3">
+            <dgm:constrLst>
+              <dgm:constr type="primFontSz" for="des" ptType="node" op="equ" val="65"/>
+              <dgm:constr type="w" for="ch" forName="circle1" refType="w" fact="0.12"/>
+              <dgm:constr type="h" for="ch" forName="circle1" refType="w" refFor="ch" refForName="circle1"/>
+              <dgm:constr type="ctrX" for="ch" forName="circle1" refType="w" fact="0.3"/>
+              <dgm:constr type="ctrY" for="ch" forName="circle1" refType="h" fact="0.625"/>
+              <dgm:constr type="w" for="ch" forName="text1" refType="w" fact="0.3"/>
+              <dgm:constr type="h" for="ch" forName="text1" refType="h" fact="0.21875"/>
+              <dgm:constr type="r" for="ch" forName="text1" refType="w"/>
+              <dgm:constr type="t" for="ch" forName="text1"/>
+              <dgm:constr type="l" for="ch" forName="line1" refType="w" fact="0.625"/>
+              <dgm:constr type="ctrY" for="ch" forName="line1" refType="ctrY" refFor="ch" refForName="text1"/>
+              <dgm:constr type="w" for="ch" forName="line1" refType="w" fact="0.075"/>
+              <dgm:constr type="h" for="ch" forName="line1"/>
+              <dgm:constr type="l" for="ch" forName="d1" refType="w" fact="0.3"/>
+              <dgm:constr type="b" for="ch" forName="d1" refType="h" fact="0.625"/>
+              <dgm:constr type="w" for="ch" forName="d1" refType="w" fact="0.3247"/>
+              <dgm:constr type="h" for="ch" forName="d1" refType="h" fact="0.5155"/>
+              <dgm:constr type="w" for="ch" forName="circle2" refType="w" fact="0.36"/>
+              <dgm:constr type="h" for="ch" forName="circle2" refType="w" refFor="ch" refForName="circle2"/>
+              <dgm:constr type="ctrX" for="ch" forName="circle2" refType="w" fact="0.3"/>
+              <dgm:constr type="ctrY" for="ch" forName="circle2" refType="h" fact="0.625"/>
+              <dgm:constr type="w" for="ch" forName="text2" refType="w" fact="0.3"/>
+              <dgm:constr type="h" for="ch" forName="text2" refType="h" fact="0.21875"/>
+              <dgm:constr type="r" for="ch" forName="text2" refType="w"/>
+              <dgm:constr type="t" for="ch" forName="text2" refType="b" refFor="ch" refForName="text1"/>
+              <dgm:constr type="l" for="ch" forName="line2" refType="w" fact="0.625"/>
+              <dgm:constr type="ctrY" for="ch" forName="line2" refType="ctrY" refFor="ch" refForName="text2"/>
+              <dgm:constr type="w" for="ch" forName="line2" refType="w" fact="0.075"/>
+              <dgm:constr type="h" for="ch" forName="line2"/>
+              <dgm:constr type="l" for="ch" forName="d2" refType="w" fact="0.386"/>
+              <dgm:constr type="b" for="ch" forName="d2" refType="h" fact="0.72969"/>
+              <dgm:constr type="w" for="ch" forName="d2" refType="w" fact="0.2387"/>
+              <dgm:constr type="h" for="ch" forName="d2" refType="h" fact="0.4017"/>
+              <dgm:constr type="w" for="ch" forName="circle3" refType="w" fact="0.6"/>
+              <dgm:constr type="h" for="ch" forName="circle3" refType="w" refFor="ch" refForName="circle3"/>
+              <dgm:constr type="ctrX" for="ch" forName="circle3" refType="ctrX" refFor="ch" refForName="circle1"/>
+              <dgm:constr type="ctrY" for="ch" forName="circle3" refType="ctrY" refFor="ch" refForName="circle1"/>
+              <dgm:constr type="w" for="ch" forName="text3" refType="w" fact="0.3"/>
+              <dgm:constr type="h" for="ch" forName="text3" refType="h" fact="0.21875"/>
+              <dgm:constr type="r" for="ch" forName="text3" refType="w"/>
+              <dgm:constr type="t" for="ch" forName="text3" refType="b" refFor="ch" refForName="text2"/>
+              <dgm:constr type="l" for="ch" forName="line3" refType="w" fact="0.625"/>
+              <dgm:constr type="ctrY" for="ch" forName="line3" refType="ctrY" refFor="ch" refForName="text3"/>
+              <dgm:constr type="w" for="ch" forName="line3" refType="w" fact="0.075"/>
+              <dgm:constr type="h" for="ch" forName="line3"/>
+              <dgm:constr type="l" for="ch" forName="d3" refType="w" fact="0.47175"/>
+              <dgm:constr type="b" for="ch" forName="d3" refType="h" fact="0.83375"/>
+              <dgm:constr type="w" for="ch" forName="d3" refType="w" fact="0.1527"/>
+              <dgm:constr type="h" for="ch" forName="d3" refType="h" fact="0.287"/>
+            </dgm:constrLst>
+          </dgm:if>
+          <dgm:if name="Name7" axis="ch" ptType="node" func="cnt" op="equ" val="4">
+            <dgm:constrLst>
+              <dgm:constr type="primFontSz" for="des" ptType="node" op="equ" val="65"/>
+              <dgm:constr type="w" for="ch" forName="circle1" refType="w" fact="0.0857"/>
+              <dgm:constr type="h" for="ch" forName="circle1" refType="w" refFor="ch" refForName="circle1"/>
+              <dgm:constr type="ctrX" for="ch" forName="circle1" refType="w" fact="0.3"/>
+              <dgm:constr type="ctrY" for="ch" forName="circle1" refType="h" fact="0.625"/>
+              <dgm:constr type="w" for="ch" forName="text1" refType="w" fact="0.3"/>
+              <dgm:constr type="h" for="ch" forName="text1" refType="h" fact="0.17938"/>
+              <dgm:constr type="r" for="ch" forName="text1" refType="w"/>
+              <dgm:constr type="t" for="ch" forName="text1"/>
+              <dgm:constr type="l" for="ch" forName="line1" refType="w" fact="0.625"/>
+              <dgm:constr type="ctrY" for="ch" forName="line1" refType="ctrY" refFor="ch" refForName="text1"/>
+              <dgm:constr type="w" for="ch" forName="line1" refType="w" fact="0.075"/>
+              <dgm:constr type="h" for="ch" forName="line1"/>
+              <dgm:constr type="l" for="ch" forName="d1" refType="w" fact="0.295"/>
+              <dgm:constr type="b" for="ch" forName="d1" refType="h" fact="0.62"/>
+              <dgm:constr type="w" for="ch" forName="d1" refType="w" fact="0.33"/>
+              <dgm:constr type="h" for="ch" forName="d1" refType="h" fact="0.53"/>
+              <dgm:constr type="w" for="ch" forName="circle2" refType="w" fact="0.2571"/>
+              <dgm:constr type="h" for="ch" forName="circle2" refType="w" refFor="ch" refForName="circle2"/>
+              <dgm:constr type="ctrX" for="ch" forName="circle2" refType="w" fact="0.3"/>
+              <dgm:constr type="ctrY" for="ch" forName="circle2" refType="h" fact="0.625"/>
+              <dgm:constr type="w" for="ch" forName="text2" refType="w" fact="0.3"/>
+              <dgm:constr type="h" for="ch" forName="text2" refType="h" fact="0.17938"/>
+              <dgm:constr type="r" for="ch" forName="text2" refType="w"/>
+              <dgm:constr type="t" for="ch" forName="text2" refType="b" refFor="ch" refForName="text1"/>
+              <dgm:constr type="l" for="ch" forName="line2" refType="w" fact="0.625"/>
+              <dgm:constr type="ctrY" for="ch" forName="line2" refType="ctrY" refFor="ch" refForName="text2"/>
+              <dgm:constr type="w" for="ch" forName="line2" refType="w" fact="0.075"/>
+              <dgm:constr type="h" for="ch" forName="line2"/>
+              <dgm:constr type="l" for="ch" forName="d2" refType="w" fact="0.36625"/>
+              <dgm:constr type="b" for="ch" forName="d2" refType="h" fact="0.70438"/>
+              <dgm:constr type="w" for="ch" forName="d2" refType="w" fact="0.2585"/>
+              <dgm:constr type="h" for="ch" forName="d2" refType="h" fact="0.43525"/>
+              <dgm:constr type="w" for="ch" forName="circle3" refType="w" fact="0.4285"/>
+              <dgm:constr type="h" for="ch" forName="circle3" refType="w" refFor="ch" refForName="circle3"/>
+              <dgm:constr type="ctrX" for="ch" forName="circle3" refType="ctrX" refFor="ch" refForName="circle1"/>
+              <dgm:constr type="ctrY" for="ch" forName="circle3" refType="ctrY" refFor="ch" refForName="circle1"/>
+              <dgm:constr type="w" for="ch" forName="text3" refType="w" fact="0.3"/>
+              <dgm:constr type="h" for="ch" forName="text3" refType="h" fact="0.17938"/>
+              <dgm:constr type="r" for="ch" forName="text3" refType="w"/>
+              <dgm:constr type="t" for="ch" forName="text3" refType="b" refFor="ch" refForName="text2"/>
+              <dgm:constr type="l" for="ch" forName="line3" refType="w" fact="0.625"/>
+              <dgm:constr type="ctrY" for="ch" forName="line3" refType="ctrY" refFor="ch" refForName="text3"/>
+              <dgm:constr type="w" for="ch" forName="line3" refType="w" fact="0.075"/>
+              <dgm:constr type="h" for="ch" forName="line3"/>
+              <dgm:constr type="l" for="ch" forName="d3" refType="w" fact="0.4255"/>
+              <dgm:constr type="b" for="ch" forName="d3" refType="h" fact="0.78031"/>
+              <dgm:constr type="w" for="ch" forName="d3" refType="w" fact="0.1995"/>
+              <dgm:constr type="h" for="ch" forName="d3" refType="h" fact="0.332"/>
+              <dgm:constr type="w" for="ch" forName="circle4" refType="w" fact="0.6"/>
+              <dgm:constr type="h" for="ch" forName="circle4" refType="w" refFor="ch" refForName="circle4"/>
+              <dgm:constr type="ctrX" for="ch" forName="circle4" refType="ctrX" refFor="ch" refForName="circle1"/>
+              <dgm:constr type="ctrY" for="ch" forName="circle4" refType="ctrY" refFor="ch" refForName="circle1"/>
+              <dgm:constr type="w" for="ch" forName="text4" refType="w" fact="0.3"/>
+              <dgm:constr type="h" for="ch" forName="text4" refType="h" fact="0.17938"/>
+              <dgm:constr type="r" for="ch" forName="text4" refType="w"/>
+              <dgm:constr type="t" for="ch" forName="text4" refType="b" refFor="ch" refForName="text3"/>
+              <dgm:constr type="l" for="ch" forName="line4" refType="w" fact="0.625"/>
+              <dgm:constr type="ctrY" for="ch" forName="line4" refType="ctrY" refFor="ch" refForName="text4"/>
+              <dgm:constr type="w" for="ch" forName="line4" refType="w" fact="0.075"/>
+              <dgm:constr type="h" for="ch" forName="line4"/>
+              <dgm:constr type="l" for="ch" forName="d4" refType="w" fact="0.48525"/>
+              <dgm:constr type="b" for="ch" forName="d4" refType="h" fact="0.85594"/>
+              <dgm:constr type="w" for="ch" forName="d4" refType="w" fact="0.1394"/>
+              <dgm:constr type="h" for="ch" forName="d4" refType="h" fact="0.2282"/>
+            </dgm:constrLst>
+          </dgm:if>
+          <dgm:if name="Name8" axis="ch" ptType="node" func="cnt" op="gte" val="5">
+            <dgm:constrLst>
+              <dgm:constr type="primFontSz" for="des" ptType="node" op="equ" val="65"/>
+              <dgm:constr type="w" for="ch" forName="circle1" refType="w" fact="0.0667"/>
+              <dgm:constr type="h" for="ch" forName="circle1" refType="w" refFor="ch" refForName="circle1"/>
+              <dgm:constr type="ctrX" for="ch" forName="circle1" refType="w" fact="0.3"/>
+              <dgm:constr type="ctrY" for="ch" forName="circle1" refType="h" fact="0.625"/>
+              <dgm:constr type="w" for="ch" forName="text1" refType="w" fact="0.3"/>
+              <dgm:constr type="h" for="ch" forName="text1" refType="h" fact="0.1324"/>
+              <dgm:constr type="r" for="ch" forName="text1" refType="w"/>
+              <dgm:constr type="ctrY" for="ch" forName="text1" refType="h" fact="0.13"/>
+              <dgm:constr type="l" for="ch" forName="line1" refType="w" fact="0.625"/>
+              <dgm:constr type="ctrY" for="ch" forName="line1" refType="ctrY" refFor="ch" refForName="text1"/>
+              <dgm:constr type="w" for="ch" forName="line1" refType="w" fact="0.075"/>
+              <dgm:constr type="h" for="ch" forName="line1"/>
+              <dgm:constr type="l" for="ch" forName="d1" refType="w" fact="0.3"/>
+              <dgm:constr type="b" for="ch" forName="d1" refType="h" fact="0.625"/>
+              <dgm:constr type="w" for="ch" forName="d1" refType="w" fact="0.3245"/>
+              <dgm:constr type="h" for="ch" forName="d1" refType="h" fact="0.495"/>
+              <dgm:constr type="w" for="ch" forName="circle2" refType="w" fact="0.2"/>
+              <dgm:constr type="h" for="ch" forName="circle2" refType="w" refFor="ch" refForName="circle2"/>
+              <dgm:constr type="ctrX" for="ch" forName="circle2" refType="w" fact="0.3"/>
+              <dgm:constr type="ctrY" for="ch" forName="circle2" refType="h" fact="0.625"/>
+              <dgm:constr type="w" for="ch" forName="text2" refType="w" fact="0.3"/>
+              <dgm:constr type="h" for="ch" forName="text2" refType="h" fact="0.1324"/>
+              <dgm:constr type="r" for="ch" forName="text2" refType="w"/>
+              <dgm:constr type="ctrY" for="ch" forName="text2" refType="h" fact="0.27"/>
+              <dgm:constr type="l" for="ch" forName="line2" refType="w" fact="0.625"/>
+              <dgm:constr type="ctrY" for="ch" forName="line2" refType="ctrY" refFor="ch" refForName="text2"/>
+              <dgm:constr type="w" for="ch" forName="line2" refType="w" fact="0.075"/>
+              <dgm:constr type="h" for="ch" forName="line2"/>
+              <dgm:constr type="l" for="ch" forName="d2" refType="w" fact="0.3498"/>
+              <dgm:constr type="b" for="ch" forName="d2" refType="h" fact="0.682"/>
+              <dgm:constr type="w" for="ch" forName="d2" refType="w" fact="0.275"/>
+              <dgm:constr type="h" for="ch" forName="d2" refType="h" fact="0.41215"/>
+              <dgm:constr type="w" for="ch" forName="circle3" refType="w" fact="0.3334"/>
+              <dgm:constr type="h" for="ch" forName="circle3" refType="w" refFor="ch" refForName="circle3"/>
+              <dgm:constr type="ctrX" for="ch" forName="circle3" refType="ctrX" refFor="ch" refForName="circle1"/>
+              <dgm:constr type="ctrY" for="ch" forName="circle3" refType="ctrY" refFor="ch" refForName="circle1"/>
+              <dgm:constr type="w" for="ch" forName="text3" refType="w" fact="0.3"/>
+              <dgm:constr type="h" for="ch" forName="text3" refType="h" fact="0.1324"/>
+              <dgm:constr type="r" for="ch" forName="text3" refType="w"/>
+              <dgm:constr type="ctrY" for="ch" forName="text3" refType="h" fact="0.41"/>
+              <dgm:constr type="l" for="ch" forName="line3" refType="w" fact="0.625"/>
+              <dgm:constr type="ctrY" for="ch" forName="line3" refType="ctrY" refFor="ch" refForName="text3"/>
+              <dgm:constr type="w" for="ch" forName="line3" refType="w" fact="0.075"/>
+              <dgm:constr type="h" for="ch" forName="line3"/>
+              <dgm:constr type="l" for="ch" forName="d3" refType="w" fact="0.394"/>
+              <dgm:constr type="b" for="ch" forName="d3" refType="h" fact="0.735"/>
+              <dgm:constr type="w" for="ch" forName="d3" refType="w" fact="0.231"/>
+              <dgm:constr type="h" for="ch" forName="d3" refType="h" fact="0.325"/>
+              <dgm:constr type="w" for="ch" forName="circle4" refType="w" fact="0.4667"/>
+              <dgm:constr type="h" for="ch" forName="circle4" refType="w" refFor="ch" refForName="circle4"/>
+              <dgm:constr type="ctrX" for="ch" forName="circle4" refType="ctrX" refFor="ch" refForName="circle1"/>
+              <dgm:constr type="ctrY" for="ch" forName="circle4" refType="ctrY" refFor="ch" refForName="circle1"/>
+              <dgm:constr type="w" for="ch" forName="text4" refType="w" fact="0.3"/>
+              <dgm:constr type="h" for="ch" forName="text4" refType="h" fact="0.1324"/>
+              <dgm:constr type="r" for="ch" forName="text4" refType="w"/>
+              <dgm:constr type="ctrY" for="ch" forName="text4" refType="h" fact="0.547"/>
+              <dgm:constr type="l" for="ch" forName="line4" refType="w" fact="0.625"/>
+              <dgm:constr type="ctrY" for="ch" forName="line4" refType="ctrY" refFor="ch" refForName="text4"/>
+              <dgm:constr type="w" for="ch" forName="line4" refType="w" fact="0.075"/>
+              <dgm:constr type="h" for="ch" forName="line4"/>
+              <dgm:constr type="l" for="ch" forName="d4" refType="w" fact="0.446"/>
+              <dgm:constr type="b" for="ch" forName="d4" refType="h" fact="0.795"/>
+              <dgm:constr type="w" for="ch" forName="d4" refType="w" fact="0.179"/>
+              <dgm:constr type="h" for="ch" forName="d4" refType="h" fact="0.248"/>
+              <dgm:constr type="w" for="ch" forName="circle5" refType="w" fact="0.6"/>
+              <dgm:constr type="h" for="ch" forName="circle5" refType="w" refFor="ch" refForName="circle5"/>
+              <dgm:constr type="ctrX" for="ch" forName="circle5" refType="ctrX" refFor="ch" refForName="circle1"/>
+              <dgm:constr type="ctrY" for="ch" forName="circle5" refType="ctrY" refFor="ch" refForName="circle1"/>
+              <dgm:constr type="w" for="ch" forName="text5" refType="w" fact="0.3"/>
+              <dgm:constr type="h" for="ch" forName="text5" refType="h" fact="0.1324"/>
+              <dgm:constr type="r" for="ch" forName="text5" refType="w"/>
+              <dgm:constr type="ctrY" for="ch" forName="text5" refType="h" fact="0.68"/>
+              <dgm:constr type="l" for="ch" forName="line5" refType="w" fact="0.625"/>
+              <dgm:constr type="ctrY" for="ch" forName="line5" refType="ctrY" refFor="ch" refForName="text5"/>
+              <dgm:constr type="w" for="ch" forName="line5" refType="w" fact="0.075"/>
+              <dgm:constr type="h" for="ch" forName="line5"/>
+              <dgm:constr type="l" for="ch" forName="d5" refType="w" fact="0.495"/>
+              <dgm:constr type="b" for="ch" forName="d5" refType="h" fact="0.855"/>
+              <dgm:constr type="w" for="ch" forName="d5" refType="w" fact="0.13"/>
+              <dgm:constr type="h" for="ch" forName="d5" refType="h" fact="0.175"/>
+            </dgm:constrLst>
+          </dgm:if>
+          <dgm:else name="Name9"/>
+        </dgm:choose>
+      </dgm:if>
+      <dgm:else name="Name10">
+        <dgm:choose name="Name11">
+          <dgm:if name="Name12" axis="ch" ptType="node" func="cnt" op="equ" val="0">
+            <dgm:constrLst/>
+          </dgm:if>
+          <dgm:if name="Name13" axis="ch" ptType="node" func="cnt" op="equ" val="1">
+            <dgm:constrLst>
+              <dgm:constr type="primFontSz" for="des" ptType="node" op="equ" val="65"/>
+              <dgm:constr type="w" for="ch" forName="circle1" refType="w" fact="0.6"/>
+              <dgm:constr type="h" for="ch" forName="circle1" refType="w" refFor="ch" refForName="circle1"/>
+              <dgm:constr type="ctrX" for="ch" forName="circle1" refType="w" fact="0.7"/>
+              <dgm:constr type="ctrY" for="ch" forName="circle1" refType="h" fact="0.625"/>
+              <dgm:constr type="w" for="ch" forName="text1" refType="w" fact="0.3"/>
+              <dgm:constr type="h" for="ch" forName="text1" refType="h" fact="0.3125"/>
+              <dgm:constr type="l" for="ch" forName="text1"/>
+              <dgm:constr type="t" for="ch" forName="text1"/>
+              <dgm:constr type="l" for="ch" forName="line1" refType="r" refFor="ch" refForName="text1"/>
+              <dgm:constr type="ctrY" for="ch" forName="line1" refType="ctrY" refFor="ch" refForName="text1"/>
+              <dgm:constr type="r" for="ch" forName="line1" refType="w" fact="0.375"/>
+              <dgm:constr type="h" for="ch" forName="line1"/>
+              <dgm:constr type="r" for="ch" forName="d1" refType="w" fact="0.7"/>
+              <dgm:constr type="b" for="ch" forName="d1" refType="h" fact="0.625"/>
+              <dgm:constr type="w" for="ch" forName="d1" refType="w" fact="0.32475"/>
+              <dgm:constr type="h" for="ch" forName="d1" refType="h" fact="0.469"/>
+            </dgm:constrLst>
+          </dgm:if>
+          <dgm:if name="Name14" axis="ch" ptType="node" func="cnt" op="equ" val="2">
+            <dgm:constrLst>
+              <dgm:constr type="primFontSz" for="des" ptType="node" op="equ" val="65"/>
+              <dgm:constr type="w" for="ch" forName="circle1" refType="w" fact="0.2"/>
+              <dgm:constr type="h" for="ch" forName="circle1" refType="w" refFor="ch" refForName="circle1"/>
+              <dgm:constr type="ctrX" for="ch" forName="circle1" refType="w" fact="0.7"/>
+              <dgm:constr type="ctrY" for="ch" forName="circle1" refType="h" fact="0.625"/>
+              <dgm:constr type="w" for="ch" forName="text1" refType="w" fact="0.3"/>
+              <dgm:constr type="h" for="ch" forName="text1" refType="h" fact="0.3125"/>
+              <dgm:constr type="l" for="ch" forName="text1"/>
+              <dgm:constr type="t" for="ch" forName="text1"/>
+              <dgm:constr type="l" for="ch" forName="line1" refType="r" refFor="ch" refForName="text1"/>
+              <dgm:constr type="ctrY" for="ch" forName="line1" refType="ctrY" refFor="ch" refForName="text1"/>
+              <dgm:constr type="r" for="ch" forName="line1" refType="w" fact="0.375"/>
+              <dgm:constr type="h" for="ch" forName="line1"/>
+              <dgm:constr type="r" for="ch" forName="d1" refType="w" fact="0.7"/>
+              <dgm:constr type="b" for="ch" forName="d1" refType="h" fact="0.625"/>
+              <dgm:constr type="w" for="ch" forName="d1" refType="w" fact="0.32475"/>
+              <dgm:constr type="h" for="ch" forName="d1" refType="h" fact="0.469"/>
+              <dgm:constr type="w" for="ch" forName="circle2" refType="w" fact="0.6"/>
+              <dgm:constr type="h" for="ch" forName="circle2" refType="w" refFor="ch" refForName="circle2"/>
+              <dgm:constr type="ctrX" for="ch" forName="circle2" refType="w" fact="0.7"/>
+              <dgm:constr type="ctrY" for="ch" forName="circle2" refType="h" fact="0.625"/>
+              <dgm:constr type="w" for="ch" forName="text2" refType="w" fact="0.3"/>
+              <dgm:constr type="h" for="ch" forName="text2" refType="h" fact="0.3125"/>
+              <dgm:constr type="l" for="ch" forName="text2"/>
+              <dgm:constr type="t" for="ch" forName="text2" refType="b" refFor="ch" refForName="text1"/>
+              <dgm:constr type="l" for="ch" forName="line2" refType="r" refFor="ch" refForName="text2"/>
+              <dgm:constr type="ctrY" for="ch" forName="line2" refType="ctrY" refFor="ch" refForName="text2"/>
+              <dgm:constr type="r" for="ch" forName="line2" refType="w" fact="0.375"/>
+              <dgm:constr type="h" for="ch" forName="line2"/>
+              <dgm:constr type="r" for="ch" forName="d2" refType="w" fact="0.55675"/>
+              <dgm:constr type="b" for="ch" forName="d2" refType="h" fact="0.7975"/>
+              <dgm:constr type="w" for="ch" forName="d2" refType="w" fact="0.1815"/>
+              <dgm:constr type="h" for="ch" forName="d2" refType="h" fact="0.3283"/>
+            </dgm:constrLst>
+          </dgm:if>
+          <dgm:if name="Name15" axis="ch" ptType="node" func="cnt" op="equ" val="3">
+            <dgm:constrLst>
+              <dgm:constr type="primFontSz" for="des" ptType="node" op="equ" val="65"/>
+              <dgm:constr type="w" for="ch" forName="circle1" refType="w" fact="0.12"/>
+              <dgm:constr type="h" for="ch" forName="circle1" refType="w" refFor="ch" refForName="circle1"/>
+              <dgm:constr type="ctrX" for="ch" forName="circle1" refType="w" fact="0.7"/>
+              <dgm:constr type="ctrY" for="ch" forName="circle1" refType="h" fact="0.625"/>
+              <dgm:constr type="w" for="ch" forName="text1" refType="w" fact="0.3"/>
+              <dgm:constr type="h" for="ch" forName="text1" refType="h" fact="0.21875"/>
+              <dgm:constr type="l" for="ch" forName="text1"/>
+              <dgm:constr type="t" for="ch" forName="text1"/>
+              <dgm:constr type="l" for="ch" forName="line1" refType="r" refFor="ch" refForName="text1"/>
+              <dgm:constr type="ctrY" for="ch" forName="line1" refType="ctrY" refFor="ch" refForName="text1"/>
+              <dgm:constr type="r" for="ch" forName="line1" refType="w" fact="0.375"/>
+              <dgm:constr type="h" for="ch" forName="line1"/>
+              <dgm:constr type="r" for="ch" forName="d1" refType="w" fact="0.7"/>
+              <dgm:constr type="b" for="ch" forName="d1" refType="h" fact="0.625"/>
+              <dgm:constr type="w" for="ch" forName="d1" refType="w" fact="0.3247"/>
+              <dgm:constr type="h" for="ch" forName="d1" refType="h" fact="0.5155"/>
+              <dgm:constr type="w" for="ch" forName="circle2" refType="w" fact="0.36"/>
+              <dgm:constr type="h" for="ch" forName="circle2" refType="w" refFor="ch" refForName="circle2"/>
+              <dgm:constr type="ctrX" for="ch" forName="circle2" refType="w" fact="0.7"/>
+              <dgm:constr type="ctrY" for="ch" forName="circle2" refType="h" fact="0.625"/>
+              <dgm:constr type="w" for="ch" forName="text2" refType="w" fact="0.3"/>
+              <dgm:constr type="h" for="ch" forName="text2" refType="h" fact="0.21875"/>
+              <dgm:constr type="l" for="ch" forName="text2"/>
+              <dgm:constr type="t" for="ch" forName="text2" refType="b" refFor="ch" refForName="text1"/>
+              <dgm:constr type="l" for="ch" forName="line2" refType="r" refFor="ch" refForName="text2"/>
+              <dgm:constr type="ctrY" for="ch" forName="line2" refType="ctrY" refFor="ch" refForName="text2"/>
+              <dgm:constr type="r" for="ch" forName="line2" refType="w" fact="0.375"/>
+              <dgm:constr type="h" for="ch" forName="line2"/>
+              <dgm:constr type="r" for="ch" forName="d2" refType="w" fact="0.614"/>
+              <dgm:constr type="b" for="ch" forName="d2" refType="h" fact="0.72969"/>
+              <dgm:constr type="w" for="ch" forName="d2" refType="w" fact="0.2387"/>
+              <dgm:constr type="h" for="ch" forName="d2" refType="h" fact="0.4017"/>
+              <dgm:constr type="w" for="ch" forName="circle3" refType="w" fact="0.6"/>
+              <dgm:constr type="h" for="ch" forName="circle3" refType="w" refFor="ch" refForName="circle3"/>
+              <dgm:constr type="ctrX" for="ch" forName="circle3" refType="ctrX" refFor="ch" refForName="circle1"/>
+              <dgm:constr type="ctrY" for="ch" forName="circle3" refType="ctrY" refFor="ch" refForName="circle1"/>
+              <dgm:constr type="w" for="ch" forName="text3" refType="w" fact="0.3"/>
+              <dgm:constr type="h" for="ch" forName="text3" refType="h" fact="0.21875"/>
+              <dgm:constr type="l" for="ch" forName="text3"/>
+              <dgm:constr type="t" for="ch" forName="text3" refType="b" refFor="ch" refForName="text2"/>
+              <dgm:constr type="l" for="ch" forName="line3" refType="r" refFor="ch" refForName="text3"/>
+              <dgm:constr type="ctrY" for="ch" forName="line3" refType="ctrY" refFor="ch" refForName="text3"/>
+              <dgm:constr type="r" for="ch" forName="line3" refType="w" fact="0.375"/>
+              <dgm:constr type="h" for="ch" forName="line3"/>
+              <dgm:constr type="r" for="ch" forName="d3" refType="w" fact="0.52825"/>
+              <dgm:constr type="b" for="ch" forName="d3" refType="h" fact="0.83375"/>
+              <dgm:constr type="w" for="ch" forName="d3" refType="w" fact="0.1527"/>
+              <dgm:constr type="h" for="ch" forName="d3" refType="h" fact="0.287"/>
+            </dgm:constrLst>
+          </dgm:if>
+          <dgm:if name="Name16" axis="ch" ptType="node" func="cnt" op="equ" val="4">
+            <dgm:constrLst>
+              <dgm:constr type="primFontSz" for="des" ptType="node" op="equ" val="65"/>
+              <dgm:constr type="w" for="ch" forName="circle1" refType="w" fact="0.0857"/>
+              <dgm:constr type="h" for="ch" forName="circle1" refType="w" refFor="ch" refForName="circle1"/>
+              <dgm:constr type="ctrX" for="ch" forName="circle1" refType="w" fact="0.7"/>
+              <dgm:constr type="ctrY" for="ch" forName="circle1" refType="h" fact="0.625"/>
+              <dgm:constr type="w" for="ch" forName="text1" refType="w" fact="0.3"/>
+              <dgm:constr type="h" for="ch" forName="text1" refType="h" fact="0.17938"/>
+              <dgm:constr type="l" for="ch" forName="text1"/>
+              <dgm:constr type="t" for="ch" forName="text1"/>
+              <dgm:constr type="l" for="ch" forName="line1" refType="r" refFor="ch" refForName="text1"/>
+              <dgm:constr type="ctrY" for="ch" forName="line1" refType="ctrY" refFor="ch" refForName="text1"/>
+              <dgm:constr type="r" for="ch" forName="line1" refType="w" fact="0.375"/>
+              <dgm:constr type="h" for="ch" forName="line1"/>
+              <dgm:constr type="r" for="ch" forName="d1" refType="w" fact="0.705"/>
+              <dgm:constr type="b" for="ch" forName="d1" refType="h" fact="0.62"/>
+              <dgm:constr type="w" for="ch" forName="d1" refType="w" fact="0.33"/>
+              <dgm:constr type="h" for="ch" forName="d1" refType="h" fact="0.53"/>
+              <dgm:constr type="w" for="ch" forName="circle2" refType="w" fact="0.2571"/>
+              <dgm:constr type="h" for="ch" forName="circle2" refType="w" refFor="ch" refForName="circle2"/>
+              <dgm:constr type="ctrX" for="ch" forName="circle2" refType="w" fact="0.7"/>
+              <dgm:constr type="ctrY" for="ch" forName="circle2" refType="h" fact="0.625"/>
+              <dgm:constr type="w" for="ch" forName="text2" refType="w" fact="0.3"/>
+              <dgm:constr type="h" for="ch" forName="text2" refType="h" fact="0.17938"/>
+              <dgm:constr type="l" for="ch" forName="text2"/>
+              <dgm:constr type="t" for="ch" forName="text2" refType="b" refFor="ch" refForName="text1"/>
+              <dgm:constr type="l" for="ch" forName="line2" refType="r" refFor="ch" refForName="text2"/>
+              <dgm:constr type="ctrY" for="ch" forName="line2" refType="ctrY" refFor="ch" refForName="text2"/>
+              <dgm:constr type="r" for="ch" forName="line2" refType="w" fact="0.375"/>
+              <dgm:constr type="h" for="ch" forName="line2"/>
+              <dgm:constr type="r" for="ch" forName="d2" refType="w" fact="0.63375"/>
+              <dgm:constr type="b" for="ch" forName="d2" refType="h" fact="0.70438"/>
+              <dgm:constr type="w" for="ch" forName="d2" refType="w" fact="0.2585"/>
+              <dgm:constr type="h" for="ch" forName="d2" refType="h" fact="0.43525"/>
+              <dgm:constr type="w" for="ch" forName="circle3" refType="w" fact="0.4285"/>
+              <dgm:constr type="h" for="ch" forName="circle3" refType="w" refFor="ch" refForName="circle3"/>
+              <dgm:constr type="ctrX" for="ch" forName="circle3" refType="ctrX" refFor="ch" refForName="circle1"/>
+              <dgm:constr type="ctrY" for="ch" forName="circle3" refType="ctrY" refFor="ch" refForName="circle1"/>
+              <dgm:constr type="w" for="ch" forName="text3" refType="w" fact="0.3"/>
+              <dgm:constr type="h" for="ch" forName="text3" refType="h" fact="0.17938"/>
+              <dgm:constr type="l" for="ch" forName="text3"/>
+              <dgm:constr type="t" for="ch" forName="text3" refType="b" refFor="ch" refForName="text2"/>
+              <dgm:constr type="l" for="ch" forName="line3" refType="r" refFor="ch" refForName="text3"/>
+              <dgm:constr type="ctrY" for="ch" forName="line3" refType="ctrY" refFor="ch" refForName="text3"/>
+              <dgm:constr type="r" for="ch" forName="line3" refType="w" fact="0.375"/>
+              <dgm:constr type="h" for="ch" forName="line3"/>
+              <dgm:constr type="r" for="ch" forName="d3" refType="w" fact="0.5745"/>
+              <dgm:constr type="b" for="ch" forName="d3" refType="h" fact="0.78031"/>
+              <dgm:constr type="w" for="ch" forName="d3" refType="w" fact="0.1995"/>
+              <dgm:constr type="h" for="ch" forName="d3" refType="h" fact="0.332"/>
+              <dgm:constr type="w" for="ch" forName="circle4" refType="w" fact="0.6"/>
+              <dgm:constr type="h" for="ch" forName="circle4" refType="w" refFor="ch" refForName="circle4"/>
+              <dgm:constr type="ctrX" for="ch" forName="circle4" refType="ctrX" refFor="ch" refForName="circle1"/>
+              <dgm:constr type="ctrY" for="ch" forName="circle4" refType="ctrY" refFor="ch" refForName="circle1"/>
+              <dgm:constr type="w" for="ch" forName="text4" refType="w" fact="0.3"/>
+              <dgm:constr type="h" for="ch" forName="text4" refType="h" fact="0.17938"/>
+              <dgm:constr type="l" for="ch" forName="text4"/>
+              <dgm:constr type="t" for="ch" forName="text4" refType="b" refFor="ch" refForName="text3"/>
+              <dgm:constr type="l" for="ch" forName="line4" refType="r" refFor="ch" refForName="text4"/>
+              <dgm:constr type="ctrY" for="ch" forName="line4" refType="ctrY" refFor="ch" refForName="text4"/>
+              <dgm:constr type="r" for="ch" forName="line4" refType="w" fact="0.375"/>
+              <dgm:constr type="h" for="ch" forName="line4"/>
+              <dgm:constr type="r" for="ch" forName="d4" refType="w" fact="0.51475"/>
+              <dgm:constr type="b" for="ch" forName="d4" refType="h" fact="0.85594"/>
+              <dgm:constr type="w" for="ch" forName="d4" refType="w" fact="0.1394"/>
+              <dgm:constr type="h" for="ch" forName="d4" refType="h" fact="0.2282"/>
+            </dgm:constrLst>
+          </dgm:if>
+          <dgm:if name="Name17" axis="ch" ptType="node" func="cnt" op="gte" val="5">
+            <dgm:constrLst>
+              <dgm:constr type="primFontSz" for="des" ptType="node" op="equ" val="65"/>
+              <dgm:constr type="w" for="ch" forName="circle1" refType="w" fact="0.0667"/>
+              <dgm:constr type="h" for="ch" forName="circle1" refType="w" refFor="ch" refForName="circle1"/>
+              <dgm:constr type="ctrX" for="ch" forName="circle1" refType="w" fact="0.7"/>
+              <dgm:constr type="ctrY" for="ch" forName="circle1" refType="h" fact="0.625"/>
+              <dgm:constr type="w" for="ch" forName="text1" refType="w" fact="0.3"/>
+              <dgm:constr type="h" for="ch" forName="text1" refType="h" fact="0.1324"/>
+              <dgm:constr type="l" for="ch" forName="text1"/>
+              <dgm:constr type="ctrY" for="ch" forName="text1" refType="h" fact="0.13"/>
+              <dgm:constr type="l" for="ch" forName="line1" refType="r" refFor="ch" refForName="text1"/>
+              <dgm:constr type="ctrY" for="ch" forName="line1" refType="ctrY" refFor="ch" refForName="text1"/>
+              <dgm:constr type="r" for="ch" forName="line1" refType="w" fact="0.375"/>
+              <dgm:constr type="h" for="ch" forName="line1"/>
+              <dgm:constr type="r" for="ch" forName="d1" refType="w" fact="0.7"/>
+              <dgm:constr type="b" for="ch" forName="d1" refType="h" fact="0.625"/>
+              <dgm:constr type="w" for="ch" forName="d1" refType="w" fact="0.3245"/>
+              <dgm:constr type="h" for="ch" forName="d1" refType="h" fact="0.495"/>
+              <dgm:constr type="w" for="ch" forName="circle2" refType="w" fact="0.2"/>
+              <dgm:constr type="h" for="ch" forName="circle2" refType="w" refFor="ch" refForName="circle2"/>
+              <dgm:constr type="ctrX" for="ch" forName="circle2" refType="w" fact="0.7"/>
+              <dgm:constr type="ctrY" for="ch" forName="circle2" refType="h" fact="0.625"/>
+              <dgm:constr type="w" for="ch" forName="text2" refType="w" fact="0.3"/>
+              <dgm:constr type="h" for="ch" forName="text2" refType="h" fact="0.1324"/>
+              <dgm:constr type="l" for="ch" forName="text2"/>
+              <dgm:constr type="ctrY" for="ch" forName="text2" refType="h" fact="0.27"/>
+              <dgm:constr type="l" for="ch" forName="line2" refType="r" refFor="ch" refForName="text2"/>
+              <dgm:constr type="ctrY" for="ch" forName="line2" refType="ctrY" refFor="ch" refForName="text2"/>
+              <dgm:constr type="r" for="ch" forName="line2" refType="w" fact="0.375"/>
+              <dgm:constr type="h" for="ch" forName="line2"/>
+              <dgm:constr type="r" for="ch" forName="d2" refType="w" fact="0.6502"/>
+              <dgm:constr type="b" for="ch" forName="d2" refType="h" fact="0.682"/>
+              <dgm:constr type="w" for="ch" forName="d2" refType="w" fact="0.275"/>
+              <dgm:constr type="h" for="ch" forName="d2" refType="h" fact="0.41215"/>
+              <dgm:constr type="w" for="ch" forName="circle3" refType="w" fact="0.3334"/>
+              <dgm:constr type="h" for="ch" forName="circle3" refType="w" refFor="ch" refForName="circle3"/>
+              <dgm:constr type="ctrX" for="ch" forName="circle3" refType="ctrX" refFor="ch" refForName="circle1"/>
+              <dgm:constr type="ctrY" for="ch" forName="circle3" refType="ctrY" refFor="ch" refForName="circle1"/>
+              <dgm:constr type="w" for="ch" forName="text3" refType="w" fact="0.3"/>
+              <dgm:constr type="h" for="ch" forName="text3" refType="h" fact="0.1324"/>
+              <dgm:constr type="l" for="ch" forName="text3"/>
+              <dgm:constr type="ctrY" for="ch" forName="text3" refType="h" fact="0.41"/>
+              <dgm:constr type="l" for="ch" forName="line3" refType="r" refFor="ch" refForName="text3"/>
+              <dgm:constr type="ctrY" for="ch" forName="line3" refType="ctrY" refFor="ch" refForName="text3"/>
+              <dgm:constr type="r" for="ch" forName="line3" refType="w" fact="0.375"/>
+              <dgm:constr type="h" for="ch" forName="line3"/>
+              <dgm:constr type="r" for="ch" forName="d3" refType="w" fact="0.606"/>
+              <dgm:constr type="b" for="ch" forName="d3" refType="h" fact="0.735"/>
+              <dgm:constr type="w" for="ch" forName="d3" refType="w" fact="0.231"/>
+              <dgm:constr type="h" for="ch" forName="d3" refType="h" fact="0.325"/>
+              <dgm:constr type="w" for="ch" forName="circle4" refType="w" fact="0.4667"/>
+              <dgm:constr type="h" for="ch" forName="circle4" refType="w" refFor="ch" refForName="circle4"/>
+              <dgm:constr type="ctrX" for="ch" forName="circle4" refType="ctrX" refFor="ch" refForName="circle1"/>
+              <dgm:constr type="ctrY" for="ch" forName="circle4" refType="ctrY" refFor="ch" refForName="circle1"/>
+              <dgm:constr type="w" for="ch" forName="text4" refType="w" fact="0.3"/>
+              <dgm:constr type="h" for="ch" forName="text4" refType="h" fact="0.1324"/>
+              <dgm:constr type="l" for="ch" forName="text4"/>
+              <dgm:constr type="ctrY" for="ch" forName="text4" refType="h" fact="0.547"/>
+              <dgm:constr type="l" for="ch" forName="line4" refType="r" refFor="ch" refForName="text4"/>
+              <dgm:constr type="ctrY" for="ch" forName="line4" refType="ctrY" refFor="ch" refForName="text4"/>
+              <dgm:constr type="r" for="ch" forName="line4" refType="w" fact="0.375"/>
+              <dgm:constr type="h" for="ch" forName="line4"/>
+              <dgm:constr type="r" for="ch" forName="d4" refType="w" fact="0.554"/>
+              <dgm:constr type="b" for="ch" forName="d4" refType="h" fact="0.795"/>
+              <dgm:constr type="w" for="ch" forName="d4" refType="w" fact="0.179"/>
+              <dgm:constr type="h" for="ch" forName="d4" refType="h" fact="0.248"/>
+              <dgm:constr type="w" for="ch" forName="circle5" refType="w" fact="0.6"/>
+              <dgm:constr type="h" for="ch" forName="circle5" refType="w" refFor="ch" refForName="circle5"/>
+              <dgm:constr type="ctrX" for="ch" forName="circle5" refType="ctrX" refFor="ch" refForName="circle1"/>
+              <dgm:constr type="ctrY" for="ch" forName="circle5" refType="ctrY" refFor="ch" refForName="circle1"/>
+              <dgm:constr type="w" for="ch" forName="text5" refType="w" fact="0.3"/>
+              <dgm:constr type="h" for="ch" forName="text5" refType="h" fact="0.1324"/>
+              <dgm:constr type="l" for="ch" forName="text5"/>
+              <dgm:constr type="ctrY" for="ch" forName="text5" refType="h" fact="0.68"/>
+              <dgm:constr type="l" for="ch" forName="line5" refType="r" refFor="ch" refForName="text5"/>
+              <dgm:constr type="ctrY" for="ch" forName="line5" refType="ctrY" refFor="ch" refForName="text5"/>
+              <dgm:constr type="r" for="ch" forName="line5" refType="w" fact="0.375"/>
+              <dgm:constr type="h" for="ch" forName="line5"/>
+              <dgm:constr type="r" for="ch" forName="d5" refType="w" fact="0.505"/>
+              <dgm:constr type="b" for="ch" forName="d5" refType="h" fact="0.855"/>
+              <dgm:constr type="w" for="ch" forName="d5" refType="w" fact="0.13"/>
+              <dgm:constr type="h" for="ch" forName="d5" refType="h" fact="0.175"/>
+            </dgm:constrLst>
+          </dgm:if>
+          <dgm:else name="Name18"/>
+        </dgm:choose>
+      </dgm:else>
+    </dgm:choose>
+    <dgm:ruleLst/>
+    <dgm:forEach name="Name19" axis="ch" ptType="node" cnt="1">
+      <dgm:layoutNode name="circle1" styleLbl="lnNode1">
+        <dgm:alg type="sp"/>
+        <dgm:shape xmlns:r="http://schemas.openxmlformats.org/officeDocument/2006/relationships" type="ellipse" r:blip="">
+          <dgm:adjLst/>
+        </dgm:shape>
+        <dgm:presOf/>
+        <dgm:constrLst/>
+        <dgm:ruleLst/>
+      </dgm:layoutNode>
+      <dgm:layoutNode name="text1" styleLbl="revTx">
+        <dgm:varLst>
+          <dgm:bulletEnabled val="1"/>
+        </dgm:varLst>
+        <dgm:choose name="Name20">
+          <dgm:if name="Name21" func="var" arg="dir" op="equ" val="norm">
+            <dgm:choose name="Name22">
+              <dgm:if name="Name23" axis="root des" ptType="all node" func="maxDepth" op="gt" val="1">
+                <dgm:alg type="tx">
+                  <dgm:param type="parTxLTRAlign" val="l"/>
+                  <dgm:param type="parTxRTLAlign" val="r"/>
+                </dgm:alg>
+              </dgm:if>
+              <dgm:else name="Name24">
+                <dgm:alg type="tx">
+                  <dgm:param type="parTxLTRAlign" val="l"/>
+                  <dgm:param type="parTxRTLAlign" val="l"/>
+                </dgm:alg>
+              </dgm:else>
+            </dgm:choose>
+          </dgm:if>
+          <dgm:else name="Name25">
+            <dgm:choose name="Name26">
+              <dgm:if name="Name27" axis="root des" ptType="all node" func="maxDepth" op="gt" val="1">
+                <dgm:alg type="tx">
+                  <dgm:param type="parTxLTRAlign" val="l"/>
+                  <dgm:param type="parTxRTLAlign" val="r"/>
+                </dgm:alg>
+              </dgm:if>
+              <dgm:else name="Name28">
+                <dgm:alg type="tx">
+                  <dgm:param type="parTxLTRAlign" val="r"/>
+                  <dgm:param type="parTxRTLAlign" val="r"/>
+                </dgm:alg>
+              </dgm:else>
+            </dgm:choose>
+          </dgm:else>
+        </dgm:choose>
+        <dgm:shape xmlns:r="http://schemas.openxmlformats.org/officeDocument/2006/relationships" type="rect" r:blip="">
+          <dgm:adjLst/>
+        </dgm:shape>
+        <dgm:presOf axis="desOrSelf" ptType="node"/>
+        <dgm:choose name="Name29">
+          <dgm:if name="Name30" func="var" arg="dir" op="equ" val="norm">
+            <dgm:constrLst>
+              <dgm:constr type="tMarg" refType="primFontSz" fact="0.1"/>
+              <dgm:constr type="bMarg" refType="primFontSz" fact="0.1"/>
+              <dgm:constr type="rMarg" refType="primFontSz" fact="0.1"/>
+            </dgm:constrLst>
+          </dgm:if>
+          <dgm:else name="Name31">
+            <dgm:constrLst>
+              <dgm:constr type="tMarg" refType="primFontSz" fact="0.1"/>
+              <dgm:constr type="bMarg" refType="primFontSz" fact="0.1"/>
+              <dgm:constr type="lMarg" refType="primFontSz" fact="0.1"/>
+            </dgm:constrLst>
+          </dgm:else>
+        </dgm:choose>
+        <dgm:ruleLst>
+          <dgm:rule type="primFontSz" val="5" fact="NaN" max="NaN"/>
+        </dgm:ruleLst>
+      </dgm:layoutNode>
+      <dgm:layoutNode name="line1" styleLbl="callout">
+        <dgm:alg type="sp"/>
+        <dgm:shape xmlns:r="http://schemas.openxmlformats.org/officeDocument/2006/relationships" type="line" r:blip="">
+          <dgm:adjLst/>
+        </dgm:shape>
+        <dgm:presOf/>
+        <dgm:constrLst/>
+        <dgm:ruleLst/>
+      </dgm:layoutNode>
+      <dgm:layoutNode name="d1" styleLbl="callout">
+        <dgm:alg type="sp"/>
+        <dgm:choose name="Name32">
+          <dgm:if name="Name33" func="var" arg="dir" op="equ" val="norm">
+            <dgm:shape xmlns:r="http://schemas.openxmlformats.org/officeDocument/2006/relationships" rot="90" type="line" r:blip="">
+              <dgm:adjLst/>
+            </dgm:shape>
+          </dgm:if>
+          <dgm:else name="Name34">
+            <dgm:shape xmlns:r="http://schemas.openxmlformats.org/officeDocument/2006/relationships" rot="180" type="line" r:blip="">
+              <dgm:adjLst/>
+            </dgm:shape>
+          </dgm:else>
+        </dgm:choose>
+        <dgm:presOf/>
+        <dgm:constrLst/>
+        <dgm:ruleLst/>
+      </dgm:layoutNode>
+    </dgm:forEach>
+    <dgm:forEach name="Name35" axis="ch" ptType="node" st="2" cnt="1">
+      <dgm:layoutNode name="circle2" styleLbl="lnNode1">
+        <dgm:alg type="sp"/>
+        <dgm:shape xmlns:r="http://schemas.openxmlformats.org/officeDocument/2006/relationships" type="ellipse" r:blip="" zOrderOff="-5">
+          <dgm:adjLst/>
+        </dgm:shape>
+        <dgm:presOf/>
+        <dgm:constrLst/>
+        <dgm:ruleLst/>
+      </dgm:layoutNode>
+      <dgm:layoutNode name="text2" styleLbl="revTx">
+        <dgm:varLst>
+          <dgm:bulletEnabled val="1"/>
+        </dgm:varLst>
+        <dgm:choose name="Name36">
+          <dgm:if name="Name37" func="var" arg="dir" op="equ" val="norm">
+            <dgm:choose name="Name38">
+              <dgm:if name="Name39" axis="root des" ptType="all node" func="maxDepth" op="gt" val="1">
+                <dgm:alg type="tx">
+                  <dgm:param type="parTxLTRAlign" val="l"/>
+                  <dgm:param type="parTxRTLAlign" val="r"/>
+                </dgm:alg>
+              </dgm:if>
+              <dgm:else name="Name40">
+                <dgm:alg type="tx">
+                  <dgm:param type="parTxLTRAlign" val="l"/>
+                  <dgm:param type="parTxRTLAlign" val="l"/>
+                </dgm:alg>
+              </dgm:else>
+            </dgm:choose>
+          </dgm:if>
+          <dgm:else name="Name41">
+            <dgm:choose name="Name42">
+              <dgm:if name="Name43" axis="root des" ptType="all node" func="maxDepth" op="gt" val="1">
+                <dgm:alg type="tx">
+                  <dgm:param type="parTxLTRAlign" val="l"/>
+                  <dgm:param type="parTxRTLAlign" val="r"/>
+                </dgm:alg>
+              </dgm:if>
+              <dgm:else name="Name44">
+                <dgm:alg type="tx">
+                  <dgm:param type="parTxLTRAlign" val="r"/>
+                  <dgm:param type="parTxRTLAlign" val="r"/>
+                </dgm:alg>
+              </dgm:else>
+            </dgm:choose>
+          </dgm:else>
+        </dgm:choose>
+        <dgm:shape xmlns:r="http://schemas.openxmlformats.org/officeDocument/2006/relationships" type="rect" r:blip="">
+          <dgm:adjLst/>
+        </dgm:shape>
+        <dgm:presOf axis="desOrSelf" ptType="node"/>
+        <dgm:choose name="Name45">
+          <dgm:if name="Name46" func="var" arg="dir" op="equ" val="norm">
+            <dgm:constrLst>
+              <dgm:constr type="tMarg" refType="primFontSz" fact="0.1"/>
+              <dgm:constr type="bMarg" refType="primFontSz" fact="0.1"/>
+              <dgm:constr type="rMarg" refType="primFontSz" fact="0.1"/>
+            </dgm:constrLst>
+          </dgm:if>
+          <dgm:else name="Name47">
+            <dgm:constrLst>
+              <dgm:constr type="tMarg" refType="primFontSz" fact="0.1"/>
+              <dgm:constr type="bMarg" refType="primFontSz" fact="0.1"/>
+              <dgm:constr type="lMarg" refType="primFontSz" fact="0.1"/>
+            </dgm:constrLst>
+          </dgm:else>
+        </dgm:choose>
+        <dgm:ruleLst>
+          <dgm:rule type="primFontSz" val="5" fact="NaN" max="NaN"/>
+        </dgm:ruleLst>
+      </dgm:layoutNode>
+      <dgm:layoutNode name="line2" styleLbl="callout">
+        <dgm:alg type="sp"/>
+        <dgm:shape xmlns:r="http://schemas.openxmlformats.org/officeDocument/2006/relationships" type="line" r:blip="">
+          <dgm:adjLst/>
+        </dgm:shape>
+        <dgm:presOf/>
+        <dgm:constrLst/>
+        <dgm:ruleLst/>
+      </dgm:layoutNode>
+      <dgm:layoutNode name="d2" styleLbl="callout">
+        <dgm:alg type="sp"/>
+        <dgm:choose name="Name48">
+          <dgm:if name="Name49" func="var" arg="dir" op="equ" val="norm">
+            <dgm:shape xmlns:r="http://schemas.openxmlformats.org/officeDocument/2006/relationships" rot="90" type="line" r:blip="">
+              <dgm:adjLst/>
+            </dgm:shape>
+          </dgm:if>
+          <dgm:else name="Name50">
+            <dgm:shape xmlns:r="http://schemas.openxmlformats.org/officeDocument/2006/relationships" rot="180" type="line" r:blip="">
+              <dgm:adjLst/>
+            </dgm:shape>
+          </dgm:else>
+        </dgm:choose>
+        <dgm:presOf/>
+        <dgm:constrLst/>
+        <dgm:ruleLst/>
+      </dgm:layoutNode>
+    </dgm:forEach>
+    <dgm:forEach name="Name51" axis="ch" ptType="node" st="3" cnt="1">
+      <dgm:layoutNode name="circle3" styleLbl="lnNode1">
+        <dgm:alg type="sp"/>
+        <dgm:shape xmlns:r="http://schemas.openxmlformats.org/officeDocument/2006/relationships" type="ellipse" r:blip="" zOrderOff="-10">
+          <dgm:adjLst/>
+        </dgm:shape>
+        <dgm:presOf/>
+        <dgm:constrLst/>
+        <dgm:ruleLst/>
+      </dgm:layoutNode>
+      <dgm:layoutNode name="text3" styleLbl="revTx">
+        <dgm:varLst>
+          <dgm:bulletEnabled val="1"/>
+        </dgm:varLst>
+        <dgm:choose name="Name52">
+          <dgm:if name="Name53" func="var" arg="dir" op="equ" val="norm">
+            <dgm:choose name="Name54">
+              <dgm:if name="Name55" axis="root des" ptType="all node" func="maxDepth" op="gt" val="1">
+                <dgm:alg type="tx">
+                  <dgm:param type="parTxLTRAlign" val="l"/>
+                  <dgm:param type="parTxRTLAlign" val="r"/>
+                </dgm:alg>
+              </dgm:if>
+              <dgm:else name="Name56">
+                <dgm:alg type="tx">
+                  <dgm:param type="parTxLTRAlign" val="l"/>
+                  <dgm:param type="parTxRTLAlign" val="l"/>
+                </dgm:alg>
+              </dgm:else>
+            </dgm:choose>
+          </dgm:if>
+          <dgm:else name="Name57">
+            <dgm:choose name="Name58">
+              <dgm:if name="Name59" axis="root des" ptType="all node" func="maxDepth" op="gt" val="1">
+                <dgm:alg type="tx">
+                  <dgm:param type="parTxLTRAlign" val="l"/>
+                  <dgm:param type="parTxRTLAlign" val="r"/>
+                </dgm:alg>
+              </dgm:if>
+              <dgm:else name="Name60">
+                <dgm:alg type="tx">
+                  <dgm:param type="parTxLTRAlign" val="r"/>
+                  <dgm:param type="parTxRTLAlign" val="r"/>
+                </dgm:alg>
+              </dgm:else>
+            </dgm:choose>
+          </dgm:else>
+        </dgm:choose>
+        <dgm:shape xmlns:r="http://schemas.openxmlformats.org/officeDocument/2006/relationships" type="rect" r:blip="">
+          <dgm:adjLst/>
+        </dgm:shape>
+        <dgm:presOf axis="desOrSelf" ptType="node"/>
+        <dgm:choose name="Name61">
+          <dgm:if name="Name62" func="var" arg="dir" op="equ" val="norm">
+            <dgm:constrLst>
+              <dgm:constr type="tMarg" refType="primFontSz" fact="0.1"/>
+              <dgm:constr type="bMarg" refType="primFontSz" fact="0.1"/>
+              <dgm:constr type="rMarg" refType="primFontSz" fact="0.1"/>
+            </dgm:constrLst>
+          </dgm:if>
+          <dgm:else name="Name63">
+            <dgm:constrLst>
+              <dgm:constr type="tMarg" refType="primFontSz" fact="0.1"/>
+              <dgm:constr type="bMarg" refType="primFontSz" fact="0.1"/>
+              <dgm:constr type="lMarg" refType="primFontSz" fact="0.1"/>
+            </dgm:constrLst>
+          </dgm:else>
+        </dgm:choose>
+        <dgm:ruleLst>
+          <dgm:rule type="primFontSz" val="5" fact="NaN" max="NaN"/>
+        </dgm:ruleLst>
+      </dgm:layoutNode>
+      <dgm:layoutNode name="line3" styleLbl="callout">
+        <dgm:alg type="sp"/>
+        <dgm:shape xmlns:r="http://schemas.openxmlformats.org/officeDocument/2006/relationships" type="line" r:blip="">
+          <dgm:adjLst/>
+        </dgm:shape>
+        <dgm:presOf/>
+        <dgm:constrLst/>
+        <dgm:ruleLst/>
+      </dgm:layoutNode>
+      <dgm:layoutNode name="d3" styleLbl="callout">
+        <dgm:alg type="sp"/>
+        <dgm:choose name="Name64">
+          <dgm:if name="Name65" func="var" arg="dir" op="equ" val="norm">
+            <dgm:shape xmlns:r="http://schemas.openxmlformats.org/officeDocument/2006/relationships" rot="90" type="line" r:blip="">
+              <dgm:adjLst/>
+            </dgm:shape>
+          </dgm:if>
+          <dgm:else name="Name66">
+            <dgm:shape xmlns:r="http://schemas.openxmlformats.org/officeDocument/2006/relationships" rot="180" type="line" r:blip="">
+              <dgm:adjLst/>
+            </dgm:shape>
+          </dgm:else>
+        </dgm:choose>
+        <dgm:presOf/>
+        <dgm:constrLst/>
+        <dgm:ruleLst/>
+      </dgm:layoutNode>
+    </dgm:forEach>
+    <dgm:forEach name="Name67" axis="ch" ptType="node" st="4" cnt="1">
+      <dgm:layoutNode name="circle4" styleLbl="lnNode1">
+        <dgm:alg type="sp"/>
+        <dgm:shape xmlns:r="http://schemas.openxmlformats.org/officeDocument/2006/relationships" type="ellipse" r:blip="" zOrderOff="-15">
+          <dgm:adjLst/>
+        </dgm:shape>
+        <dgm:presOf/>
+        <dgm:constrLst/>
+        <dgm:ruleLst/>
+      </dgm:layoutNode>
+      <dgm:layoutNode name="text4" styleLbl="revTx">
+        <dgm:varLst>
+          <dgm:bulletEnabled val="1"/>
+        </dgm:varLst>
+        <dgm:choose name="Name68">
+          <dgm:if name="Name69" func="var" arg="dir" op="equ" val="norm">
+            <dgm:choose name="Name70">
+              <dgm:if name="Name71" axis="root des" ptType="all node" func="maxDepth" op="gt" val="1">
+                <dgm:alg type="tx">
+                  <dgm:param type="parTxLTRAlign" val="l"/>
+                  <dgm:param type="parTxRTLAlign" val="r"/>
+                </dgm:alg>
+              </dgm:if>
+              <dgm:else name="Name72">
+                <dgm:alg type="tx">
+                  <dgm:param type="parTxLTRAlign" val="l"/>
+                  <dgm:param type="parTxRTLAlign" val="l"/>
+                </dgm:alg>
+              </dgm:else>
+            </dgm:choose>
+          </dgm:if>
+          <dgm:else name="Name73">
+            <dgm:choose name="Name74">
+              <dgm:if name="Name75" axis="root des" ptType="all node" func="maxDepth" op="gt" val="1">
+                <dgm:alg type="tx">
+                  <dgm:param type="parTxLTRAlign" val="l"/>
+                  <dgm:param type="parTxRTLAlign" val="r"/>
+                </dgm:alg>
+              </dgm:if>
+              <dgm:else name="Name76">
+                <dgm:alg type="tx">
+                  <dgm:param type="parTxLTRAlign" val="r"/>
+                  <dgm:param type="parTxRTLAlign" val="r"/>
+                </dgm:alg>
+              </dgm:else>
+            </dgm:choose>
+          </dgm:else>
+        </dgm:choose>
+        <dgm:shape xmlns:r="http://schemas.openxmlformats.org/officeDocument/2006/relationships" type="rect" r:blip="">
+          <dgm:adjLst/>
+        </dgm:shape>
+        <dgm:presOf axis="desOrSelf" ptType="node"/>
+        <dgm:choose name="Name77">
+          <dgm:if name="Name78" func="var" arg="dir" op="equ" val="norm">
+            <dgm:constrLst>
+              <dgm:constr type="tMarg" refType="primFontSz" fact="0.1"/>
+              <dgm:constr type="bMarg" refType="primFontSz" fact="0.1"/>
+              <dgm:constr type="rMarg" refType="primFontSz" fact="0.1"/>
+            </dgm:constrLst>
+          </dgm:if>
+          <dgm:else name="Name79">
+            <dgm:constrLst>
+              <dgm:constr type="tMarg" refType="primFontSz" fact="0.1"/>
+              <dgm:constr type="bMarg" refType="primFontSz" fact="0.1"/>
+              <dgm:constr type="lMarg" refType="primFontSz" fact="0.1"/>
+            </dgm:constrLst>
+          </dgm:else>
+        </dgm:choose>
+        <dgm:ruleLst>
+          <dgm:rule type="primFontSz" val="5" fact="NaN" max="NaN"/>
+        </dgm:ruleLst>
+      </dgm:layoutNode>
+      <dgm:layoutNode name="line4" styleLbl="callout">
+        <dgm:alg type="sp"/>
+        <dgm:shape xmlns:r="http://schemas.openxmlformats.org/officeDocument/2006/relationships" type="line" r:blip="">
+          <dgm:adjLst/>
+        </dgm:shape>
+        <dgm:presOf/>
+        <dgm:constrLst/>
+        <dgm:ruleLst/>
+      </dgm:layoutNode>
+      <dgm:layoutNode name="d4" styleLbl="callout">
+        <dgm:alg type="sp"/>
+        <dgm:choose name="Name80">
+          <dgm:if name="Name81" func="var" arg="dir" op="equ" val="norm">
+            <dgm:shape xmlns:r="http://schemas.openxmlformats.org/officeDocument/2006/relationships" rot="90" type="line" r:blip="">
+              <dgm:adjLst/>
+            </dgm:shape>
+          </dgm:if>
+          <dgm:else name="Name82">
+            <dgm:shape xmlns:r="http://schemas.openxmlformats.org/officeDocument/2006/relationships" rot="180" type="line" r:blip="">
+              <dgm:adjLst/>
+            </dgm:shape>
+          </dgm:else>
+        </dgm:choose>
+        <dgm:presOf/>
+        <dgm:constrLst/>
+        <dgm:ruleLst/>
+      </dgm:layoutNode>
+    </dgm:forEach>
+    <dgm:forEach name="Name83" axis="ch" ptType="node" st="5" cnt="1">
+      <dgm:layoutNode name="circle5" styleLbl="lnNode1">
+        <dgm:alg type="sp"/>
+        <dgm:shape xmlns:r="http://schemas.openxmlformats.org/officeDocument/2006/relationships" type="ellipse" r:blip="" zOrderOff="-20">
+          <dgm:adjLst/>
+        </dgm:shape>
+        <dgm:presOf/>
+        <dgm:constrLst/>
+        <dgm:ruleLst/>
+      </dgm:layoutNode>
+      <dgm:layoutNode name="text5" styleLbl="revTx">
+        <dgm:varLst>
+          <dgm:bulletEnabled val="1"/>
+        </dgm:varLst>
+        <dgm:choose name="Name84">
+          <dgm:if name="Name85" func="var" arg="dir" op="equ" val="norm">
+            <dgm:choose name="Name86">
+              <dgm:if name="Name87" axis="root des" ptType="all node" func="maxDepth" op="gt" val="1">
+                <dgm:alg type="tx">
+                  <dgm:param type="parTxLTRAlign" val="l"/>
+                  <dgm:param type="parTxRTLAlign" val="r"/>
+                </dgm:alg>
+              </dgm:if>
+              <dgm:else name="Name88">
+                <dgm:alg type="tx">
+                  <dgm:param type="parTxLTRAlign" val="l"/>
+                  <dgm:param type="parTxRTLAlign" val="l"/>
+                </dgm:alg>
+              </dgm:else>
+            </dgm:choose>
+          </dgm:if>
+          <dgm:else name="Name89">
+            <dgm:choose name="Name90">
+              <dgm:if name="Name91" axis="root des" ptType="all node" func="maxDepth" op="gt" val="1">
+                <dgm:alg type="tx">
+                  <dgm:param type="parTxLTRAlign" val="l"/>
+                  <dgm:param type="parTxRTLAlign" val="r"/>
+                </dgm:alg>
+              </dgm:if>
+              <dgm:else name="Name92">
+                <dgm:alg type="tx">
+                  <dgm:param type="parTxLTRAlign" val="r"/>
+                  <dgm:param type="parTxRTLAlign" val="r"/>
+                </dgm:alg>
+              </dgm:else>
+            </dgm:choose>
+          </dgm:else>
+        </dgm:choose>
+        <dgm:shape xmlns:r="http://schemas.openxmlformats.org/officeDocument/2006/relationships" type="rect" r:blip="">
+          <dgm:adjLst/>
+        </dgm:shape>
+        <dgm:presOf axis="desOrSelf" ptType="node"/>
+        <dgm:choose name="Name93">
+          <dgm:if name="Name94" func="var" arg="dir" op="equ" val="norm">
+            <dgm:constrLst>
+              <dgm:constr type="tMarg" refType="primFontSz" fact="0.1"/>
+              <dgm:constr type="bMarg" refType="primFontSz" fact="0.1"/>
+              <dgm:constr type="rMarg" refType="primFontSz" fact="0.1"/>
+            </dgm:constrLst>
+          </dgm:if>
+          <dgm:else name="Name95">
+            <dgm:constrLst>
+              <dgm:constr type="tMarg" refType="primFontSz" fact="0.1"/>
+              <dgm:constr type="bMarg" refType="primFontSz" fact="0.1"/>
+              <dgm:constr type="lMarg" refType="primFontSz" fact="0.1"/>
+            </dgm:constrLst>
+          </dgm:else>
+        </dgm:choose>
+        <dgm:ruleLst>
+          <dgm:rule type="primFontSz" val="5" fact="NaN" max="NaN"/>
+        </dgm:ruleLst>
+      </dgm:layoutNode>
+      <dgm:layoutNode name="line5" styleLbl="callout">
+        <dgm:alg type="sp"/>
+        <dgm:shape xmlns:r="http://schemas.openxmlformats.org/officeDocument/2006/relationships" type="line" r:blip="">
+          <dgm:adjLst/>
+        </dgm:shape>
+        <dgm:presOf/>
+        <dgm:constrLst/>
+        <dgm:ruleLst/>
+      </dgm:layoutNode>
+      <dgm:layoutNode name="d5" styleLbl="callout">
+        <dgm:alg type="sp"/>
+        <dgm:choose name="Name96">
+          <dgm:if name="Name97" func="var" arg="dir" op="equ" val="norm">
+            <dgm:shape xmlns:r="http://schemas.openxmlformats.org/officeDocument/2006/relationships" rot="90" type="line" r:blip="">
+              <dgm:adjLst/>
+            </dgm:shape>
+          </dgm:if>
+          <dgm:else name="Name98">
+            <dgm:shape xmlns:r="http://schemas.openxmlformats.org/officeDocument/2006/relationships" rot="180" type="line" r:blip="">
+              <dgm:adjLst/>
+            </dgm:shape>
+          </dgm:else>
+        </dgm:choose>
+        <dgm:presOf/>
+        <dgm:constrLst/>
+        <dgm:ruleLst/>
+      </dgm:layoutNode>
+    </dgm:forEach>
+  </dgm:layoutNode>
+</dgm:layoutDef>
+</file>
+
+<file path=ppt/diagrams/quickStyle1.xml><?xml version="1.0" encoding="utf-8"?>
+<dgm:styleDef xmlns:dgm="http://schemas.openxmlformats.org/drawingml/2006/diagram" xmlns:a="http://schemas.openxmlformats.org/drawingml/2006/main" uniqueId="urn:microsoft.com/office/officeart/2005/8/quickstyle/simple2">
+  <dgm:title val=""/>
+  <dgm:desc val=""/>
+  <dgm:catLst>
+    <dgm:cat type="simple" pri="10200"/>
+  </dgm:catLst>
+  <dgm:scene3d>
+    <a:camera prst="orthographicFront"/>
+    <a:lightRig rig="threePt" dir="t"/>
+  </dgm:scene3d>
+  <dgm:styleLbl name="node0">
+    <dgm:scene3d>
+      <a:camera prst="orthographicFront"/>
+      <a:lightRig rig="threePt" dir="t"/>
+    </dgm:scene3d>
+    <dgm:sp3d/>
+    <dgm:txPr/>
+    <dgm:style>
+      <a:lnRef idx="3">
+        <a:scrgbClr r="0" g="0" b="0"/>
+      </a:lnRef>
+      <a:fillRef idx="1">
+        <a:scrgbClr r="0" g="0" b="0"/>
+      </a:fillRef>
+      <a:effectRef idx="1">
+        <a:scrgbClr r="0" g="0" b="0"/>
+      </a:effectRef>
+      <a:fontRef idx="minor">
+        <a:schemeClr val="lt1"/>
+      </a:fontRef>
+    </dgm:style>
+  </dgm:styleLbl>
+  <dgm:styleLbl name="lnNode1">
+    <dgm:scene3d>
+      <a:camera prst="orthographicFront"/>
+      <a:lightRig rig="threePt" dir="t"/>
+    </dgm:scene3d>
+    <dgm:sp3d/>
+    <dgm:txPr/>
+    <dgm:style>
+      <a:lnRef idx="3">
+        <a:scrgbClr r="0" g="0" b="0"/>
+      </a:lnRef>
+      <a:fillRef idx="1">
+        <a:scrgbClr r="0" g="0" b="0"/>
+      </a:fillRef>
+      <a:effectRef idx="1">
+        <a:scrgbClr r="0" g="0" b="0"/>
+      </a:effectRef>
+      <a:fontRef idx="minor">
+        <a:schemeClr val="lt1"/>
+      </a:fontRef>
+    </dgm:style>
+  </dgm:styleLbl>
+  <dgm:styleLbl name="vennNode1">
+    <dgm:scene3d>
+      <a:camera prst="orthographicFront"/>
+      <a:lightRig rig="threePt" dir="t"/>
+    </dgm:scene3d>
+    <dgm:sp3d/>
+    <dgm:txPr/>
+    <dgm:style>
+      <a:lnRef idx="3">
+        <a:scrgbClr r="0" g="0" b="0"/>
+      </a:lnRef>
+      <a:fillRef idx="1">
+        <a:scrgbClr r="0" g="0" b="0"/>
+      </a:fillRef>
+      <a:effectRef idx="0">
+        <a:scrgbClr r="0" g="0" b="0"/>
+      </a:effectRef>
+      <a:fontRef idx="minor">
+        <a:schemeClr val="tx1"/>
+      </a:fontRef>
+    </dgm:style>
+  </dgm:styleLbl>
+  <dgm:styleLbl name="alignNode1">
+    <dgm:scene3d>
+      <a:camera prst="orthographicFront"/>
+      <a:lightRig rig="threePt" dir="t"/>
+    </dgm:scene3d>
+    <dgm:sp3d/>
+    <dgm:txPr/>
+    <dgm:style>
+      <a:lnRef idx="2">
+        <a:scrgbClr r="0" g="0" b="0"/>
+      </a:lnRef>
+      <a:fillRef idx="1">
+        <a:scrgbClr r="0" g="0" b="0"/>
+      </a:fillRef>
+      <a:effectRef idx="1">
+        <a:scrgbClr r="0" g="0" b="0"/>
+      </a:effectRef>
+      <a:fontRef idx="minor">
+        <a:schemeClr val="lt1"/>
+      </a:fontRef>
+    </dgm:style>
+  </dgm:styleLbl>
+  <dgm:styleLbl name="node1">
+    <dgm:scene3d>
+      <a:camera prst="orthographicFront"/>
+      <a:lightRig rig="threePt" dir="t"/>
+    </dgm:scene3d>
+    <dgm:sp3d/>
+    <dgm:txPr/>
+    <dgm:style>
+      <a:lnRef idx="3">
+        <a:scrgbClr r="0" g="0" b="0"/>
+      </a:lnRef>
+      <a:fillRef idx="1">
+        <a:scrgbClr r="0" g="0" b="0"/>
+      </a:fillRef>
+      <a:effectRef idx="1">
+        <a:scrgbClr r="0" g="0" b="0"/>
+      </a:effectRef>
+      <a:fontRef idx="minor">
+        <a:schemeClr val="lt1"/>
+      </a:fontRef>
+    </dgm:style>
+  </dgm:styleLbl>
+  <dgm:styleLbl name="node2">
+    <dgm:scene3d>
+      <a:camera prst="orthographicFront"/>
+      <a:lightRig rig="threePt" dir="t"/>
+    </dgm:scene3d>
+    <dgm:sp3d/>
+    <dgm:txPr/>
+    <dgm:style>
+      <a:lnRef idx="3">
+        <a:scrgbClr r="0" g="0" b="0"/>
+      </a:lnRef>
+      <a:fillRef idx="1">
+        <a:scrgbClr r="0" g="0" b="0"/>
+      </a:fillRef>
+      <a:effectRef idx="1">
+        <a:scrgbClr r="0" g="0" b="0"/>
+      </a:effectRef>
+      <a:fontRef idx="minor">
+        <a:schemeClr val="lt1"/>
+      </a:fontRef>
+    </dgm:style>
+  </dgm:styleLbl>
+  <dgm:styleLbl name="node3">
+    <dgm:scene3d>
+      <a:camera prst="orthographicFront"/>
+      <a:lightRig rig="threePt" dir="t"/>
+    </dgm:scene3d>
+    <dgm:sp3d/>
+    <dgm:txPr/>
+    <dgm:style>
+      <a:lnRef idx="3">
+        <a:scrgbClr r="0" g="0" b="0"/>
+      </a:lnRef>
+      <a:fillRef idx="1">
+        <a:scrgbClr r="0" g="0" b="0"/>
+      </a:fillRef>
+      <a:effectRef idx="1">
+        <a:scrgbClr r="0" g="0" b="0"/>
+      </a:effectRef>
+      <a:fontRef idx="minor">
+        <a:schemeClr val="lt1"/>
+      </a:fontRef>
+    </dgm:style>
+  </dgm:styleLbl>
+  <dgm:styleLbl name="node4">
+    <dgm:scene3d>
+      <a:camera prst="orthographicFront"/>
+      <a:lightRig rig="threePt" dir="t"/>
+    </dgm:scene3d>
+    <dgm:sp3d/>
+    <dgm:txPr/>
+    <dgm:style>
+      <a:lnRef idx="3">
+        <a:scrgbClr r="0" g="0" b="0"/>
+      </a:lnRef>
+      <a:fillRef idx="1">
+        <a:scrgbClr r="0" g="0" b="0"/>
+      </a:fillRef>
+      <a:effectRef idx="1">
+        <a:scrgbClr r="0" g="0" b="0"/>
+      </a:effectRef>
+      <a:fontRef idx="minor">
+        <a:schemeClr val="lt1"/>
+      </a:fontRef>
+    </dgm:style>
+  </dgm:styleLbl>
+  <dgm:styleLbl name="fgImgPlace1">
+    <dgm:scene3d>
+      <a:camera prst="orthographicFront"/>
+      <a:lightRig rig="threePt" dir="t"/>
+    </dgm:scene3d>
+    <dgm:sp3d/>
+    <dgm:txPr/>
+    <dgm:style>
+      <a:lnRef idx="3">
+        <a:scrgbClr r="0" g="0" b="0"/>
+      </a:lnRef>
+      <a:fillRef idx="1">
+        <a:scrgbClr r="0" g="0" b="0"/>
+      </a:fillRef>
+      <a:effectRef idx="1">
+        <a:scrgbClr r="0" g="0" b="0"/>
+      </a:effectRef>
+      <a:fontRef idx="minor"/>
+    </dgm:style>
+  </dgm:styleLbl>
+  <dgm:styleLbl name="alignImgPlace1">
+    <dgm:scene3d>
+      <a:camera prst="orthographicFront"/>
+      <a:lightRig rig="threePt" dir="t"/>
+    </dgm:scene3d>
+    <dgm:sp3d/>
+    <dgm:txPr/>
+    <dgm:style>
+      <a:lnRef idx="3">
+        <a:scrgbClr r="0" g="0" b="0"/>
+      </a:lnRef>
+      <a:fillRef idx="1">
+        <a:scrgbClr r="0" g="0" b="0"/>
+      </a:fillRef>
+      <a:effectRef idx="1">
+        <a:scrgbClr r="0" g="0" b="0"/>
+      </a:effectRef>
+      <a:fontRef idx="minor"/>
+    </dgm:style>
+  </dgm:styleLbl>
+  <dgm:styleLbl name="bgImgPlace1">
+    <dgm:scene3d>
+      <a:camera prst="orthographicFront"/>
+      <a:lightRig rig="threePt" dir="t"/>
+    </dgm:scene3d>
+    <dgm:sp3d/>
+    <dgm:txPr/>
+    <dgm:style>
+      <a:lnRef idx="3">
+        <a:scrgbClr r="0" g="0" b="0"/>
+      </a:lnRef>
+      <a:fillRef idx="1">
+        <a:scrgbClr r="0" g="0" b="0"/>
+      </a:fillRef>
+      <a:effectRef idx="1">
+        <a:scrgbClr r="0" g="0" b="0"/>
+      </a:effectRef>
+      <a:fontRef idx="minor"/>
+    </dgm:style>
+  </dgm:styleLbl>
+  <dgm:styleLbl name="sibTrans2D1">
+    <dgm:scene3d>
+      <a:camera prst="orthographicFront"/>
+      <a:lightRig rig="threePt" dir="t"/>
+    </dgm:scene3d>
+    <dgm:sp3d/>
+    <dgm:txPr/>
+    <dgm:style>
+      <a:lnRef idx="0">
+        <a:scrgbClr r="0" g="0" b="0"/>
+      </a:lnRef>
+      <a:fillRef idx="1">
+        <a:scrgbClr r="0" g="0" b="0"/>
+      </a:fillRef>
+      <a:effectRef idx="1">
+        <a:scrgbClr r="0" g="0" b="0"/>
+      </a:effectRef>
+      <a:fontRef idx="minor">
+        <a:schemeClr val="lt1"/>
+      </a:fontRef>
+    </dgm:style>
+  </dgm:styleLbl>
+  <dgm:styleLbl name="fgSibTrans2D1">
+    <dgm:scene3d>
+      <a:camera prst="orthographicFront"/>
+      <a:lightRig rig="threePt" dir="t"/>
+    </dgm:scene3d>
+    <dgm:sp3d/>
+    <dgm:txPr/>
+    <dgm:style>
+      <a:lnRef idx="0">
+        <a:scrgbClr r="0" g="0" b="0"/>
+      </a:lnRef>
+      <a:fillRef idx="1">
+        <a:scrgbClr r="0" g="0" b="0"/>
+      </a:fillRef>
+      <a:effectRef idx="1">
+        <a:scrgbClr r="0" g="0" b="0"/>
+      </a:effectRef>
+      <a:fontRef idx="minor">
+        <a:schemeClr val="lt1"/>
+      </a:fontRef>
+    </dgm:style>
+  </dgm:styleLbl>
+  <dgm:styleLbl name="bgSibTrans2D1">
+    <dgm:scene3d>
+      <a:camera prst="orthographicFront"/>
+      <a:lightRig rig="threePt" dir="t"/>
+    </dgm:scene3d>
+    <dgm:sp3d/>
+    <dgm:txPr/>
+    <dgm:style>
+      <a:lnRef idx="0">
+        <a:scrgbClr r="0" g="0" b="0"/>
+      </a:lnRef>
+      <a:fillRef idx="1">
+        <a:scrgbClr r="0" g="0" b="0"/>
+      </a:fillRef>
+      <a:effectRef idx="1">
+        <a:scrgbClr r="0" g="0" b="0"/>
+      </a:effectRef>
+      <a:fontRef idx="minor">
+        <a:schemeClr val="lt1"/>
+      </a:fontRef>
+    </dgm:style>
+  </dgm:styleLbl>
+  <dgm:styleLbl name="sibTrans1D1">
+    <dgm:scene3d>
+      <a:camera prst="orthographicFront"/>
+      <a:lightRig rig="threePt" dir="t"/>
+    </dgm:scene3d>
+    <dgm:sp3d/>
+    <dgm:txPr/>
+    <dgm:style>
+      <a:lnRef idx="1">
+        <a:scrgbClr r="0" g="0" b="0"/>
+      </a:lnRef>
+      <a:fillRef idx="0">
+        <a:scrgbClr r="0" g="0" b="0"/>
+      </a:fillRef>
+      <a:effectRef idx="0">
+        <a:scrgbClr r="0" g="0" b="0"/>
+      </a:effectRef>
+      <a:fontRef idx="minor"/>
+    </dgm:style>
+  </dgm:styleLbl>
+  <dgm:styleLbl name="callout">
+    <dgm:scene3d>
+      <a:camera prst="orthographicFront"/>
+      <a:lightRig rig="threePt" dir="t"/>
+    </dgm:scene3d>
+    <dgm:sp3d/>
+    <dgm:txPr/>
+    <dgm:style>
+      <a:lnRef idx="2">
+        <a:scrgbClr r="0" g="0" b="0"/>
+      </a:lnRef>
+      <a:fillRef idx="1">
+        <a:scrgbClr r="0" g="0" b="0"/>
+      </a:fillRef>
+      <a:effectRef idx="1">
+        <a:scrgbClr r="0" g="0" b="0"/>
+      </a:effectRef>
+      <a:fontRef idx="minor"/>
+    </dgm:style>
+  </dgm:styleLbl>
+  <dgm:styleLbl name="asst0">
+    <dgm:scene3d>
+      <a:camera prst="orthographicFront"/>
+      <a:lightRig rig="threePt" dir="t"/>
+    </dgm:scene3d>
+    <dgm:sp3d/>
+    <dgm:txPr/>
+    <dgm:style>
+      <a:lnRef idx="3">
+        <a:scrgbClr r="0" g="0" b="0"/>
+      </a:lnRef>
+      <a:fillRef idx="1">
+        <a:scrgbClr r="0" g="0" b="0"/>
+      </a:fillRef>
+      <a:effectRef idx="1">
+        <a:scrgbClr r="0" g="0" b="0"/>
+      </a:effectRef>
+      <a:fontRef idx="minor">
+        <a:schemeClr val="lt1"/>
+      </a:fontRef>
+    </dgm:style>
+  </dgm:styleLbl>
+  <dgm:styleLbl name="asst1">
+    <dgm:scene3d>
+      <a:camera prst="orthographicFront"/>
+      <a:lightRig rig="threePt" dir="t"/>
+    </dgm:scene3d>
+    <dgm:sp3d/>
+    <dgm:txPr/>
+    <dgm:style>
+      <a:lnRef idx="3">
+        <a:scrgbClr r="0" g="0" b="0"/>
+      </a:lnRef>
+      <a:fillRef idx="1">
+        <a:scrgbClr r="0" g="0" b="0"/>
+      </a:fillRef>
+      <a:effectRef idx="1">
+        <a:scrgbClr r="0" g="0" b="0"/>
+      </a:effectRef>
+      <a:fontRef idx="minor">
+        <a:schemeClr val="lt1"/>
+      </a:fontRef>
+    </dgm:style>
+  </dgm:styleLbl>
+  <dgm:styleLbl name="asst2">
+    <dgm:scene3d>
+      <a:camera prst="orthographicFront"/>
+      <a:lightRig rig="threePt" dir="t"/>
+    </dgm:scene3d>
+    <dgm:sp3d/>
+    <dgm:txPr/>
+    <dgm:style>
+      <a:lnRef idx="3">
+        <a:scrgbClr r="0" g="0" b="0"/>
+      </a:lnRef>
+      <a:fillRef idx="1">
+        <a:scrgbClr r="0" g="0" b="0"/>
+      </a:fillRef>
+      <a:effectRef idx="1">
+        <a:scrgbClr r="0" g="0" b="0"/>
+      </a:effectRef>
+      <a:fontRef idx="minor">
+        <a:schemeClr val="lt1"/>
+      </a:fontRef>
+    </dgm:style>
+  </dgm:styleLbl>
+  <dgm:styleLbl name="asst3">
+    <dgm:scene3d>
+      <a:camera prst="orthographicFront"/>
+      <a:lightRig rig="threePt" dir="t"/>
+    </dgm:scene3d>
+    <dgm:sp3d/>
+    <dgm:txPr/>
+    <dgm:style>
+      <a:lnRef idx="3">
+        <a:scrgbClr r="0" g="0" b="0"/>
+      </a:lnRef>
+      <a:fillRef idx="1">
+        <a:scrgbClr r="0" g="0" b="0"/>
+      </a:fillRef>
+      <a:effectRef idx="1">
+        <a:scrgbClr r="0" g="0" b="0"/>
+      </a:effectRef>
+      <a:fontRef idx="minor">
+        <a:schemeClr val="lt1"/>
+      </a:fontRef>
+    </dgm:style>
+  </dgm:styleLbl>
+  <dgm:styleLbl name="asst4">
+    <dgm:scene3d>
+      <a:camera prst="orthographicFront"/>
+      <a:lightRig rig="threePt" dir="t"/>
+    </dgm:scene3d>
+    <dgm:sp3d/>
+    <dgm:txPr/>
+    <dgm:style>
+      <a:lnRef idx="3">
+        <a:scrgbClr r="0" g="0" b="0"/>
+      </a:lnRef>
+      <a:fillRef idx="1">
+        <a:scrgbClr r="0" g="0" b="0"/>
+      </a:fillRef>
+      <a:effectRef idx="1">
+        <a:scrgbClr r="0" g="0" b="0"/>
+      </a:effectRef>
+      <a:fontRef idx="minor">
+        <a:schemeClr val="lt1"/>
+      </a:fontRef>
+    </dgm:style>
+  </dgm:styleLbl>
+  <dgm:styleLbl name="parChTrans2D1">
+    <dgm:scene3d>
+      <a:camera prst="orthographicFront"/>
+      <a:lightRig rig="threePt" dir="t"/>
+    </dgm:scene3d>
+    <dgm:sp3d/>
+    <dgm:txPr/>
+    <dgm:style>
+      <a:lnRef idx="3">
+        <a:scrgbClr r="0" g="0" b="0"/>
+      </a:lnRef>
+      <a:fillRef idx="1">
+        <a:scrgbClr r="0" g="0" b="0"/>
+      </a:fillRef>
+      <a:effectRef idx="1">
+        <a:scrgbClr r="0" g="0" b="0"/>
+      </a:effectRef>
+      <a:fontRef idx="minor">
+        <a:schemeClr val="lt1"/>
+      </a:fontRef>
+    </dgm:style>
+  </dgm:styleLbl>
+  <dgm:styleLbl name="parChTrans2D2">
+    <dgm:scene3d>
+      <a:camera prst="orthographicFront"/>
+      <a:lightRig rig="threePt" dir="t"/>
+    </dgm:scene3d>
+    <dgm:sp3d/>
+    <dgm:txPr/>
+    <dgm:style>
+      <a:lnRef idx="3">
+        <a:scrgbClr r="0" g="0" b="0"/>
+      </a:lnRef>
+      <a:fillRef idx="1">
+        <a:scrgbClr r="0" g="0" b="0"/>
+      </a:fillRef>
+      <a:effectRef idx="1">
+        <a:scrgbClr r="0" g="0" b="0"/>
+      </a:effectRef>
+      <a:fontRef idx="minor">
+        <a:schemeClr val="lt1"/>
+      </a:fontRef>
+    </dgm:style>
+  </dgm:styleLbl>
+  <dgm:styleLbl name="parChTrans2D3">
+    <dgm:scene3d>
+      <a:camera prst="orthographicFront"/>
+      <a:lightRig rig="threePt" dir="t"/>
+    </dgm:scene3d>
+    <dgm:sp3d/>
+    <dgm:txPr/>
+    <dgm:style>
+      <a:lnRef idx="3">
+        <a:scrgbClr r="0" g="0" b="0"/>
+      </a:lnRef>
+      <a:fillRef idx="1">
+        <a:scrgbClr r="0" g="0" b="0"/>
+      </a:fillRef>
+      <a:effectRef idx="1">
+        <a:scrgbClr r="0" g="0" b="0"/>
+      </a:effectRef>
+      <a:fontRef idx="minor">
+        <a:schemeClr val="lt1"/>
+      </a:fontRef>
+    </dgm:style>
+  </dgm:styleLbl>
+  <dgm:styleLbl name="parChTrans2D4">
+    <dgm:scene3d>
+      <a:camera prst="orthographicFront"/>
+      <a:lightRig rig="threePt" dir="t"/>
+    </dgm:scene3d>
+    <dgm:sp3d/>
+    <dgm:txPr/>
+    <dgm:style>
+      <a:lnRef idx="3">
+        <a:scrgbClr r="0" g="0" b="0"/>
+      </a:lnRef>
+      <a:fillRef idx="1">
+        <a:scrgbClr r="0" g="0" b="0"/>
+      </a:fillRef>
+      <a:effectRef idx="1">
+        <a:scrgbClr r="0" g="0" b="0"/>
+      </a:effectRef>
+      <a:fontRef idx="minor">
+        <a:schemeClr val="lt1"/>
+      </a:fontRef>
+    </dgm:style>
+  </dgm:styleLbl>
+  <dgm:styleLbl name="parChTrans1D1">
+    <dgm:scene3d>
+      <a:camera prst="orthographicFront"/>
+      <a:lightRig rig="threePt" dir="t"/>
+    </dgm:scene3d>
+    <dgm:sp3d/>
+    <dgm:txPr/>
+    <dgm:style>
+      <a:lnRef idx="2">
+        <a:scrgbClr r="0" g="0" b="0"/>
+      </a:lnRef>
+      <a:fillRef idx="0">
+        <a:scrgbClr r="0" g="0" b="0"/>
+      </a:fillRef>
+      <a:effectRef idx="0">
+        <a:scrgbClr r="0" g="0" b="0"/>
+      </a:effectRef>
+      <a:fontRef idx="minor"/>
+    </dgm:style>
+  </dgm:styleLbl>
+  <dgm:styleLbl name="parChTrans1D2">
+    <dgm:scene3d>
+      <a:camera prst="orthographicFront"/>
+      <a:lightRig rig="threePt" dir="t"/>
+    </dgm:scene3d>
+    <dgm:sp3d/>
+    <dgm:txPr/>
+    <dgm:style>
+      <a:lnRef idx="2">
+        <a:scrgbClr r="0" g="0" b="0"/>
+      </a:lnRef>
+      <a:fillRef idx="0">
+        <a:scrgbClr r="0" g="0" b="0"/>
+      </a:fillRef>
+      <a:effectRef idx="0">
+        <a:scrgbClr r="0" g="0" b="0"/>
+      </a:effectRef>
+      <a:fontRef idx="minor"/>
+    </dgm:style>
+  </dgm:styleLbl>
+  <dgm:styleLbl name="parChTrans1D3">
+    <dgm:scene3d>
+      <a:camera prst="orthographicFront"/>
+      <a:lightRig rig="threePt" dir="t"/>
+    </dgm:scene3d>
+    <dgm:sp3d/>
+    <dgm:txPr/>
+    <dgm:style>
+      <a:lnRef idx="2">
+        <a:scrgbClr r="0" g="0" b="0"/>
+      </a:lnRef>
+      <a:fillRef idx="0">
+        <a:scrgbClr r="0" g="0" b="0"/>
+      </a:fillRef>
+      <a:effectRef idx="0">
+        <a:scrgbClr r="0" g="0" b="0"/>
+      </a:effectRef>
+      <a:fontRef idx="minor"/>
+    </dgm:style>
+  </dgm:styleLbl>
+  <dgm:styleLbl name="parChTrans1D4">
+    <dgm:scene3d>
+      <a:camera prst="orthographicFront"/>
+      <a:lightRig rig="threePt" dir="t"/>
+    </dgm:scene3d>
+    <dgm:sp3d/>
+    <dgm:txPr/>
+    <dgm:style>
+      <a:lnRef idx="2">
+        <a:scrgbClr r="0" g="0" b="0"/>
+      </a:lnRef>
+      <a:fillRef idx="0">
+        <a:scrgbClr r="0" g="0" b="0"/>
+      </a:fillRef>
+      <a:effectRef idx="0">
+        <a:scrgbClr r="0" g="0" b="0"/>
+      </a:effectRef>
+      <a:fontRef idx="minor"/>
+    </dgm:style>
+  </dgm:styleLbl>
+  <dgm:styleLbl name="fgAcc1">
+    <dgm:scene3d>
+      <a:camera prst="orthographicFront"/>
+      <a:lightRig rig="threePt" dir="t"/>
+    </dgm:scene3d>
+    <dgm:sp3d/>
+    <dgm:txPr/>
+    <dgm:style>
+      <a:lnRef idx="2">
+        <a:scrgbClr r="0" g="0" b="0"/>
+      </a:lnRef>
+      <a:fillRef idx="1">
+        <a:scrgbClr r="0" g="0" b="0"/>
+      </a:fillRef>
+      <a:effectRef idx="0">
+        <a:scrgbClr r="0" g="0" b="0"/>
+      </a:effectRef>
+      <a:fontRef idx="minor"/>
+    </dgm:style>
+  </dgm:styleLbl>
+  <dgm:styleLbl name="conFgAcc1">
+    <dgm:scene3d>
+      <a:camera prst="orthographicFront"/>
+      <a:lightRig rig="threePt" dir="t"/>
+    </dgm:scene3d>
+    <dgm:sp3d/>
+    <dgm:txPr/>
+    <dgm:style>
+      <a:lnRef idx="2">
+        <a:scrgbClr r="0" g="0" b="0"/>
+      </a:lnRef>
+      <a:fillRef idx="1">
+        <a:scrgbClr r="0" g="0" b="0"/>
+      </a:fillRef>
+      <a:effectRef idx="0">
+        <a:scrgbClr r="0" g="0" b="0"/>
+      </a:effectRef>
+      <a:fontRef idx="minor"/>
+    </dgm:style>
+  </dgm:styleLbl>
+  <dgm:styleLbl name="alignAcc1">
+    <dgm:scene3d>
+      <a:camera prst="orthographicFront"/>
+      <a:lightRig rig="threePt" dir="t"/>
+    </dgm:scene3d>
+    <dgm:sp3d/>
+    <dgm:txPr/>
+    <dgm:style>
+      <a:lnRef idx="2">
+        <a:scrgbClr r="0" g="0" b="0"/>
+      </a:lnRef>
+      <a:fillRef idx="1">
+        <a:scrgbClr r="0" g="0" b="0"/>
+      </a:fillRef>
+      <a:effectRef idx="0">
+        <a:scrgbClr r="0" g="0" b="0"/>
+      </a:effectRef>
+      <a:fontRef idx="minor"/>
+    </dgm:style>
+  </dgm:styleLbl>
+  <dgm:styleLbl name="trAlignAcc1">
+    <dgm:scene3d>
+      <a:camera prst="orthographicFront"/>
+      <a:lightRig rig="threePt" dir="t"/>
+    </dgm:scene3d>
+    <dgm:sp3d/>
+    <dgm:txPr/>
+    <dgm:style>
+      <a:lnRef idx="1">
+        <a:scrgbClr r="0" g="0" b="0"/>
+      </a:lnRef>
+      <a:fillRef idx="1">
+        <a:scrgbClr r="0" g="0" b="0"/>
+      </a:fillRef>
+      <a:effectRef idx="0">
+        <a:scrgbClr r="0" g="0" b="0"/>
+      </a:effectRef>
+      <a:fontRef idx="minor"/>
+    </dgm:style>
+  </dgm:styleLbl>
+  <dgm:styleLbl name="bgAcc1">
+    <dgm:scene3d>
+      <a:camera prst="orthographicFront"/>
+      <a:lightRig rig="threePt" dir="t"/>
+    </dgm:scene3d>
+    <dgm:sp3d/>
+    <dgm:txPr/>
+    <dgm:style>
+      <a:lnRef idx="2">
+        <a:scrgbClr r="0" g="0" b="0"/>
+      </a:lnRef>
+      <a:fillRef idx="1">
+        <a:scrgbClr r="0" g="0" b="0"/>
+      </a:fillRef>
+      <a:effectRef idx="0">
+        <a:scrgbClr r="0" g="0" b="0"/>
+      </a:effectRef>
+      <a:fontRef idx="minor"/>
+    </dgm:style>
+  </dgm:styleLbl>
+  <dgm:styleLbl name="solidFgAcc1">
+    <dgm:scene3d>
+      <a:camera prst="orthographicFront"/>
+      <a:lightRig rig="threePt" dir="t"/>
+    </dgm:scene3d>
+    <dgm:sp3d/>
+    <dgm:txPr/>
+    <dgm:style>
+      <a:lnRef idx="2">
+        <a:scrgbClr r="0" g="0" b="0"/>
+      </a:lnRef>
+      <a:fillRef idx="1">
+        <a:scrgbClr r="0" g="0" b="0"/>
+      </a:fillRef>
+      <a:effectRef idx="0">
+        <a:scrgbClr r="0" g="0" b="0"/>
+      </a:effectRef>
+      <a:fontRef idx="minor"/>
+    </dgm:style>
+  </dgm:styleLbl>
+  <dgm:styleLbl name="solidAlignAcc1">
+    <dgm:scene3d>
+      <a:camera prst="orthographicFront"/>
+      <a:lightRig rig="threePt" dir="t"/>
+    </dgm:scene3d>
+    <dgm:sp3d/>
+    <dgm:txPr/>
+    <dgm:style>
+      <a:lnRef idx="2">
+        <a:scrgbClr r="0" g="0" b="0"/>
+      </a:lnRef>
+      <a:fillRef idx="1">
+        <a:scrgbClr r="0" g="0" b="0"/>
+      </a:fillRef>
+      <a:effectRef idx="0">
+        <a:scrgbClr r="0" g="0" b="0"/>
+      </a:effectRef>
+      <a:fontRef idx="minor"/>
+    </dgm:style>
+  </dgm:styleLbl>
+  <dgm:styleLbl name="solidBgAcc1">
+    <dgm:scene3d>
+      <a:camera prst="orthographicFront"/>
+      <a:lightRig rig="threePt" dir="t"/>
+    </dgm:scene3d>
+    <dgm:sp3d/>
+    <dgm:txPr/>
+    <dgm:style>
+      <a:lnRef idx="2">
+        <a:scrgbClr r="0" g="0" b="0"/>
+      </a:lnRef>
+      <a:fillRef idx="1">
+        <a:scrgbClr r="0" g="0" b="0"/>
+      </a:fillRef>
+      <a:effectRef idx="0">
+        <a:scrgbClr r="0" g="0" b="0"/>
+      </a:effectRef>
+      <a:fontRef idx="minor"/>
+    </dgm:style>
+  </dgm:styleLbl>
+  <dgm:styleLbl name="fgAccFollowNode1">
+    <dgm:scene3d>
+      <a:camera prst="orthographicFront"/>
+      <a:lightRig rig="threePt" dir="t"/>
+    </dgm:scene3d>
+    <dgm:sp3d/>
+    <dgm:txPr/>
+    <dgm:style>
+      <a:lnRef idx="2">
+        <a:scrgbClr r="0" g="0" b="0"/>
+      </a:lnRef>
+      <a:fillRef idx="1">
+        <a:scrgbClr r="0" g="0" b="0"/>
+      </a:fillRef>
+      <a:effectRef idx="0">
+        <a:scrgbClr r="0" g="0" b="0"/>
+      </a:effectRef>
+      <a:fontRef idx="minor"/>
+    </dgm:style>
+  </dgm:styleLbl>
+  <dgm:styleLbl name="alignAccFollowNode1">
+    <dgm:scene3d>
+      <a:camera prst="orthographicFront"/>
+      <a:lightRig rig="threePt" dir="t"/>
+    </dgm:scene3d>
+    <dgm:sp3d/>
+    <dgm:txPr/>
+    <dgm:style>
+      <a:lnRef idx="2">
+        <a:scrgbClr r="0" g="0" b="0"/>
+      </a:lnRef>
+      <a:fillRef idx="1">
+        <a:scrgbClr r="0" g="0" b="0"/>
+      </a:fillRef>
+      <a:effectRef idx="0">
+        <a:scrgbClr r="0" g="0" b="0"/>
+      </a:effectRef>
+      <a:fontRef idx="minor"/>
+    </dgm:style>
+  </dgm:styleLbl>
+  <dgm:styleLbl name="bgAccFollowNode1">
+    <dgm:scene3d>
+      <a:camera prst="orthographicFront"/>
+      <a:lightRig rig="threePt" dir="t"/>
+    </dgm:scene3d>
+    <dgm:sp3d/>
+    <dgm:txPr/>
+    <dgm:style>
+      <a:lnRef idx="2">
+        <a:scrgbClr r="0" g="0" b="0"/>
+      </a:lnRef>
+      <a:fillRef idx="1">
+        <a:scrgbClr r="0" g="0" b="0"/>
+      </a:fillRef>
+      <a:effectRef idx="0">
+        <a:scrgbClr r="0" g="0" b="0"/>
+      </a:effectRef>
+      <a:fontRef idx="minor"/>
+    </dgm:style>
+  </dgm:styleLbl>
+  <dgm:styleLbl name="fgAcc0">
+    <dgm:scene3d>
+      <a:camera prst="orthographicFront"/>
+      <a:lightRig rig="threePt" dir="t"/>
+    </dgm:scene3d>
+    <dgm:sp3d/>
+    <dgm:txPr/>
+    <dgm:style>
+      <a:lnRef idx="2">
+        <a:scrgbClr r="0" g="0" b="0"/>
+      </a:lnRef>
+      <a:fillRef idx="1">
+        <a:scrgbClr r="0" g="0" b="0"/>
+      </a:fillRef>
+      <a:effectRef idx="0">
+        <a:scrgbClr r="0" g="0" b="0"/>
+      </a:effectRef>
+      <a:fontRef idx="minor"/>
+    </dgm:style>
+  </dgm:styleLbl>
+  <dgm:styleLbl name="fgAcc2">
+    <dgm:scene3d>
+      <a:camera prst="orthographicFront"/>
+      <a:lightRig rig="threePt" dir="t"/>
+    </dgm:scene3d>
+    <dgm:sp3d/>
+    <dgm:txPr/>
+    <dgm:style>
+      <a:lnRef idx="2">
+        <a:scrgbClr r="0" g="0" b="0"/>
+      </a:lnRef>
+      <a:fillRef idx="1">
+        <a:scrgbClr r="0" g="0" b="0"/>
+      </a:fillRef>
+      <a:effectRef idx="0">
+        <a:scrgbClr r="0" g="0" b="0"/>
+      </a:effectRef>
+      <a:fontRef idx="minor"/>
+    </dgm:style>
+  </dgm:styleLbl>
+  <dgm:styleLbl name="fgAcc3">
+    <dgm:scene3d>
+      <a:camera prst="orthographicFront"/>
+      <a:lightRig rig="threePt" dir="t"/>
+    </dgm:scene3d>
+    <dgm:sp3d/>
+    <dgm:txPr/>
+    <dgm:style>
+      <a:lnRef idx="2">
+        <a:scrgbClr r="0" g="0" b="0"/>
+      </a:lnRef>
+      <a:fillRef idx="1">
+        <a:scrgbClr r="0" g="0" b="0"/>
+      </a:fillRef>
+      <a:effectRef idx="0">
+        <a:scrgbClr r="0" g="0" b="0"/>
+      </a:effectRef>
+      <a:fontRef idx="minor"/>
+    </dgm:style>
+  </dgm:styleLbl>
+  <dgm:styleLbl name="fgAcc4">
+    <dgm:scene3d>
+      <a:camera prst="orthographicFront"/>
+      <a:lightRig rig="threePt" dir="t"/>
+    </dgm:scene3d>
+    <dgm:sp3d/>
+    <dgm:txPr/>
+    <dgm:style>
+      <a:lnRef idx="2">
+        <a:scrgbClr r="0" g="0" b="0"/>
+      </a:lnRef>
+      <a:fillRef idx="1">
+        <a:scrgbClr r="0" g="0" b="0"/>
+      </a:fillRef>
+      <a:effectRef idx="0">
+        <a:scrgbClr r="0" g="0" b="0"/>
+      </a:effectRef>
+      <a:fontRef idx="minor"/>
+    </dgm:style>
+  </dgm:styleLbl>
+  <dgm:styleLbl name="bgShp">
+    <dgm:scene3d>
+      <a:camera prst="orthographicFront"/>
+      <a:lightRig rig="threePt" dir="t"/>
+    </dgm:scene3d>
+    <dgm:sp3d/>
+    <dgm:txPr/>
+    <dgm:style>
+      <a:lnRef idx="0">
+        <a:scrgbClr r="0" g="0" b="0"/>
+      </a:lnRef>
+      <a:fillRef idx="1">
+        <a:scrgbClr r="0" g="0" b="0"/>
+      </a:fillRef>
+      <a:effectRef idx="0">
+        <a:scrgbClr r="0" g="0" b="0"/>
+      </a:effectRef>
+      <a:fontRef idx="minor"/>
+    </dgm:style>
+  </dgm:styleLbl>
+  <dgm:styleLbl name="dkBgShp">
+    <dgm:scene3d>
+      <a:camera prst="orthographicFront"/>
+      <a:lightRig rig="threePt" dir="t"/>
+    </dgm:scene3d>
+    <dgm:sp3d/>
+    <dgm:txPr/>
+    <dgm:style>
+      <a:lnRef idx="0">
+        <a:scrgbClr r="0" g="0" b="0"/>
+      </a:lnRef>
+      <a:fillRef idx="1">
+        <a:scrgbClr r="0" g="0" b="0"/>
+      </a:fillRef>
+      <a:effectRef idx="0">
+        <a:scrgbClr r="0" g="0" b="0"/>
+      </a:effectRef>
+      <a:fontRef idx="minor"/>
+    </dgm:style>
+  </dgm:styleLbl>
+  <dgm:styleLbl name="trBgShp">
+    <dgm:scene3d>
+      <a:camera prst="orthographicFront"/>
+      <a:lightRig rig="threePt" dir="t"/>
+    </dgm:scene3d>
+    <dgm:sp3d/>
+    <dgm:txPr/>
+    <dgm:style>
+      <a:lnRef idx="0">
+        <a:scrgbClr r="0" g="0" b="0"/>
+      </a:lnRef>
+      <a:fillRef idx="1">
+        <a:scrgbClr r="0" g="0" b="0"/>
+      </a:fillRef>
+      <a:effectRef idx="0">
+        <a:scrgbClr r="0" g="0" b="0"/>
+      </a:effectRef>
+      <a:fontRef idx="minor"/>
+    </dgm:style>
+  </dgm:styleLbl>
+  <dgm:styleLbl name="fgShp">
+    <dgm:scene3d>
+      <a:camera prst="orthographicFront"/>
+      <a:lightRig rig="threePt" dir="t"/>
+    </dgm:scene3d>
+    <dgm:sp3d/>
+    <dgm:txPr/>
+    <dgm:style>
+      <a:lnRef idx="3">
+        <a:scrgbClr r="0" g="0" b="0"/>
+      </a:lnRef>
+      <a:fillRef idx="1">
+        <a:scrgbClr r="0" g="0" b="0"/>
+      </a:fillRef>
+      <a:effectRef idx="1">
+        <a:scrgbClr r="0" g="0" b="0"/>
+      </a:effectRef>
+      <a:fontRef idx="minor"/>
+    </dgm:style>
+  </dgm:styleLbl>
+  <dgm:styleLbl name="revTx">
+    <dgm:scene3d>
+      <a:camera prst="orthographicFront"/>
+      <a:lightRig rig="threePt" dir="t"/>
+    </dgm:scene3d>
+    <dgm:sp3d/>
+    <dgm:txPr/>
+    <dgm:style>
+      <a:lnRef idx="0">
+        <a:scrgbClr r="0" g="0" b="0"/>
+      </a:lnRef>
+      <a:fillRef idx="0">
+        <a:scrgbClr r="0" g="0" b="0"/>
+      </a:fillRef>
+      <a:effectRef idx="0">
+        <a:scrgbClr r="0" g="0" b="0"/>
+      </a:effectRef>
+      <a:fontRef idx="minor"/>
+    </dgm:style>
+  </dgm:styleLbl>
+</dgm:styleDef>
+</file>
+
 <file path=ppt/notesMasters/notesMaster1.xml><?xml version="1.0" encoding="utf-8"?>
 <p:notesMaster xmlns:a="http://schemas.openxmlformats.org/drawingml/2006/main" xmlns:r="http://schemas.openxmlformats.org/officeDocument/2006/relationships" xmlns:p="http://schemas.openxmlformats.org/presentationml/2006/main">
   <p:cSld>
@@ -730,7 +4863,7 @@
           <a:p>
             <a:fld id="{0997B0E7-B4C7-4660-B6AE-81CA0EDD2192}" type="slidenum">
               <a:rPr lang="en-IN" smtClean="0"/>
-              <a:t>4</a:t>
+              <a:t>5</a:t>
             </a:fld>
             <a:endParaRPr lang="en-IN"/>
           </a:p>
@@ -740,6 +4873,90 @@
     <p:extLst>
       <p:ext uri="{BB962C8B-B14F-4D97-AF65-F5344CB8AC3E}">
         <p14:creationId xmlns:p14="http://schemas.microsoft.com/office/powerpoint/2010/main" val="651510527"/>
+      </p:ext>
+    </p:extLst>
+  </p:cSld>
+  <p:clrMapOvr>
+    <a:masterClrMapping/>
+  </p:clrMapOvr>
+</p:notes>
+</file>
+
+<file path=ppt/notesSlides/notesSlide4.xml><?xml version="1.0" encoding="utf-8"?>
+<p:notes xmlns:a="http://schemas.openxmlformats.org/drawingml/2006/main" xmlns:r="http://schemas.openxmlformats.org/officeDocument/2006/relationships" xmlns:p="http://schemas.openxmlformats.org/presentationml/2006/main">
+  <p:cSld>
+    <p:spTree>
+      <p:nvGrpSpPr>
+        <p:cNvPr id="1" name=""/>
+        <p:cNvGrpSpPr/>
+        <p:nvPr/>
+      </p:nvGrpSpPr>
+      <p:grpSpPr>
+        <a:xfrm>
+          <a:off x="0" y="0"/>
+          <a:ext cx="0" cy="0"/>
+          <a:chOff x="0" y="0"/>
+          <a:chExt cx="0" cy="0"/>
+        </a:xfrm>
+      </p:grpSpPr>
+      <p:sp>
+        <p:nvSpPr>
+          <p:cNvPr id="2" name="幻灯片图像占位符 1"/>
+          <p:cNvSpPr>
+            <a:spLocks noGrp="1" noRot="1" noChangeAspect="1"/>
+          </p:cNvSpPr>
+          <p:nvPr>
+            <p:ph type="sldImg"/>
+          </p:nvPr>
+        </p:nvSpPr>
+        <p:spPr/>
+      </p:sp>
+      <p:sp>
+        <p:nvSpPr>
+          <p:cNvPr id="3" name="备注占位符 2"/>
+          <p:cNvSpPr>
+            <a:spLocks noGrp="1"/>
+          </p:cNvSpPr>
+          <p:nvPr>
+            <p:ph type="body" idx="1"/>
+          </p:nvPr>
+        </p:nvSpPr>
+        <p:spPr/>
+        <p:txBody>
+          <a:bodyPr/>
+          <a:lstStyle/>
+          <a:p>
+            <a:endParaRPr lang="zh-CN" altLang="en-US" dirty="0"/>
+          </a:p>
+        </p:txBody>
+      </p:sp>
+      <p:sp>
+        <p:nvSpPr>
+          <p:cNvPr id="4" name="灯片编号占位符 3"/>
+          <p:cNvSpPr>
+            <a:spLocks noGrp="1"/>
+          </p:cNvSpPr>
+          <p:nvPr>
+            <p:ph type="sldNum" sz="quarter" idx="10"/>
+          </p:nvPr>
+        </p:nvSpPr>
+        <p:spPr/>
+        <p:txBody>
+          <a:bodyPr/>
+          <a:lstStyle/>
+          <a:p>
+            <a:fld id="{0997B0E7-B4C7-4660-B6AE-81CA0EDD2192}" type="slidenum">
+              <a:rPr lang="en-IN" smtClean="0"/>
+              <a:t>6</a:t>
+            </a:fld>
+            <a:endParaRPr lang="en-IN"/>
+          </a:p>
+        </p:txBody>
+      </p:sp>
+    </p:spTree>
+    <p:extLst>
+      <p:ext uri="{BB962C8B-B14F-4D97-AF65-F5344CB8AC3E}">
+        <p14:creationId xmlns:p14="http://schemas.microsoft.com/office/powerpoint/2010/main" val="913160475"/>
       </p:ext>
     </p:extLst>
   </p:cSld>
@@ -15772,56 +19989,16 @@
           <a:p>
             <a:r>
               <a:rPr lang="zh-CN" altLang="en-US" sz="4000" dirty="0">
-                <a:ln w="0"/>
-                <a:gradFill>
-                  <a:gsLst>
-                    <a:gs pos="0">
-                      <a:schemeClr val="accent5">
-                        <a:lumMod val="50000"/>
-                      </a:schemeClr>
-                    </a:gs>
-                    <a:gs pos="50000">
-                      <a:schemeClr val="accent5"/>
-                    </a:gs>
-                    <a:gs pos="100000">
-                      <a:schemeClr val="accent5">
-                        <a:lumMod val="60000"/>
-                        <a:lumOff val="40000"/>
-                      </a:schemeClr>
-                    </a:gs>
-                  </a:gsLst>
-                  <a:lin ang="5400000"/>
-                </a:gradFill>
-                <a:effectLst>
-                  <a:reflection blurRad="6350" stA="53000" endA="300" endPos="35500" dir="5400000" sy="-90000" algn="bl" rotWithShape="0"/>
-                </a:effectLst>
+                <a:solidFill>
+                  <a:srgbClr val="00B0F0"/>
+                </a:solidFill>
               </a:rPr>
               <a:t>前端开发</a:t>
             </a:r>
             <a:endParaRPr lang="en-IN" sz="4000" dirty="0">
-              <a:ln w="0"/>
-              <a:gradFill>
-                <a:gsLst>
-                  <a:gs pos="0">
-                    <a:schemeClr val="accent5">
-                      <a:lumMod val="50000"/>
-                    </a:schemeClr>
-                  </a:gs>
-                  <a:gs pos="50000">
-                    <a:schemeClr val="accent5"/>
-                  </a:gs>
-                  <a:gs pos="100000">
-                    <a:schemeClr val="accent5">
-                      <a:lumMod val="60000"/>
-                      <a:lumOff val="40000"/>
-                    </a:schemeClr>
-                  </a:gs>
-                </a:gsLst>
-                <a:lin ang="5400000"/>
-              </a:gradFill>
-              <a:effectLst>
-                <a:reflection blurRad="6350" stA="53000" endA="300" endPos="35500" dir="5400000" sy="-90000" algn="bl" rotWithShape="0"/>
-              </a:effectLst>
+              <a:solidFill>
+                <a:srgbClr val="00B0F0"/>
+              </a:solidFill>
             </a:endParaRPr>
           </a:p>
         </p:txBody>
@@ -15894,14 +20071,14 @@
             <a:r>
               <a:rPr lang="en-US" altLang="zh-CN" sz="2000" dirty="0">
                 <a:solidFill>
-                  <a:schemeClr val="accent1"/>
+                  <a:srgbClr val="00B0F0"/>
                 </a:solidFill>
               </a:rPr>
               <a:t>Front-End Development</a:t>
             </a:r>
             <a:endParaRPr lang="zh-CN" altLang="en-US" sz="2000" dirty="0">
               <a:solidFill>
-                <a:schemeClr val="accent1"/>
+                <a:srgbClr val="00B0F0"/>
               </a:solidFill>
             </a:endParaRPr>
           </a:p>
@@ -15949,14 +20126,14 @@
             <a:r>
               <a:rPr lang="en-US" altLang="zh-CN" sz="2000" dirty="0">
                 <a:solidFill>
-                  <a:schemeClr val="accent1"/>
+                  <a:srgbClr val="00B0F0"/>
                 </a:solidFill>
               </a:rPr>
               <a:t>UI Development</a:t>
             </a:r>
             <a:endParaRPr lang="zh-CN" altLang="en-US" sz="2000" dirty="0">
               <a:solidFill>
-                <a:schemeClr val="accent1"/>
+                <a:srgbClr val="00B0F0"/>
               </a:solidFill>
             </a:endParaRPr>
           </a:p>
@@ -16025,22 +20202,27 @@
         </p:nvSpPr>
         <p:spPr>
           <a:xfrm>
-            <a:off x="2342083" y="3940518"/>
-            <a:ext cx="432048" cy="1216674"/>
+            <a:off x="2486099" y="3940518"/>
+            <a:ext cx="285701" cy="1216674"/>
           </a:xfrm>
           <a:prstGeom prst="leftBrace">
             <a:avLst/>
           </a:prstGeom>
+          <a:ln>
+            <a:solidFill>
+              <a:srgbClr val="00B0F0"/>
+            </a:solidFill>
+          </a:ln>
         </p:spPr>
         <p:style>
-          <a:lnRef idx="1">
-            <a:schemeClr val="accent5"/>
+          <a:lnRef idx="2">
+            <a:schemeClr val="accent1"/>
           </a:lnRef>
           <a:fillRef idx="0">
-            <a:schemeClr val="accent5"/>
+            <a:schemeClr val="accent1"/>
           </a:fillRef>
-          <a:effectRef idx="0">
-            <a:schemeClr val="accent5"/>
+          <a:effectRef idx="1">
+            <a:schemeClr val="accent1"/>
           </a:effectRef>
           <a:fontRef idx="minor">
             <a:schemeClr val="tx1"/>
@@ -16077,7 +20259,7 @@
         </p:nvSpPr>
         <p:spPr>
           <a:xfrm>
-            <a:off x="1656298" y="4368800"/>
+            <a:off x="1800314" y="4368800"/>
             <a:ext cx="646331" cy="369332"/>
           </a:xfrm>
           <a:prstGeom prst="rect">
@@ -16094,7 +20276,7 @@
             <a:r>
               <a:rPr lang="zh-CN" altLang="en-US" dirty="0">
                 <a:solidFill>
-                  <a:schemeClr val="accent1"/>
+                  <a:srgbClr val="00B0F0"/>
                 </a:solidFill>
               </a:rPr>
               <a:t>别名</a:t>
@@ -17451,10 +21633,18 @@
           <a:lstStyle/>
           <a:p>
             <a:r>
-              <a:rPr lang="zh-CN" altLang="en-US" dirty="0"/>
+              <a:rPr lang="zh-CN" altLang="en-US" dirty="0">
+                <a:solidFill>
+                  <a:srgbClr val="00B0F0"/>
+                </a:solidFill>
+              </a:rPr>
               <a:t>课程计划</a:t>
             </a:r>
-            <a:endParaRPr lang="en-IN" dirty="0"/>
+            <a:endParaRPr lang="en-IN" dirty="0">
+              <a:solidFill>
+                <a:srgbClr val="00B0F0"/>
+              </a:solidFill>
+            </a:endParaRPr>
           </a:p>
         </p:txBody>
       </p:sp>
@@ -17467,14 +21657,14 @@
           <p:nvPr>
             <p:extLst>
               <p:ext uri="{D42A27DB-BD31-4B8C-83A1-F6EECF244321}">
-                <p14:modId xmlns:p14="http://schemas.microsoft.com/office/powerpoint/2010/main" val="2035024933"/>
+                <p14:modId xmlns:p14="http://schemas.microsoft.com/office/powerpoint/2010/main" val="751093322"/>
               </p:ext>
             </p:extLst>
           </p:nvPr>
         </p:nvGraphicFramePr>
         <p:xfrm>
           <a:off x="239155" y="1485578"/>
-          <a:ext cx="8581318" cy="1219312"/>
+          <a:ext cx="8581318" cy="2133796"/>
         </p:xfrm>
         <a:graphic>
           <a:graphicData uri="http://schemas.openxmlformats.org/drawingml/2006/table">
@@ -17761,6 +21951,17 @@
                     <a:p>
                       <a:pPr marL="0" algn="l" defTabSz="914400" rtl="0" eaLnBrk="1" latinLnBrk="0" hangingPunct="1"/>
                       <a:r>
+                        <a:rPr lang="en-US" altLang="zh-CN" sz="1200" b="0" kern="1200" dirty="0">
+                          <a:solidFill>
+                            <a:schemeClr val="tx1"/>
+                          </a:solidFill>
+                          <a:latin typeface="+mn-lt"/>
+                          <a:ea typeface="+mn-ea"/>
+                          <a:cs typeface="Arial" pitchFamily="34" charset="0"/>
+                        </a:rPr>
+                        <a:t>HTML</a:t>
+                      </a:r>
+                      <a:r>
                         <a:rPr lang="zh-CN" altLang="en-US" sz="1200" b="0" kern="1200" dirty="0">
                           <a:solidFill>
                             <a:schemeClr val="tx1"/>
@@ -17769,7 +21970,29 @@
                           <a:ea typeface="+mn-ea"/>
                           <a:cs typeface="Arial" pitchFamily="34" charset="0"/>
                         </a:rPr>
-                        <a:t>组建一个自己的工厂企业</a:t>
+                        <a:t>、</a:t>
+                      </a:r>
+                      <a:r>
+                        <a:rPr lang="en-US" altLang="zh-CN" sz="1200" b="0" kern="1200" dirty="0">
+                          <a:solidFill>
+                            <a:schemeClr val="tx1"/>
+                          </a:solidFill>
+                          <a:latin typeface="+mn-lt"/>
+                          <a:ea typeface="+mn-ea"/>
+                          <a:cs typeface="Arial" pitchFamily="34" charset="0"/>
+                        </a:rPr>
+                        <a:t>HTML5</a:t>
+                      </a:r>
+                      <a:r>
+                        <a:rPr lang="zh-CN" altLang="en-US" sz="1200" b="0" kern="1200" dirty="0">
+                          <a:solidFill>
+                            <a:schemeClr val="tx1"/>
+                          </a:solidFill>
+                          <a:latin typeface="+mn-lt"/>
+                          <a:ea typeface="+mn-ea"/>
+                          <a:cs typeface="Arial" pitchFamily="34" charset="0"/>
+                        </a:rPr>
+                        <a:t>基础</a:t>
                       </a:r>
                       <a:endParaRPr lang="en-IN" sz="1200" b="0" kern="1200" dirty="0">
                         <a:solidFill>
@@ -17969,6 +22192,17 @@
                     <a:p>
                       <a:pPr marL="0" algn="l" defTabSz="914400" rtl="0" eaLnBrk="1" latinLnBrk="0" hangingPunct="1"/>
                       <a:r>
+                        <a:rPr lang="en-US" altLang="zh-CN" sz="1200" b="0" kern="1200" dirty="0">
+                          <a:solidFill>
+                            <a:schemeClr val="tx1"/>
+                          </a:solidFill>
+                          <a:latin typeface="+mn-lt"/>
+                          <a:ea typeface="+mn-ea"/>
+                          <a:cs typeface="Arial" pitchFamily="34" charset="0"/>
+                        </a:rPr>
+                        <a:t>CSS</a:t>
+                      </a:r>
+                      <a:r>
                         <a:rPr lang="zh-CN" altLang="en-US" sz="1200" b="0" kern="1200" dirty="0">
                           <a:solidFill>
                             <a:schemeClr val="tx1"/>
@@ -17977,7 +22211,7 @@
                           <a:ea typeface="+mn-ea"/>
                           <a:cs typeface="Arial" pitchFamily="34" charset="0"/>
                         </a:rPr>
-                        <a:t>工业</a:t>
+                        <a:t>、</a:t>
                       </a:r>
                       <a:r>
                         <a:rPr lang="en-US" altLang="zh-CN" sz="1200" b="0" kern="1200" dirty="0">
@@ -17988,7 +22222,18 @@
                           <a:ea typeface="+mn-ea"/>
                           <a:cs typeface="Arial" pitchFamily="34" charset="0"/>
                         </a:rPr>
-                        <a:t>4.0</a:t>
+                        <a:t>CSS3</a:t>
+                      </a:r>
+                      <a:r>
+                        <a:rPr lang="zh-CN" altLang="en-US" sz="1200" b="0" kern="1200" dirty="0">
+                          <a:solidFill>
+                            <a:schemeClr val="tx1"/>
+                          </a:solidFill>
+                          <a:latin typeface="+mn-lt"/>
+                          <a:ea typeface="+mn-ea"/>
+                          <a:cs typeface="Arial" pitchFamily="34" charset="0"/>
+                        </a:rPr>
+                        <a:t>基础</a:t>
                       </a:r>
                       <a:endParaRPr lang="en-IN" sz="1200" b="0" kern="1200" dirty="0">
                         <a:solidFill>
@@ -18120,6 +22365,214 @@
                     <a:lstStyle/>
                     <a:p>
                       <a:r>
+                        <a:rPr lang="en-IN" sz="1200" b="1" dirty="0">
+                          <a:solidFill>
+                            <a:schemeClr val="bg2">
+                              <a:lumMod val="50000"/>
+                            </a:schemeClr>
+                          </a:solidFill>
+                          <a:latin typeface="+mj-lt"/>
+                          <a:cs typeface="Arial" pitchFamily="34" charset="0"/>
+                        </a:rPr>
+                        <a:t>04</a:t>
+                      </a:r>
+                    </a:p>
+                  </a:txBody>
+                  <a:tcPr marL="121904" marR="121904" marT="60974" marB="60974" anchor="ctr">
+                    <a:lnL w="12700" cmpd="sng">
+                      <a:noFill/>
+                    </a:lnL>
+                    <a:lnR w="12700" cmpd="sng">
+                      <a:noFill/>
+                    </a:lnR>
+                    <a:lnT w="6350" cap="flat" cmpd="sng" algn="ctr">
+                      <a:solidFill>
+                        <a:schemeClr val="bg1">
+                          <a:lumMod val="65000"/>
+                        </a:schemeClr>
+                      </a:solidFill>
+                      <a:prstDash val="sysDash"/>
+                      <a:round/>
+                      <a:headEnd type="none" w="med" len="med"/>
+                      <a:tailEnd type="none" w="med" len="med"/>
+                    </a:lnT>
+                    <a:lnB w="6350" cap="flat" cmpd="sng" algn="ctr">
+                      <a:solidFill>
+                        <a:schemeClr val="bg1">
+                          <a:lumMod val="65000"/>
+                        </a:schemeClr>
+                      </a:solidFill>
+                      <a:prstDash val="sysDash"/>
+                      <a:round/>
+                      <a:headEnd type="none" w="med" len="med"/>
+                      <a:tailEnd type="none" w="med" len="med"/>
+                    </a:lnB>
+                    <a:lnTlToBr w="12700" cmpd="sng">
+                      <a:noFill/>
+                      <a:prstDash val="solid"/>
+                    </a:lnTlToBr>
+                    <a:lnBlToTr w="12700" cmpd="sng">
+                      <a:noFill/>
+                      <a:prstDash val="solid"/>
+                    </a:lnBlToTr>
+                  </a:tcPr>
+                </a:tc>
+                <a:tc>
+                  <a:txBody>
+                    <a:bodyPr/>
+                    <a:lstStyle/>
+                    <a:p>
+                      <a:r>
+                        <a:rPr lang="en-US" altLang="zh-CN" sz="1200" b="0" kern="1200" dirty="0">
+                          <a:solidFill>
+                            <a:schemeClr val="tx1"/>
+                          </a:solidFill>
+                          <a:latin typeface="+mn-lt"/>
+                          <a:ea typeface="+mn-ea"/>
+                          <a:cs typeface="Arial" pitchFamily="34" charset="0"/>
+                        </a:rPr>
+                        <a:t>Bootstrap</a:t>
+                      </a:r>
+                      <a:r>
+                        <a:rPr lang="en-US" altLang="zh-CN" sz="1200" b="0" kern="1200" baseline="0" dirty="0">
+                          <a:solidFill>
+                            <a:schemeClr val="tx1"/>
+                          </a:solidFill>
+                          <a:latin typeface="+mn-lt"/>
+                          <a:ea typeface="+mn-ea"/>
+                          <a:cs typeface="Arial" pitchFamily="34" charset="0"/>
+                        </a:rPr>
+                        <a:t> </a:t>
+                      </a:r>
+                      <a:r>
+                        <a:rPr lang="zh-CN" altLang="en-US" sz="1200" b="0" kern="1200" dirty="0">
+                          <a:solidFill>
+                            <a:schemeClr val="tx1"/>
+                          </a:solidFill>
+                          <a:latin typeface="+mn-lt"/>
+                          <a:ea typeface="+mn-ea"/>
+                          <a:cs typeface="Arial" pitchFamily="34" charset="0"/>
+                        </a:rPr>
+                        <a:t>框架的使用</a:t>
+                      </a:r>
+                      <a:endParaRPr lang="en-IN" sz="1200" b="0" kern="1200" dirty="0">
+                        <a:solidFill>
+                          <a:schemeClr val="tx1"/>
+                        </a:solidFill>
+                        <a:latin typeface="+mn-lt"/>
+                        <a:ea typeface="+mn-ea"/>
+                        <a:cs typeface="Arial" pitchFamily="34" charset="0"/>
+                      </a:endParaRPr>
+                    </a:p>
+                  </a:txBody>
+                  <a:tcPr marL="121904" marR="121904" marT="60974" marB="60974" anchor="ctr">
+                    <a:lnL w="12700" cmpd="sng">
+                      <a:noFill/>
+                    </a:lnL>
+                    <a:lnR w="12700" cmpd="sng">
+                      <a:noFill/>
+                    </a:lnR>
+                    <a:lnT w="6350" cap="flat" cmpd="sng" algn="ctr">
+                      <a:solidFill>
+                        <a:schemeClr val="bg1">
+                          <a:lumMod val="65000"/>
+                        </a:schemeClr>
+                      </a:solidFill>
+                      <a:prstDash val="sysDash"/>
+                      <a:round/>
+                      <a:headEnd type="none" w="med" len="med"/>
+                      <a:tailEnd type="none" w="med" len="med"/>
+                    </a:lnT>
+                    <a:lnB w="6350" cap="flat" cmpd="sng" algn="ctr">
+                      <a:solidFill>
+                        <a:schemeClr val="bg1">
+                          <a:lumMod val="65000"/>
+                        </a:schemeClr>
+                      </a:solidFill>
+                      <a:prstDash val="sysDash"/>
+                      <a:round/>
+                      <a:headEnd type="none" w="med" len="med"/>
+                      <a:tailEnd type="none" w="med" len="med"/>
+                    </a:lnB>
+                    <a:lnTlToBr w="12700" cmpd="sng">
+                      <a:noFill/>
+                      <a:prstDash val="solid"/>
+                    </a:lnTlToBr>
+                    <a:lnBlToTr w="12700" cmpd="sng">
+                      <a:noFill/>
+                      <a:prstDash val="solid"/>
+                    </a:lnBlToTr>
+                  </a:tcPr>
+                </a:tc>
+                <a:tc>
+                  <a:txBody>
+                    <a:bodyPr/>
+                    <a:lstStyle/>
+                    <a:p>
+                      <a:pPr algn="ctr"/>
+                      <a:endParaRPr lang="en-IN" sz="1200" b="1" dirty="0">
+                        <a:solidFill>
+                          <a:schemeClr val="bg2">
+                            <a:lumMod val="50000"/>
+                          </a:schemeClr>
+                        </a:solidFill>
+                        <a:latin typeface="+mj-lt"/>
+                        <a:cs typeface="Arial" pitchFamily="34" charset="0"/>
+                      </a:endParaRPr>
+                    </a:p>
+                  </a:txBody>
+                  <a:tcPr marL="121904" marR="121904" marT="60974" marB="60974" anchor="ctr">
+                    <a:lnL w="12700" cmpd="sng">
+                      <a:noFill/>
+                    </a:lnL>
+                    <a:lnR w="12700" cmpd="sng">
+                      <a:noFill/>
+                    </a:lnR>
+                    <a:lnT w="6350" cap="flat" cmpd="sng" algn="ctr">
+                      <a:solidFill>
+                        <a:schemeClr val="bg1">
+                          <a:lumMod val="65000"/>
+                        </a:schemeClr>
+                      </a:solidFill>
+                      <a:prstDash val="sysDash"/>
+                      <a:round/>
+                      <a:headEnd type="none" w="med" len="med"/>
+                      <a:tailEnd type="none" w="med" len="med"/>
+                    </a:lnT>
+                    <a:lnB w="6350" cap="flat" cmpd="sng" algn="ctr">
+                      <a:solidFill>
+                        <a:schemeClr val="bg1">
+                          <a:lumMod val="65000"/>
+                        </a:schemeClr>
+                      </a:solidFill>
+                      <a:prstDash val="sysDash"/>
+                      <a:round/>
+                      <a:headEnd type="none" w="med" len="med"/>
+                      <a:tailEnd type="none" w="med" len="med"/>
+                    </a:lnB>
+                    <a:lnTlToBr w="12700" cmpd="sng">
+                      <a:noFill/>
+                      <a:prstDash val="solid"/>
+                    </a:lnTlToBr>
+                    <a:lnBlToTr w="12700" cmpd="sng">
+                      <a:noFill/>
+                      <a:prstDash val="solid"/>
+                    </a:lnBlToTr>
+                  </a:tcPr>
+                </a:tc>
+                <a:extLst>
+                  <a:ext uri="{0D108BD9-81ED-4DB2-BD59-A6C34878D82A}">
+                    <a16:rowId xmlns:a16="http://schemas.microsoft.com/office/drawing/2014/main" val="3267079588"/>
+                  </a:ext>
+                </a:extLst>
+              </a:tr>
+              <a:tr h="302275">
+                <a:tc>
+                  <a:txBody>
+                    <a:bodyPr/>
+                    <a:lstStyle/>
+                    <a:p>
+                      <a:r>
                         <a:rPr lang="en-US" sz="1200" b="1" dirty="0">
                           <a:solidFill>
                             <a:schemeClr val="bg2">
@@ -18160,8 +22613,16 @@
                       <a:headEnd type="none" w="med" len="med"/>
                       <a:tailEnd type="none" w="med" len="med"/>
                     </a:lnT>
-                    <a:lnB w="12700" cmpd="sng">
-                      <a:noFill/>
+                    <a:lnB w="6350" cap="flat" cmpd="sng" algn="ctr">
+                      <a:solidFill>
+                        <a:schemeClr val="bg1">
+                          <a:lumMod val="65000"/>
+                        </a:schemeClr>
+                      </a:solidFill>
+                      <a:prstDash val="sysDash"/>
+                      <a:round/>
+                      <a:headEnd type="none" w="med" len="med"/>
+                      <a:tailEnd type="none" w="med" len="med"/>
                     </a:lnB>
                     <a:lnTlToBr w="12700" cmpd="sng">
                       <a:noFill/>
@@ -18179,7 +22640,7 @@
                     <a:lstStyle/>
                     <a:p>
                       <a:r>
-                        <a:rPr lang="zh-CN" altLang="en-US" sz="1200" b="0" kern="1200">
+                        <a:rPr lang="en-US" altLang="zh-CN" sz="1200" b="0" kern="1200" dirty="0" err="1">
                           <a:solidFill>
                             <a:schemeClr val="tx1"/>
                           </a:solidFill>
@@ -18187,7 +22648,29 @@
                           <a:ea typeface="+mn-ea"/>
                           <a:cs typeface="Arial" pitchFamily="34" charset="0"/>
                         </a:rPr>
-                        <a:t>课后作业</a:t>
+                        <a:t>JQuery</a:t>
+                      </a:r>
+                      <a:r>
+                        <a:rPr lang="en-US" altLang="zh-CN" sz="1200" b="0" kern="1200" dirty="0">
+                          <a:solidFill>
+                            <a:schemeClr val="tx1"/>
+                          </a:solidFill>
+                          <a:latin typeface="+mn-lt"/>
+                          <a:ea typeface="+mn-ea"/>
+                          <a:cs typeface="Arial" pitchFamily="34" charset="0"/>
+                        </a:rPr>
+                        <a:t> </a:t>
+                      </a:r>
+                      <a:r>
+                        <a:rPr lang="zh-CN" altLang="en-US" sz="1200" b="0" kern="1200" dirty="0">
+                          <a:solidFill>
+                            <a:schemeClr val="tx1"/>
+                          </a:solidFill>
+                          <a:latin typeface="+mn-lt"/>
+                          <a:ea typeface="+mn-ea"/>
+                          <a:cs typeface="Arial" pitchFamily="34" charset="0"/>
+                        </a:rPr>
+                        <a:t>框架的使用</a:t>
                       </a:r>
                       <a:endParaRPr lang="en-IN" sz="1200" b="0" kern="1200" dirty="0">
                         <a:solidFill>
@@ -18217,8 +22700,16 @@
                       <a:headEnd type="none" w="med" len="med"/>
                       <a:tailEnd type="none" w="med" len="med"/>
                     </a:lnT>
-                    <a:lnB w="12700" cmpd="sng">
-                      <a:noFill/>
+                    <a:lnB w="6350" cap="flat" cmpd="sng" algn="ctr">
+                      <a:solidFill>
+                        <a:schemeClr val="bg1">
+                          <a:lumMod val="65000"/>
+                        </a:schemeClr>
+                      </a:solidFill>
+                      <a:prstDash val="sysDash"/>
+                      <a:round/>
+                      <a:headEnd type="none" w="med" len="med"/>
+                      <a:tailEnd type="none" w="med" len="med"/>
                     </a:lnB>
                     <a:lnTlToBr w="12700" cmpd="sng">
                       <a:noFill/>
@@ -18277,6 +22768,373 @@
                       <a:headEnd type="none" w="med" len="med"/>
                       <a:tailEnd type="none" w="med" len="med"/>
                     </a:lnT>
+                    <a:lnB w="6350" cap="flat" cmpd="sng" algn="ctr">
+                      <a:solidFill>
+                        <a:schemeClr val="bg1">
+                          <a:lumMod val="65000"/>
+                        </a:schemeClr>
+                      </a:solidFill>
+                      <a:prstDash val="sysDash"/>
+                      <a:round/>
+                      <a:headEnd type="none" w="med" len="med"/>
+                      <a:tailEnd type="none" w="med" len="med"/>
+                    </a:lnB>
+                    <a:lnTlToBr w="12700" cmpd="sng">
+                      <a:noFill/>
+                      <a:prstDash val="solid"/>
+                    </a:lnTlToBr>
+                    <a:lnBlToTr w="12700" cmpd="sng">
+                      <a:noFill/>
+                      <a:prstDash val="solid"/>
+                    </a:lnBlToTr>
+                  </a:tcPr>
+                </a:tc>
+                <a:extLst>
+                  <a:ext uri="{0D108BD9-81ED-4DB2-BD59-A6C34878D82A}">
+                    <a16:rowId xmlns:a16="http://schemas.microsoft.com/office/drawing/2014/main" val="10003"/>
+                  </a:ext>
+                </a:extLst>
+              </a:tr>
+              <a:tr h="302275">
+                <a:tc>
+                  <a:txBody>
+                    <a:bodyPr/>
+                    <a:lstStyle/>
+                    <a:p>
+                      <a:r>
+                        <a:rPr lang="en-IN" sz="1200" b="1" dirty="0">
+                          <a:solidFill>
+                            <a:schemeClr val="bg2">
+                              <a:lumMod val="50000"/>
+                            </a:schemeClr>
+                          </a:solidFill>
+                          <a:latin typeface="+mj-lt"/>
+                          <a:cs typeface="Arial" pitchFamily="34" charset="0"/>
+                        </a:rPr>
+                        <a:t>06</a:t>
+                      </a:r>
+                    </a:p>
+                  </a:txBody>
+                  <a:tcPr marL="121904" marR="121904" marT="60974" marB="60974" anchor="ctr">
+                    <a:lnL w="12700" cmpd="sng">
+                      <a:noFill/>
+                    </a:lnL>
+                    <a:lnR w="12700" cmpd="sng">
+                      <a:noFill/>
+                    </a:lnR>
+                    <a:lnT w="6350" cap="flat" cmpd="sng" algn="ctr">
+                      <a:solidFill>
+                        <a:schemeClr val="bg1">
+                          <a:lumMod val="65000"/>
+                        </a:schemeClr>
+                      </a:solidFill>
+                      <a:prstDash val="sysDash"/>
+                      <a:round/>
+                      <a:headEnd type="none" w="med" len="med"/>
+                      <a:tailEnd type="none" w="med" len="med"/>
+                    </a:lnT>
+                    <a:lnB w="6350" cap="flat" cmpd="sng" algn="ctr">
+                      <a:solidFill>
+                        <a:schemeClr val="bg1">
+                          <a:lumMod val="65000"/>
+                        </a:schemeClr>
+                      </a:solidFill>
+                      <a:prstDash val="sysDash"/>
+                      <a:round/>
+                      <a:headEnd type="none" w="med" len="med"/>
+                      <a:tailEnd type="none" w="med" len="med"/>
+                    </a:lnB>
+                    <a:lnTlToBr w="12700" cmpd="sng">
+                      <a:noFill/>
+                      <a:prstDash val="solid"/>
+                    </a:lnTlToBr>
+                    <a:lnBlToTr w="12700" cmpd="sng">
+                      <a:noFill/>
+                      <a:prstDash val="solid"/>
+                    </a:lnBlToTr>
+                  </a:tcPr>
+                </a:tc>
+                <a:tc>
+                  <a:txBody>
+                    <a:bodyPr/>
+                    <a:lstStyle/>
+                    <a:p>
+                      <a:r>
+                        <a:rPr lang="en-US" altLang="zh-CN" sz="1200" b="0" kern="1200" dirty="0">
+                          <a:solidFill>
+                            <a:schemeClr val="tx1"/>
+                          </a:solidFill>
+                          <a:latin typeface="+mn-lt"/>
+                          <a:ea typeface="+mn-ea"/>
+                          <a:cs typeface="Arial" pitchFamily="34" charset="0"/>
+                        </a:rPr>
+                        <a:t>JavaScript</a:t>
+                      </a:r>
+                      <a:endParaRPr lang="en-IN" sz="1200" b="0" kern="1200" dirty="0">
+                        <a:solidFill>
+                          <a:schemeClr val="tx1"/>
+                        </a:solidFill>
+                        <a:latin typeface="+mn-lt"/>
+                        <a:ea typeface="+mn-ea"/>
+                        <a:cs typeface="Arial" pitchFamily="34" charset="0"/>
+                      </a:endParaRPr>
+                    </a:p>
+                  </a:txBody>
+                  <a:tcPr marL="121904" marR="121904" marT="60974" marB="60974" anchor="ctr">
+                    <a:lnL w="12700" cmpd="sng">
+                      <a:noFill/>
+                    </a:lnL>
+                    <a:lnR w="12700" cmpd="sng">
+                      <a:noFill/>
+                    </a:lnR>
+                    <a:lnT w="6350" cap="flat" cmpd="sng" algn="ctr">
+                      <a:solidFill>
+                        <a:schemeClr val="bg1">
+                          <a:lumMod val="65000"/>
+                        </a:schemeClr>
+                      </a:solidFill>
+                      <a:prstDash val="sysDash"/>
+                      <a:round/>
+                      <a:headEnd type="none" w="med" len="med"/>
+                      <a:tailEnd type="none" w="med" len="med"/>
+                    </a:lnT>
+                    <a:lnB w="6350" cap="flat" cmpd="sng" algn="ctr">
+                      <a:solidFill>
+                        <a:schemeClr val="bg1">
+                          <a:lumMod val="65000"/>
+                        </a:schemeClr>
+                      </a:solidFill>
+                      <a:prstDash val="sysDash"/>
+                      <a:round/>
+                      <a:headEnd type="none" w="med" len="med"/>
+                      <a:tailEnd type="none" w="med" len="med"/>
+                    </a:lnB>
+                    <a:lnTlToBr w="12700" cmpd="sng">
+                      <a:noFill/>
+                      <a:prstDash val="solid"/>
+                    </a:lnTlToBr>
+                    <a:lnBlToTr w="12700" cmpd="sng">
+                      <a:noFill/>
+                      <a:prstDash val="solid"/>
+                    </a:lnBlToTr>
+                  </a:tcPr>
+                </a:tc>
+                <a:tc>
+                  <a:txBody>
+                    <a:bodyPr/>
+                    <a:lstStyle/>
+                    <a:p>
+                      <a:pPr algn="ctr"/>
+                      <a:endParaRPr lang="en-IN" sz="1200" b="1" dirty="0">
+                        <a:solidFill>
+                          <a:schemeClr val="bg2">
+                            <a:lumMod val="50000"/>
+                          </a:schemeClr>
+                        </a:solidFill>
+                        <a:latin typeface="+mj-lt"/>
+                        <a:cs typeface="Arial" pitchFamily="34" charset="0"/>
+                      </a:endParaRPr>
+                    </a:p>
+                  </a:txBody>
+                  <a:tcPr marL="121904" marR="121904" marT="60974" marB="60974" anchor="ctr">
+                    <a:lnL w="12700" cmpd="sng">
+                      <a:noFill/>
+                    </a:lnL>
+                    <a:lnR w="12700" cmpd="sng">
+                      <a:noFill/>
+                    </a:lnR>
+                    <a:lnT w="6350" cap="flat" cmpd="sng" algn="ctr">
+                      <a:solidFill>
+                        <a:schemeClr val="bg1">
+                          <a:lumMod val="65000"/>
+                        </a:schemeClr>
+                      </a:solidFill>
+                      <a:prstDash val="sysDash"/>
+                      <a:round/>
+                      <a:headEnd type="none" w="med" len="med"/>
+                      <a:tailEnd type="none" w="med" len="med"/>
+                    </a:lnT>
+                    <a:lnB w="6350" cap="flat" cmpd="sng" algn="ctr">
+                      <a:solidFill>
+                        <a:schemeClr val="bg1">
+                          <a:lumMod val="65000"/>
+                        </a:schemeClr>
+                      </a:solidFill>
+                      <a:prstDash val="sysDash"/>
+                      <a:round/>
+                      <a:headEnd type="none" w="med" len="med"/>
+                      <a:tailEnd type="none" w="med" len="med"/>
+                    </a:lnB>
+                    <a:lnTlToBr w="12700" cmpd="sng">
+                      <a:noFill/>
+                      <a:prstDash val="solid"/>
+                    </a:lnTlToBr>
+                    <a:lnBlToTr w="12700" cmpd="sng">
+                      <a:noFill/>
+                      <a:prstDash val="solid"/>
+                    </a:lnBlToTr>
+                  </a:tcPr>
+                </a:tc>
+                <a:extLst>
+                  <a:ext uri="{0D108BD9-81ED-4DB2-BD59-A6C34878D82A}">
+                    <a16:rowId xmlns:a16="http://schemas.microsoft.com/office/drawing/2014/main" val="1331757031"/>
+                  </a:ext>
+                </a:extLst>
+              </a:tr>
+              <a:tr h="302275">
+                <a:tc>
+                  <a:txBody>
+                    <a:bodyPr/>
+                    <a:lstStyle/>
+                    <a:p>
+                      <a:r>
+                        <a:rPr lang="en-IN" sz="1200" b="1" dirty="0">
+                          <a:solidFill>
+                            <a:schemeClr val="bg2">
+                              <a:lumMod val="50000"/>
+                            </a:schemeClr>
+                          </a:solidFill>
+                          <a:latin typeface="+mj-lt"/>
+                          <a:cs typeface="Arial" pitchFamily="34" charset="0"/>
+                        </a:rPr>
+                        <a:t>07</a:t>
+                      </a:r>
+                    </a:p>
+                  </a:txBody>
+                  <a:tcPr marL="121904" marR="121904" marT="60974" marB="60974" anchor="ctr">
+                    <a:lnL w="12700" cmpd="sng">
+                      <a:noFill/>
+                    </a:lnL>
+                    <a:lnR w="12700" cmpd="sng">
+                      <a:noFill/>
+                    </a:lnR>
+                    <a:lnT w="6350" cap="flat" cmpd="sng" algn="ctr">
+                      <a:solidFill>
+                        <a:schemeClr val="bg1">
+                          <a:lumMod val="65000"/>
+                        </a:schemeClr>
+                      </a:solidFill>
+                      <a:prstDash val="sysDash"/>
+                      <a:round/>
+                      <a:headEnd type="none" w="med" len="med"/>
+                      <a:tailEnd type="none" w="med" len="med"/>
+                    </a:lnT>
+                    <a:lnB w="12700" cmpd="sng">
+                      <a:noFill/>
+                    </a:lnB>
+                    <a:lnTlToBr w="12700" cmpd="sng">
+                      <a:noFill/>
+                      <a:prstDash val="solid"/>
+                    </a:lnTlToBr>
+                    <a:lnBlToTr w="12700" cmpd="sng">
+                      <a:noFill/>
+                      <a:prstDash val="solid"/>
+                    </a:lnBlToTr>
+                  </a:tcPr>
+                </a:tc>
+                <a:tc>
+                  <a:txBody>
+                    <a:bodyPr/>
+                    <a:lstStyle/>
+                    <a:p>
+                      <a:r>
+                        <a:rPr lang="en-IN" sz="1200" b="0" kern="1200" dirty="0">
+                          <a:solidFill>
+                            <a:schemeClr val="tx1"/>
+                          </a:solidFill>
+                          <a:latin typeface="+mn-lt"/>
+                          <a:ea typeface="+mn-ea"/>
+                          <a:cs typeface="Arial" pitchFamily="34" charset="0"/>
+                        </a:rPr>
+                        <a:t>Vue.js </a:t>
+                      </a:r>
+                      <a:r>
+                        <a:rPr lang="zh-CN" altLang="en-US" sz="1200" b="0" kern="1200" dirty="0">
+                          <a:solidFill>
+                            <a:schemeClr val="tx1"/>
+                          </a:solidFill>
+                          <a:latin typeface="+mn-lt"/>
+                          <a:ea typeface="+mn-ea"/>
+                          <a:cs typeface="Arial" pitchFamily="34" charset="0"/>
+                        </a:rPr>
+                        <a:t>的简单应用</a:t>
+                      </a:r>
+                      <a:endParaRPr lang="en-IN" sz="1200" b="0" kern="1200" dirty="0">
+                        <a:solidFill>
+                          <a:schemeClr val="tx1"/>
+                        </a:solidFill>
+                        <a:latin typeface="+mn-lt"/>
+                        <a:ea typeface="+mn-ea"/>
+                        <a:cs typeface="Arial" pitchFamily="34" charset="0"/>
+                      </a:endParaRPr>
+                    </a:p>
+                  </a:txBody>
+                  <a:tcPr marL="121904" marR="121904" marT="60974" marB="60974" anchor="ctr">
+                    <a:lnL w="12700" cmpd="sng">
+                      <a:noFill/>
+                    </a:lnL>
+                    <a:lnR w="12700" cmpd="sng">
+                      <a:noFill/>
+                    </a:lnR>
+                    <a:lnT w="6350" cap="flat" cmpd="sng" algn="ctr">
+                      <a:solidFill>
+                        <a:schemeClr val="bg1">
+                          <a:lumMod val="65000"/>
+                        </a:schemeClr>
+                      </a:solidFill>
+                      <a:prstDash val="sysDash"/>
+                      <a:round/>
+                      <a:headEnd type="none" w="med" len="med"/>
+                      <a:tailEnd type="none" w="med" len="med"/>
+                    </a:lnT>
+                    <a:lnB w="12700" cmpd="sng">
+                      <a:noFill/>
+                    </a:lnB>
+                    <a:lnTlToBr w="12700" cmpd="sng">
+                      <a:noFill/>
+                      <a:prstDash val="solid"/>
+                    </a:lnTlToBr>
+                    <a:lnBlToTr w="12700" cmpd="sng">
+                      <a:noFill/>
+                      <a:prstDash val="solid"/>
+                    </a:lnBlToTr>
+                  </a:tcPr>
+                </a:tc>
+                <a:tc>
+                  <a:txBody>
+                    <a:bodyPr/>
+                    <a:lstStyle/>
+                    <a:p>
+                      <a:pPr algn="ctr"/>
+                      <a:endParaRPr lang="en-IN" sz="1200" b="1" dirty="0">
+                        <a:solidFill>
+                          <a:schemeClr val="bg2">
+                            <a:lumMod val="50000"/>
+                          </a:schemeClr>
+                        </a:solidFill>
+                        <a:latin typeface="+mj-lt"/>
+                        <a:cs typeface="Arial" pitchFamily="34" charset="0"/>
+                      </a:endParaRPr>
+                    </a:p>
+                  </a:txBody>
+                  <a:tcPr marL="121904" marR="121904" marT="60974" marB="60974" anchor="ctr">
+                    <a:lnL w="12700" cmpd="sng">
+                      <a:noFill/>
+                    </a:lnL>
+                    <a:lnR w="12700" cmpd="sng">
+                      <a:noFill/>
+                    </a:lnR>
+                    <a:lnT w="6350" cap="flat" cmpd="sng" algn="ctr">
+                      <a:solidFill>
+                        <a:schemeClr val="bg1">
+                          <a:lumMod val="65000"/>
+                        </a:schemeClr>
+                      </a:solidFill>
+                      <a:prstDash val="sysDash"/>
+                      <a:round/>
+                      <a:headEnd type="none" w="med" len="med"/>
+                      <a:tailEnd type="none" w="med" len="med"/>
+                    </a:lnT>
                     <a:lnB w="12700" cmpd="sng">
                       <a:noFill/>
                     </a:lnB>
@@ -18292,7 +23150,7 @@
                 </a:tc>
                 <a:extLst>
                   <a:ext uri="{0D108BD9-81ED-4DB2-BD59-A6C34878D82A}">
-                    <a16:rowId xmlns:a16="http://schemas.microsoft.com/office/drawing/2014/main" val="10003"/>
+                    <a16:rowId xmlns:a16="http://schemas.microsoft.com/office/drawing/2014/main" val="3614900457"/>
                   </a:ext>
                 </a:extLst>
               </a:tr>
@@ -18349,6 +23207,487 @@
               <a:rPr lang="en-IN" smtClean="0"/>
               <a:pPr/>
               <a:t>4</a:t>
+            </a:fld>
+            <a:endParaRPr lang="en-IN" dirty="0"/>
+          </a:p>
+        </p:txBody>
+      </p:sp>
+      <p:sp>
+        <p:nvSpPr>
+          <p:cNvPr id="20" name="文本框 19"/>
+          <p:cNvSpPr txBox="1"/>
+          <p:nvPr/>
+        </p:nvSpPr>
+        <p:spPr>
+          <a:xfrm>
+            <a:off x="326028" y="692696"/>
+            <a:ext cx="1210588" cy="400110"/>
+          </a:xfrm>
+          <a:prstGeom prst="rect">
+            <a:avLst/>
+          </a:prstGeom>
+          <a:noFill/>
+        </p:spPr>
+        <p:txBody>
+          <a:bodyPr wrap="none" rtlCol="0">
+            <a:spAutoFit/>
+          </a:bodyPr>
+          <a:lstStyle/>
+          <a:p>
+            <a:r>
+              <a:rPr lang="zh-CN" altLang="en-US" sz="2000" dirty="0">
+                <a:solidFill>
+                  <a:schemeClr val="accent5"/>
+                </a:solidFill>
+                <a:cs typeface="Arial" pitchFamily="34" charset="0"/>
+              </a:rPr>
+              <a:t>课程概览</a:t>
+            </a:r>
+            <a:endParaRPr lang="en-IN" altLang="zh-CN" sz="2000" dirty="0">
+              <a:solidFill>
+                <a:schemeClr val="accent5"/>
+              </a:solidFill>
+              <a:cs typeface="Arial" pitchFamily="34" charset="0"/>
+            </a:endParaRPr>
+          </a:p>
+        </p:txBody>
+      </p:sp>
+      <p:graphicFrame>
+        <p:nvGraphicFramePr>
+          <p:cNvPr id="4" name="图示 3"/>
+          <p:cNvGraphicFramePr/>
+          <p:nvPr>
+            <p:extLst>
+              <p:ext uri="{D42A27DB-BD31-4B8C-83A1-F6EECF244321}">
+                <p14:modId xmlns:p14="http://schemas.microsoft.com/office/powerpoint/2010/main" val="1199042974"/>
+              </p:ext>
+            </p:extLst>
+          </p:nvPr>
+        </p:nvGraphicFramePr>
+        <p:xfrm>
+          <a:off x="491936" y="1936394"/>
+          <a:ext cx="6096000" cy="4064000"/>
+        </p:xfrm>
+        <a:graphic>
+          <a:graphicData uri="http://schemas.openxmlformats.org/drawingml/2006/diagram">
+            <dgm:relIds xmlns:dgm="http://schemas.openxmlformats.org/drawingml/2006/diagram" xmlns:r="http://schemas.openxmlformats.org/officeDocument/2006/relationships" r:dm="rId2" r:lo="rId3" r:qs="rId4" r:cs="rId5"/>
+          </a:graphicData>
+        </a:graphic>
+      </p:graphicFrame>
+      <p:sp>
+        <p:nvSpPr>
+          <p:cNvPr id="5" name="文本框 4"/>
+          <p:cNvSpPr txBox="1"/>
+          <p:nvPr/>
+        </p:nvSpPr>
+        <p:spPr>
+          <a:xfrm>
+            <a:off x="749042" y="1327002"/>
+            <a:ext cx="877163" cy="369332"/>
+          </a:xfrm>
+          <a:prstGeom prst="rect">
+            <a:avLst/>
+          </a:prstGeom>
+          <a:noFill/>
+        </p:spPr>
+        <p:txBody>
+          <a:bodyPr wrap="none" rtlCol="0">
+            <a:spAutoFit/>
+          </a:bodyPr>
+          <a:lstStyle/>
+          <a:p>
+            <a:r>
+              <a:rPr lang="zh-CN" altLang="en-US" dirty="0">
+                <a:solidFill>
+                  <a:srgbClr val="00B0F0"/>
+                </a:solidFill>
+              </a:rPr>
+              <a:t>总课时</a:t>
+            </a:r>
+          </a:p>
+        </p:txBody>
+      </p:sp>
+      <p:sp>
+        <p:nvSpPr>
+          <p:cNvPr id="6" name="文本框 5"/>
+          <p:cNvSpPr txBox="1"/>
+          <p:nvPr/>
+        </p:nvSpPr>
+        <p:spPr>
+          <a:xfrm>
+            <a:off x="1691680" y="1340768"/>
+            <a:ext cx="3384376" cy="369332"/>
+          </a:xfrm>
+          <a:prstGeom prst="rect">
+            <a:avLst/>
+          </a:prstGeom>
+          <a:noFill/>
+        </p:spPr>
+        <p:txBody>
+          <a:bodyPr wrap="square" rtlCol="0">
+            <a:spAutoFit/>
+          </a:bodyPr>
+          <a:lstStyle/>
+          <a:p>
+            <a:r>
+              <a:rPr lang="en-US" altLang="zh-CN" dirty="0">
+                <a:solidFill>
+                  <a:srgbClr val="00B0F0"/>
+                </a:solidFill>
+              </a:rPr>
+              <a:t>12h = 6</a:t>
+            </a:r>
+            <a:r>
+              <a:rPr lang="zh-CN" altLang="en-US" dirty="0">
+                <a:solidFill>
+                  <a:srgbClr val="00B0F0"/>
+                </a:solidFill>
+              </a:rPr>
+              <a:t>次 </a:t>
+            </a:r>
+            <a:r>
+              <a:rPr lang="en-US" altLang="zh-CN" dirty="0">
+                <a:solidFill>
+                  <a:srgbClr val="00B0F0"/>
+                </a:solidFill>
+              </a:rPr>
+              <a:t>x 2h = 3</a:t>
+            </a:r>
+            <a:r>
+              <a:rPr lang="zh-CN" altLang="en-US" dirty="0">
+                <a:solidFill>
+                  <a:srgbClr val="00B0F0"/>
+                </a:solidFill>
+              </a:rPr>
+              <a:t>天 </a:t>
+            </a:r>
+            <a:r>
+              <a:rPr lang="en-US" altLang="zh-CN" dirty="0">
+                <a:solidFill>
+                  <a:srgbClr val="00B0F0"/>
+                </a:solidFill>
+              </a:rPr>
+              <a:t>x 2</a:t>
+            </a:r>
+            <a:r>
+              <a:rPr lang="zh-CN" altLang="en-US" dirty="0">
+                <a:solidFill>
+                  <a:srgbClr val="00B0F0"/>
+                </a:solidFill>
+              </a:rPr>
+              <a:t>次 </a:t>
+            </a:r>
+            <a:r>
+              <a:rPr lang="en-US" altLang="zh-CN" dirty="0">
+                <a:solidFill>
+                  <a:srgbClr val="00B0F0"/>
+                </a:solidFill>
+              </a:rPr>
+              <a:t>x 2h</a:t>
+            </a:r>
+            <a:endParaRPr lang="zh-CN" altLang="en-US" dirty="0">
+              <a:solidFill>
+                <a:srgbClr val="00B0F0"/>
+              </a:solidFill>
+            </a:endParaRPr>
+          </a:p>
+        </p:txBody>
+      </p:sp>
+      <p:sp>
+        <p:nvSpPr>
+          <p:cNvPr id="7" name="文本框 6"/>
+          <p:cNvSpPr txBox="1"/>
+          <p:nvPr/>
+        </p:nvSpPr>
+        <p:spPr>
+          <a:xfrm>
+            <a:off x="6614864" y="2204864"/>
+            <a:ext cx="1005403" cy="338554"/>
+          </a:xfrm>
+          <a:prstGeom prst="rect">
+            <a:avLst/>
+          </a:prstGeom>
+          <a:noFill/>
+        </p:spPr>
+        <p:txBody>
+          <a:bodyPr wrap="none" rtlCol="0">
+            <a:spAutoFit/>
+          </a:bodyPr>
+          <a:lstStyle/>
+          <a:p>
+            <a:r>
+              <a:rPr lang="zh-CN" altLang="en-US" sz="1600" dirty="0">
+                <a:solidFill>
+                  <a:srgbClr val="00B050"/>
+                </a:solidFill>
+              </a:rPr>
+              <a:t>基础内容</a:t>
+            </a:r>
+          </a:p>
+        </p:txBody>
+      </p:sp>
+      <p:sp>
+        <p:nvSpPr>
+          <p:cNvPr id="12" name="文本框 11"/>
+          <p:cNvSpPr txBox="1"/>
+          <p:nvPr/>
+        </p:nvSpPr>
+        <p:spPr>
+          <a:xfrm>
+            <a:off x="6614864" y="3068960"/>
+            <a:ext cx="595035" cy="338554"/>
+          </a:xfrm>
+          <a:prstGeom prst="rect">
+            <a:avLst/>
+          </a:prstGeom>
+          <a:noFill/>
+        </p:spPr>
+        <p:txBody>
+          <a:bodyPr wrap="none" rtlCol="0">
+            <a:spAutoFit/>
+          </a:bodyPr>
+          <a:lstStyle/>
+          <a:p>
+            <a:r>
+              <a:rPr lang="zh-CN" altLang="en-US" sz="1600" dirty="0">
+                <a:solidFill>
+                  <a:srgbClr val="00B050"/>
+                </a:solidFill>
+              </a:rPr>
+              <a:t>框架</a:t>
+            </a:r>
+          </a:p>
+        </p:txBody>
+      </p:sp>
+      <p:sp>
+        <p:nvSpPr>
+          <p:cNvPr id="13" name="文本框 12"/>
+          <p:cNvSpPr txBox="1"/>
+          <p:nvPr/>
+        </p:nvSpPr>
+        <p:spPr>
+          <a:xfrm>
+            <a:off x="6608960" y="3968394"/>
+            <a:ext cx="1447832" cy="338554"/>
+          </a:xfrm>
+          <a:prstGeom prst="rect">
+            <a:avLst/>
+          </a:prstGeom>
+          <a:noFill/>
+        </p:spPr>
+        <p:txBody>
+          <a:bodyPr wrap="none" rtlCol="0">
+            <a:spAutoFit/>
+          </a:bodyPr>
+          <a:lstStyle/>
+          <a:p>
+            <a:r>
+              <a:rPr lang="zh-CN" altLang="en-US" sz="1600" dirty="0">
+                <a:solidFill>
+                  <a:srgbClr val="00B050"/>
+                </a:solidFill>
+              </a:rPr>
+              <a:t>扩展、</a:t>
+            </a:r>
+            <a:r>
+              <a:rPr lang="en-US" altLang="zh-CN" sz="1600" dirty="0">
+                <a:solidFill>
+                  <a:srgbClr val="00B050"/>
+                </a:solidFill>
+              </a:rPr>
+              <a:t>Coding</a:t>
+            </a:r>
+            <a:endParaRPr lang="zh-CN" altLang="en-US" sz="1600" dirty="0">
+              <a:solidFill>
+                <a:srgbClr val="00B050"/>
+              </a:solidFill>
+            </a:endParaRPr>
+          </a:p>
+        </p:txBody>
+      </p:sp>
+    </p:spTree>
+    <p:extLst>
+      <p:ext uri="{BB962C8B-B14F-4D97-AF65-F5344CB8AC3E}">
+        <p14:creationId xmlns:p14="http://schemas.microsoft.com/office/powerpoint/2010/main" val="1769895899"/>
+      </p:ext>
+    </p:extLst>
+  </p:cSld>
+  <p:clrMapOvr>
+    <a:masterClrMapping/>
+  </p:clrMapOvr>
+  <p:timing>
+    <p:tnLst>
+      <p:par>
+        <p:cTn id="1" dur="indefinite" restart="never" nodeType="tmRoot">
+          <p:childTnLst>
+            <p:seq concurrent="1" nextAc="seek">
+              <p:cTn id="2" dur="indefinite" nodeType="mainSeq">
+                <p:childTnLst>
+                  <p:par>
+                    <p:cTn id="3" fill="hold">
+                      <p:stCondLst>
+                        <p:cond delay="indefinite"/>
+                      </p:stCondLst>
+                      <p:childTnLst>
+                        <p:par>
+                          <p:cTn id="4" fill="hold">
+                            <p:stCondLst>
+                              <p:cond delay="0"/>
+                            </p:stCondLst>
+                            <p:childTnLst>
+                              <p:par>
+                                <p:cTn id="5" presetID="53" presetClass="entr" presetSubtype="16" fill="hold" grpId="0" nodeType="clickEffect">
+                                  <p:stCondLst>
+                                    <p:cond delay="0"/>
+                                  </p:stCondLst>
+                                  <p:childTnLst>
+                                    <p:set>
+                                      <p:cBhvr>
+                                        <p:cTn id="6" dur="1" fill="hold">
+                                          <p:stCondLst>
+                                            <p:cond delay="0"/>
+                                          </p:stCondLst>
+                                        </p:cTn>
+                                        <p:tgtEl>
+                                          <p:spTgt spid="4"/>
+                                        </p:tgtEl>
+                                        <p:attrNameLst>
+                                          <p:attrName>style.visibility</p:attrName>
+                                        </p:attrNameLst>
+                                      </p:cBhvr>
+                                      <p:to>
+                                        <p:strVal val="visible"/>
+                                      </p:to>
+                                    </p:set>
+                                    <p:anim calcmode="lin" valueType="num">
+                                      <p:cBhvr>
+                                        <p:cTn id="7" dur="500" fill="hold"/>
+                                        <p:tgtEl>
+                                          <p:spTgt spid="4"/>
+                                        </p:tgtEl>
+                                        <p:attrNameLst>
+                                          <p:attrName>ppt_w</p:attrName>
+                                        </p:attrNameLst>
+                                      </p:cBhvr>
+                                      <p:tavLst>
+                                        <p:tav tm="0">
+                                          <p:val>
+                                            <p:fltVal val="0"/>
+                                          </p:val>
+                                        </p:tav>
+                                        <p:tav tm="100000">
+                                          <p:val>
+                                            <p:strVal val="#ppt_w"/>
+                                          </p:val>
+                                        </p:tav>
+                                      </p:tavLst>
+                                    </p:anim>
+                                    <p:anim calcmode="lin" valueType="num">
+                                      <p:cBhvr>
+                                        <p:cTn id="8" dur="500" fill="hold"/>
+                                        <p:tgtEl>
+                                          <p:spTgt spid="4"/>
+                                        </p:tgtEl>
+                                        <p:attrNameLst>
+                                          <p:attrName>ppt_h</p:attrName>
+                                        </p:attrNameLst>
+                                      </p:cBhvr>
+                                      <p:tavLst>
+                                        <p:tav tm="0">
+                                          <p:val>
+                                            <p:fltVal val="0"/>
+                                          </p:val>
+                                        </p:tav>
+                                        <p:tav tm="100000">
+                                          <p:val>
+                                            <p:strVal val="#ppt_h"/>
+                                          </p:val>
+                                        </p:tav>
+                                      </p:tavLst>
+                                    </p:anim>
+                                    <p:animEffect transition="in" filter="fade">
+                                      <p:cBhvr>
+                                        <p:cTn id="9" dur="500"/>
+                                        <p:tgtEl>
+                                          <p:spTgt spid="4"/>
+                                        </p:tgtEl>
+                                      </p:cBhvr>
+                                    </p:animEffect>
+                                  </p:childTnLst>
+                                </p:cTn>
+                              </p:par>
+                            </p:childTnLst>
+                          </p:cTn>
+                        </p:par>
+                      </p:childTnLst>
+                    </p:cTn>
+                  </p:par>
+                </p:childTnLst>
+              </p:cTn>
+              <p:prevCondLst>
+                <p:cond evt="onPrev" delay="0">
+                  <p:tgtEl>
+                    <p:sldTgt/>
+                  </p:tgtEl>
+                </p:cond>
+              </p:prevCondLst>
+              <p:nextCondLst>
+                <p:cond evt="onNext" delay="0">
+                  <p:tgtEl>
+                    <p:sldTgt/>
+                  </p:tgtEl>
+                </p:cond>
+              </p:nextCondLst>
+            </p:seq>
+          </p:childTnLst>
+        </p:cTn>
+      </p:par>
+    </p:tnLst>
+    <p:bldLst>
+      <p:bldGraphic spid="4" grpId="0">
+        <p:bldAsOne/>
+      </p:bldGraphic>
+    </p:bldLst>
+  </p:timing>
+</p:sld>
+</file>
+
+<file path=ppt/slides/slide5.xml><?xml version="1.0" encoding="utf-8"?>
+<p:sld xmlns:a="http://schemas.openxmlformats.org/drawingml/2006/main" xmlns:r="http://schemas.openxmlformats.org/officeDocument/2006/relationships" xmlns:p="http://schemas.openxmlformats.org/presentationml/2006/main">
+  <p:cSld>
+    <p:spTree>
+      <p:nvGrpSpPr>
+        <p:cNvPr id="1" name=""/>
+        <p:cNvGrpSpPr/>
+        <p:nvPr/>
+      </p:nvGrpSpPr>
+      <p:grpSpPr>
+        <a:xfrm>
+          <a:off x="0" y="0"/>
+          <a:ext cx="0" cy="0"/>
+          <a:chOff x="0" y="0"/>
+          <a:chExt cx="0" cy="0"/>
+        </a:xfrm>
+      </p:grpSpPr>
+      <p:sp>
+        <p:nvSpPr>
+          <p:cNvPr id="2" name="Slide Number Placeholder 1"/>
+          <p:cNvSpPr>
+            <a:spLocks noGrp="1"/>
+          </p:cNvSpPr>
+          <p:nvPr>
+            <p:ph type="sldNum" sz="quarter" idx="12"/>
+          </p:nvPr>
+        </p:nvSpPr>
+        <p:spPr/>
+        <p:txBody>
+          <a:bodyPr/>
+          <a:lstStyle/>
+          <a:p>
+            <a:fld id="{EEF0AA90-7F0B-48EA-9407-1565AA29FFF0}" type="slidenum">
+              <a:rPr lang="en-IN" smtClean="0"/>
+              <a:pPr/>
+              <a:t>5</a:t>
             </a:fld>
             <a:endParaRPr lang="en-IN" dirty="0"/>
           </a:p>
@@ -18823,8 +24162,8 @@
           </p:nvSpPr>
           <p:spPr>
             <a:xfrm>
-              <a:off x="448832" y="3397684"/>
-              <a:ext cx="769763" cy="400110"/>
+              <a:off x="484899" y="3397684"/>
+              <a:ext cx="697628" cy="400110"/>
             </a:xfrm>
             <a:prstGeom prst="rect">
               <a:avLst/>
@@ -18839,7 +24178,7 @@
             <a:p>
               <a:pPr algn="ctr"/>
               <a:r>
-                <a:rPr lang="en-US" altLang="zh-CN" sz="2000" b="0" cap="none" spc="0" dirty="0">
+                <a:rPr lang="zh-CN" altLang="en-US" sz="2000" dirty="0">
                   <a:ln w="0"/>
                   <a:effectLst>
                     <a:outerShdw blurRad="38100" dist="19050" dir="2700000" algn="tl" rotWithShape="0">
@@ -18849,7 +24188,7 @@
                     </a:outerShdw>
                   </a:effectLst>
                 </a:rPr>
-                <a:t>WEB</a:t>
+                <a:t>网页</a:t>
               </a:r>
               <a:endParaRPr lang="zh-CN" altLang="en-US" sz="2000" b="0" cap="none" spc="0" dirty="0">
                 <a:ln w="0"/>
@@ -18900,6 +24239,1315 @@
           <a:p>
             <a:pPr algn="ctr"/>
             <a:endParaRPr lang="zh-CN" altLang="en-US"/>
+          </a:p>
+        </p:txBody>
+      </p:sp>
+      <p:grpSp>
+        <p:nvGrpSpPr>
+          <p:cNvPr id="5" name="组合 4"/>
+          <p:cNvGrpSpPr/>
+          <p:nvPr/>
+        </p:nvGrpSpPr>
+        <p:grpSpPr>
+          <a:xfrm>
+            <a:off x="3902019" y="1850487"/>
+            <a:ext cx="2311752" cy="351842"/>
+            <a:chOff x="3902019" y="1850487"/>
+            <a:chExt cx="2311752" cy="351842"/>
+          </a:xfrm>
+        </p:grpSpPr>
+        <p:sp>
+          <p:nvSpPr>
+            <p:cNvPr id="3" name="流程图: 文档 2"/>
+            <p:cNvSpPr/>
+            <p:nvPr/>
+          </p:nvSpPr>
+          <p:spPr>
+            <a:xfrm>
+              <a:off x="3902019" y="1850488"/>
+              <a:ext cx="553713" cy="351839"/>
+            </a:xfrm>
+            <a:prstGeom prst="flowChartDocument">
+              <a:avLst/>
+            </a:prstGeom>
+            <a:ln/>
+          </p:spPr>
+          <p:style>
+            <a:lnRef idx="2">
+              <a:schemeClr val="accent1"/>
+            </a:lnRef>
+            <a:fillRef idx="1">
+              <a:schemeClr val="lt1"/>
+            </a:fillRef>
+            <a:effectRef idx="0">
+              <a:schemeClr val="accent1"/>
+            </a:effectRef>
+            <a:fontRef idx="minor">
+              <a:schemeClr val="dk1"/>
+            </a:fontRef>
+          </p:style>
+          <p:txBody>
+            <a:bodyPr rtlCol="0" anchor="ctr"/>
+            <a:lstStyle/>
+            <a:p>
+              <a:pPr algn="ctr"/>
+              <a:r>
+                <a:rPr lang="zh-CN" altLang="en-US" sz="1400" dirty="0"/>
+                <a:t>语言</a:t>
+              </a:r>
+            </a:p>
+          </p:txBody>
+        </p:sp>
+        <p:sp>
+          <p:nvSpPr>
+            <p:cNvPr id="18" name="流程图: 文档 17"/>
+            <p:cNvSpPr/>
+            <p:nvPr/>
+          </p:nvSpPr>
+          <p:spPr>
+            <a:xfrm>
+              <a:off x="4653926" y="1850487"/>
+              <a:ext cx="553713" cy="351839"/>
+            </a:xfrm>
+            <a:prstGeom prst="flowChartDocument">
+              <a:avLst/>
+            </a:prstGeom>
+            <a:ln/>
+          </p:spPr>
+          <p:style>
+            <a:lnRef idx="2">
+              <a:schemeClr val="accent2"/>
+            </a:lnRef>
+            <a:fillRef idx="1">
+              <a:schemeClr val="lt1"/>
+            </a:fillRef>
+            <a:effectRef idx="0">
+              <a:schemeClr val="accent2"/>
+            </a:effectRef>
+            <a:fontRef idx="minor">
+              <a:schemeClr val="dk1"/>
+            </a:fontRef>
+          </p:style>
+          <p:txBody>
+            <a:bodyPr rtlCol="0" anchor="ctr"/>
+            <a:lstStyle/>
+            <a:p>
+              <a:pPr algn="ctr"/>
+              <a:r>
+                <a:rPr lang="zh-CN" altLang="en-US" sz="1400" dirty="0"/>
+                <a:t>标签</a:t>
+              </a:r>
+            </a:p>
+          </p:txBody>
+        </p:sp>
+        <p:sp>
+          <p:nvSpPr>
+            <p:cNvPr id="19" name="流程图: 文档 18"/>
+            <p:cNvSpPr/>
+            <p:nvPr/>
+          </p:nvSpPr>
+          <p:spPr>
+            <a:xfrm>
+              <a:off x="5426162" y="1850490"/>
+              <a:ext cx="787609" cy="351839"/>
+            </a:xfrm>
+            <a:prstGeom prst="flowChartDocument">
+              <a:avLst/>
+            </a:prstGeom>
+            <a:ln/>
+          </p:spPr>
+          <p:style>
+            <a:lnRef idx="2">
+              <a:schemeClr val="accent3"/>
+            </a:lnRef>
+            <a:fillRef idx="1">
+              <a:schemeClr val="lt1"/>
+            </a:fillRef>
+            <a:effectRef idx="0">
+              <a:schemeClr val="accent3"/>
+            </a:effectRef>
+            <a:fontRef idx="minor">
+              <a:schemeClr val="dk1"/>
+            </a:fontRef>
+          </p:style>
+          <p:txBody>
+            <a:bodyPr rtlCol="0" anchor="ctr"/>
+            <a:lstStyle/>
+            <a:p>
+              <a:pPr algn="ctr"/>
+              <a:r>
+                <a:rPr lang="zh-CN" altLang="en-US" sz="1400" dirty="0"/>
+                <a:t>超文本</a:t>
+              </a:r>
+            </a:p>
+          </p:txBody>
+        </p:sp>
+      </p:grpSp>
+      <p:grpSp>
+        <p:nvGrpSpPr>
+          <p:cNvPr id="7" name="组合 6"/>
+          <p:cNvGrpSpPr/>
+          <p:nvPr/>
+        </p:nvGrpSpPr>
+        <p:grpSpPr>
+          <a:xfrm>
+            <a:off x="3905321" y="2498082"/>
+            <a:ext cx="2308450" cy="353006"/>
+            <a:chOff x="3905321" y="2498082"/>
+            <a:chExt cx="2308450" cy="353006"/>
+          </a:xfrm>
+        </p:grpSpPr>
+        <p:grpSp>
+          <p:nvGrpSpPr>
+            <p:cNvPr id="6" name="组合 5"/>
+            <p:cNvGrpSpPr/>
+            <p:nvPr/>
+          </p:nvGrpSpPr>
+          <p:grpSpPr>
+            <a:xfrm>
+              <a:off x="3905321" y="2498082"/>
+              <a:ext cx="1530775" cy="353006"/>
+              <a:chOff x="3905321" y="2498082"/>
+              <a:chExt cx="1530775" cy="353006"/>
+            </a:xfrm>
+          </p:grpSpPr>
+          <p:sp>
+            <p:nvSpPr>
+              <p:cNvPr id="22" name="流程图: 文档 21"/>
+              <p:cNvSpPr/>
+              <p:nvPr/>
+            </p:nvSpPr>
+            <p:spPr>
+              <a:xfrm>
+                <a:off x="3905321" y="2499249"/>
+                <a:ext cx="649425" cy="351839"/>
+              </a:xfrm>
+              <a:prstGeom prst="flowChartDocument">
+                <a:avLst/>
+              </a:prstGeom>
+              <a:ln/>
+            </p:spPr>
+            <p:style>
+              <a:lnRef idx="2">
+                <a:schemeClr val="accent5"/>
+              </a:lnRef>
+              <a:fillRef idx="1">
+                <a:schemeClr val="lt1"/>
+              </a:fillRef>
+              <a:effectRef idx="0">
+                <a:schemeClr val="accent5"/>
+              </a:effectRef>
+              <a:fontRef idx="minor">
+                <a:schemeClr val="dk1"/>
+              </a:fontRef>
+            </p:style>
+            <p:txBody>
+              <a:bodyPr rtlCol="0" anchor="ctr"/>
+              <a:lstStyle/>
+              <a:p>
+                <a:pPr algn="ctr"/>
+                <a:r>
+                  <a:rPr lang="zh-CN" altLang="en-US" sz="1400" dirty="0"/>
+                  <a:t>表格</a:t>
+                </a:r>
+              </a:p>
+            </p:txBody>
+          </p:sp>
+          <p:sp>
+            <p:nvSpPr>
+              <p:cNvPr id="23" name="流程图: 文档 22"/>
+              <p:cNvSpPr/>
+              <p:nvPr/>
+            </p:nvSpPr>
+            <p:spPr>
+              <a:xfrm>
+                <a:off x="4806378" y="2498082"/>
+                <a:ext cx="629718" cy="351839"/>
+              </a:xfrm>
+              <a:prstGeom prst="flowChartDocument">
+                <a:avLst/>
+              </a:prstGeom>
+              <a:ln/>
+            </p:spPr>
+            <p:style>
+              <a:lnRef idx="2">
+                <a:schemeClr val="accent5"/>
+              </a:lnRef>
+              <a:fillRef idx="1">
+                <a:schemeClr val="lt1"/>
+              </a:fillRef>
+              <a:effectRef idx="0">
+                <a:schemeClr val="accent5"/>
+              </a:effectRef>
+              <a:fontRef idx="minor">
+                <a:schemeClr val="dk1"/>
+              </a:fontRef>
+            </p:style>
+            <p:txBody>
+              <a:bodyPr rtlCol="0" anchor="ctr"/>
+              <a:lstStyle/>
+              <a:p>
+                <a:pPr algn="ctr"/>
+                <a:r>
+                  <a:rPr lang="zh-CN" altLang="en-US" sz="1400" dirty="0"/>
+                  <a:t>链接</a:t>
+                </a:r>
+              </a:p>
+            </p:txBody>
+          </p:sp>
+        </p:grpSp>
+        <p:sp>
+          <p:nvSpPr>
+            <p:cNvPr id="27" name="流程图: 文档 26"/>
+            <p:cNvSpPr/>
+            <p:nvPr/>
+          </p:nvSpPr>
+          <p:spPr>
+            <a:xfrm>
+              <a:off x="5738708" y="2499249"/>
+              <a:ext cx="475063" cy="351839"/>
+            </a:xfrm>
+            <a:prstGeom prst="flowChartDocument">
+              <a:avLst/>
+            </a:prstGeom>
+            <a:ln/>
+          </p:spPr>
+          <p:style>
+            <a:lnRef idx="2">
+              <a:schemeClr val="accent5"/>
+            </a:lnRef>
+            <a:fillRef idx="1">
+              <a:schemeClr val="lt1"/>
+            </a:fillRef>
+            <a:effectRef idx="0">
+              <a:schemeClr val="accent5"/>
+            </a:effectRef>
+            <a:fontRef idx="minor">
+              <a:schemeClr val="dk1"/>
+            </a:fontRef>
+          </p:style>
+          <p:txBody>
+            <a:bodyPr rtlCol="0" anchor="ctr"/>
+            <a:lstStyle/>
+            <a:p>
+              <a:pPr algn="ctr"/>
+              <a:r>
+                <a:rPr lang="zh-CN" altLang="en-US" sz="1400" dirty="0"/>
+                <a:t>图</a:t>
+              </a:r>
+            </a:p>
+          </p:txBody>
+        </p:sp>
+      </p:grpSp>
+      <p:grpSp>
+        <p:nvGrpSpPr>
+          <p:cNvPr id="40" name="组合 39"/>
+          <p:cNvGrpSpPr/>
+          <p:nvPr/>
+        </p:nvGrpSpPr>
+        <p:grpSpPr>
+          <a:xfrm>
+            <a:off x="3902019" y="3373353"/>
+            <a:ext cx="2110142" cy="351842"/>
+            <a:chOff x="3902019" y="1850487"/>
+            <a:chExt cx="2110142" cy="351842"/>
+          </a:xfrm>
+        </p:grpSpPr>
+        <p:sp>
+          <p:nvSpPr>
+            <p:cNvPr id="42" name="流程图: 文档 41"/>
+            <p:cNvSpPr/>
+            <p:nvPr/>
+          </p:nvSpPr>
+          <p:spPr>
+            <a:xfrm>
+              <a:off x="3902019" y="1850488"/>
+              <a:ext cx="553713" cy="351839"/>
+            </a:xfrm>
+            <a:prstGeom prst="flowChartDocument">
+              <a:avLst/>
+            </a:prstGeom>
+            <a:ln/>
+          </p:spPr>
+          <p:style>
+            <a:lnRef idx="2">
+              <a:schemeClr val="accent1"/>
+            </a:lnRef>
+            <a:fillRef idx="1">
+              <a:schemeClr val="lt1"/>
+            </a:fillRef>
+            <a:effectRef idx="0">
+              <a:schemeClr val="accent1"/>
+            </a:effectRef>
+            <a:fontRef idx="minor">
+              <a:schemeClr val="dk1"/>
+            </a:fontRef>
+          </p:style>
+          <p:txBody>
+            <a:bodyPr rtlCol="0" anchor="ctr"/>
+            <a:lstStyle/>
+            <a:p>
+              <a:pPr algn="ctr"/>
+              <a:r>
+                <a:rPr lang="zh-CN" altLang="en-US" sz="1400" dirty="0"/>
+                <a:t>样式</a:t>
+              </a:r>
+            </a:p>
+          </p:txBody>
+        </p:sp>
+        <p:sp>
+          <p:nvSpPr>
+            <p:cNvPr id="43" name="流程图: 文档 42"/>
+            <p:cNvSpPr/>
+            <p:nvPr/>
+          </p:nvSpPr>
+          <p:spPr>
+            <a:xfrm>
+              <a:off x="4653926" y="1850487"/>
+              <a:ext cx="553713" cy="351839"/>
+            </a:xfrm>
+            <a:prstGeom prst="flowChartDocument">
+              <a:avLst/>
+            </a:prstGeom>
+            <a:ln/>
+          </p:spPr>
+          <p:style>
+            <a:lnRef idx="2">
+              <a:schemeClr val="accent2"/>
+            </a:lnRef>
+            <a:fillRef idx="1">
+              <a:schemeClr val="lt1"/>
+            </a:fillRef>
+            <a:effectRef idx="0">
+              <a:schemeClr val="accent2"/>
+            </a:effectRef>
+            <a:fontRef idx="minor">
+              <a:schemeClr val="dk1"/>
+            </a:fontRef>
+          </p:style>
+          <p:txBody>
+            <a:bodyPr rtlCol="0" anchor="ctr"/>
+            <a:lstStyle/>
+            <a:p>
+              <a:pPr algn="ctr"/>
+              <a:r>
+                <a:rPr lang="zh-CN" altLang="en-US" sz="1400" dirty="0"/>
+                <a:t>颜色</a:t>
+              </a:r>
+            </a:p>
+          </p:txBody>
+        </p:sp>
+        <p:sp>
+          <p:nvSpPr>
+            <p:cNvPr id="44" name="流程图: 文档 43"/>
+            <p:cNvSpPr/>
+            <p:nvPr/>
+          </p:nvSpPr>
+          <p:spPr>
+            <a:xfrm>
+              <a:off x="5426163" y="1850490"/>
+              <a:ext cx="585998" cy="351839"/>
+            </a:xfrm>
+            <a:prstGeom prst="flowChartDocument">
+              <a:avLst/>
+            </a:prstGeom>
+            <a:ln/>
+          </p:spPr>
+          <p:style>
+            <a:lnRef idx="2">
+              <a:schemeClr val="accent3"/>
+            </a:lnRef>
+            <a:fillRef idx="1">
+              <a:schemeClr val="lt1"/>
+            </a:fillRef>
+            <a:effectRef idx="0">
+              <a:schemeClr val="accent3"/>
+            </a:effectRef>
+            <a:fontRef idx="minor">
+              <a:schemeClr val="dk1"/>
+            </a:fontRef>
+          </p:style>
+          <p:txBody>
+            <a:bodyPr rtlCol="0" anchor="ctr"/>
+            <a:lstStyle/>
+            <a:p>
+              <a:pPr algn="ctr"/>
+              <a:r>
+                <a:rPr lang="zh-CN" altLang="en-US" sz="1400" dirty="0"/>
+                <a:t>布局</a:t>
+              </a:r>
+            </a:p>
+          </p:txBody>
+        </p:sp>
+      </p:grpSp>
+      <p:grpSp>
+        <p:nvGrpSpPr>
+          <p:cNvPr id="9" name="组合 8"/>
+          <p:cNvGrpSpPr/>
+          <p:nvPr/>
+        </p:nvGrpSpPr>
+        <p:grpSpPr>
+          <a:xfrm>
+            <a:off x="3902019" y="3868085"/>
+            <a:ext cx="3478293" cy="353021"/>
+            <a:chOff x="3902019" y="3868085"/>
+            <a:chExt cx="3478293" cy="353021"/>
+          </a:xfrm>
+        </p:grpSpPr>
+        <p:sp>
+          <p:nvSpPr>
+            <p:cNvPr id="45" name="流程图: 文档 44"/>
+            <p:cNvSpPr/>
+            <p:nvPr/>
+          </p:nvSpPr>
+          <p:spPr>
+            <a:xfrm>
+              <a:off x="3902019" y="3869267"/>
+              <a:ext cx="629718" cy="351839"/>
+            </a:xfrm>
+            <a:prstGeom prst="flowChartDocument">
+              <a:avLst/>
+            </a:prstGeom>
+            <a:ln/>
+          </p:spPr>
+          <p:style>
+            <a:lnRef idx="2">
+              <a:schemeClr val="accent5"/>
+            </a:lnRef>
+            <a:fillRef idx="1">
+              <a:schemeClr val="lt1"/>
+            </a:fillRef>
+            <a:effectRef idx="0">
+              <a:schemeClr val="accent5"/>
+            </a:effectRef>
+            <a:fontRef idx="minor">
+              <a:schemeClr val="dk1"/>
+            </a:fontRef>
+          </p:style>
+          <p:txBody>
+            <a:bodyPr rtlCol="0" anchor="ctr"/>
+            <a:lstStyle/>
+            <a:p>
+              <a:pPr algn="ctr"/>
+              <a:r>
+                <a:rPr lang="en-US" altLang="zh-CN" sz="1400" dirty="0"/>
+                <a:t>link</a:t>
+              </a:r>
+              <a:endParaRPr lang="zh-CN" altLang="en-US" sz="1400" dirty="0"/>
+            </a:p>
+          </p:txBody>
+        </p:sp>
+        <p:sp>
+          <p:nvSpPr>
+            <p:cNvPr id="46" name="流程图: 文档 45"/>
+            <p:cNvSpPr/>
+            <p:nvPr/>
+          </p:nvSpPr>
+          <p:spPr>
+            <a:xfrm>
+              <a:off x="4653926" y="3868085"/>
+              <a:ext cx="998194" cy="351839"/>
+            </a:xfrm>
+            <a:prstGeom prst="flowChartDocument">
+              <a:avLst/>
+            </a:prstGeom>
+            <a:ln/>
+          </p:spPr>
+          <p:style>
+            <a:lnRef idx="2">
+              <a:schemeClr val="accent5"/>
+            </a:lnRef>
+            <a:fillRef idx="1">
+              <a:schemeClr val="lt1"/>
+            </a:fillRef>
+            <a:effectRef idx="0">
+              <a:schemeClr val="accent5"/>
+            </a:effectRef>
+            <a:fontRef idx="minor">
+              <a:schemeClr val="dk1"/>
+            </a:fontRef>
+          </p:style>
+          <p:txBody>
+            <a:bodyPr rtlCol="0" anchor="ctr"/>
+            <a:lstStyle/>
+            <a:p>
+              <a:pPr algn="ctr"/>
+              <a:r>
+                <a:rPr lang="en-US" altLang="zh-CN" sz="1400" dirty="0"/>
+                <a:t>stylesheet</a:t>
+              </a:r>
+              <a:endParaRPr lang="zh-CN" altLang="en-US" sz="1400" dirty="0"/>
+            </a:p>
+          </p:txBody>
+        </p:sp>
+        <p:sp>
+          <p:nvSpPr>
+            <p:cNvPr id="47" name="流程图: 文档 46"/>
+            <p:cNvSpPr/>
+            <p:nvPr/>
+          </p:nvSpPr>
+          <p:spPr>
+            <a:xfrm>
+              <a:off x="5772000" y="3868085"/>
+              <a:ext cx="744216" cy="351839"/>
+            </a:xfrm>
+            <a:prstGeom prst="flowChartDocument">
+              <a:avLst/>
+            </a:prstGeom>
+            <a:ln/>
+          </p:spPr>
+          <p:style>
+            <a:lnRef idx="2">
+              <a:schemeClr val="accent5"/>
+            </a:lnRef>
+            <a:fillRef idx="1">
+              <a:schemeClr val="lt1"/>
+            </a:fillRef>
+            <a:effectRef idx="0">
+              <a:schemeClr val="accent5"/>
+            </a:effectRef>
+            <a:fontRef idx="minor">
+              <a:schemeClr val="dk1"/>
+            </a:fontRef>
+          </p:style>
+          <p:txBody>
+            <a:bodyPr rtlCol="0" anchor="ctr"/>
+            <a:lstStyle/>
+            <a:p>
+              <a:pPr algn="ctr"/>
+              <a:r>
+                <a:rPr lang="en-US" altLang="zh-CN" sz="1400" dirty="0"/>
+                <a:t>color  </a:t>
+              </a:r>
+              <a:endParaRPr lang="zh-CN" altLang="en-US" sz="1400" dirty="0"/>
+            </a:p>
+          </p:txBody>
+        </p:sp>
+        <p:sp>
+          <p:nvSpPr>
+            <p:cNvPr id="48" name="流程图: 文档 47"/>
+            <p:cNvSpPr/>
+            <p:nvPr/>
+          </p:nvSpPr>
+          <p:spPr>
+            <a:xfrm>
+              <a:off x="6636096" y="3868410"/>
+              <a:ext cx="744216" cy="351839"/>
+            </a:xfrm>
+            <a:prstGeom prst="flowChartDocument">
+              <a:avLst/>
+            </a:prstGeom>
+            <a:ln/>
+          </p:spPr>
+          <p:style>
+            <a:lnRef idx="2">
+              <a:schemeClr val="accent5"/>
+            </a:lnRef>
+            <a:fillRef idx="1">
+              <a:schemeClr val="lt1"/>
+            </a:fillRef>
+            <a:effectRef idx="0">
+              <a:schemeClr val="accent5"/>
+            </a:effectRef>
+            <a:fontRef idx="minor">
+              <a:schemeClr val="dk1"/>
+            </a:fontRef>
+          </p:style>
+          <p:txBody>
+            <a:bodyPr rtlCol="0" anchor="ctr"/>
+            <a:lstStyle/>
+            <a:p>
+              <a:pPr algn="ctr"/>
+              <a:r>
+                <a:rPr lang="en-US" altLang="zh-CN" sz="1400" dirty="0"/>
+                <a:t>margin  </a:t>
+              </a:r>
+              <a:endParaRPr lang="zh-CN" altLang="en-US" sz="1400" dirty="0"/>
+            </a:p>
+          </p:txBody>
+        </p:sp>
+      </p:grpSp>
+      <p:grpSp>
+        <p:nvGrpSpPr>
+          <p:cNvPr id="50" name="组合 49"/>
+          <p:cNvGrpSpPr/>
+          <p:nvPr/>
+        </p:nvGrpSpPr>
+        <p:grpSpPr>
+          <a:xfrm>
+            <a:off x="4406074" y="4805852"/>
+            <a:ext cx="2399244" cy="351842"/>
+            <a:chOff x="3902019" y="1850487"/>
+            <a:chExt cx="2399244" cy="351842"/>
+          </a:xfrm>
+        </p:grpSpPr>
+        <p:sp>
+          <p:nvSpPr>
+            <p:cNvPr id="51" name="流程图: 文档 50"/>
+            <p:cNvSpPr/>
+            <p:nvPr/>
+          </p:nvSpPr>
+          <p:spPr>
+            <a:xfrm>
+              <a:off x="3902019" y="1850488"/>
+              <a:ext cx="553713" cy="351839"/>
+            </a:xfrm>
+            <a:prstGeom prst="flowChartDocument">
+              <a:avLst/>
+            </a:prstGeom>
+            <a:ln/>
+          </p:spPr>
+          <p:style>
+            <a:lnRef idx="2">
+              <a:schemeClr val="accent1"/>
+            </a:lnRef>
+            <a:fillRef idx="1">
+              <a:schemeClr val="lt1"/>
+            </a:fillRef>
+            <a:effectRef idx="0">
+              <a:schemeClr val="accent1"/>
+            </a:effectRef>
+            <a:fontRef idx="minor">
+              <a:schemeClr val="dk1"/>
+            </a:fontRef>
+          </p:style>
+          <p:txBody>
+            <a:bodyPr rtlCol="0" anchor="ctr"/>
+            <a:lstStyle/>
+            <a:p>
+              <a:pPr algn="ctr"/>
+              <a:r>
+                <a:rPr lang="zh-CN" altLang="en-US" sz="1400" dirty="0"/>
+                <a:t>语言</a:t>
+              </a:r>
+            </a:p>
+          </p:txBody>
+        </p:sp>
+        <p:sp>
+          <p:nvSpPr>
+            <p:cNvPr id="52" name="流程图: 文档 51"/>
+            <p:cNvSpPr/>
+            <p:nvPr/>
+          </p:nvSpPr>
+          <p:spPr>
+            <a:xfrm>
+              <a:off x="4653926" y="1850487"/>
+              <a:ext cx="553713" cy="351839"/>
+            </a:xfrm>
+            <a:prstGeom prst="flowChartDocument">
+              <a:avLst/>
+            </a:prstGeom>
+            <a:ln/>
+          </p:spPr>
+          <p:style>
+            <a:lnRef idx="2">
+              <a:schemeClr val="accent2"/>
+            </a:lnRef>
+            <a:fillRef idx="1">
+              <a:schemeClr val="lt1"/>
+            </a:fillRef>
+            <a:effectRef idx="0">
+              <a:schemeClr val="accent2"/>
+            </a:effectRef>
+            <a:fontRef idx="minor">
+              <a:schemeClr val="dk1"/>
+            </a:fontRef>
+          </p:style>
+          <p:txBody>
+            <a:bodyPr rtlCol="0" anchor="ctr"/>
+            <a:lstStyle/>
+            <a:p>
+              <a:pPr algn="ctr"/>
+              <a:r>
+                <a:rPr lang="zh-CN" altLang="en-US" sz="1400" dirty="0"/>
+                <a:t>脚本</a:t>
+              </a:r>
+            </a:p>
+          </p:txBody>
+        </p:sp>
+        <p:sp>
+          <p:nvSpPr>
+            <p:cNvPr id="53" name="流程图: 文档 52"/>
+            <p:cNvSpPr/>
+            <p:nvPr/>
+          </p:nvSpPr>
+          <p:spPr>
+            <a:xfrm>
+              <a:off x="5426162" y="1850490"/>
+              <a:ext cx="875101" cy="351839"/>
+            </a:xfrm>
+            <a:prstGeom prst="flowChartDocument">
+              <a:avLst/>
+            </a:prstGeom>
+            <a:ln/>
+          </p:spPr>
+          <p:style>
+            <a:lnRef idx="2">
+              <a:schemeClr val="accent3"/>
+            </a:lnRef>
+            <a:fillRef idx="1">
+              <a:schemeClr val="lt1"/>
+            </a:fillRef>
+            <a:effectRef idx="0">
+              <a:schemeClr val="accent3"/>
+            </a:effectRef>
+            <a:fontRef idx="minor">
+              <a:schemeClr val="dk1"/>
+            </a:fontRef>
+          </p:style>
+          <p:txBody>
+            <a:bodyPr rtlCol="0" anchor="ctr"/>
+            <a:lstStyle/>
+            <a:p>
+              <a:pPr algn="ctr"/>
+              <a:r>
+                <a:rPr lang="zh-CN" altLang="en-US" sz="1400" dirty="0"/>
+                <a:t>轻量级</a:t>
+              </a:r>
+            </a:p>
+          </p:txBody>
+        </p:sp>
+      </p:grpSp>
+      <p:grpSp>
+        <p:nvGrpSpPr>
+          <p:cNvPr id="54" name="组合 53"/>
+          <p:cNvGrpSpPr/>
+          <p:nvPr/>
+        </p:nvGrpSpPr>
+        <p:grpSpPr>
+          <a:xfrm>
+            <a:off x="4406074" y="5340516"/>
+            <a:ext cx="3550302" cy="363599"/>
+            <a:chOff x="3902019" y="3857507"/>
+            <a:chExt cx="3550302" cy="363599"/>
+          </a:xfrm>
+        </p:grpSpPr>
+        <p:sp>
+          <p:nvSpPr>
+            <p:cNvPr id="55" name="流程图: 文档 54"/>
+            <p:cNvSpPr/>
+            <p:nvPr/>
+          </p:nvSpPr>
+          <p:spPr>
+            <a:xfrm>
+              <a:off x="3902019" y="3869267"/>
+              <a:ext cx="629718" cy="351839"/>
+            </a:xfrm>
+            <a:prstGeom prst="flowChartDocument">
+              <a:avLst/>
+            </a:prstGeom>
+            <a:ln/>
+          </p:spPr>
+          <p:style>
+            <a:lnRef idx="2">
+              <a:schemeClr val="accent5"/>
+            </a:lnRef>
+            <a:fillRef idx="1">
+              <a:schemeClr val="lt1"/>
+            </a:fillRef>
+            <a:effectRef idx="0">
+              <a:schemeClr val="accent5"/>
+            </a:effectRef>
+            <a:fontRef idx="minor">
+              <a:schemeClr val="dk1"/>
+            </a:fontRef>
+          </p:style>
+          <p:txBody>
+            <a:bodyPr rtlCol="0" anchor="ctr"/>
+            <a:lstStyle/>
+            <a:p>
+              <a:pPr algn="ctr"/>
+              <a:r>
+                <a:rPr lang="en-US" altLang="zh-CN" sz="1400" dirty="0"/>
+                <a:t>script</a:t>
+              </a:r>
+              <a:endParaRPr lang="zh-CN" altLang="en-US" sz="1400" dirty="0"/>
+            </a:p>
+          </p:txBody>
+        </p:sp>
+        <p:sp>
+          <p:nvSpPr>
+            <p:cNvPr id="56" name="流程图: 文档 55"/>
+            <p:cNvSpPr/>
+            <p:nvPr/>
+          </p:nvSpPr>
+          <p:spPr>
+            <a:xfrm>
+              <a:off x="4653925" y="3868085"/>
+              <a:ext cx="1552248" cy="351839"/>
+            </a:xfrm>
+            <a:prstGeom prst="flowChartDocument">
+              <a:avLst/>
+            </a:prstGeom>
+            <a:ln/>
+          </p:spPr>
+          <p:style>
+            <a:lnRef idx="2">
+              <a:schemeClr val="accent5"/>
+            </a:lnRef>
+            <a:fillRef idx="1">
+              <a:schemeClr val="lt1"/>
+            </a:fillRef>
+            <a:effectRef idx="0">
+              <a:schemeClr val="accent5"/>
+            </a:effectRef>
+            <a:fontRef idx="minor">
+              <a:schemeClr val="dk1"/>
+            </a:fontRef>
+          </p:style>
+          <p:txBody>
+            <a:bodyPr rtlCol="0" anchor="ctr"/>
+            <a:lstStyle/>
+            <a:p>
+              <a:pPr algn="ctr"/>
+              <a:r>
+                <a:rPr lang="en-US" altLang="zh-CN" sz="1400" dirty="0" err="1"/>
+                <a:t>getElementByID</a:t>
+              </a:r>
+              <a:endParaRPr lang="zh-CN" altLang="en-US" sz="900" dirty="0"/>
+            </a:p>
+          </p:txBody>
+        </p:sp>
+        <p:sp>
+          <p:nvSpPr>
+            <p:cNvPr id="57" name="流程图: 文档 56"/>
+            <p:cNvSpPr/>
+            <p:nvPr/>
+          </p:nvSpPr>
+          <p:spPr>
+            <a:xfrm>
+              <a:off x="6349777" y="3857507"/>
+              <a:ext cx="1102544" cy="351839"/>
+            </a:xfrm>
+            <a:prstGeom prst="flowChartDocument">
+              <a:avLst/>
+            </a:prstGeom>
+            <a:ln/>
+          </p:spPr>
+          <p:style>
+            <a:lnRef idx="2">
+              <a:schemeClr val="accent5"/>
+            </a:lnRef>
+            <a:fillRef idx="1">
+              <a:schemeClr val="lt1"/>
+            </a:fillRef>
+            <a:effectRef idx="0">
+              <a:schemeClr val="accent5"/>
+            </a:effectRef>
+            <a:fontRef idx="minor">
+              <a:schemeClr val="dk1"/>
+            </a:fontRef>
+          </p:style>
+          <p:txBody>
+            <a:bodyPr rtlCol="0" anchor="ctr"/>
+            <a:lstStyle/>
+            <a:p>
+              <a:pPr algn="ctr"/>
+              <a:r>
+                <a:rPr lang="en-US" altLang="zh-CN" sz="1400" dirty="0" err="1"/>
+                <a:t>innerHTML</a:t>
+              </a:r>
+              <a:r>
+                <a:rPr lang="en-US" altLang="zh-CN" sz="1400" dirty="0"/>
+                <a:t>  </a:t>
+              </a:r>
+              <a:endParaRPr lang="zh-CN" altLang="en-US" sz="1400" dirty="0"/>
+            </a:p>
+          </p:txBody>
+        </p:sp>
+      </p:grpSp>
+      <p:sp>
+        <p:nvSpPr>
+          <p:cNvPr id="10" name="矩形 9"/>
+          <p:cNvSpPr/>
+          <p:nvPr/>
+        </p:nvSpPr>
+        <p:spPr>
+          <a:xfrm>
+            <a:off x="3767553" y="1868158"/>
+            <a:ext cx="3334567" cy="830997"/>
+          </a:xfrm>
+          <a:prstGeom prst="rect">
+            <a:avLst/>
+          </a:prstGeom>
+          <a:noFill/>
+          <a:ln>
+            <a:noFill/>
+          </a:ln>
+        </p:spPr>
+        <p:style>
+          <a:lnRef idx="0">
+            <a:scrgbClr r="0" g="0" b="0"/>
+          </a:lnRef>
+          <a:fillRef idx="0">
+            <a:scrgbClr r="0" g="0" b="0"/>
+          </a:fillRef>
+          <a:effectRef idx="0">
+            <a:scrgbClr r="0" g="0" b="0"/>
+          </a:effectRef>
+          <a:fontRef idx="minor">
+            <a:schemeClr val="accent5"/>
+          </a:fontRef>
+        </p:style>
+        <p:txBody>
+          <a:bodyPr wrap="none" lIns="91440" tIns="45720" rIns="91440" bIns="45720">
+            <a:spAutoFit/>
+          </a:bodyPr>
+          <a:lstStyle/>
+          <a:p>
+            <a:pPr algn="ctr"/>
+            <a:r>
+              <a:rPr lang="en-US" altLang="zh-CN" b="1" dirty="0">
+                <a:solidFill>
+                  <a:srgbClr val="0070C0"/>
+                </a:solidFill>
+              </a:rPr>
+              <a:t>H</a:t>
+            </a:r>
+            <a:r>
+              <a:rPr lang="en-US" altLang="zh-CN" dirty="0">
+                <a:solidFill>
+                  <a:srgbClr val="0070C0"/>
+                </a:solidFill>
+              </a:rPr>
+              <a:t>yper </a:t>
+            </a:r>
+            <a:r>
+              <a:rPr lang="en-US" altLang="zh-CN" b="1" dirty="0">
+                <a:solidFill>
+                  <a:srgbClr val="0070C0"/>
+                </a:solidFill>
+              </a:rPr>
+              <a:t>T</a:t>
+            </a:r>
+            <a:r>
+              <a:rPr lang="en-US" altLang="zh-CN" dirty="0">
+                <a:solidFill>
+                  <a:srgbClr val="0070C0"/>
+                </a:solidFill>
+              </a:rPr>
+              <a:t>ext </a:t>
+            </a:r>
+            <a:r>
+              <a:rPr lang="en-US" altLang="zh-CN" b="1" dirty="0">
+                <a:solidFill>
+                  <a:srgbClr val="0070C0"/>
+                </a:solidFill>
+              </a:rPr>
+              <a:t>M</a:t>
+            </a:r>
+            <a:r>
+              <a:rPr lang="en-US" altLang="zh-CN" dirty="0">
+                <a:solidFill>
+                  <a:srgbClr val="0070C0"/>
+                </a:solidFill>
+              </a:rPr>
+              <a:t>arkup </a:t>
+            </a:r>
+            <a:r>
+              <a:rPr lang="en-US" altLang="zh-CN" b="1" dirty="0">
+                <a:solidFill>
+                  <a:srgbClr val="0070C0"/>
+                </a:solidFill>
+              </a:rPr>
+              <a:t>L</a:t>
+            </a:r>
+            <a:r>
+              <a:rPr lang="en-US" altLang="zh-CN" dirty="0">
+                <a:solidFill>
+                  <a:srgbClr val="0070C0"/>
+                </a:solidFill>
+              </a:rPr>
+              <a:t>anguage</a:t>
+            </a:r>
+            <a:r>
+              <a:rPr lang="zh-CN" altLang="en-US" sz="2400" dirty="0">
+                <a:ln w="0"/>
+                <a:solidFill>
+                  <a:srgbClr val="0070C0"/>
+                </a:solidFill>
+              </a:rPr>
+              <a:t> </a:t>
+            </a:r>
+            <a:endParaRPr lang="en-US" altLang="zh-CN" sz="2400" dirty="0">
+              <a:ln w="0"/>
+              <a:solidFill>
+                <a:srgbClr val="0070C0"/>
+              </a:solidFill>
+            </a:endParaRPr>
+          </a:p>
+          <a:p>
+            <a:pPr algn="ctr"/>
+            <a:r>
+              <a:rPr lang="zh-CN" altLang="en-US" sz="2400" dirty="0">
+                <a:ln w="0"/>
+                <a:solidFill>
+                  <a:srgbClr val="0070C0"/>
+                </a:solidFill>
+              </a:rPr>
+              <a:t>超文本标记语言</a:t>
+            </a:r>
+            <a:endParaRPr lang="zh-CN" altLang="en-US" sz="2400" b="0" cap="none" spc="0" dirty="0">
+              <a:ln w="0"/>
+              <a:solidFill>
+                <a:srgbClr val="0070C0"/>
+              </a:solidFill>
+            </a:endParaRPr>
+          </a:p>
+        </p:txBody>
+      </p:sp>
+      <p:sp>
+        <p:nvSpPr>
+          <p:cNvPr id="12" name="矩形 11"/>
+          <p:cNvSpPr/>
+          <p:nvPr/>
+        </p:nvSpPr>
+        <p:spPr>
+          <a:xfrm>
+            <a:off x="3772629" y="3348861"/>
+            <a:ext cx="2634054" cy="738664"/>
+          </a:xfrm>
+          <a:prstGeom prst="rect">
+            <a:avLst/>
+          </a:prstGeom>
+          <a:noFill/>
+          <a:ln>
+            <a:noFill/>
+          </a:ln>
+        </p:spPr>
+        <p:style>
+          <a:lnRef idx="0">
+            <a:scrgbClr r="0" g="0" b="0"/>
+          </a:lnRef>
+          <a:fillRef idx="0">
+            <a:scrgbClr r="0" g="0" b="0"/>
+          </a:fillRef>
+          <a:effectRef idx="0">
+            <a:scrgbClr r="0" g="0" b="0"/>
+          </a:effectRef>
+          <a:fontRef idx="minor">
+            <a:schemeClr val="dk1"/>
+          </a:fontRef>
+        </p:style>
+        <p:txBody>
+          <a:bodyPr wrap="none" lIns="91440" tIns="45720" rIns="91440" bIns="45720">
+            <a:spAutoFit/>
+          </a:bodyPr>
+          <a:lstStyle/>
+          <a:p>
+            <a:pPr algn="ctr"/>
+            <a:r>
+              <a:rPr lang="en-US" altLang="zh-CN" b="1" dirty="0">
+                <a:solidFill>
+                  <a:srgbClr val="00B0F0"/>
+                </a:solidFill>
+              </a:rPr>
+              <a:t>C</a:t>
+            </a:r>
+            <a:r>
+              <a:rPr lang="en-US" altLang="zh-CN" dirty="0">
+                <a:solidFill>
+                  <a:srgbClr val="00B0F0"/>
+                </a:solidFill>
+              </a:rPr>
+              <a:t>ascading </a:t>
+            </a:r>
+            <a:r>
+              <a:rPr lang="en-US" altLang="zh-CN" b="1" dirty="0">
+                <a:solidFill>
+                  <a:srgbClr val="00B0F0"/>
+                </a:solidFill>
+              </a:rPr>
+              <a:t>S</a:t>
+            </a:r>
+            <a:r>
+              <a:rPr lang="en-US" altLang="zh-CN" dirty="0">
+                <a:solidFill>
+                  <a:srgbClr val="00B0F0"/>
+                </a:solidFill>
+              </a:rPr>
+              <a:t>tyle </a:t>
+            </a:r>
+            <a:r>
+              <a:rPr lang="en-US" altLang="zh-CN" b="1" dirty="0">
+                <a:solidFill>
+                  <a:srgbClr val="00B0F0"/>
+                </a:solidFill>
+              </a:rPr>
+              <a:t>S</a:t>
+            </a:r>
+            <a:r>
+              <a:rPr lang="en-US" altLang="zh-CN" dirty="0">
+                <a:solidFill>
+                  <a:srgbClr val="00B0F0"/>
+                </a:solidFill>
+              </a:rPr>
+              <a:t>heets</a:t>
+            </a:r>
+          </a:p>
+          <a:p>
+            <a:pPr algn="ctr"/>
+            <a:r>
+              <a:rPr lang="zh-CN" altLang="en-US" sz="2400" dirty="0">
+                <a:ln w="0"/>
+                <a:solidFill>
+                  <a:srgbClr val="00B0F0"/>
+                </a:solidFill>
+                <a:effectLst>
+                  <a:outerShdw blurRad="38100" dist="25400" dir="5400000" algn="ctr" rotWithShape="0">
+                    <a:srgbClr val="6E747A">
+                      <a:alpha val="43000"/>
+                    </a:srgbClr>
+                  </a:outerShdw>
+                </a:effectLst>
+              </a:rPr>
+              <a:t>层叠样式表</a:t>
+            </a:r>
+            <a:endParaRPr lang="zh-CN" altLang="en-US" sz="2400" b="0" cap="none" spc="0" dirty="0">
+              <a:ln w="0"/>
+              <a:solidFill>
+                <a:srgbClr val="00B0F0"/>
+              </a:solidFill>
+              <a:effectLst>
+                <a:outerShdw blurRad="38100" dist="25400" dir="5400000" algn="ctr" rotWithShape="0">
+                  <a:srgbClr val="6E747A">
+                    <a:alpha val="43000"/>
+                  </a:srgbClr>
+                </a:outerShdw>
+              </a:effectLst>
+            </a:endParaRPr>
+          </a:p>
+        </p:txBody>
+      </p:sp>
+      <p:sp>
+        <p:nvSpPr>
+          <p:cNvPr id="60" name="矩形 59"/>
+          <p:cNvSpPr/>
+          <p:nvPr/>
+        </p:nvSpPr>
+        <p:spPr>
+          <a:xfrm>
+            <a:off x="4207960" y="4804671"/>
+            <a:ext cx="3416320" cy="646331"/>
+          </a:xfrm>
+          <a:prstGeom prst="rect">
+            <a:avLst/>
+          </a:prstGeom>
+          <a:noFill/>
+          <a:ln>
+            <a:noFill/>
+          </a:ln>
+        </p:spPr>
+        <p:style>
+          <a:lnRef idx="0">
+            <a:scrgbClr r="0" g="0" b="0"/>
+          </a:lnRef>
+          <a:fillRef idx="0">
+            <a:scrgbClr r="0" g="0" b="0"/>
+          </a:fillRef>
+          <a:effectRef idx="0">
+            <a:scrgbClr r="0" g="0" b="0"/>
+          </a:effectRef>
+          <a:fontRef idx="minor">
+            <a:schemeClr val="dk1"/>
+          </a:fontRef>
+        </p:style>
+        <p:txBody>
+          <a:bodyPr wrap="none" lIns="91440" tIns="45720" rIns="91440" bIns="45720">
+            <a:spAutoFit/>
+          </a:bodyPr>
+          <a:lstStyle/>
+          <a:p>
+            <a:pPr algn="ctr"/>
+            <a:r>
+              <a:rPr lang="zh-CN" altLang="en-US" dirty="0">
+                <a:solidFill>
+                  <a:srgbClr val="00B050"/>
+                </a:solidFill>
+              </a:rPr>
+              <a:t>一种属于网络的脚本语言</a:t>
+            </a:r>
+            <a:endParaRPr lang="en-US" altLang="zh-CN" dirty="0">
+              <a:solidFill>
+                <a:srgbClr val="00B050"/>
+              </a:solidFill>
+            </a:endParaRPr>
+          </a:p>
+          <a:p>
+            <a:pPr algn="ctr"/>
+            <a:r>
+              <a:rPr lang="zh-CN" altLang="en-US" dirty="0">
+                <a:solidFill>
+                  <a:srgbClr val="00B050"/>
+                </a:solidFill>
+              </a:rPr>
+              <a:t>为网页添加各式各样的动态功能</a:t>
+            </a:r>
+            <a:endParaRPr lang="zh-CN" altLang="en-US" sz="2800" b="0" cap="none" spc="0" dirty="0">
+              <a:ln w="0"/>
+              <a:solidFill>
+                <a:srgbClr val="00B050"/>
+              </a:solidFill>
+              <a:effectLst>
+                <a:outerShdw blurRad="38100" dist="25400" dir="5400000" algn="ctr" rotWithShape="0">
+                  <a:srgbClr val="6E747A">
+                    <a:alpha val="43000"/>
+                  </a:srgbClr>
+                </a:outerShdw>
+              </a:effectLst>
+            </a:endParaRPr>
+          </a:p>
+        </p:txBody>
+      </p:sp>
+      <p:sp>
+        <p:nvSpPr>
+          <p:cNvPr id="14" name="减号 13"/>
+          <p:cNvSpPr/>
+          <p:nvPr/>
+        </p:nvSpPr>
+        <p:spPr>
+          <a:xfrm>
+            <a:off x="1651372" y="3696264"/>
+            <a:ext cx="400059" cy="63848"/>
+          </a:xfrm>
+          <a:prstGeom prst="mathMinus">
+            <a:avLst/>
+          </a:prstGeom>
+          <a:ln>
+            <a:solidFill>
+              <a:schemeClr val="tx2">
+                <a:lumMod val="60000"/>
+                <a:lumOff val="40000"/>
+              </a:schemeClr>
+            </a:solidFill>
+          </a:ln>
+        </p:spPr>
+        <p:style>
+          <a:lnRef idx="2">
+            <a:schemeClr val="accent1">
+              <a:shade val="50000"/>
+            </a:schemeClr>
+          </a:lnRef>
+          <a:fillRef idx="1">
+            <a:schemeClr val="accent1"/>
+          </a:fillRef>
+          <a:effectRef idx="0">
+            <a:schemeClr val="accent1"/>
+          </a:effectRef>
+          <a:fontRef idx="minor">
+            <a:schemeClr val="lt1"/>
+          </a:fontRef>
+        </p:style>
+        <p:txBody>
+          <a:bodyPr rtlCol="0" anchor="ctr"/>
+          <a:lstStyle/>
+          <a:p>
+            <a:pPr algn="ctr"/>
+            <a:endParaRPr lang="zh-CN" altLang="en-US">
+              <a:solidFill>
+                <a:srgbClr val="00B0F0"/>
+              </a:solidFill>
+            </a:endParaRPr>
           </a:p>
         </p:txBody>
       </p:sp>
@@ -19045,6 +25693,87 @@
                                   </p:childTnLst>
                                 </p:cTn>
                               </p:par>
+                              <p:par>
+                                <p:cTn id="13" presetID="42" presetClass="entr" presetSubtype="0" fill="hold" grpId="0" nodeType="withEffect">
+                                  <p:stCondLst>
+                                    <p:cond delay="0"/>
+                                  </p:stCondLst>
+                                  <p:childTnLst>
+                                    <p:set>
+                                      <p:cBhvr>
+                                        <p:cTn id="14" dur="1" fill="hold">
+                                          <p:stCondLst>
+                                            <p:cond delay="0"/>
+                                          </p:stCondLst>
+                                        </p:cTn>
+                                        <p:tgtEl>
+                                          <p:spTgt spid="14"/>
+                                        </p:tgtEl>
+                                        <p:attrNameLst>
+                                          <p:attrName>style.visibility</p:attrName>
+                                        </p:attrNameLst>
+                                      </p:cBhvr>
+                                      <p:to>
+                                        <p:strVal val="visible"/>
+                                      </p:to>
+                                    </p:set>
+                                    <p:animEffect transition="in" filter="fade">
+                                      <p:cBhvr>
+                                        <p:cTn id="15" dur="500"/>
+                                        <p:tgtEl>
+                                          <p:spTgt spid="14"/>
+                                        </p:tgtEl>
+                                      </p:cBhvr>
+                                    </p:animEffect>
+                                    <p:anim calcmode="lin" valueType="num">
+                                      <p:cBhvr>
+                                        <p:cTn id="16" dur="500" fill="hold"/>
+                                        <p:tgtEl>
+                                          <p:spTgt spid="14"/>
+                                        </p:tgtEl>
+                                        <p:attrNameLst>
+                                          <p:attrName>ppt_x</p:attrName>
+                                        </p:attrNameLst>
+                                      </p:cBhvr>
+                                      <p:tavLst>
+                                        <p:tav tm="0">
+                                          <p:val>
+                                            <p:strVal val="#ppt_x"/>
+                                          </p:val>
+                                        </p:tav>
+                                        <p:tav tm="100000">
+                                          <p:val>
+                                            <p:strVal val="#ppt_x"/>
+                                          </p:val>
+                                        </p:tav>
+                                      </p:tavLst>
+                                    </p:anim>
+                                    <p:anim calcmode="lin" valueType="num">
+                                      <p:cBhvr>
+                                        <p:cTn id="17" dur="500" fill="hold"/>
+                                        <p:tgtEl>
+                                          <p:spTgt spid="14"/>
+                                        </p:tgtEl>
+                                        <p:attrNameLst>
+                                          <p:attrName>ppt_y</p:attrName>
+                                        </p:attrNameLst>
+                                      </p:cBhvr>
+                                      <p:tavLst>
+                                        <p:tav tm="0">
+                                          <p:val>
+                                            <p:strVal val="#ppt_y+.1"/>
+                                          </p:val>
+                                        </p:tav>
+                                        <p:tav tm="100000">
+                                          <p:val>
+                                            <p:strVal val="#ppt_y"/>
+                                          </p:val>
+                                        </p:tav>
+                                      </p:tavLst>
+                                    </p:anim>
+                                  </p:childTnLst>
+                                </p:cTn>
+                              </p:par>
                             </p:childTnLst>
                           </p:cTn>
                         </p:par>
@@ -19052,26 +25781,26 @@
                     </p:cTn>
                   </p:par>
                   <p:par>
-                    <p:cTn id="13" fill="hold">
+                    <p:cTn id="18" fill="hold">
                       <p:stCondLst>
                         <p:cond delay="indefinite"/>
                       </p:stCondLst>
                       <p:childTnLst>
                         <p:par>
-                          <p:cTn id="14" fill="hold">
+                          <p:cTn id="19" fill="hold">
                             <p:stCondLst>
                               <p:cond delay="0"/>
                             </p:stCondLst>
                             <p:childTnLst>
                               <p:par>
-                                <p:cTn id="15" presetID="10" presetClass="entr" presetSubtype="0" fill="hold" nodeType="clickEffect">
+                                <p:cTn id="20" presetID="10" presetClass="entr" presetSubtype="0" fill="hold" nodeType="clickEffect">
                                   <p:stCondLst>
                                     <p:cond delay="0"/>
                                   </p:stCondLst>
                                   <p:childTnLst>
                                     <p:set>
                                       <p:cBhvr>
-                                        <p:cTn id="16" dur="1" fill="hold">
+                                        <p:cTn id="21" dur="1" fill="hold">
                                           <p:stCondLst>
                                             <p:cond delay="0"/>
                                           </p:stCondLst>
@@ -19089,7 +25818,7 @@
                                     </p:set>
                                     <p:animEffect transition="in" filter="fade">
                                       <p:cBhvr>
-                                        <p:cTn id="17" dur="500"/>
+                                        <p:cTn id="22" dur="500"/>
                                         <p:tgtEl>
                                           <p:spTgt spid="32"/>
                                         </p:tgtEl>
@@ -19099,14 +25828,14 @@
                                 </p:cTn>
                               </p:par>
                               <p:par>
-                                <p:cTn id="18" presetID="10" presetClass="entr" presetSubtype="0" fill="hold" nodeType="withEffect">
+                                <p:cTn id="23" presetID="10" presetClass="entr" presetSubtype="0" fill="hold" nodeType="withEffect">
                                   <p:stCondLst>
                                     <p:cond delay="0"/>
                                   </p:stCondLst>
                                   <p:childTnLst>
                                     <p:set>
                                       <p:cBhvr>
-                                        <p:cTn id="19" dur="1" fill="hold">
+                                        <p:cTn id="24" dur="1" fill="hold">
                                           <p:stCondLst>
                                             <p:cond delay="0"/>
                                           </p:stCondLst>
@@ -19124,7 +25853,7 @@
                                     </p:set>
                                     <p:animEffect transition="in" filter="fade">
                                       <p:cBhvr>
-                                        <p:cTn id="20" dur="500"/>
+                                        <p:cTn id="25" dur="500"/>
                                         <p:tgtEl>
                                           <p:spTgt spid="33"/>
                                         </p:tgtEl>
@@ -19134,14 +25863,14 @@
                                 </p:cTn>
                               </p:par>
                               <p:par>
-                                <p:cTn id="21" presetID="10" presetClass="entr" presetSubtype="0" fill="hold" nodeType="withEffect">
+                                <p:cTn id="26" presetID="10" presetClass="entr" presetSubtype="0" fill="hold" nodeType="withEffect">
                                   <p:stCondLst>
                                     <p:cond delay="0"/>
                                   </p:stCondLst>
                                   <p:childTnLst>
                                     <p:set>
                                       <p:cBhvr>
-                                        <p:cTn id="22" dur="1" fill="hold">
+                                        <p:cTn id="27" dur="1" fill="hold">
                                           <p:stCondLst>
                                             <p:cond delay="0"/>
                                           </p:stCondLst>
@@ -19159,9 +25888,675 @@
                                     </p:set>
                                     <p:animEffect transition="in" filter="fade">
                                       <p:cBhvr>
-                                        <p:cTn id="23" dur="500"/>
+                                        <p:cTn id="28" dur="500"/>
                                         <p:tgtEl>
                                           <p:spTgt spid="36"/>
+                                        </p:tgtEl>
+                                      </p:cBhvr>
+                                    </p:animEffect>
+                                  </p:childTnLst>
+                                </p:cTn>
+                              </p:par>
+                            </p:childTnLst>
+                          </p:cTn>
+                        </p:par>
+                      </p:childTnLst>
+                    </p:cTn>
+                  </p:par>
+                  <p:par>
+                    <p:cTn id="29" fill="hold">
+                      <p:stCondLst>
+                        <p:cond delay="indefinite"/>
+                      </p:stCondLst>
+                      <p:childTnLst>
+                        <p:par>
+                          <p:cTn id="30" fill="hold">
+                            <p:stCondLst>
+                              <p:cond delay="0"/>
+                            </p:stCondLst>
+                            <p:childTnLst>
+                              <p:par>
+                                <p:cTn id="31" presetID="14" presetClass="entr" presetSubtype="10" fill="hold" nodeType="clickEffect">
+                                  <p:stCondLst>
+                                    <p:cond delay="0"/>
+                                  </p:stCondLst>
+                                  <p:childTnLst>
+                                    <p:set>
+                                      <p:cBhvr>
+                                        <p:cTn id="32" dur="1" fill="hold">
+                                          <p:stCondLst>
+                                            <p:cond delay="0"/>
+                                          </p:stCondLst>
+                                        </p:cTn>
+                                        <p:tgtEl>
+                                          <p:spTgt spid="5"/>
+                                        </p:tgtEl>
+                                        <p:attrNameLst>
+                                          <p:attrName>style.visibility</p:attrName>
+                                        </p:attrNameLst>
+                                      </p:cBhvr>
+                                      <p:to>
+                                        <p:strVal val="visible"/>
+                                      </p:to>
+                                    </p:set>
+                                    <p:animEffect transition="in" filter="randombar(horizontal)">
+                                      <p:cBhvr>
+                                        <p:cTn id="33" dur="500"/>
+                                        <p:tgtEl>
+                                          <p:spTgt spid="5"/>
+                                        </p:tgtEl>
+                                      </p:cBhvr>
+                                    </p:animEffect>
+                                  </p:childTnLst>
+                                </p:cTn>
+                              </p:par>
+                            </p:childTnLst>
+                          </p:cTn>
+                        </p:par>
+                      </p:childTnLst>
+                    </p:cTn>
+                  </p:par>
+                  <p:par>
+                    <p:cTn id="34" fill="hold">
+                      <p:stCondLst>
+                        <p:cond delay="indefinite"/>
+                      </p:stCondLst>
+                      <p:childTnLst>
+                        <p:par>
+                          <p:cTn id="35" fill="hold">
+                            <p:stCondLst>
+                              <p:cond delay="0"/>
+                            </p:stCondLst>
+                            <p:childTnLst>
+                              <p:par>
+                                <p:cTn id="36" presetID="14" presetClass="entr" presetSubtype="10" fill="hold" nodeType="clickEffect">
+                                  <p:stCondLst>
+                                    <p:cond delay="0"/>
+                                  </p:stCondLst>
+                                  <p:childTnLst>
+                                    <p:set>
+                                      <p:cBhvr>
+                                        <p:cTn id="37" dur="1" fill="hold">
+                                          <p:stCondLst>
+                                            <p:cond delay="0"/>
+                                          </p:stCondLst>
+                                        </p:cTn>
+                                        <p:tgtEl>
+                                          <p:spTgt spid="7"/>
+                                        </p:tgtEl>
+                                        <p:attrNameLst>
+                                          <p:attrName>style.visibility</p:attrName>
+                                        </p:attrNameLst>
+                                      </p:cBhvr>
+                                      <p:to>
+                                        <p:strVal val="visible"/>
+                                      </p:to>
+                                    </p:set>
+                                    <p:animEffect transition="in" filter="randombar(horizontal)">
+                                      <p:cBhvr>
+                                        <p:cTn id="38" dur="500"/>
+                                        <p:tgtEl>
+                                          <p:spTgt spid="7"/>
+                                        </p:tgtEl>
+                                      </p:cBhvr>
+                                    </p:animEffect>
+                                  </p:childTnLst>
+                                </p:cTn>
+                              </p:par>
+                            </p:childTnLst>
+                          </p:cTn>
+                        </p:par>
+                      </p:childTnLst>
+                    </p:cTn>
+                  </p:par>
+                  <p:par>
+                    <p:cTn id="39" fill="hold">
+                      <p:stCondLst>
+                        <p:cond delay="indefinite"/>
+                      </p:stCondLst>
+                      <p:childTnLst>
+                        <p:par>
+                          <p:cTn id="40" fill="hold">
+                            <p:stCondLst>
+                              <p:cond delay="0"/>
+                            </p:stCondLst>
+                            <p:childTnLst>
+                              <p:par>
+                                <p:cTn id="41" presetID="14" presetClass="entr" presetSubtype="10" fill="hold" nodeType="clickEffect">
+                                  <p:stCondLst>
+                                    <p:cond delay="0"/>
+                                  </p:stCondLst>
+                                  <p:childTnLst>
+                                    <p:set>
+                                      <p:cBhvr>
+                                        <p:cTn id="42" dur="1" fill="hold">
+                                          <p:stCondLst>
+                                            <p:cond delay="0"/>
+                                          </p:stCondLst>
+                                        </p:cTn>
+                                        <p:tgtEl>
+                                          <p:spTgt spid="40"/>
+                                        </p:tgtEl>
+                                        <p:attrNameLst>
+                                          <p:attrName>style.visibility</p:attrName>
+                                        </p:attrNameLst>
+                                      </p:cBhvr>
+                                      <p:to>
+                                        <p:strVal val="visible"/>
+                                      </p:to>
+                                    </p:set>
+                                    <p:animEffect transition="in" filter="randombar(horizontal)">
+                                      <p:cBhvr>
+                                        <p:cTn id="43" dur="500"/>
+                                        <p:tgtEl>
+                                          <p:spTgt spid="40"/>
+                                        </p:tgtEl>
+                                      </p:cBhvr>
+                                    </p:animEffect>
+                                  </p:childTnLst>
+                                </p:cTn>
+                              </p:par>
+                            </p:childTnLst>
+                          </p:cTn>
+                        </p:par>
+                      </p:childTnLst>
+                    </p:cTn>
+                  </p:par>
+                  <p:par>
+                    <p:cTn id="44" fill="hold">
+                      <p:stCondLst>
+                        <p:cond delay="indefinite"/>
+                      </p:stCondLst>
+                      <p:childTnLst>
+                        <p:par>
+                          <p:cTn id="45" fill="hold">
+                            <p:stCondLst>
+                              <p:cond delay="0"/>
+                            </p:stCondLst>
+                            <p:childTnLst>
+                              <p:par>
+                                <p:cTn id="46" presetID="14" presetClass="entr" presetSubtype="10" fill="hold" nodeType="clickEffect">
+                                  <p:stCondLst>
+                                    <p:cond delay="0"/>
+                                  </p:stCondLst>
+                                  <p:childTnLst>
+                                    <p:set>
+                                      <p:cBhvr>
+                                        <p:cTn id="47" dur="1" fill="hold">
+                                          <p:stCondLst>
+                                            <p:cond delay="0"/>
+                                          </p:stCondLst>
+                                        </p:cTn>
+                                        <p:tgtEl>
+                                          <p:spTgt spid="9"/>
+                                        </p:tgtEl>
+                                        <p:attrNameLst>
+                                          <p:attrName>style.visibility</p:attrName>
+                                        </p:attrNameLst>
+                                      </p:cBhvr>
+                                      <p:to>
+                                        <p:strVal val="visible"/>
+                                      </p:to>
+                                    </p:set>
+                                    <p:animEffect transition="in" filter="randombar(horizontal)">
+                                      <p:cBhvr>
+                                        <p:cTn id="48" dur="500"/>
+                                        <p:tgtEl>
+                                          <p:spTgt spid="9"/>
+                                        </p:tgtEl>
+                                      </p:cBhvr>
+                                    </p:animEffect>
+                                  </p:childTnLst>
+                                </p:cTn>
+                              </p:par>
+                            </p:childTnLst>
+                          </p:cTn>
+                        </p:par>
+                      </p:childTnLst>
+                    </p:cTn>
+                  </p:par>
+                  <p:par>
+                    <p:cTn id="49" fill="hold">
+                      <p:stCondLst>
+                        <p:cond delay="indefinite"/>
+                      </p:stCondLst>
+                      <p:childTnLst>
+                        <p:par>
+                          <p:cTn id="50" fill="hold">
+                            <p:stCondLst>
+                              <p:cond delay="0"/>
+                            </p:stCondLst>
+                            <p:childTnLst>
+                              <p:par>
+                                <p:cTn id="51" presetID="14" presetClass="entr" presetSubtype="10" fill="hold" nodeType="clickEffect">
+                                  <p:stCondLst>
+                                    <p:cond delay="0"/>
+                                  </p:stCondLst>
+                                  <p:childTnLst>
+                                    <p:set>
+                                      <p:cBhvr>
+                                        <p:cTn id="52" dur="1" fill="hold">
+                                          <p:stCondLst>
+                                            <p:cond delay="0"/>
+                                          </p:stCondLst>
+                                        </p:cTn>
+                                        <p:tgtEl>
+                                          <p:spTgt spid="50"/>
+                                        </p:tgtEl>
+                                        <p:attrNameLst>
+                                          <p:attrName>style.visibility</p:attrName>
+                                        </p:attrNameLst>
+                                      </p:cBhvr>
+                                      <p:to>
+                                        <p:strVal val="visible"/>
+                                      </p:to>
+                                    </p:set>
+                                    <p:animEffect transition="in" filter="randombar(horizontal)">
+                                      <p:cBhvr>
+                                        <p:cTn id="53" dur="500"/>
+                                        <p:tgtEl>
+                                          <p:spTgt spid="50"/>
+                                        </p:tgtEl>
+                                      </p:cBhvr>
+                                    </p:animEffect>
+                                  </p:childTnLst>
+                                </p:cTn>
+                              </p:par>
+                            </p:childTnLst>
+                          </p:cTn>
+                        </p:par>
+                      </p:childTnLst>
+                    </p:cTn>
+                  </p:par>
+                  <p:par>
+                    <p:cTn id="54" fill="hold">
+                      <p:stCondLst>
+                        <p:cond delay="indefinite"/>
+                      </p:stCondLst>
+                      <p:childTnLst>
+                        <p:par>
+                          <p:cTn id="55" fill="hold">
+                            <p:stCondLst>
+                              <p:cond delay="0"/>
+                            </p:stCondLst>
+                            <p:childTnLst>
+                              <p:par>
+                                <p:cTn id="56" presetID="14" presetClass="entr" presetSubtype="10" fill="hold" nodeType="clickEffect">
+                                  <p:stCondLst>
+                                    <p:cond delay="0"/>
+                                  </p:stCondLst>
+                                  <p:childTnLst>
+                                    <p:set>
+                                      <p:cBhvr>
+                                        <p:cTn id="57" dur="1" fill="hold">
+                                          <p:stCondLst>
+                                            <p:cond delay="0"/>
+                                          </p:stCondLst>
+                                        </p:cTn>
+                                        <p:tgtEl>
+                                          <p:spTgt spid="54"/>
+                                        </p:tgtEl>
+                                        <p:attrNameLst>
+                                          <p:attrName>style.visibility</p:attrName>
+                                        </p:attrNameLst>
+                                      </p:cBhvr>
+                                      <p:to>
+                                        <p:strVal val="visible"/>
+                                      </p:to>
+                                    </p:set>
+                                    <p:animEffect transition="in" filter="randombar(horizontal)">
+                                      <p:cBhvr>
+                                        <p:cTn id="58" dur="500"/>
+                                        <p:tgtEl>
+                                          <p:spTgt spid="54"/>
+                                        </p:tgtEl>
+                                      </p:cBhvr>
+                                    </p:animEffect>
+                                  </p:childTnLst>
+                                </p:cTn>
+                              </p:par>
+                            </p:childTnLst>
+                          </p:cTn>
+                        </p:par>
+                      </p:childTnLst>
+                    </p:cTn>
+                  </p:par>
+                  <p:par>
+                    <p:cTn id="59" fill="hold">
+                      <p:stCondLst>
+                        <p:cond delay="indefinite"/>
+                      </p:stCondLst>
+                      <p:childTnLst>
+                        <p:par>
+                          <p:cTn id="60" fill="hold">
+                            <p:stCondLst>
+                              <p:cond delay="0"/>
+                            </p:stCondLst>
+                            <p:childTnLst>
+                              <p:par>
+                                <p:cTn id="61" presetID="1" presetClass="exit" presetSubtype="0" fill="hold" nodeType="clickEffect">
+                                  <p:stCondLst>
+                                    <p:cond delay="0"/>
+                                  </p:stCondLst>
+                                  <p:childTnLst>
+                                    <p:set>
+                                      <p:cBhvr>
+                                        <p:cTn id="62" dur="1" fill="hold">
+                                          <p:stCondLst>
+                                            <p:cond delay="0"/>
+                                          </p:stCondLst>
+                                        </p:cTn>
+                                        <p:tgtEl>
+                                          <p:spTgt spid="5"/>
+                                        </p:tgtEl>
+                                        <p:attrNameLst>
+                                          <p:attrName>style.visibility</p:attrName>
+                                        </p:attrNameLst>
+                                      </p:cBhvr>
+                                      <p:to>
+                                        <p:strVal val="hidden"/>
+                                      </p:to>
+                                    </p:set>
+                                  </p:childTnLst>
+                                </p:cTn>
+                              </p:par>
+                              <p:par>
+                                <p:cTn id="63" presetID="1" presetClass="exit" presetSubtype="0" fill="hold" nodeType="withEffect">
+                                  <p:stCondLst>
+                                    <p:cond delay="0"/>
+                                  </p:stCondLst>
+                                  <p:childTnLst>
+                                    <p:set>
+                                      <p:cBhvr>
+                                        <p:cTn id="64" dur="1" fill="hold">
+                                          <p:stCondLst>
+                                            <p:cond delay="0"/>
+                                          </p:stCondLst>
+                                        </p:cTn>
+                                        <p:tgtEl>
+                                          <p:spTgt spid="7"/>
+                                        </p:tgtEl>
+                                        <p:attrNameLst>
+                                          <p:attrName>style.visibility</p:attrName>
+                                        </p:attrNameLst>
+                                      </p:cBhvr>
+                                      <p:to>
+                                        <p:strVal val="hidden"/>
+                                      </p:to>
+                                    </p:set>
+                                  </p:childTnLst>
+                                </p:cTn>
+                              </p:par>
+                            </p:childTnLst>
+                          </p:cTn>
+                        </p:par>
+                        <p:par>
+                          <p:cTn id="65" fill="hold">
+                            <p:stCondLst>
+                              <p:cond delay="0"/>
+                            </p:stCondLst>
+                            <p:childTnLst>
+                              <p:par>
+                                <p:cTn id="66" presetID="6" presetClass="entr" presetSubtype="16" fill="hold" grpId="0" nodeType="afterEffect">
+                                  <p:stCondLst>
+                                    <p:cond delay="0"/>
+                                  </p:stCondLst>
+                                  <p:childTnLst>
+                                    <p:set>
+                                      <p:cBhvr>
+                                        <p:cTn id="67" dur="1" fill="hold">
+                                          <p:stCondLst>
+                                            <p:cond delay="0"/>
+                                          </p:stCondLst>
+                                        </p:cTn>
+                                        <p:tgtEl>
+                                          <p:spTgt spid="10"/>
+                                        </p:tgtEl>
+                                        <p:attrNameLst>
+                                          <p:attrName>style.visibility</p:attrName>
+                                        </p:attrNameLst>
+                                      </p:cBhvr>
+                                      <p:to>
+                                        <p:strVal val="visible"/>
+                                      </p:to>
+                                    </p:set>
+                                    <p:animEffect transition="in" filter="circle(in)">
+                                      <p:cBhvr>
+                                        <p:cTn id="68" dur="750"/>
+                                        <p:tgtEl>
+                                          <p:spTgt spid="10"/>
+                                        </p:tgtEl>
+                                      </p:cBhvr>
+                                    </p:animEffect>
+                                  </p:childTnLst>
+                                </p:cTn>
+                              </p:par>
+                            </p:childTnLst>
+                          </p:cTn>
+                        </p:par>
+                      </p:childTnLst>
+                    </p:cTn>
+                  </p:par>
+                  <p:par>
+                    <p:cTn id="69" fill="hold">
+                      <p:stCondLst>
+                        <p:cond delay="indefinite"/>
+                      </p:stCondLst>
+                      <p:childTnLst>
+                        <p:par>
+                          <p:cTn id="70" fill="hold">
+                            <p:stCondLst>
+                              <p:cond delay="0"/>
+                            </p:stCondLst>
+                            <p:childTnLst>
+                              <p:par>
+                                <p:cTn id="71" presetID="1" presetClass="exit" presetSubtype="0" fill="hold" nodeType="clickEffect">
+                                  <p:stCondLst>
+                                    <p:cond delay="0"/>
+                                  </p:stCondLst>
+                                  <p:childTnLst>
+                                    <p:set>
+                                      <p:cBhvr>
+                                        <p:cTn id="72" dur="1" fill="hold">
+                                          <p:stCondLst>
+                                            <p:cond delay="0"/>
+                                          </p:stCondLst>
+                                        </p:cTn>
+                                        <p:tgtEl>
+                                          <p:spTgt spid="40"/>
+                                        </p:tgtEl>
+                                        <p:attrNameLst>
+                                          <p:attrName>style.visibility</p:attrName>
+                                        </p:attrNameLst>
+                                      </p:cBhvr>
+                                      <p:to>
+                                        <p:strVal val="hidden"/>
+                                      </p:to>
+                                    </p:set>
+                                  </p:childTnLst>
+                                </p:cTn>
+                              </p:par>
+                              <p:par>
+                                <p:cTn id="73" presetID="1" presetClass="exit" presetSubtype="0" fill="hold" nodeType="withEffect">
+                                  <p:stCondLst>
+                                    <p:cond delay="0"/>
+                                  </p:stCondLst>
+                                  <p:childTnLst>
+                                    <p:set>
+                                      <p:cBhvr>
+                                        <p:cTn id="74" dur="1" fill="hold">
+                                          <p:stCondLst>
+                                            <p:cond delay="0"/>
+                                          </p:stCondLst>
+                                        </p:cTn>
+                                        <p:tgtEl>
+                                          <p:spTgt spid="9"/>
+                                        </p:tgtEl>
+                                        <p:attrNameLst>
+                                          <p:attrName>style.visibility</p:attrName>
+                                        </p:attrNameLst>
+                                      </p:cBhvr>
+                                      <p:to>
+                                        <p:strVal val="hidden"/>
+                                      </p:to>
+                                    </p:set>
+                                  </p:childTnLst>
+                                </p:cTn>
+                              </p:par>
+                            </p:childTnLst>
+                          </p:cTn>
+                        </p:par>
+                        <p:par>
+                          <p:cTn id="75" fill="hold">
+                            <p:stCondLst>
+                              <p:cond delay="0"/>
+                            </p:stCondLst>
+                            <p:childTnLst>
+                              <p:par>
+                                <p:cTn id="76" presetID="6" presetClass="entr" presetSubtype="16" fill="hold" grpId="0" nodeType="afterEffect">
+                                  <p:stCondLst>
+                                    <p:cond delay="0"/>
+                                  </p:stCondLst>
+                                  <p:childTnLst>
+                                    <p:set>
+                                      <p:cBhvr>
+                                        <p:cTn id="77" dur="1" fill="hold">
+                                          <p:stCondLst>
+                                            <p:cond delay="0"/>
+                                          </p:stCondLst>
+                                        </p:cTn>
+                                        <p:tgtEl>
+                                          <p:spTgt spid="12"/>
+                                        </p:tgtEl>
+                                        <p:attrNameLst>
+                                          <p:attrName>style.visibility</p:attrName>
+                                        </p:attrNameLst>
+                                      </p:cBhvr>
+                                      <p:to>
+                                        <p:strVal val="visible"/>
+                                      </p:to>
+                                    </p:set>
+                                    <p:animEffect transition="in" filter="circle(in)">
+                                      <p:cBhvr>
+                                        <p:cTn id="78" dur="750"/>
+                                        <p:tgtEl>
+                                          <p:spTgt spid="12"/>
+                                        </p:tgtEl>
+                                      </p:cBhvr>
+                                    </p:animEffect>
+                                  </p:childTnLst>
+                                </p:cTn>
+                              </p:par>
+                            </p:childTnLst>
+                          </p:cTn>
+                        </p:par>
+                      </p:childTnLst>
+                    </p:cTn>
+                  </p:par>
+                  <p:par>
+                    <p:cTn id="79" fill="hold">
+                      <p:stCondLst>
+                        <p:cond delay="indefinite"/>
+                      </p:stCondLst>
+                      <p:childTnLst>
+                        <p:par>
+                          <p:cTn id="80" fill="hold">
+                            <p:stCondLst>
+                              <p:cond delay="0"/>
+                            </p:stCondLst>
+                            <p:childTnLst>
+                              <p:par>
+                                <p:cTn id="81" presetID="1" presetClass="exit" presetSubtype="0" fill="hold" nodeType="clickEffect">
+                                  <p:stCondLst>
+                                    <p:cond delay="0"/>
+                                  </p:stCondLst>
+                                  <p:childTnLst>
+                                    <p:set>
+                                      <p:cBhvr>
+                                        <p:cTn id="82" dur="1" fill="hold">
+                                          <p:stCondLst>
+                                            <p:cond delay="249"/>
+                                          </p:stCondLst>
+                                        </p:cTn>
+                                        <p:tgtEl>
+                                          <p:spTgt spid="50"/>
+                                        </p:tgtEl>
+                                        <p:attrNameLst>
+                                          <p:attrName>style.visibility</p:attrName>
+                                        </p:attrNameLst>
+                                      </p:cBhvr>
+                                      <p:to>
+                                        <p:strVal val="hidden"/>
+                                      </p:to>
+                                    </p:set>
+                                  </p:childTnLst>
+                                </p:cTn>
+                              </p:par>
+                              <p:par>
+                                <p:cTn id="83" presetID="1" presetClass="exit" presetSubtype="0" fill="hold" nodeType="withEffect">
+                                  <p:stCondLst>
+                                    <p:cond delay="0"/>
+                                  </p:stCondLst>
+                                  <p:childTnLst>
+                                    <p:set>
+                                      <p:cBhvr>
+                                        <p:cTn id="84" dur="1" fill="hold">
+                                          <p:stCondLst>
+                                            <p:cond delay="249"/>
+                                          </p:stCondLst>
+                                        </p:cTn>
+                                        <p:tgtEl>
+                                          <p:spTgt spid="54"/>
+                                        </p:tgtEl>
+                                        <p:attrNameLst>
+                                          <p:attrName>style.visibility</p:attrName>
+                                        </p:attrNameLst>
+                                      </p:cBhvr>
+                                      <p:to>
+                                        <p:strVal val="hidden"/>
+                                      </p:to>
+                                    </p:set>
+                                  </p:childTnLst>
+                                </p:cTn>
+                              </p:par>
+                            </p:childTnLst>
+                          </p:cTn>
+                        </p:par>
+                        <p:par>
+                          <p:cTn id="85" fill="hold">
+                            <p:stCondLst>
+                              <p:cond delay="250"/>
+                            </p:stCondLst>
+                            <p:childTnLst>
+                              <p:par>
+                                <p:cTn id="86" presetID="6" presetClass="entr" presetSubtype="16" fill="hold" grpId="0" nodeType="afterEffect">
+                                  <p:stCondLst>
+                                    <p:cond delay="0"/>
+                                  </p:stCondLst>
+                                  <p:childTnLst>
+                                    <p:set>
+                                      <p:cBhvr>
+                                        <p:cTn id="87" dur="1" fill="hold">
+                                          <p:stCondLst>
+                                            <p:cond delay="0"/>
+                                          </p:stCondLst>
+                                        </p:cTn>
+                                        <p:tgtEl>
+                                          <p:spTgt spid="60"/>
+                                        </p:tgtEl>
+                                        <p:attrNameLst>
+                                          <p:attrName>style.visibility</p:attrName>
+                                        </p:attrNameLst>
+                                      </p:cBhvr>
+                                      <p:to>
+                                        <p:strVal val="visible"/>
+                                      </p:to>
+                                    </p:set>
+                                    <p:animEffect transition="in" filter="circle(in)">
+                                      <p:cBhvr>
+                                        <p:cTn id="88" dur="750"/>
+                                        <p:tgtEl>
+                                          <p:spTgt spid="60"/>
                                         </p:tgtEl>
                                       </p:cBhvr>
                                     </p:animEffect>
@@ -19197,218 +26592,12 @@
     </p:tnLst>
     <p:bldLst>
       <p:bldP spid="41" grpId="0" animBg="1"/>
+      <p:bldP spid="10" grpId="0"/>
+      <p:bldP spid="12" grpId="0"/>
+      <p:bldP spid="60" grpId="0"/>
+      <p:bldP spid="14" grpId="0" animBg="1"/>
     </p:bldLst>
   </p:timing>
-</p:sld>
-</file>
-
-<file path=ppt/slides/slide5.xml><?xml version="1.0" encoding="utf-8"?>
-<p:sld xmlns:a="http://schemas.openxmlformats.org/drawingml/2006/main" xmlns:r="http://schemas.openxmlformats.org/officeDocument/2006/relationships" xmlns:p="http://schemas.openxmlformats.org/presentationml/2006/main">
-  <p:cSld>
-    <p:spTree>
-      <p:nvGrpSpPr>
-        <p:cNvPr id="1" name=""/>
-        <p:cNvGrpSpPr/>
-        <p:nvPr/>
-      </p:nvGrpSpPr>
-      <p:grpSpPr>
-        <a:xfrm>
-          <a:off x="0" y="0"/>
-          <a:ext cx="0" cy="0"/>
-          <a:chOff x="0" y="0"/>
-          <a:chExt cx="0" cy="0"/>
-        </a:xfrm>
-      </p:grpSpPr>
-      <p:sp>
-        <p:nvSpPr>
-          <p:cNvPr id="2" name="Slide Number Placeholder 1"/>
-          <p:cNvSpPr>
-            <a:spLocks noGrp="1"/>
-          </p:cNvSpPr>
-          <p:nvPr>
-            <p:ph type="sldNum" sz="quarter" idx="12"/>
-          </p:nvPr>
-        </p:nvSpPr>
-        <p:spPr/>
-        <p:txBody>
-          <a:bodyPr/>
-          <a:lstStyle/>
-          <a:p>
-            <a:fld id="{EEF0AA90-7F0B-48EA-9407-1565AA29FFF0}" type="slidenum">
-              <a:rPr lang="en-IN" smtClean="0"/>
-              <a:pPr/>
-              <a:t>5</a:t>
-            </a:fld>
-            <a:endParaRPr lang="en-IN" dirty="0"/>
-          </a:p>
-        </p:txBody>
-      </p:sp>
-      <p:sp>
-        <p:nvSpPr>
-          <p:cNvPr id="20" name="文本框 19"/>
-          <p:cNvSpPr txBox="1"/>
-          <p:nvPr/>
-        </p:nvSpPr>
-        <p:spPr>
-          <a:xfrm>
-            <a:off x="326028" y="692696"/>
-            <a:ext cx="1210588" cy="400110"/>
-          </a:xfrm>
-          <a:prstGeom prst="rect">
-            <a:avLst/>
-          </a:prstGeom>
-          <a:noFill/>
-        </p:spPr>
-        <p:txBody>
-          <a:bodyPr wrap="none" rtlCol="0">
-            <a:spAutoFit/>
-          </a:bodyPr>
-          <a:lstStyle/>
-          <a:p>
-            <a:r>
-              <a:rPr lang="zh-CN" altLang="en-US" sz="2000" dirty="0">
-                <a:solidFill>
-                  <a:schemeClr val="accent5"/>
-                </a:solidFill>
-                <a:cs typeface="Arial" pitchFamily="34" charset="0"/>
-              </a:rPr>
-              <a:t>课程概览</a:t>
-            </a:r>
-            <a:endParaRPr lang="en-IN" altLang="zh-CN" sz="2000" dirty="0">
-              <a:solidFill>
-                <a:schemeClr val="accent5"/>
-              </a:solidFill>
-              <a:cs typeface="Arial" pitchFamily="34" charset="0"/>
-            </a:endParaRPr>
-          </a:p>
-        </p:txBody>
-      </p:sp>
-      <p:sp>
-        <p:nvSpPr>
-          <p:cNvPr id="22" name="文本框 21"/>
-          <p:cNvSpPr txBox="1"/>
-          <p:nvPr/>
-        </p:nvSpPr>
-        <p:spPr>
-          <a:xfrm>
-            <a:off x="1076775" y="1253369"/>
-            <a:ext cx="954107" cy="400110"/>
-          </a:xfrm>
-          <a:prstGeom prst="rect">
-            <a:avLst/>
-          </a:prstGeom>
-          <a:noFill/>
-        </p:spPr>
-        <p:txBody>
-          <a:bodyPr wrap="none" rtlCol="0">
-            <a:spAutoFit/>
-          </a:bodyPr>
-          <a:lstStyle/>
-          <a:p>
-            <a:r>
-              <a:rPr lang="zh-CN" altLang="en-US" sz="2000" dirty="0"/>
-              <a:t>总课时</a:t>
-            </a:r>
-          </a:p>
-        </p:txBody>
-      </p:sp>
-      <p:sp>
-        <p:nvSpPr>
-          <p:cNvPr id="23" name="矩形 22"/>
-          <p:cNvSpPr/>
-          <p:nvPr/>
-        </p:nvSpPr>
-        <p:spPr>
-          <a:xfrm>
-            <a:off x="2049577" y="1188041"/>
-            <a:ext cx="3038011" cy="584775"/>
-          </a:xfrm>
-          <a:prstGeom prst="rect">
-            <a:avLst/>
-          </a:prstGeom>
-          <a:noFill/>
-        </p:spPr>
-        <p:txBody>
-          <a:bodyPr wrap="none" lIns="91440" tIns="45720" rIns="91440" bIns="45720">
-            <a:spAutoFit/>
-          </a:bodyPr>
-          <a:lstStyle/>
-          <a:p>
-            <a:pPr algn="ctr"/>
-            <a:r>
-              <a:rPr lang="en-US" altLang="zh-CN" sz="3200" dirty="0">
-                <a:ln w="0"/>
-                <a:solidFill>
-                  <a:schemeClr val="accent1"/>
-                </a:solidFill>
-                <a:effectLst>
-                  <a:outerShdw blurRad="38100" dist="25400" dir="5400000" algn="ctr" rotWithShape="0">
-                    <a:srgbClr val="6E747A">
-                      <a:alpha val="43000"/>
-                    </a:srgbClr>
-                  </a:outerShdw>
-                </a:effectLst>
-              </a:rPr>
-              <a:t>6</a:t>
-            </a:r>
-            <a:r>
-              <a:rPr lang="zh-CN" altLang="en-US" sz="2800" dirty="0">
-                <a:ln w="0"/>
-                <a:solidFill>
-                  <a:schemeClr val="accent1"/>
-                </a:solidFill>
-                <a:effectLst>
-                  <a:outerShdw blurRad="38100" dist="25400" dir="5400000" algn="ctr" rotWithShape="0">
-                    <a:srgbClr val="6E747A">
-                      <a:alpha val="43000"/>
-                    </a:srgbClr>
-                  </a:outerShdw>
-                </a:effectLst>
-              </a:rPr>
-              <a:t>次</a:t>
-            </a:r>
-            <a:r>
-              <a:rPr lang="en-US" altLang="zh-CN" sz="3200" dirty="0">
-                <a:ln w="0"/>
-                <a:solidFill>
-                  <a:schemeClr val="accent1"/>
-                </a:solidFill>
-                <a:effectLst>
-                  <a:outerShdw blurRad="38100" dist="25400" dir="5400000" algn="ctr" rotWithShape="0">
-                    <a:srgbClr val="6E747A">
-                      <a:alpha val="43000"/>
-                    </a:srgbClr>
-                  </a:outerShdw>
-                </a:effectLst>
-              </a:rPr>
-              <a:t> x 2h  =  12h</a:t>
-            </a:r>
-            <a:endParaRPr lang="zh-CN" altLang="en-US" sz="4400" dirty="0">
-              <a:ln w="0"/>
-              <a:solidFill>
-                <a:schemeClr val="accent1"/>
-              </a:solidFill>
-              <a:effectLst>
-                <a:outerShdw blurRad="38100" dist="25400" dir="5400000" algn="ctr" rotWithShape="0">
-                  <a:srgbClr val="6E747A">
-                    <a:alpha val="43000"/>
-                  </a:srgbClr>
-                </a:outerShdw>
-              </a:effectLst>
-            </a:endParaRPr>
-          </a:p>
-        </p:txBody>
-      </p:sp>
-    </p:spTree>
-    <p:extLst>
-      <p:ext uri="{BB962C8B-B14F-4D97-AF65-F5344CB8AC3E}">
-        <p14:creationId xmlns:p14="http://schemas.microsoft.com/office/powerpoint/2010/main" val="1769895899"/>
-      </p:ext>
-    </p:extLst>
-  </p:cSld>
-  <p:clrMapOvr>
-    <a:masterClrMapping/>
-  </p:clrMapOvr>
 </p:sld>
 </file>
 
@@ -19455,33 +26644,20 @@
       </p:sp>
       <p:sp>
         <p:nvSpPr>
-          <p:cNvPr id="9" name="文本框 8"/>
+          <p:cNvPr id="20" name="文本框 19"/>
           <p:cNvSpPr txBox="1"/>
           <p:nvPr/>
         </p:nvSpPr>
         <p:spPr>
           <a:xfrm>
-            <a:off x="1187624" y="4976811"/>
-            <a:ext cx="813043" cy="369332"/>
+            <a:off x="326028" y="692696"/>
+            <a:ext cx="1210588" cy="400110"/>
           </a:xfrm>
           <a:prstGeom prst="rect">
             <a:avLst/>
           </a:prstGeom>
+          <a:noFill/>
         </p:spPr>
-        <p:style>
-          <a:lnRef idx="2">
-            <a:schemeClr val="accent2"/>
-          </a:lnRef>
-          <a:fillRef idx="1">
-            <a:schemeClr val="lt1"/>
-          </a:fillRef>
-          <a:effectRef idx="0">
-            <a:schemeClr val="accent2"/>
-          </a:effectRef>
-          <a:fontRef idx="minor">
-            <a:schemeClr val="dk1"/>
-          </a:fontRef>
-        </p:style>
         <p:txBody>
           <a:bodyPr wrap="none" rtlCol="0">
             <a:spAutoFit/>
@@ -19489,189 +26665,27 @@
           <a:lstStyle/>
           <a:p>
             <a:r>
-              <a:rPr lang="en-US" altLang="zh-CN" dirty="0"/>
-              <a:t>HTML</a:t>
-            </a:r>
-            <a:endParaRPr lang="zh-CN" altLang="en-US" dirty="0"/>
-          </a:p>
-        </p:txBody>
-      </p:sp>
-      <p:sp>
-        <p:nvSpPr>
-          <p:cNvPr id="10" name="文本框 9"/>
-          <p:cNvSpPr txBox="1"/>
-          <p:nvPr/>
-        </p:nvSpPr>
-        <p:spPr>
-          <a:xfrm>
-            <a:off x="3711710" y="4980871"/>
-            <a:ext cx="659155" cy="369332"/>
-          </a:xfrm>
-          <a:prstGeom prst="rect">
-            <a:avLst/>
-          </a:prstGeom>
-        </p:spPr>
-        <p:style>
-          <a:lnRef idx="2">
-            <a:schemeClr val="accent2"/>
-          </a:lnRef>
-          <a:fillRef idx="1">
-            <a:schemeClr val="lt1"/>
-          </a:fillRef>
-          <a:effectRef idx="0">
-            <a:schemeClr val="accent2"/>
-          </a:effectRef>
-          <a:fontRef idx="minor">
-            <a:schemeClr val="dk1"/>
-          </a:fontRef>
-        </p:style>
-        <p:txBody>
-          <a:bodyPr wrap="none" rtlCol="0">
-            <a:spAutoFit/>
-          </a:bodyPr>
-          <a:lstStyle/>
-          <a:p>
-            <a:r>
-              <a:rPr lang="en-US" altLang="zh-CN" dirty="0"/>
-              <a:t>CSS</a:t>
-            </a:r>
-            <a:endParaRPr lang="zh-CN" altLang="en-US" dirty="0"/>
-          </a:p>
-        </p:txBody>
-      </p:sp>
-      <p:sp>
-        <p:nvSpPr>
-          <p:cNvPr id="11" name="文本框 10"/>
-          <p:cNvSpPr txBox="1"/>
-          <p:nvPr/>
-        </p:nvSpPr>
-        <p:spPr>
-          <a:xfrm>
-            <a:off x="6021818" y="4976811"/>
-            <a:ext cx="1261884" cy="369332"/>
-          </a:xfrm>
-          <a:prstGeom prst="rect">
-            <a:avLst/>
-          </a:prstGeom>
-        </p:spPr>
-        <p:style>
-          <a:lnRef idx="2">
-            <a:schemeClr val="accent2"/>
-          </a:lnRef>
-          <a:fillRef idx="1">
-            <a:schemeClr val="lt1"/>
-          </a:fillRef>
-          <a:effectRef idx="0">
-            <a:schemeClr val="accent2"/>
-          </a:effectRef>
-          <a:fontRef idx="minor">
-            <a:schemeClr val="dk1"/>
-          </a:fontRef>
-        </p:style>
-        <p:txBody>
-          <a:bodyPr wrap="none" rtlCol="0">
-            <a:spAutoFit/>
-          </a:bodyPr>
-          <a:lstStyle/>
-          <a:p>
-            <a:r>
-              <a:rPr lang="en-US" altLang="zh-CN" dirty="0"/>
-              <a:t>JavaScript</a:t>
-            </a:r>
-            <a:endParaRPr lang="zh-CN" altLang="en-US" dirty="0"/>
-          </a:p>
-        </p:txBody>
-      </p:sp>
-      <p:sp>
-        <p:nvSpPr>
-          <p:cNvPr id="12" name="文本框 11"/>
-          <p:cNvSpPr txBox="1"/>
-          <p:nvPr/>
-        </p:nvSpPr>
-        <p:spPr>
-          <a:xfrm>
-            <a:off x="1187624" y="5949280"/>
-            <a:ext cx="941283" cy="369332"/>
-          </a:xfrm>
-          <a:prstGeom prst="rect">
-            <a:avLst/>
-          </a:prstGeom>
-        </p:spPr>
-        <p:style>
-          <a:lnRef idx="2">
-            <a:schemeClr val="accent2"/>
-          </a:lnRef>
-          <a:fillRef idx="1">
-            <a:schemeClr val="lt1"/>
-          </a:fillRef>
-          <a:effectRef idx="0">
-            <a:schemeClr val="accent2"/>
-          </a:effectRef>
-          <a:fontRef idx="minor">
-            <a:schemeClr val="dk1"/>
-          </a:fontRef>
-        </p:style>
-        <p:txBody>
-          <a:bodyPr wrap="none" rtlCol="0">
-            <a:spAutoFit/>
-          </a:bodyPr>
-          <a:lstStyle/>
-          <a:p>
-            <a:r>
-              <a:rPr lang="en-US" altLang="zh-CN" dirty="0"/>
-              <a:t>HTML5</a:t>
-            </a:r>
-            <a:endParaRPr lang="zh-CN" altLang="en-US" dirty="0"/>
-          </a:p>
-        </p:txBody>
-      </p:sp>
-      <p:sp>
-        <p:nvSpPr>
-          <p:cNvPr id="13" name="文本框 12"/>
-          <p:cNvSpPr txBox="1"/>
-          <p:nvPr/>
-        </p:nvSpPr>
-        <p:spPr>
-          <a:xfrm>
-            <a:off x="3634765" y="5949280"/>
-            <a:ext cx="787395" cy="369332"/>
-          </a:xfrm>
-          <a:prstGeom prst="rect">
-            <a:avLst/>
-          </a:prstGeom>
-        </p:spPr>
-        <p:style>
-          <a:lnRef idx="2">
-            <a:schemeClr val="accent2"/>
-          </a:lnRef>
-          <a:fillRef idx="1">
-            <a:schemeClr val="lt1"/>
-          </a:fillRef>
-          <a:effectRef idx="0">
-            <a:schemeClr val="accent2"/>
-          </a:effectRef>
-          <a:fontRef idx="minor">
-            <a:schemeClr val="dk1"/>
-          </a:fontRef>
-        </p:style>
-        <p:txBody>
-          <a:bodyPr wrap="none" rtlCol="0">
-            <a:spAutoFit/>
-          </a:bodyPr>
-          <a:lstStyle/>
-          <a:p>
-            <a:r>
-              <a:rPr lang="en-US" altLang="zh-CN" dirty="0"/>
-              <a:t>CSS3</a:t>
-            </a:r>
-            <a:endParaRPr lang="zh-CN" altLang="en-US" dirty="0"/>
+              <a:rPr lang="zh-CN" altLang="en-US" sz="2000" dirty="0">
+                <a:solidFill>
+                  <a:schemeClr val="accent5"/>
+                </a:solidFill>
+                <a:cs typeface="Arial" pitchFamily="34" charset="0"/>
+              </a:rPr>
+              <a:t>课程概览</a:t>
+            </a:r>
+            <a:endParaRPr lang="en-IN" altLang="zh-CN" sz="2000" dirty="0">
+              <a:solidFill>
+                <a:schemeClr val="accent5"/>
+              </a:solidFill>
+              <a:cs typeface="Arial" pitchFamily="34" charset="0"/>
+            </a:endParaRPr>
           </a:p>
         </p:txBody>
       </p:sp>
     </p:spTree>
     <p:extLst>
       <p:ext uri="{BB962C8B-B14F-4D97-AF65-F5344CB8AC3E}">
-        <p14:creationId xmlns:p14="http://schemas.microsoft.com/office/powerpoint/2010/main" val="3462728836"/>
+        <p14:creationId xmlns:p14="http://schemas.microsoft.com/office/powerpoint/2010/main" val="183654996"/>
       </p:ext>
     </p:extLst>
   </p:cSld>

--- a/CodeMonkey/cs05 UI前端/UI设计.pptx
+++ b/CodeMonkey/cs05 UI前端/UI设计.pptx
@@ -4362,7 +4362,7 @@
           <a:p>
             <a:fld id="{510780DC-153A-442C-976F-4EE060904328}" type="datetimeFigureOut">
               <a:rPr lang="en-IN" smtClean="0"/>
-              <a:t>10-10-2016</a:t>
+              <a:t>11-10-2016</a:t>
             </a:fld>
             <a:endParaRPr lang="en-IN"/>
           </a:p>
@@ -17117,7 +17117,7 @@
           <a:p>
             <a:fld id="{62414657-35CE-488C-8DCD-C3706D084985}" type="datetime1">
               <a:rPr lang="en-IN" smtClean="0"/>
-              <a:t>10-10-2016</a:t>
+              <a:t>11-10-2016</a:t>
             </a:fld>
             <a:endParaRPr lang="en-IN"/>
           </a:p>
@@ -21657,7 +21657,7 @@
           <p:nvPr>
             <p:extLst>
               <p:ext uri="{D42A27DB-BD31-4B8C-83A1-F6EECF244321}">
-                <p14:modId xmlns:p14="http://schemas.microsoft.com/office/powerpoint/2010/main" val="751093322"/>
+                <p14:modId xmlns:p14="http://schemas.microsoft.com/office/powerpoint/2010/main" val="3000046123"/>
               </p:ext>
             </p:extLst>
           </p:nvPr>
@@ -21951,6 +21951,28 @@
                     <a:p>
                       <a:pPr marL="0" algn="l" defTabSz="914400" rtl="0" eaLnBrk="1" latinLnBrk="0" hangingPunct="1"/>
                       <a:r>
+                        <a:rPr lang="zh-CN" altLang="en-US" sz="1200" b="0" kern="1200" dirty="0">
+                          <a:solidFill>
+                            <a:schemeClr val="tx1"/>
+                          </a:solidFill>
+                          <a:latin typeface="+mn-lt"/>
+                          <a:ea typeface="+mn-ea"/>
+                          <a:cs typeface="Arial" pitchFamily="34" charset="0"/>
+                        </a:rPr>
+                        <a:t>网页的骨架</a:t>
+                      </a:r>
+                      <a:r>
+                        <a:rPr lang="en-US" altLang="zh-CN" sz="1200" b="0" kern="1200" baseline="0" dirty="0">
+                          <a:solidFill>
+                            <a:schemeClr val="tx1"/>
+                          </a:solidFill>
+                          <a:latin typeface="+mn-lt"/>
+                          <a:ea typeface="+mn-ea"/>
+                          <a:cs typeface="Arial" pitchFamily="34" charset="0"/>
+                        </a:rPr>
+                        <a:t> - </a:t>
+                      </a:r>
+                      <a:r>
                         <a:rPr lang="en-US" altLang="zh-CN" sz="1200" b="0" kern="1200" dirty="0">
                           <a:solidFill>
                             <a:schemeClr val="tx1"/>
@@ -22192,6 +22214,17 @@
                     <a:p>
                       <a:pPr marL="0" algn="l" defTabSz="914400" rtl="0" eaLnBrk="1" latinLnBrk="0" hangingPunct="1"/>
                       <a:r>
+                        <a:rPr lang="zh-CN" altLang="en-US" sz="1200" b="0" kern="1200" dirty="0">
+                          <a:solidFill>
+                            <a:schemeClr val="tx1"/>
+                          </a:solidFill>
+                          <a:latin typeface="+mn-lt"/>
+                          <a:ea typeface="+mn-ea"/>
+                          <a:cs typeface="Arial" pitchFamily="34" charset="0"/>
+                        </a:rPr>
+                        <a:t>网页的设计师 </a:t>
+                      </a:r>
+                      <a:r>
                         <a:rPr lang="en-US" altLang="zh-CN" sz="1200" b="0" kern="1200" dirty="0">
                           <a:solidFill>
                             <a:schemeClr val="tx1"/>
@@ -22200,7 +22233,7 @@
                           <a:ea typeface="+mn-ea"/>
                           <a:cs typeface="Arial" pitchFamily="34" charset="0"/>
                         </a:rPr>
-                        <a:t>CSS</a:t>
+                        <a:t>- CSS</a:t>
                       </a:r>
                       <a:r>
                         <a:rPr lang="zh-CN" altLang="en-US" sz="1200" b="0" kern="1200" dirty="0">
@@ -22860,6 +22893,17 @@
                     <a:lstStyle/>
                     <a:p>
                       <a:r>
+                        <a:rPr lang="zh-CN" altLang="en-US" sz="1200" b="0" kern="1200" dirty="0">
+                          <a:solidFill>
+                            <a:schemeClr val="tx1"/>
+                          </a:solidFill>
+                          <a:latin typeface="+mn-lt"/>
+                          <a:ea typeface="+mn-ea"/>
+                          <a:cs typeface="Arial" pitchFamily="34" charset="0"/>
+                        </a:rPr>
+                        <a:t>网页的灵魂 </a:t>
+                      </a:r>
+                      <a:r>
                         <a:rPr lang="en-US" altLang="zh-CN" sz="1200" b="0" kern="1200" dirty="0">
                           <a:solidFill>
                             <a:schemeClr val="tx1"/>
@@ -22868,7 +22912,7 @@
                           <a:ea typeface="+mn-ea"/>
                           <a:cs typeface="Arial" pitchFamily="34" charset="0"/>
                         </a:rPr>
-                        <a:t>JavaScript</a:t>
+                        <a:t>- JavaScript</a:t>
                       </a:r>
                       <a:endParaRPr lang="en-IN" sz="1200" b="0" kern="1200" dirty="0">
                         <a:solidFill>
@@ -23057,7 +23101,7 @@
                           <a:ea typeface="+mn-ea"/>
                           <a:cs typeface="Arial" pitchFamily="34" charset="0"/>
                         </a:rPr>
-                        <a:t>的简单应用</a:t>
+                        <a:t>的入门</a:t>
                       </a:r>
                       <a:endParaRPr lang="en-IN" sz="1200" b="0" kern="1200" dirty="0">
                         <a:solidFill>
@@ -23402,7 +23446,7 @@
         <p:spPr>
           <a:xfrm>
             <a:off x="6614864" y="2204864"/>
-            <a:ext cx="1005403" cy="338554"/>
+            <a:ext cx="2133600" cy="338554"/>
           </a:xfrm>
           <a:prstGeom prst="rect">
             <a:avLst/>
@@ -23410,7 +23454,7 @@
           <a:noFill/>
         </p:spPr>
         <p:txBody>
-          <a:bodyPr wrap="none" rtlCol="0">
+          <a:bodyPr wrap="square" rtlCol="0">
             <a:spAutoFit/>
           </a:bodyPr>
           <a:lstStyle/>
@@ -23421,8 +23465,21 @@
                   <a:srgbClr val="00B050"/>
                 </a:solidFill>
               </a:rPr>
-              <a:t>基础内容</a:t>
-            </a:r>
+              <a:t>基础内容 </a:t>
+            </a:r>
+            <a:r>
+              <a:rPr lang="en-US" altLang="zh-CN" sz="1600" dirty="0">
+                <a:solidFill>
+                  <a:srgbClr val="00B050"/>
+                </a:solidFill>
+              </a:rPr>
+              <a:t>HTML CSS</a:t>
+            </a:r>
+            <a:endParaRPr lang="zh-CN" altLang="en-US" sz="1600" dirty="0">
+              <a:solidFill>
+                <a:srgbClr val="00B050"/>
+              </a:solidFill>
+            </a:endParaRPr>
           </a:p>
         </p:txBody>
       </p:sp>
@@ -23435,7 +23492,7 @@
         <p:spPr>
           <a:xfrm>
             <a:off x="6614864" y="3068960"/>
-            <a:ext cx="595035" cy="338554"/>
+            <a:ext cx="2277616" cy="338554"/>
           </a:xfrm>
           <a:prstGeom prst="rect">
             <a:avLst/>
@@ -23443,7 +23500,7 @@
           <a:noFill/>
         </p:spPr>
         <p:txBody>
-          <a:bodyPr wrap="none" rtlCol="0">
+          <a:bodyPr wrap="square" rtlCol="0">
             <a:spAutoFit/>
           </a:bodyPr>
           <a:lstStyle/>
@@ -23454,8 +23511,21 @@
                   <a:srgbClr val="00B050"/>
                 </a:solidFill>
               </a:rPr>
-              <a:t>框架</a:t>
-            </a:r>
+              <a:t>框架 </a:t>
+            </a:r>
+            <a:r>
+              <a:rPr lang="en-US" altLang="zh-CN" sz="1600" dirty="0">
+                <a:solidFill>
+                  <a:srgbClr val="00B050"/>
+                </a:solidFill>
+              </a:rPr>
+              <a:t>Bootstrap  jQuery</a:t>
+            </a:r>
+            <a:endParaRPr lang="zh-CN" altLang="en-US" sz="1600" dirty="0">
+              <a:solidFill>
+                <a:srgbClr val="00B050"/>
+              </a:solidFill>
+            </a:endParaRPr>
           </a:p>
         </p:txBody>
       </p:sp>
@@ -26651,7 +26721,7 @@
         <p:spPr>
           <a:xfrm>
             <a:off x="326028" y="692696"/>
-            <a:ext cx="1210588" cy="400110"/>
+            <a:ext cx="2392001" cy="400110"/>
           </a:xfrm>
           <a:prstGeom prst="rect">
             <a:avLst/>
@@ -26671,7 +26741,16 @@
                 </a:solidFill>
                 <a:cs typeface="Arial" pitchFamily="34" charset="0"/>
               </a:rPr>
-              <a:t>课程概览</a:t>
+              <a:t>网页的骨架 </a:t>
+            </a:r>
+            <a:r>
+              <a:rPr lang="en-US" altLang="zh-CN" sz="2000" dirty="0">
+                <a:solidFill>
+                  <a:schemeClr val="accent5"/>
+                </a:solidFill>
+                <a:cs typeface="Arial" pitchFamily="34" charset="0"/>
+              </a:rPr>
+              <a:t>- HTML</a:t>
             </a:r>
             <a:endParaRPr lang="en-IN" altLang="zh-CN" sz="2000" dirty="0">
               <a:solidFill>

--- a/CodeMonkey/cs05 UI前端/UI设计.pptx
+++ b/CodeMonkey/cs05 UI前端/UI设计.pptx
@@ -5,7 +5,7 @@
     <p:sldMasterId id="2147483648" r:id="rId1"/>
   </p:sldMasterIdLst>
   <p:notesMasterIdLst>
-    <p:notesMasterId r:id="rId24"/>
+    <p:notesMasterId r:id="rId26"/>
   </p:notesMasterIdLst>
   <p:sldIdLst>
     <p:sldId id="257" r:id="rId2"/>
@@ -14,22 +14,24 @@
     <p:sldId id="298" r:id="rId5"/>
     <p:sldId id="289" r:id="rId6"/>
     <p:sldId id="299" r:id="rId7"/>
-    <p:sldId id="280" r:id="rId8"/>
-    <p:sldId id="281" r:id="rId9"/>
-    <p:sldId id="285" r:id="rId10"/>
-    <p:sldId id="286" r:id="rId11"/>
-    <p:sldId id="287" r:id="rId12"/>
-    <p:sldId id="288" r:id="rId13"/>
-    <p:sldId id="290" r:id="rId14"/>
-    <p:sldId id="291" r:id="rId15"/>
-    <p:sldId id="292" r:id="rId16"/>
-    <p:sldId id="293" r:id="rId17"/>
-    <p:sldId id="294" r:id="rId18"/>
-    <p:sldId id="295" r:id="rId19"/>
-    <p:sldId id="267" r:id="rId20"/>
-    <p:sldId id="297" r:id="rId21"/>
-    <p:sldId id="296" r:id="rId22"/>
-    <p:sldId id="278" r:id="rId23"/>
+    <p:sldId id="300" r:id="rId8"/>
+    <p:sldId id="301" r:id="rId9"/>
+    <p:sldId id="280" r:id="rId10"/>
+    <p:sldId id="281" r:id="rId11"/>
+    <p:sldId id="285" r:id="rId12"/>
+    <p:sldId id="286" r:id="rId13"/>
+    <p:sldId id="287" r:id="rId14"/>
+    <p:sldId id="288" r:id="rId15"/>
+    <p:sldId id="290" r:id="rId16"/>
+    <p:sldId id="291" r:id="rId17"/>
+    <p:sldId id="292" r:id="rId18"/>
+    <p:sldId id="293" r:id="rId19"/>
+    <p:sldId id="294" r:id="rId20"/>
+    <p:sldId id="295" r:id="rId21"/>
+    <p:sldId id="267" r:id="rId22"/>
+    <p:sldId id="297" r:id="rId23"/>
+    <p:sldId id="296" r:id="rId24"/>
+    <p:sldId id="278" r:id="rId25"/>
   </p:sldIdLst>
   <p:sldSz cx="9144000" cy="6858000" type="screen4x3"/>
   <p:notesSz cx="6858000" cy="9144000"/>
@@ -4966,6 +4968,174 @@
 </p:notes>
 </file>
 
+<file path=ppt/notesSlides/notesSlide5.xml><?xml version="1.0" encoding="utf-8"?>
+<p:notes xmlns:a="http://schemas.openxmlformats.org/drawingml/2006/main" xmlns:r="http://schemas.openxmlformats.org/officeDocument/2006/relationships" xmlns:p="http://schemas.openxmlformats.org/presentationml/2006/main">
+  <p:cSld>
+    <p:spTree>
+      <p:nvGrpSpPr>
+        <p:cNvPr id="1" name=""/>
+        <p:cNvGrpSpPr/>
+        <p:nvPr/>
+      </p:nvGrpSpPr>
+      <p:grpSpPr>
+        <a:xfrm>
+          <a:off x="0" y="0"/>
+          <a:ext cx="0" cy="0"/>
+          <a:chOff x="0" y="0"/>
+          <a:chExt cx="0" cy="0"/>
+        </a:xfrm>
+      </p:grpSpPr>
+      <p:sp>
+        <p:nvSpPr>
+          <p:cNvPr id="2" name="幻灯片图像占位符 1"/>
+          <p:cNvSpPr>
+            <a:spLocks noGrp="1" noRot="1" noChangeAspect="1"/>
+          </p:cNvSpPr>
+          <p:nvPr>
+            <p:ph type="sldImg"/>
+          </p:nvPr>
+        </p:nvSpPr>
+        <p:spPr/>
+      </p:sp>
+      <p:sp>
+        <p:nvSpPr>
+          <p:cNvPr id="3" name="备注占位符 2"/>
+          <p:cNvSpPr>
+            <a:spLocks noGrp="1"/>
+          </p:cNvSpPr>
+          <p:nvPr>
+            <p:ph type="body" idx="1"/>
+          </p:nvPr>
+        </p:nvSpPr>
+        <p:spPr/>
+        <p:txBody>
+          <a:bodyPr/>
+          <a:lstStyle/>
+          <a:p>
+            <a:endParaRPr lang="zh-CN" altLang="en-US" dirty="0"/>
+          </a:p>
+        </p:txBody>
+      </p:sp>
+      <p:sp>
+        <p:nvSpPr>
+          <p:cNvPr id="4" name="灯片编号占位符 3"/>
+          <p:cNvSpPr>
+            <a:spLocks noGrp="1"/>
+          </p:cNvSpPr>
+          <p:nvPr>
+            <p:ph type="sldNum" sz="quarter" idx="10"/>
+          </p:nvPr>
+        </p:nvSpPr>
+        <p:spPr/>
+        <p:txBody>
+          <a:bodyPr/>
+          <a:lstStyle/>
+          <a:p>
+            <a:fld id="{0997B0E7-B4C7-4660-B6AE-81CA0EDD2192}" type="slidenum">
+              <a:rPr lang="en-IN" smtClean="0"/>
+              <a:t>7</a:t>
+            </a:fld>
+            <a:endParaRPr lang="en-IN"/>
+          </a:p>
+        </p:txBody>
+      </p:sp>
+    </p:spTree>
+    <p:extLst>
+      <p:ext uri="{BB962C8B-B14F-4D97-AF65-F5344CB8AC3E}">
+        <p14:creationId xmlns:p14="http://schemas.microsoft.com/office/powerpoint/2010/main" val="1461058961"/>
+      </p:ext>
+    </p:extLst>
+  </p:cSld>
+  <p:clrMapOvr>
+    <a:masterClrMapping/>
+  </p:clrMapOvr>
+</p:notes>
+</file>
+
+<file path=ppt/notesSlides/notesSlide6.xml><?xml version="1.0" encoding="utf-8"?>
+<p:notes xmlns:a="http://schemas.openxmlformats.org/drawingml/2006/main" xmlns:r="http://schemas.openxmlformats.org/officeDocument/2006/relationships" xmlns:p="http://schemas.openxmlformats.org/presentationml/2006/main">
+  <p:cSld>
+    <p:spTree>
+      <p:nvGrpSpPr>
+        <p:cNvPr id="1" name=""/>
+        <p:cNvGrpSpPr/>
+        <p:nvPr/>
+      </p:nvGrpSpPr>
+      <p:grpSpPr>
+        <a:xfrm>
+          <a:off x="0" y="0"/>
+          <a:ext cx="0" cy="0"/>
+          <a:chOff x="0" y="0"/>
+          <a:chExt cx="0" cy="0"/>
+        </a:xfrm>
+      </p:grpSpPr>
+      <p:sp>
+        <p:nvSpPr>
+          <p:cNvPr id="2" name="幻灯片图像占位符 1"/>
+          <p:cNvSpPr>
+            <a:spLocks noGrp="1" noRot="1" noChangeAspect="1"/>
+          </p:cNvSpPr>
+          <p:nvPr>
+            <p:ph type="sldImg"/>
+          </p:nvPr>
+        </p:nvSpPr>
+        <p:spPr/>
+      </p:sp>
+      <p:sp>
+        <p:nvSpPr>
+          <p:cNvPr id="3" name="备注占位符 2"/>
+          <p:cNvSpPr>
+            <a:spLocks noGrp="1"/>
+          </p:cNvSpPr>
+          <p:nvPr>
+            <p:ph type="body" idx="1"/>
+          </p:nvPr>
+        </p:nvSpPr>
+        <p:spPr/>
+        <p:txBody>
+          <a:bodyPr/>
+          <a:lstStyle/>
+          <a:p>
+            <a:endParaRPr lang="zh-CN" altLang="en-US" dirty="0"/>
+          </a:p>
+        </p:txBody>
+      </p:sp>
+      <p:sp>
+        <p:nvSpPr>
+          <p:cNvPr id="4" name="灯片编号占位符 3"/>
+          <p:cNvSpPr>
+            <a:spLocks noGrp="1"/>
+          </p:cNvSpPr>
+          <p:nvPr>
+            <p:ph type="sldNum" sz="quarter" idx="10"/>
+          </p:nvPr>
+        </p:nvSpPr>
+        <p:spPr/>
+        <p:txBody>
+          <a:bodyPr/>
+          <a:lstStyle/>
+          <a:p>
+            <a:fld id="{0997B0E7-B4C7-4660-B6AE-81CA0EDD2192}" type="slidenum">
+              <a:rPr lang="en-IN" smtClean="0"/>
+              <a:t>8</a:t>
+            </a:fld>
+            <a:endParaRPr lang="en-IN"/>
+          </a:p>
+        </p:txBody>
+      </p:sp>
+    </p:spTree>
+    <p:extLst>
+      <p:ext uri="{BB962C8B-B14F-4D97-AF65-F5344CB8AC3E}">
+        <p14:creationId xmlns:p14="http://schemas.microsoft.com/office/powerpoint/2010/main" val="4056499050"/>
+      </p:ext>
+    </p:extLst>
+  </p:cSld>
+  <p:clrMapOvr>
+    <a:masterClrMapping/>
+  </p:clrMapOvr>
+</p:notes>
+</file>
+
 <file path=ppt/slideLayouts/slideLayout1.xml><?xml version="1.0" encoding="utf-8"?>
 <p:sldLayout xmlns:a="http://schemas.openxmlformats.org/drawingml/2006/main" xmlns:r="http://schemas.openxmlformats.org/officeDocument/2006/relationships" xmlns:p="http://schemas.openxmlformats.org/presentationml/2006/main" preserve="1" userDrawn="1">
   <p:cSld name="Title Slide">
@@ -17691,14 +17861,87 @@
           </a:p>
         </p:txBody>
       </p:sp>
+      <p:sp>
+        <p:nvSpPr>
+          <p:cNvPr id="3" name="Text Placeholder 2"/>
+          <p:cNvSpPr>
+            <a:spLocks noGrp="1"/>
+          </p:cNvSpPr>
+          <p:nvPr>
+            <p:ph type="body" sz="quarter" idx="13"/>
+          </p:nvPr>
+        </p:nvSpPr>
+        <p:spPr/>
+        <p:txBody>
+          <a:bodyPr>
+            <a:normAutofit lnSpcReduction="10000"/>
+          </a:bodyPr>
+          <a:lstStyle/>
+          <a:p>
+            <a:r>
+              <a:rPr lang="zh-CN" altLang="en-US" dirty="0"/>
+              <a:t>后六个部门</a:t>
+            </a:r>
+            <a:endParaRPr lang="en-IN" dirty="0"/>
+          </a:p>
+        </p:txBody>
+      </p:sp>
+      <p:sp>
+        <p:nvSpPr>
+          <p:cNvPr id="4" name="Text Placeholder 3"/>
+          <p:cNvSpPr>
+            <a:spLocks noGrp="1"/>
+          </p:cNvSpPr>
+          <p:nvPr>
+            <p:ph type="body" sz="quarter" idx="29"/>
+          </p:nvPr>
+        </p:nvSpPr>
+        <p:spPr/>
+        <p:txBody>
+          <a:bodyPr>
+            <a:normAutofit fontScale="85000" lnSpcReduction="20000"/>
+          </a:bodyPr>
+          <a:lstStyle/>
+          <a:p>
+            <a:r>
+              <a:rPr lang="zh-CN" altLang="en-US" dirty="0"/>
+              <a:t>生产管理</a:t>
+            </a:r>
+            <a:endParaRPr lang="en-IN" dirty="0"/>
+          </a:p>
+        </p:txBody>
+      </p:sp>
+      <p:sp>
+        <p:nvSpPr>
+          <p:cNvPr id="5" name="Text Placeholder 4"/>
+          <p:cNvSpPr>
+            <a:spLocks noGrp="1"/>
+          </p:cNvSpPr>
+          <p:nvPr>
+            <p:ph type="body" sz="quarter" idx="33"/>
+          </p:nvPr>
+        </p:nvSpPr>
+        <p:spPr/>
+        <p:txBody>
+          <a:bodyPr anchor="t"/>
+          <a:lstStyle/>
+          <a:p>
+            <a:r>
+              <a:rPr lang="zh-CN" altLang="en-US" dirty="0"/>
+              <a:t>制造出你需要的东西</a:t>
+            </a:r>
+            <a:endParaRPr lang="en-IN" dirty="0"/>
+          </a:p>
+        </p:txBody>
+      </p:sp>
       <p:pic>
         <p:nvPicPr>
-          <p:cNvPr id="16" name="Picture Placeholder 15"/>
+          <p:cNvPr id="22" name="Picture Placeholder 21"/>
           <p:cNvPicPr>
             <a:picLocks noGrp="1" noChangeAspect="1"/>
           </p:cNvPicPr>
           <p:nvPr>
-            <p:ph type="pic" sz="quarter" idx="25"/>
+            <p:ph type="pic" sz="quarter" idx="34"/>
           </p:nvPr>
         </p:nvPicPr>
         <p:blipFill>
@@ -17709,7 +17952,7 @@
               </a:ext>
             </a:extLst>
           </a:blip>
-          <a:srcRect l="110" r="110"/>
+          <a:srcRect l="165" r="165"/>
           <a:stretch>
             <a:fillRect/>
           </a:stretch>
@@ -17718,45 +17961,60 @@
       </p:pic>
       <p:sp>
         <p:nvSpPr>
-          <p:cNvPr id="4" name="Text Placeholder 3"/>
+          <p:cNvPr id="7" name="Text Placeholder 6"/>
           <p:cNvSpPr>
             <a:spLocks noGrp="1"/>
           </p:cNvSpPr>
           <p:nvPr>
-            <p:ph type="body" sz="quarter" idx="29"/>
+            <p:ph type="body" sz="quarter" idx="35"/>
           </p:nvPr>
         </p:nvSpPr>
         <p:spPr/>
         <p:txBody>
           <a:bodyPr>
-            <a:noAutofit/>
+            <a:normAutofit fontScale="85000" lnSpcReduction="20000"/>
           </a:bodyPr>
           <a:lstStyle/>
           <a:p>
             <a:r>
-              <a:rPr lang="zh-CN" altLang="en-US" sz="1800" b="0" dirty="0">
-                <a:solidFill>
-                  <a:schemeClr val="tx1"/>
-                </a:solidFill>
-              </a:rPr>
-              <a:t>工艺</a:t>
-            </a:r>
-            <a:endParaRPr lang="en-IN" sz="1800" b="0" dirty="0">
-              <a:solidFill>
-                <a:schemeClr val="tx1"/>
-              </a:solidFill>
-            </a:endParaRPr>
+              <a:rPr lang="zh-CN" altLang="en-US" dirty="0"/>
+              <a:t>工业工程</a:t>
+            </a:r>
+            <a:endParaRPr lang="en-IN" dirty="0"/>
+          </a:p>
+        </p:txBody>
+      </p:sp>
+      <p:sp>
+        <p:nvSpPr>
+          <p:cNvPr id="8" name="Text Placeholder 7"/>
+          <p:cNvSpPr>
+            <a:spLocks noGrp="1"/>
+          </p:cNvSpPr>
+          <p:nvPr>
+            <p:ph type="body" sz="quarter" idx="36"/>
+          </p:nvPr>
+        </p:nvSpPr>
+        <p:spPr/>
+        <p:txBody>
+          <a:bodyPr anchor="t"/>
+          <a:lstStyle/>
+          <a:p>
+            <a:r>
+              <a:rPr lang="zh-CN" altLang="en-US" dirty="0"/>
+              <a:t>降低成本</a:t>
+            </a:r>
+            <a:endParaRPr lang="en-IN" dirty="0"/>
           </a:p>
         </p:txBody>
       </p:sp>
       <p:pic>
         <p:nvPicPr>
-          <p:cNvPr id="17" name="Picture Placeholder 16"/>
+          <p:cNvPr id="23" name="Picture Placeholder 22"/>
           <p:cNvPicPr>
             <a:picLocks noGrp="1" noChangeAspect="1"/>
           </p:cNvPicPr>
           <p:nvPr>
-            <p:ph type="pic" sz="quarter" idx="34"/>
+            <p:ph type="pic" sz="quarter" idx="37"/>
           </p:nvPr>
         </p:nvPicPr>
         <p:blipFill>
@@ -17776,45 +18034,60 @@
       </p:pic>
       <p:sp>
         <p:nvSpPr>
-          <p:cNvPr id="7" name="Text Placeholder 6"/>
+          <p:cNvPr id="10" name="Text Placeholder 9"/>
           <p:cNvSpPr>
             <a:spLocks noGrp="1"/>
           </p:cNvSpPr>
           <p:nvPr>
-            <p:ph type="body" sz="quarter" idx="35"/>
+            <p:ph type="body" sz="quarter" idx="38"/>
           </p:nvPr>
         </p:nvSpPr>
         <p:spPr/>
         <p:txBody>
           <a:bodyPr>
-            <a:noAutofit/>
+            <a:normAutofit fontScale="85000" lnSpcReduction="20000"/>
           </a:bodyPr>
           <a:lstStyle/>
           <a:p>
             <a:r>
-              <a:rPr lang="en-US" altLang="zh-CN" sz="2000" b="0" dirty="0">
-                <a:solidFill>
-                  <a:schemeClr val="tx1"/>
-                </a:solidFill>
-              </a:rPr>
-              <a:t>BOM</a:t>
-            </a:r>
-            <a:endParaRPr lang="en-IN" sz="2000" b="0" dirty="0">
-              <a:solidFill>
-                <a:schemeClr val="tx1"/>
-              </a:solidFill>
-            </a:endParaRPr>
+              <a:rPr lang="zh-CN" altLang="en-US" dirty="0"/>
+              <a:t>质量</a:t>
+            </a:r>
+            <a:endParaRPr lang="en-IN" dirty="0"/>
+          </a:p>
+        </p:txBody>
+      </p:sp>
+      <p:sp>
+        <p:nvSpPr>
+          <p:cNvPr id="11" name="Text Placeholder 10"/>
+          <p:cNvSpPr>
+            <a:spLocks noGrp="1"/>
+          </p:cNvSpPr>
+          <p:nvPr>
+            <p:ph type="body" sz="quarter" idx="39"/>
+          </p:nvPr>
+        </p:nvSpPr>
+        <p:spPr/>
+        <p:txBody>
+          <a:bodyPr anchor="t"/>
+          <a:lstStyle/>
+          <a:p>
+            <a:r>
+              <a:rPr lang="zh-CN" altLang="en-US" dirty="0"/>
+              <a:t>完美无缺的产品</a:t>
+            </a:r>
+            <a:endParaRPr lang="en-IN" dirty="0"/>
           </a:p>
         </p:txBody>
       </p:sp>
       <p:pic>
         <p:nvPicPr>
-          <p:cNvPr id="18" name="Picture Placeholder 17"/>
+          <p:cNvPr id="24" name="Picture Placeholder 23"/>
           <p:cNvPicPr>
             <a:picLocks noGrp="1" noChangeAspect="1"/>
           </p:cNvPicPr>
           <p:nvPr>
-            <p:ph type="pic" sz="quarter" idx="37"/>
+            <p:ph type="pic" sz="quarter" idx="40"/>
           </p:nvPr>
         </p:nvPicPr>
         <p:blipFill>
@@ -17834,65 +18107,227 @@
       </p:pic>
       <p:sp>
         <p:nvSpPr>
-          <p:cNvPr id="10" name="Text Placeholder 9"/>
+          <p:cNvPr id="13" name="Text Placeholder 12"/>
           <p:cNvSpPr>
             <a:spLocks noGrp="1"/>
           </p:cNvSpPr>
           <p:nvPr>
-            <p:ph type="body" sz="quarter" idx="38"/>
+            <p:ph type="body" sz="quarter" idx="41"/>
           </p:nvPr>
         </p:nvSpPr>
         <p:spPr/>
         <p:txBody>
           <a:bodyPr>
-            <a:normAutofit lnSpcReduction="10000"/>
+            <a:normAutofit fontScale="85000" lnSpcReduction="20000"/>
           </a:bodyPr>
           <a:lstStyle/>
           <a:p>
             <a:r>
-              <a:rPr lang="zh-CN" altLang="en-US" sz="2000" b="0" dirty="0">
-                <a:solidFill>
-                  <a:schemeClr val="tx1"/>
-                </a:solidFill>
-              </a:rPr>
-              <a:t>作业指导书</a:t>
-            </a:r>
-            <a:endParaRPr lang="en-IN" sz="2000" b="0" dirty="0">
-              <a:solidFill>
-                <a:schemeClr val="tx1"/>
-              </a:solidFill>
-            </a:endParaRPr>
-          </a:p>
-        </p:txBody>
-      </p:sp>
-      <p:sp>
-        <p:nvSpPr>
-          <p:cNvPr id="15" name="Text Placeholder 14"/>
+              <a:rPr lang="zh-CN" altLang="en-US" dirty="0"/>
+              <a:t>供应链</a:t>
+            </a:r>
+            <a:endParaRPr lang="en-IN" dirty="0"/>
+          </a:p>
+        </p:txBody>
+      </p:sp>
+      <p:sp>
+        <p:nvSpPr>
+          <p:cNvPr id="14" name="Text Placeholder 13"/>
           <p:cNvSpPr>
             <a:spLocks noGrp="1"/>
           </p:cNvSpPr>
           <p:nvPr>
-            <p:ph type="body" sz="quarter" idx="43"/>
+            <p:ph type="body" sz="quarter" idx="42"/>
           </p:nvPr>
         </p:nvSpPr>
         <p:spPr/>
         <p:txBody>
-          <a:bodyPr/>
+          <a:bodyPr anchor="t"/>
           <a:lstStyle/>
           <a:p>
-            <a:pPr algn="ctr"/>
             <a:r>
               <a:rPr lang="zh-CN" altLang="en-US" dirty="0"/>
-              <a:t>工艺工程</a:t>
+              <a:t>更紧密的商业伙伴</a:t>
             </a:r>
             <a:endParaRPr lang="en-IN" dirty="0"/>
           </a:p>
         </p:txBody>
       </p:sp>
+      <p:pic>
+        <p:nvPicPr>
+          <p:cNvPr id="27" name="Picture Placeholder 26"/>
+          <p:cNvPicPr>
+            <a:picLocks noGrp="1" noChangeAspect="1"/>
+          </p:cNvPicPr>
+          <p:nvPr>
+            <p:ph type="pic" sz="quarter" idx="43"/>
+          </p:nvPr>
+        </p:nvPicPr>
+        <p:blipFill>
+          <a:blip r:embed="rId5" cstate="print">
+            <a:extLst>
+              <a:ext uri="{28A0092B-C50C-407E-A947-70E740481C1C}">
+                <a14:useLocalDpi xmlns:a14="http://schemas.microsoft.com/office/drawing/2010/main" val="0"/>
+              </a:ext>
+            </a:extLst>
+          </a:blip>
+          <a:srcRect/>
+          <a:stretch>
+            <a:fillRect/>
+          </a:stretch>
+        </p:blipFill>
+        <p:spPr/>
+      </p:pic>
+      <p:sp>
+        <p:nvSpPr>
+          <p:cNvPr id="16" name="Text Placeholder 15"/>
+          <p:cNvSpPr>
+            <a:spLocks noGrp="1"/>
+          </p:cNvSpPr>
+          <p:nvPr>
+            <p:ph type="body" sz="quarter" idx="44"/>
+          </p:nvPr>
+        </p:nvSpPr>
+        <p:spPr/>
+        <p:txBody>
+          <a:bodyPr>
+            <a:normAutofit fontScale="85000" lnSpcReduction="20000"/>
+          </a:bodyPr>
+          <a:lstStyle/>
+          <a:p>
+            <a:r>
+              <a:rPr lang="en-US" altLang="zh-CN" dirty="0"/>
+              <a:t>TS	</a:t>
+            </a:r>
+            <a:endParaRPr lang="en-IN" dirty="0"/>
+          </a:p>
+        </p:txBody>
+      </p:sp>
+      <p:sp>
+        <p:nvSpPr>
+          <p:cNvPr id="17" name="Text Placeholder 16"/>
+          <p:cNvSpPr>
+            <a:spLocks noGrp="1"/>
+          </p:cNvSpPr>
+          <p:nvPr>
+            <p:ph type="body" sz="quarter" idx="45"/>
+          </p:nvPr>
+        </p:nvSpPr>
+        <p:spPr/>
+        <p:txBody>
+          <a:bodyPr anchor="t"/>
+          <a:lstStyle/>
+          <a:p>
+            <a:r>
+              <a:rPr lang="zh-CN" altLang="en-US" dirty="0"/>
+              <a:t>设备保障</a:t>
+            </a:r>
+            <a:endParaRPr lang="en-IN" dirty="0"/>
+          </a:p>
+        </p:txBody>
+      </p:sp>
+      <p:pic>
+        <p:nvPicPr>
+          <p:cNvPr id="26" name="Picture Placeholder 25"/>
+          <p:cNvPicPr>
+            <a:picLocks noGrp="1" noChangeAspect="1"/>
+          </p:cNvPicPr>
+          <p:nvPr>
+            <p:ph type="pic" sz="quarter" idx="46"/>
+          </p:nvPr>
+        </p:nvPicPr>
+        <p:blipFill>
+          <a:blip r:embed="rId6" cstate="print">
+            <a:extLst>
+              <a:ext uri="{28A0092B-C50C-407E-A947-70E740481C1C}">
+                <a14:useLocalDpi xmlns:a14="http://schemas.microsoft.com/office/drawing/2010/main" val="0"/>
+              </a:ext>
+            </a:extLst>
+          </a:blip>
+          <a:srcRect t="165" b="165"/>
+          <a:stretch>
+            <a:fillRect/>
+          </a:stretch>
+        </p:blipFill>
+        <p:spPr/>
+      </p:pic>
+      <p:sp>
+        <p:nvSpPr>
+          <p:cNvPr id="19" name="Text Placeholder 18"/>
+          <p:cNvSpPr>
+            <a:spLocks noGrp="1"/>
+          </p:cNvSpPr>
+          <p:nvPr>
+            <p:ph type="body" sz="quarter" idx="47"/>
+          </p:nvPr>
+        </p:nvSpPr>
+        <p:spPr/>
+        <p:txBody>
+          <a:bodyPr>
+            <a:normAutofit fontScale="85000" lnSpcReduction="20000"/>
+          </a:bodyPr>
+          <a:lstStyle/>
+          <a:p>
+            <a:r>
+              <a:rPr lang="zh-CN" altLang="en-US" dirty="0"/>
+              <a:t>项目管理</a:t>
+            </a:r>
+            <a:endParaRPr lang="en-IN" dirty="0"/>
+          </a:p>
+        </p:txBody>
+      </p:sp>
+      <p:sp>
+        <p:nvSpPr>
+          <p:cNvPr id="20" name="Text Placeholder 19"/>
+          <p:cNvSpPr>
+            <a:spLocks noGrp="1"/>
+          </p:cNvSpPr>
+          <p:nvPr>
+            <p:ph type="body" sz="quarter" idx="48"/>
+          </p:nvPr>
+        </p:nvSpPr>
+        <p:spPr/>
+        <p:txBody>
+          <a:bodyPr anchor="t"/>
+          <a:lstStyle/>
+          <a:p>
+            <a:r>
+              <a:rPr lang="zh-CN" altLang="en-US" dirty="0"/>
+              <a:t>时间管理</a:t>
+            </a:r>
+            <a:endParaRPr lang="en-IN" dirty="0"/>
+          </a:p>
+        </p:txBody>
+      </p:sp>
+      <p:pic>
+        <p:nvPicPr>
+          <p:cNvPr id="25" name="Picture Placeholder 24"/>
+          <p:cNvPicPr>
+            <a:picLocks noGrp="1" noChangeAspect="1"/>
+          </p:cNvPicPr>
+          <p:nvPr>
+            <p:ph type="pic" sz="quarter" idx="49"/>
+          </p:nvPr>
+        </p:nvPicPr>
+        <p:blipFill>
+          <a:blip r:embed="rId7" cstate="print">
+            <a:extLst>
+              <a:ext uri="{28A0092B-C50C-407E-A947-70E740481C1C}">
+                <a14:useLocalDpi xmlns:a14="http://schemas.microsoft.com/office/drawing/2010/main" val="0"/>
+              </a:ext>
+            </a:extLst>
+          </a:blip>
+          <a:srcRect t="165" b="165"/>
+          <a:stretch>
+            <a:fillRect/>
+          </a:stretch>
+        </p:blipFill>
+        <p:spPr/>
+      </p:pic>
     </p:spTree>
     <p:extLst>
       <p:ext uri="{BB962C8B-B14F-4D97-AF65-F5344CB8AC3E}">
-        <p14:creationId xmlns:p14="http://schemas.microsoft.com/office/powerpoint/2010/main" val="38425374"/>
+        <p14:creationId xmlns:p14="http://schemas.microsoft.com/office/powerpoint/2010/main" val="3544526747"/>
       </p:ext>
     </p:extLst>
   </p:cSld>
@@ -17986,12 +18421,12 @@
           <a:lstStyle/>
           <a:p>
             <a:r>
-              <a:rPr lang="en-US" altLang="zh-CN" sz="1800" b="0" dirty="0">
+              <a:rPr lang="zh-CN" altLang="en-US" sz="1800" b="0" dirty="0">
                 <a:solidFill>
                   <a:schemeClr val="tx1"/>
                 </a:solidFill>
               </a:rPr>
-              <a:t>SRM</a:t>
+              <a:t>需求管理</a:t>
             </a:r>
             <a:endParaRPr lang="en-IN" sz="1800" b="0" dirty="0">
               <a:solidFill>
@@ -18044,12 +18479,70 @@
           <a:lstStyle/>
           <a:p>
             <a:r>
+              <a:rPr lang="zh-CN" altLang="en-US" sz="2000" b="0" dirty="0">
+                <a:solidFill>
+                  <a:schemeClr val="tx1"/>
+                </a:solidFill>
+              </a:rPr>
+              <a:t>图纸管理</a:t>
+            </a:r>
+            <a:endParaRPr lang="en-IN" sz="2000" b="0" dirty="0">
+              <a:solidFill>
+                <a:schemeClr val="tx1"/>
+              </a:solidFill>
+            </a:endParaRPr>
+          </a:p>
+        </p:txBody>
+      </p:sp>
+      <p:pic>
+        <p:nvPicPr>
+          <p:cNvPr id="18" name="Picture Placeholder 17"/>
+          <p:cNvPicPr>
+            <a:picLocks noGrp="1" noChangeAspect="1"/>
+          </p:cNvPicPr>
+          <p:nvPr>
+            <p:ph type="pic" sz="quarter" idx="37"/>
+          </p:nvPr>
+        </p:nvPicPr>
+        <p:blipFill>
+          <a:blip r:embed="rId4" cstate="print">
+            <a:extLst>
+              <a:ext uri="{28A0092B-C50C-407E-A947-70E740481C1C}">
+                <a14:useLocalDpi xmlns:a14="http://schemas.microsoft.com/office/drawing/2010/main" val="0"/>
+              </a:ext>
+            </a:extLst>
+          </a:blip>
+          <a:srcRect/>
+          <a:stretch>
+            <a:fillRect/>
+          </a:stretch>
+        </p:blipFill>
+        <p:spPr/>
+      </p:pic>
+      <p:sp>
+        <p:nvSpPr>
+          <p:cNvPr id="10" name="Text Placeholder 9"/>
+          <p:cNvSpPr>
+            <a:spLocks noGrp="1"/>
+          </p:cNvSpPr>
+          <p:nvPr>
+            <p:ph type="body" sz="quarter" idx="38"/>
+          </p:nvPr>
+        </p:nvSpPr>
+        <p:spPr/>
+        <p:txBody>
+          <a:bodyPr>
+            <a:normAutofit lnSpcReduction="10000"/>
+          </a:bodyPr>
+          <a:lstStyle/>
+          <a:p>
+            <a:r>
               <a:rPr lang="en-US" altLang="zh-CN" sz="2000" b="0" dirty="0">
                 <a:solidFill>
                   <a:schemeClr val="tx1"/>
                 </a:solidFill>
               </a:rPr>
-              <a:t>Sourcing</a:t>
+              <a:t>BOM</a:t>
             </a:r>
             <a:endParaRPr lang="en-IN" sz="2000" b="0" dirty="0">
               <a:solidFill>
@@ -18077,7 +18570,7 @@
             <a:pPr algn="ctr"/>
             <a:r>
               <a:rPr lang="zh-CN" altLang="en-US" dirty="0"/>
-              <a:t>采购</a:t>
+              <a:t>产品研发</a:t>
             </a:r>
             <a:endParaRPr lang="en-IN" dirty="0"/>
           </a:p>
@@ -18180,12 +18673,12 @@
           <a:lstStyle/>
           <a:p>
             <a:r>
-              <a:rPr lang="en-US" altLang="zh-CN" sz="1800" b="0" dirty="0">
+              <a:rPr lang="zh-CN" altLang="en-US" sz="1800" b="0" dirty="0">
                 <a:solidFill>
                   <a:schemeClr val="tx1"/>
                 </a:solidFill>
               </a:rPr>
-              <a:t>MRP</a:t>
+              <a:t>工艺</a:t>
             </a:r>
             <a:endParaRPr lang="en-IN" sz="1800" b="0" dirty="0">
               <a:solidFill>
@@ -18238,28 +18731,12 @@
           <a:lstStyle/>
           <a:p>
             <a:r>
-              <a:rPr lang="zh-CN" altLang="en-US" sz="2000" b="0" dirty="0">
-                <a:solidFill>
-                  <a:schemeClr val="tx1"/>
-                </a:solidFill>
-              </a:rPr>
-              <a:t>订单</a:t>
-            </a:r>
-            <a:r>
               <a:rPr lang="en-US" altLang="zh-CN" sz="2000" b="0" dirty="0">
                 <a:solidFill>
                   <a:schemeClr val="tx1"/>
                 </a:solidFill>
               </a:rPr>
-              <a:t>/</a:t>
-            </a:r>
-            <a:r>
-              <a:rPr lang="zh-CN" altLang="en-US" sz="2000" b="0" dirty="0">
-                <a:solidFill>
-                  <a:schemeClr val="tx1"/>
-                </a:solidFill>
-              </a:rPr>
-              <a:t>滚动订单</a:t>
+              <a:t>BOM</a:t>
             </a:r>
             <a:endParaRPr lang="en-IN" sz="2000" b="0" dirty="0">
               <a:solidFill>
@@ -18317,7 +18794,7 @@
                   <a:schemeClr val="tx1"/>
                 </a:solidFill>
               </a:rPr>
-              <a:t>入账</a:t>
+              <a:t>作业指导书</a:t>
             </a:r>
             <a:endParaRPr lang="en-IN" sz="2000" b="0" dirty="0">
               <a:solidFill>
@@ -18345,7 +18822,7 @@
             <a:pPr algn="ctr"/>
             <a:r>
               <a:rPr lang="zh-CN" altLang="en-US" dirty="0"/>
-              <a:t>物料计划</a:t>
+              <a:t>工艺工程</a:t>
             </a:r>
             <a:endParaRPr lang="en-IN" dirty="0"/>
           </a:p>
@@ -18453,7 +18930,7 @@
                   <a:schemeClr val="tx1"/>
                 </a:solidFill>
               </a:rPr>
-              <a:t>APS</a:t>
+              <a:t>SRM</a:t>
             </a:r>
             <a:endParaRPr lang="en-IN" sz="1800" b="0" dirty="0">
               <a:solidFill>
@@ -18511,7 +18988,7 @@
                   <a:schemeClr val="tx1"/>
                 </a:solidFill>
               </a:rPr>
-              <a:t>MES</a:t>
+              <a:t>Sourcing</a:t>
             </a:r>
             <a:endParaRPr lang="en-IN" sz="2000" b="0" dirty="0">
               <a:solidFill>
@@ -18521,64 +18998,6 @@
           </a:p>
         </p:txBody>
       </p:sp>
-      <p:pic>
-        <p:nvPicPr>
-          <p:cNvPr id="18" name="Picture Placeholder 17"/>
-          <p:cNvPicPr>
-            <a:picLocks noGrp="1" noChangeAspect="1"/>
-          </p:cNvPicPr>
-          <p:nvPr>
-            <p:ph type="pic" sz="quarter" idx="37"/>
-          </p:nvPr>
-        </p:nvPicPr>
-        <p:blipFill>
-          <a:blip r:embed="rId4" cstate="print">
-            <a:extLst>
-              <a:ext uri="{28A0092B-C50C-407E-A947-70E740481C1C}">
-                <a14:useLocalDpi xmlns:a14="http://schemas.microsoft.com/office/drawing/2010/main" val="0"/>
-              </a:ext>
-            </a:extLst>
-          </a:blip>
-          <a:srcRect/>
-          <a:stretch>
-            <a:fillRect/>
-          </a:stretch>
-        </p:blipFill>
-        <p:spPr/>
-      </p:pic>
-      <p:sp>
-        <p:nvSpPr>
-          <p:cNvPr id="10" name="Text Placeholder 9"/>
-          <p:cNvSpPr>
-            <a:spLocks noGrp="1"/>
-          </p:cNvSpPr>
-          <p:nvPr>
-            <p:ph type="body" sz="quarter" idx="38"/>
-          </p:nvPr>
-        </p:nvSpPr>
-        <p:spPr/>
-        <p:txBody>
-          <a:bodyPr>
-            <a:normAutofit lnSpcReduction="10000"/>
-          </a:bodyPr>
-          <a:lstStyle/>
-          <a:p>
-            <a:r>
-              <a:rPr lang="zh-CN" altLang="en-US" sz="2000" b="0" dirty="0">
-                <a:solidFill>
-                  <a:schemeClr val="tx1"/>
-                </a:solidFill>
-              </a:rPr>
-              <a:t>现场管理</a:t>
-            </a:r>
-            <a:endParaRPr lang="en-IN" sz="2000" b="0" dirty="0">
-              <a:solidFill>
-                <a:schemeClr val="tx1"/>
-              </a:solidFill>
-            </a:endParaRPr>
-          </a:p>
-        </p:txBody>
-      </p:sp>
       <p:sp>
         <p:nvSpPr>
           <p:cNvPr id="15" name="Text Placeholder 14"/>
@@ -18597,7 +19016,7 @@
             <a:pPr algn="ctr"/>
             <a:r>
               <a:rPr lang="zh-CN" altLang="en-US" dirty="0"/>
-              <a:t>生产</a:t>
+              <a:t>采购</a:t>
             </a:r>
             <a:endParaRPr lang="en-IN" dirty="0"/>
           </a:p>
@@ -18705,7 +19124,7 @@
                   <a:schemeClr val="tx1"/>
                 </a:solidFill>
               </a:rPr>
-              <a:t>OP</a:t>
+              <a:t>MRP</a:t>
             </a:r>
             <a:endParaRPr lang="en-IN" sz="1800" b="0" dirty="0">
               <a:solidFill>
@@ -18758,12 +19177,20 @@
           <a:lstStyle/>
           <a:p>
             <a:r>
+              <a:rPr lang="zh-CN" altLang="en-US" sz="2000" b="0" dirty="0">
+                <a:solidFill>
+                  <a:schemeClr val="tx1"/>
+                </a:solidFill>
+              </a:rPr>
+              <a:t>订单</a:t>
+            </a:r>
+            <a:r>
               <a:rPr lang="en-US" altLang="zh-CN" sz="2000" b="0" dirty="0">
                 <a:solidFill>
                   <a:schemeClr val="tx1"/>
                 </a:solidFill>
               </a:rPr>
-              <a:t>LOB</a:t>
+              <a:t>/</a:t>
             </a:r>
             <a:r>
               <a:rPr lang="zh-CN" altLang="en-US" sz="2000" b="0" dirty="0">
@@ -18771,15 +19198,7 @@
                   <a:schemeClr val="tx1"/>
                 </a:solidFill>
               </a:rPr>
-              <a:t>，效率，</a:t>
-            </a:r>
-            <a:r>
-              <a:rPr lang="en-US" altLang="zh-CN" sz="2000" b="0" dirty="0">
-                <a:solidFill>
-                  <a:schemeClr val="tx1"/>
-                </a:solidFill>
-              </a:rPr>
-              <a:t>OEE</a:t>
+              <a:t>滚动订单</a:t>
             </a:r>
             <a:endParaRPr lang="en-IN" sz="2000" b="0" dirty="0">
               <a:solidFill>
@@ -18837,7 +19256,7 @@
                   <a:schemeClr val="tx1"/>
                 </a:solidFill>
               </a:rPr>
-              <a:t>现场优化</a:t>
+              <a:t>入账</a:t>
             </a:r>
             <a:endParaRPr lang="en-IN" sz="2000" b="0" dirty="0">
               <a:solidFill>
@@ -18865,7 +19284,7 @@
             <a:pPr algn="ctr"/>
             <a:r>
               <a:rPr lang="zh-CN" altLang="en-US" dirty="0"/>
-              <a:t>工业工程</a:t>
+              <a:t>物料计划</a:t>
             </a:r>
             <a:endParaRPr lang="en-IN" dirty="0"/>
           </a:p>
@@ -18968,12 +19387,12 @@
           <a:lstStyle/>
           <a:p>
             <a:r>
-              <a:rPr lang="zh-CN" altLang="en-US" sz="2000" b="0" dirty="0">
+              <a:rPr lang="en-US" altLang="zh-CN" sz="1800" b="0" dirty="0">
                 <a:solidFill>
                   <a:schemeClr val="tx1"/>
                 </a:solidFill>
               </a:rPr>
-              <a:t>体系</a:t>
+              <a:t>APS</a:t>
             </a:r>
             <a:endParaRPr lang="en-IN" sz="1800" b="0" dirty="0">
               <a:solidFill>
@@ -19026,12 +19445,12 @@
           <a:lstStyle/>
           <a:p>
             <a:r>
-              <a:rPr lang="zh-CN" altLang="en-US" sz="2000" b="0" dirty="0">
+              <a:rPr lang="en-US" altLang="zh-CN" sz="2000" b="0" dirty="0">
                 <a:solidFill>
                   <a:schemeClr val="tx1"/>
                 </a:solidFill>
               </a:rPr>
-              <a:t>方法论</a:t>
+              <a:t>MES</a:t>
             </a:r>
             <a:endParaRPr lang="en-IN" sz="2000" b="0" dirty="0">
               <a:solidFill>
@@ -19084,12 +19503,12 @@
           <a:lstStyle/>
           <a:p>
             <a:r>
-              <a:rPr lang="en-US" altLang="zh-CN" sz="2000" b="0" dirty="0">
+              <a:rPr lang="zh-CN" altLang="en-US" sz="2000" b="0" dirty="0">
                 <a:solidFill>
                   <a:schemeClr val="tx1"/>
                 </a:solidFill>
               </a:rPr>
-              <a:t>IPQC/OPQC</a:t>
+              <a:t>现场管理</a:t>
             </a:r>
             <a:endParaRPr lang="en-IN" sz="2000" b="0" dirty="0">
               <a:solidFill>
@@ -19117,7 +19536,7 @@
             <a:pPr algn="ctr"/>
             <a:r>
               <a:rPr lang="zh-CN" altLang="en-US" dirty="0"/>
-              <a:t>质量</a:t>
+              <a:t>生产</a:t>
             </a:r>
             <a:endParaRPr lang="en-IN" dirty="0"/>
           </a:p>
@@ -19225,7 +19644,7 @@
                   <a:schemeClr val="tx1"/>
                 </a:solidFill>
               </a:rPr>
-              <a:t>SCM</a:t>
+              <a:t>OP</a:t>
             </a:r>
             <a:endParaRPr lang="en-IN" sz="1800" b="0" dirty="0">
               <a:solidFill>
@@ -19235,6 +19654,138 @@
           </a:p>
         </p:txBody>
       </p:sp>
+      <p:pic>
+        <p:nvPicPr>
+          <p:cNvPr id="17" name="Picture Placeholder 16"/>
+          <p:cNvPicPr>
+            <a:picLocks noGrp="1" noChangeAspect="1"/>
+          </p:cNvPicPr>
+          <p:nvPr>
+            <p:ph type="pic" sz="quarter" idx="34"/>
+          </p:nvPr>
+        </p:nvPicPr>
+        <p:blipFill>
+          <a:blip r:embed="rId3" cstate="print">
+            <a:extLst>
+              <a:ext uri="{28A0092B-C50C-407E-A947-70E740481C1C}">
+                <a14:useLocalDpi xmlns:a14="http://schemas.microsoft.com/office/drawing/2010/main" val="0"/>
+              </a:ext>
+            </a:extLst>
+          </a:blip>
+          <a:srcRect/>
+          <a:stretch>
+            <a:fillRect/>
+          </a:stretch>
+        </p:blipFill>
+        <p:spPr/>
+      </p:pic>
+      <p:sp>
+        <p:nvSpPr>
+          <p:cNvPr id="7" name="Text Placeholder 6"/>
+          <p:cNvSpPr>
+            <a:spLocks noGrp="1"/>
+          </p:cNvSpPr>
+          <p:nvPr>
+            <p:ph type="body" sz="quarter" idx="35"/>
+          </p:nvPr>
+        </p:nvSpPr>
+        <p:spPr/>
+        <p:txBody>
+          <a:bodyPr>
+            <a:noAutofit/>
+          </a:bodyPr>
+          <a:lstStyle/>
+          <a:p>
+            <a:r>
+              <a:rPr lang="en-US" altLang="zh-CN" sz="2000" b="0" dirty="0">
+                <a:solidFill>
+                  <a:schemeClr val="tx1"/>
+                </a:solidFill>
+              </a:rPr>
+              <a:t>LOB</a:t>
+            </a:r>
+            <a:r>
+              <a:rPr lang="zh-CN" altLang="en-US" sz="2000" b="0" dirty="0">
+                <a:solidFill>
+                  <a:schemeClr val="tx1"/>
+                </a:solidFill>
+              </a:rPr>
+              <a:t>，效率，</a:t>
+            </a:r>
+            <a:r>
+              <a:rPr lang="en-US" altLang="zh-CN" sz="2000" b="0" dirty="0">
+                <a:solidFill>
+                  <a:schemeClr val="tx1"/>
+                </a:solidFill>
+              </a:rPr>
+              <a:t>OEE</a:t>
+            </a:r>
+            <a:endParaRPr lang="en-IN" sz="2000" b="0" dirty="0">
+              <a:solidFill>
+                <a:schemeClr val="tx1"/>
+              </a:solidFill>
+            </a:endParaRPr>
+          </a:p>
+        </p:txBody>
+      </p:sp>
+      <p:pic>
+        <p:nvPicPr>
+          <p:cNvPr id="18" name="Picture Placeholder 17"/>
+          <p:cNvPicPr>
+            <a:picLocks noGrp="1" noChangeAspect="1"/>
+          </p:cNvPicPr>
+          <p:nvPr>
+            <p:ph type="pic" sz="quarter" idx="37"/>
+          </p:nvPr>
+        </p:nvPicPr>
+        <p:blipFill>
+          <a:blip r:embed="rId4" cstate="print">
+            <a:extLst>
+              <a:ext uri="{28A0092B-C50C-407E-A947-70E740481C1C}">
+                <a14:useLocalDpi xmlns:a14="http://schemas.microsoft.com/office/drawing/2010/main" val="0"/>
+              </a:ext>
+            </a:extLst>
+          </a:blip>
+          <a:srcRect/>
+          <a:stretch>
+            <a:fillRect/>
+          </a:stretch>
+        </p:blipFill>
+        <p:spPr/>
+      </p:pic>
+      <p:sp>
+        <p:nvSpPr>
+          <p:cNvPr id="10" name="Text Placeholder 9"/>
+          <p:cNvSpPr>
+            <a:spLocks noGrp="1"/>
+          </p:cNvSpPr>
+          <p:nvPr>
+            <p:ph type="body" sz="quarter" idx="38"/>
+          </p:nvPr>
+        </p:nvSpPr>
+        <p:spPr/>
+        <p:txBody>
+          <a:bodyPr>
+            <a:normAutofit lnSpcReduction="10000"/>
+          </a:bodyPr>
+          <a:lstStyle/>
+          <a:p>
+            <a:r>
+              <a:rPr lang="zh-CN" altLang="en-US" sz="2000" b="0" dirty="0">
+                <a:solidFill>
+                  <a:schemeClr val="tx1"/>
+                </a:solidFill>
+              </a:rPr>
+              <a:t>现场优化</a:t>
+            </a:r>
+            <a:endParaRPr lang="en-IN" sz="2000" b="0" dirty="0">
+              <a:solidFill>
+                <a:schemeClr val="tx1"/>
+              </a:solidFill>
+            </a:endParaRPr>
+          </a:p>
+        </p:txBody>
+      </p:sp>
       <p:sp>
         <p:nvSpPr>
           <p:cNvPr id="15" name="Text Placeholder 14"/>
@@ -19253,7 +19804,7 @@
             <a:pPr algn="ctr"/>
             <a:r>
               <a:rPr lang="zh-CN" altLang="en-US" dirty="0"/>
-              <a:t>供应链</a:t>
+              <a:t>工业工程</a:t>
             </a:r>
             <a:endParaRPr lang="en-IN" dirty="0"/>
           </a:p>
@@ -19356,12 +19907,12 @@
           <a:lstStyle/>
           <a:p>
             <a:r>
-              <a:rPr lang="zh-CN" altLang="en-US" sz="1800" b="0" dirty="0">
+              <a:rPr lang="zh-CN" altLang="en-US" sz="2000" b="0" dirty="0">
                 <a:solidFill>
                   <a:schemeClr val="tx1"/>
                 </a:solidFill>
               </a:rPr>
-              <a:t>设备管理</a:t>
+              <a:t>体系</a:t>
             </a:r>
             <a:endParaRPr lang="en-IN" sz="1800" b="0" dirty="0">
               <a:solidFill>
@@ -19419,7 +19970,7 @@
                   <a:schemeClr val="tx1"/>
                 </a:solidFill>
               </a:rPr>
-              <a:t>关键设备管理</a:t>
+              <a:t>方法论</a:t>
             </a:r>
             <a:endParaRPr lang="en-IN" sz="2000" b="0" dirty="0">
               <a:solidFill>
@@ -19472,12 +20023,12 @@
           <a:lstStyle/>
           <a:p>
             <a:r>
-              <a:rPr lang="zh-CN" altLang="en-US" sz="2000" b="0" dirty="0">
+              <a:rPr lang="en-US" altLang="zh-CN" sz="2000" b="0" dirty="0">
                 <a:solidFill>
                   <a:schemeClr val="tx1"/>
                 </a:solidFill>
               </a:rPr>
-              <a:t>放行，维护</a:t>
+              <a:t>IPQC/OPQC</a:t>
             </a:r>
             <a:endParaRPr lang="en-IN" sz="2000" b="0" dirty="0">
               <a:solidFill>
@@ -19504,8 +20055,8 @@
           <a:p>
             <a:pPr algn="ctr"/>
             <a:r>
-              <a:rPr lang="en-US" altLang="zh-CN" dirty="0"/>
-              <a:t>TS</a:t>
+              <a:rPr lang="zh-CN" altLang="en-US" dirty="0"/>
+              <a:t>质量</a:t>
             </a:r>
             <a:endParaRPr lang="en-IN" dirty="0"/>
           </a:p>
@@ -19608,12 +20159,12 @@
           <a:lstStyle/>
           <a:p>
             <a:r>
-              <a:rPr lang="zh-CN" altLang="en-US" sz="1800" b="0" dirty="0">
+              <a:rPr lang="en-US" altLang="zh-CN" sz="1800" b="0" dirty="0">
                 <a:solidFill>
                   <a:schemeClr val="tx1"/>
                 </a:solidFill>
               </a:rPr>
-              <a:t>时间</a:t>
+              <a:t>SCM</a:t>
             </a:r>
             <a:endParaRPr lang="en-IN" sz="1800" b="0" dirty="0">
               <a:solidFill>
@@ -19623,122 +20174,6 @@
           </a:p>
         </p:txBody>
       </p:sp>
-      <p:pic>
-        <p:nvPicPr>
-          <p:cNvPr id="17" name="Picture Placeholder 16"/>
-          <p:cNvPicPr>
-            <a:picLocks noGrp="1" noChangeAspect="1"/>
-          </p:cNvPicPr>
-          <p:nvPr>
-            <p:ph type="pic" sz="quarter" idx="34"/>
-          </p:nvPr>
-        </p:nvPicPr>
-        <p:blipFill>
-          <a:blip r:embed="rId3" cstate="print">
-            <a:extLst>
-              <a:ext uri="{28A0092B-C50C-407E-A947-70E740481C1C}">
-                <a14:useLocalDpi xmlns:a14="http://schemas.microsoft.com/office/drawing/2010/main" val="0"/>
-              </a:ext>
-            </a:extLst>
-          </a:blip>
-          <a:srcRect/>
-          <a:stretch>
-            <a:fillRect/>
-          </a:stretch>
-        </p:blipFill>
-        <p:spPr/>
-      </p:pic>
-      <p:sp>
-        <p:nvSpPr>
-          <p:cNvPr id="7" name="Text Placeholder 6"/>
-          <p:cNvSpPr>
-            <a:spLocks noGrp="1"/>
-          </p:cNvSpPr>
-          <p:nvPr>
-            <p:ph type="body" sz="quarter" idx="35"/>
-          </p:nvPr>
-        </p:nvSpPr>
-        <p:spPr/>
-        <p:txBody>
-          <a:bodyPr>
-            <a:noAutofit/>
-          </a:bodyPr>
-          <a:lstStyle/>
-          <a:p>
-            <a:r>
-              <a:rPr lang="zh-CN" altLang="en-US" sz="2000" b="0" dirty="0">
-                <a:solidFill>
-                  <a:schemeClr val="tx1"/>
-                </a:solidFill>
-              </a:rPr>
-              <a:t>资源</a:t>
-            </a:r>
-            <a:endParaRPr lang="en-IN" sz="2000" b="0" dirty="0">
-              <a:solidFill>
-                <a:schemeClr val="tx1"/>
-              </a:solidFill>
-            </a:endParaRPr>
-          </a:p>
-        </p:txBody>
-      </p:sp>
-      <p:pic>
-        <p:nvPicPr>
-          <p:cNvPr id="18" name="Picture Placeholder 17"/>
-          <p:cNvPicPr>
-            <a:picLocks noGrp="1" noChangeAspect="1"/>
-          </p:cNvPicPr>
-          <p:nvPr>
-            <p:ph type="pic" sz="quarter" idx="37"/>
-          </p:nvPr>
-        </p:nvPicPr>
-        <p:blipFill>
-          <a:blip r:embed="rId4" cstate="print">
-            <a:extLst>
-              <a:ext uri="{28A0092B-C50C-407E-A947-70E740481C1C}">
-                <a14:useLocalDpi xmlns:a14="http://schemas.microsoft.com/office/drawing/2010/main" val="0"/>
-              </a:ext>
-            </a:extLst>
-          </a:blip>
-          <a:srcRect/>
-          <a:stretch>
-            <a:fillRect/>
-          </a:stretch>
-        </p:blipFill>
-        <p:spPr/>
-      </p:pic>
-      <p:sp>
-        <p:nvSpPr>
-          <p:cNvPr id="10" name="Text Placeholder 9"/>
-          <p:cNvSpPr>
-            <a:spLocks noGrp="1"/>
-          </p:cNvSpPr>
-          <p:nvPr>
-            <p:ph type="body" sz="quarter" idx="38"/>
-          </p:nvPr>
-        </p:nvSpPr>
-        <p:spPr/>
-        <p:txBody>
-          <a:bodyPr>
-            <a:normAutofit lnSpcReduction="10000"/>
-          </a:bodyPr>
-          <a:lstStyle/>
-          <a:p>
-            <a:r>
-              <a:rPr lang="zh-CN" altLang="en-US" sz="2000" b="0" dirty="0">
-                <a:solidFill>
-                  <a:schemeClr val="tx1"/>
-                </a:solidFill>
-              </a:rPr>
-              <a:t>目标</a:t>
-            </a:r>
-            <a:endParaRPr lang="en-IN" sz="2000" b="0" dirty="0">
-              <a:solidFill>
-                <a:schemeClr val="tx1"/>
-              </a:solidFill>
-            </a:endParaRPr>
-          </a:p>
-        </p:txBody>
-      </p:sp>
       <p:sp>
         <p:nvSpPr>
           <p:cNvPr id="15" name="Text Placeholder 14"/>
@@ -19757,7 +20192,7 @@
             <a:pPr algn="ctr"/>
             <a:r>
               <a:rPr lang="zh-CN" altLang="en-US" dirty="0"/>
-              <a:t>项目管理</a:t>
+              <a:t>供应链</a:t>
             </a:r>
             <a:endParaRPr lang="en-IN" dirty="0"/>
           </a:p>
@@ -19817,45 +20252,76 @@
           </a:p>
         </p:txBody>
       </p:sp>
-      <p:sp>
-        <p:nvSpPr>
-          <p:cNvPr id="11" name="Text Placeholder 10"/>
+      <p:pic>
+        <p:nvPicPr>
+          <p:cNvPr id="16" name="Picture Placeholder 15"/>
+          <p:cNvPicPr>
+            <a:picLocks noGrp="1" noChangeAspect="1"/>
+          </p:cNvPicPr>
+          <p:nvPr>
+            <p:ph type="pic" sz="quarter" idx="25"/>
+          </p:nvPr>
+        </p:nvPicPr>
+        <p:blipFill>
+          <a:blip r:embed="rId2" cstate="print">
+            <a:extLst>
+              <a:ext uri="{28A0092B-C50C-407E-A947-70E740481C1C}">
+                <a14:useLocalDpi xmlns:a14="http://schemas.microsoft.com/office/drawing/2010/main" val="0"/>
+              </a:ext>
+            </a:extLst>
+          </a:blip>
+          <a:srcRect l="110" r="110"/>
+          <a:stretch>
+            <a:fillRect/>
+          </a:stretch>
+        </p:blipFill>
+        <p:spPr/>
+      </p:pic>
+      <p:sp>
+        <p:nvSpPr>
+          <p:cNvPr id="4" name="Text Placeholder 3"/>
           <p:cNvSpPr>
             <a:spLocks noGrp="1"/>
           </p:cNvSpPr>
           <p:nvPr>
-            <p:ph type="body" sz="quarter" idx="13"/>
+            <p:ph type="body" sz="quarter" idx="29"/>
           </p:nvPr>
         </p:nvSpPr>
         <p:spPr/>
         <p:txBody>
           <a:bodyPr>
-            <a:normAutofit lnSpcReduction="10000"/>
+            <a:noAutofit/>
           </a:bodyPr>
           <a:lstStyle/>
           <a:p>
             <a:r>
-              <a:rPr lang="zh-CN" altLang="en-US" dirty="0"/>
-              <a:t>工业</a:t>
-            </a:r>
-            <a:r>
-              <a:rPr lang="en-US" altLang="zh-CN" dirty="0"/>
-              <a:t>4.0</a:t>
-            </a:r>
-            <a:endParaRPr lang="en-IN" dirty="0"/>
+              <a:rPr lang="zh-CN" altLang="en-US" sz="1800" b="0" dirty="0">
+                <a:solidFill>
+                  <a:schemeClr val="tx1"/>
+                </a:solidFill>
+              </a:rPr>
+              <a:t>设备管理</a:t>
+            </a:r>
+            <a:endParaRPr lang="en-IN" sz="1800" b="0" dirty="0">
+              <a:solidFill>
+                <a:schemeClr val="tx1"/>
+              </a:solidFill>
+            </a:endParaRPr>
           </a:p>
         </p:txBody>
       </p:sp>
       <p:pic>
         <p:nvPicPr>
-          <p:cNvPr id="1026" name="Picture 2"/>
+          <p:cNvPr id="17" name="Picture Placeholder 16"/>
           <p:cNvPicPr>
-            <a:picLocks noChangeAspect="1" noChangeArrowheads="1"/>
+            <a:picLocks noGrp="1" noChangeAspect="1"/>
           </p:cNvPicPr>
-          <p:nvPr/>
+          <p:nvPr>
+            <p:ph type="pic" sz="quarter" idx="34"/>
+          </p:nvPr>
         </p:nvPicPr>
         <p:blipFill>
-          <a:blip r:embed="rId2">
+          <a:blip r:embed="rId3" cstate="print">
             <a:extLst>
               <a:ext uri="{28A0092B-C50C-407E-A947-70E740481C1C}">
                 <a14:useLocalDpi xmlns:a14="http://schemas.microsoft.com/office/drawing/2010/main" val="0"/>
@@ -19867,53 +20333,127 @@
             <a:fillRect/>
           </a:stretch>
         </p:blipFill>
-        <p:spPr bwMode="auto">
-          <a:xfrm>
-            <a:off x="1247259" y="1556792"/>
-            <a:ext cx="6768752" cy="4743159"/>
-          </a:xfrm>
-          <a:prstGeom prst="rect">
-            <a:avLst/>
-          </a:prstGeom>
-          <a:noFill/>
-          <a:ln>
-            <a:noFill/>
-          </a:ln>
-          <a:effectLst/>
-          <a:extLst>
-            <a:ext uri="{909E8E84-426E-40DD-AFC4-6F175D3DCCD1}">
-              <a14:hiddenFill xmlns:a14="http://schemas.microsoft.com/office/drawing/2010/main">
-                <a:solidFill>
-                  <a:schemeClr val="accent1"/>
-                </a:solidFill>
-              </a14:hiddenFill>
-            </a:ext>
-            <a:ext uri="{91240B29-F687-4F45-9708-019B960494DF}">
-              <a14:hiddenLine xmlns:a14="http://schemas.microsoft.com/office/drawing/2010/main" w="9525">
+        <p:spPr/>
+      </p:pic>
+      <p:sp>
+        <p:nvSpPr>
+          <p:cNvPr id="7" name="Text Placeholder 6"/>
+          <p:cNvSpPr>
+            <a:spLocks noGrp="1"/>
+          </p:cNvSpPr>
+          <p:nvPr>
+            <p:ph type="body" sz="quarter" idx="35"/>
+          </p:nvPr>
+        </p:nvSpPr>
+        <p:spPr/>
+        <p:txBody>
+          <a:bodyPr>
+            <a:noAutofit/>
+          </a:bodyPr>
+          <a:lstStyle/>
+          <a:p>
+            <a:r>
+              <a:rPr lang="zh-CN" altLang="en-US" sz="2000" b="0" dirty="0">
                 <a:solidFill>
                   <a:schemeClr val="tx1"/>
                 </a:solidFill>
-                <a:miter lim="800000"/>
-                <a:headEnd/>
-                <a:tailEnd/>
-              </a14:hiddenLine>
-            </a:ext>
-            <a:ext uri="{AF507438-7753-43E0-B8FC-AC1667EBCBE1}">
-              <a14:hiddenEffects xmlns:a14="http://schemas.microsoft.com/office/drawing/2010/main">
-                <a:effectLst>
-                  <a:outerShdw dist="35921" dir="2700000" algn="ctr" rotWithShape="0">
-                    <a:schemeClr val="bg2"/>
-                  </a:outerShdw>
-                </a:effectLst>
-              </a14:hiddenEffects>
-            </a:ext>
-          </a:extLst>
-        </p:spPr>
+              </a:rPr>
+              <a:t>关键设备管理</a:t>
+            </a:r>
+            <a:endParaRPr lang="en-IN" sz="2000" b="0" dirty="0">
+              <a:solidFill>
+                <a:schemeClr val="tx1"/>
+              </a:solidFill>
+            </a:endParaRPr>
+          </a:p>
+        </p:txBody>
+      </p:sp>
+      <p:pic>
+        <p:nvPicPr>
+          <p:cNvPr id="18" name="Picture Placeholder 17"/>
+          <p:cNvPicPr>
+            <a:picLocks noGrp="1" noChangeAspect="1"/>
+          </p:cNvPicPr>
+          <p:nvPr>
+            <p:ph type="pic" sz="quarter" idx="37"/>
+          </p:nvPr>
+        </p:nvPicPr>
+        <p:blipFill>
+          <a:blip r:embed="rId4" cstate="print">
+            <a:extLst>
+              <a:ext uri="{28A0092B-C50C-407E-A947-70E740481C1C}">
+                <a14:useLocalDpi xmlns:a14="http://schemas.microsoft.com/office/drawing/2010/main" val="0"/>
+              </a:ext>
+            </a:extLst>
+          </a:blip>
+          <a:srcRect/>
+          <a:stretch>
+            <a:fillRect/>
+          </a:stretch>
+        </p:blipFill>
+        <p:spPr/>
       </p:pic>
+      <p:sp>
+        <p:nvSpPr>
+          <p:cNvPr id="10" name="Text Placeholder 9"/>
+          <p:cNvSpPr>
+            <a:spLocks noGrp="1"/>
+          </p:cNvSpPr>
+          <p:nvPr>
+            <p:ph type="body" sz="quarter" idx="38"/>
+          </p:nvPr>
+        </p:nvSpPr>
+        <p:spPr/>
+        <p:txBody>
+          <a:bodyPr>
+            <a:normAutofit lnSpcReduction="10000"/>
+          </a:bodyPr>
+          <a:lstStyle/>
+          <a:p>
+            <a:r>
+              <a:rPr lang="zh-CN" altLang="en-US" sz="2000" b="0" dirty="0">
+                <a:solidFill>
+                  <a:schemeClr val="tx1"/>
+                </a:solidFill>
+              </a:rPr>
+              <a:t>放行，维护</a:t>
+            </a:r>
+            <a:endParaRPr lang="en-IN" sz="2000" b="0" dirty="0">
+              <a:solidFill>
+                <a:schemeClr val="tx1"/>
+              </a:solidFill>
+            </a:endParaRPr>
+          </a:p>
+        </p:txBody>
+      </p:sp>
+      <p:sp>
+        <p:nvSpPr>
+          <p:cNvPr id="15" name="Text Placeholder 14"/>
+          <p:cNvSpPr>
+            <a:spLocks noGrp="1"/>
+          </p:cNvSpPr>
+          <p:nvPr>
+            <p:ph type="body" sz="quarter" idx="43"/>
+          </p:nvPr>
+        </p:nvSpPr>
+        <p:spPr/>
+        <p:txBody>
+          <a:bodyPr/>
+          <a:lstStyle/>
+          <a:p>
+            <a:pPr algn="ctr"/>
+            <a:r>
+              <a:rPr lang="en-US" altLang="zh-CN" dirty="0"/>
+              <a:t>TS</a:t>
+            </a:r>
+            <a:endParaRPr lang="en-IN" dirty="0"/>
+          </a:p>
+        </p:txBody>
+      </p:sp>
     </p:spTree>
     <p:extLst>
       <p:ext uri="{BB962C8B-B14F-4D97-AF65-F5344CB8AC3E}">
-        <p14:creationId xmlns:p14="http://schemas.microsoft.com/office/powerpoint/2010/main" val="1950375804"/>
+        <p14:creationId xmlns:p14="http://schemas.microsoft.com/office/powerpoint/2010/main" val="38425374"/>
       </p:ext>
     </p:extLst>
   </p:cSld>
@@ -20622,14 +21162,155 @@
           </a:p>
         </p:txBody>
       </p:sp>
-      <p:sp>
-        <p:nvSpPr>
-          <p:cNvPr id="11" name="Text Placeholder 10"/>
+      <p:pic>
+        <p:nvPicPr>
+          <p:cNvPr id="16" name="Picture Placeholder 15"/>
+          <p:cNvPicPr>
+            <a:picLocks noGrp="1" noChangeAspect="1"/>
+          </p:cNvPicPr>
+          <p:nvPr>
+            <p:ph type="pic" sz="quarter" idx="25"/>
+          </p:nvPr>
+        </p:nvPicPr>
+        <p:blipFill>
+          <a:blip r:embed="rId2" cstate="print">
+            <a:extLst>
+              <a:ext uri="{28A0092B-C50C-407E-A947-70E740481C1C}">
+                <a14:useLocalDpi xmlns:a14="http://schemas.microsoft.com/office/drawing/2010/main" val="0"/>
+              </a:ext>
+            </a:extLst>
+          </a:blip>
+          <a:srcRect l="110" r="110"/>
+          <a:stretch>
+            <a:fillRect/>
+          </a:stretch>
+        </p:blipFill>
+        <p:spPr/>
+      </p:pic>
+      <p:sp>
+        <p:nvSpPr>
+          <p:cNvPr id="4" name="Text Placeholder 3"/>
           <p:cNvSpPr>
             <a:spLocks noGrp="1"/>
           </p:cNvSpPr>
           <p:nvPr>
-            <p:ph type="body" sz="quarter" idx="13"/>
+            <p:ph type="body" sz="quarter" idx="29"/>
+          </p:nvPr>
+        </p:nvSpPr>
+        <p:spPr/>
+        <p:txBody>
+          <a:bodyPr>
+            <a:noAutofit/>
+          </a:bodyPr>
+          <a:lstStyle/>
+          <a:p>
+            <a:r>
+              <a:rPr lang="zh-CN" altLang="en-US" sz="1800" b="0" dirty="0">
+                <a:solidFill>
+                  <a:schemeClr val="tx1"/>
+                </a:solidFill>
+              </a:rPr>
+              <a:t>时间</a:t>
+            </a:r>
+            <a:endParaRPr lang="en-IN" sz="1800" b="0" dirty="0">
+              <a:solidFill>
+                <a:schemeClr val="tx1"/>
+              </a:solidFill>
+            </a:endParaRPr>
+          </a:p>
+        </p:txBody>
+      </p:sp>
+      <p:pic>
+        <p:nvPicPr>
+          <p:cNvPr id="17" name="Picture Placeholder 16"/>
+          <p:cNvPicPr>
+            <a:picLocks noGrp="1" noChangeAspect="1"/>
+          </p:cNvPicPr>
+          <p:nvPr>
+            <p:ph type="pic" sz="quarter" idx="34"/>
+          </p:nvPr>
+        </p:nvPicPr>
+        <p:blipFill>
+          <a:blip r:embed="rId3" cstate="print">
+            <a:extLst>
+              <a:ext uri="{28A0092B-C50C-407E-A947-70E740481C1C}">
+                <a14:useLocalDpi xmlns:a14="http://schemas.microsoft.com/office/drawing/2010/main" val="0"/>
+              </a:ext>
+            </a:extLst>
+          </a:blip>
+          <a:srcRect/>
+          <a:stretch>
+            <a:fillRect/>
+          </a:stretch>
+        </p:blipFill>
+        <p:spPr/>
+      </p:pic>
+      <p:sp>
+        <p:nvSpPr>
+          <p:cNvPr id="7" name="Text Placeholder 6"/>
+          <p:cNvSpPr>
+            <a:spLocks noGrp="1"/>
+          </p:cNvSpPr>
+          <p:nvPr>
+            <p:ph type="body" sz="quarter" idx="35"/>
+          </p:nvPr>
+        </p:nvSpPr>
+        <p:spPr/>
+        <p:txBody>
+          <a:bodyPr>
+            <a:noAutofit/>
+          </a:bodyPr>
+          <a:lstStyle/>
+          <a:p>
+            <a:r>
+              <a:rPr lang="zh-CN" altLang="en-US" sz="2000" b="0" dirty="0">
+                <a:solidFill>
+                  <a:schemeClr val="tx1"/>
+                </a:solidFill>
+              </a:rPr>
+              <a:t>资源</a:t>
+            </a:r>
+            <a:endParaRPr lang="en-IN" sz="2000" b="0" dirty="0">
+              <a:solidFill>
+                <a:schemeClr val="tx1"/>
+              </a:solidFill>
+            </a:endParaRPr>
+          </a:p>
+        </p:txBody>
+      </p:sp>
+      <p:pic>
+        <p:nvPicPr>
+          <p:cNvPr id="18" name="Picture Placeholder 17"/>
+          <p:cNvPicPr>
+            <a:picLocks noGrp="1" noChangeAspect="1"/>
+          </p:cNvPicPr>
+          <p:nvPr>
+            <p:ph type="pic" sz="quarter" idx="37"/>
+          </p:nvPr>
+        </p:nvPicPr>
+        <p:blipFill>
+          <a:blip r:embed="rId4" cstate="print">
+            <a:extLst>
+              <a:ext uri="{28A0092B-C50C-407E-A947-70E740481C1C}">
+                <a14:useLocalDpi xmlns:a14="http://schemas.microsoft.com/office/drawing/2010/main" val="0"/>
+              </a:ext>
+            </a:extLst>
+          </a:blip>
+          <a:srcRect/>
+          <a:stretch>
+            <a:fillRect/>
+          </a:stretch>
+        </p:blipFill>
+        <p:spPr/>
+      </p:pic>
+      <p:sp>
+        <p:nvSpPr>
+          <p:cNvPr id="10" name="Text Placeholder 9"/>
+          <p:cNvSpPr>
+            <a:spLocks noGrp="1"/>
+          </p:cNvSpPr>
+          <p:nvPr>
+            <p:ph type="body" sz="quarter" idx="38"/>
           </p:nvPr>
         </p:nvSpPr>
         <p:spPr/>
@@ -20640,51 +21321,49 @@
           <a:lstStyle/>
           <a:p>
             <a:r>
+              <a:rPr lang="zh-CN" altLang="en-US" sz="2000" b="0" dirty="0">
+                <a:solidFill>
+                  <a:schemeClr val="tx1"/>
+                </a:solidFill>
+              </a:rPr>
+              <a:t>目标</a:t>
+            </a:r>
+            <a:endParaRPr lang="en-IN" sz="2000" b="0" dirty="0">
+              <a:solidFill>
+                <a:schemeClr val="tx1"/>
+              </a:solidFill>
+            </a:endParaRPr>
+          </a:p>
+        </p:txBody>
+      </p:sp>
+      <p:sp>
+        <p:nvSpPr>
+          <p:cNvPr id="15" name="Text Placeholder 14"/>
+          <p:cNvSpPr>
+            <a:spLocks noGrp="1"/>
+          </p:cNvSpPr>
+          <p:nvPr>
+            <p:ph type="body" sz="quarter" idx="43"/>
+          </p:nvPr>
+        </p:nvSpPr>
+        <p:spPr/>
+        <p:txBody>
+          <a:bodyPr/>
+          <a:lstStyle/>
+          <a:p>
+            <a:pPr algn="ctr"/>
+            <a:r>
               <a:rPr lang="zh-CN" altLang="en-US" dirty="0"/>
-              <a:t>课后作业</a:t>
-            </a:r>
-            <a:r>
-              <a:rPr lang="en-US" altLang="zh-CN" dirty="0"/>
-              <a:t>1</a:t>
+              <a:t>项目管理</a:t>
             </a:r>
             <a:endParaRPr lang="en-IN" dirty="0"/>
-          </a:p>
-        </p:txBody>
-      </p:sp>
-      <p:sp>
-        <p:nvSpPr>
-          <p:cNvPr id="3" name="TextBox 2"/>
-          <p:cNvSpPr txBox="1"/>
-          <p:nvPr/>
-        </p:nvSpPr>
-        <p:spPr>
-          <a:xfrm>
-            <a:off x="611560" y="1484784"/>
-            <a:ext cx="7920880" cy="338554"/>
-          </a:xfrm>
-          <a:prstGeom prst="rect">
-            <a:avLst/>
-          </a:prstGeom>
-          <a:noFill/>
-        </p:spPr>
-        <p:txBody>
-          <a:bodyPr wrap="square" rtlCol="0">
-            <a:spAutoFit/>
-          </a:bodyPr>
-          <a:lstStyle/>
-          <a:p>
-            <a:r>
-              <a:rPr lang="zh-CN" altLang="en-US" sz="1600" i="1" dirty="0"/>
-              <a:t>请总结你们在这堂课听到的所有奇奇怪怪的术语及缩写</a:t>
-            </a:r>
-            <a:endParaRPr lang="en-US" altLang="zh-CN" sz="1600" i="1" dirty="0"/>
           </a:p>
         </p:txBody>
       </p:sp>
     </p:spTree>
     <p:extLst>
       <p:ext uri="{BB962C8B-B14F-4D97-AF65-F5344CB8AC3E}">
-        <p14:creationId xmlns:p14="http://schemas.microsoft.com/office/powerpoint/2010/main" val="3615277260"/>
+        <p14:creationId xmlns:p14="http://schemas.microsoft.com/office/powerpoint/2010/main" val="38425374"/>
       </p:ext>
     </p:extLst>
   </p:cSld>
@@ -20754,88 +21433,84 @@
           <a:p>
             <a:r>
               <a:rPr lang="zh-CN" altLang="en-US" dirty="0"/>
-              <a:t>课后作业</a:t>
+              <a:t>工业</a:t>
             </a:r>
             <a:r>
               <a:rPr lang="en-US" altLang="zh-CN" dirty="0"/>
-              <a:t>2</a:t>
+              <a:t>4.0</a:t>
             </a:r>
             <a:endParaRPr lang="en-IN" dirty="0"/>
           </a:p>
         </p:txBody>
       </p:sp>
-      <p:sp>
-        <p:nvSpPr>
-          <p:cNvPr id="3" name="TextBox 2"/>
-          <p:cNvSpPr txBox="1"/>
+      <p:pic>
+        <p:nvPicPr>
+          <p:cNvPr id="1026" name="Picture 2"/>
+          <p:cNvPicPr>
+            <a:picLocks noChangeAspect="1" noChangeArrowheads="1"/>
+          </p:cNvPicPr>
           <p:nvPr/>
-        </p:nvSpPr>
-        <p:spPr>
-          <a:xfrm>
-            <a:off x="611560" y="1484784"/>
-            <a:ext cx="7920880" cy="2123658"/>
+        </p:nvPicPr>
+        <p:blipFill>
+          <a:blip r:embed="rId2">
+            <a:extLst>
+              <a:ext uri="{28A0092B-C50C-407E-A947-70E740481C1C}">
+                <a14:useLocalDpi xmlns:a14="http://schemas.microsoft.com/office/drawing/2010/main" val="0"/>
+              </a:ext>
+            </a:extLst>
+          </a:blip>
+          <a:srcRect/>
+          <a:stretch>
+            <a:fillRect/>
+          </a:stretch>
+        </p:blipFill>
+        <p:spPr bwMode="auto">
+          <a:xfrm>
+            <a:off x="1247259" y="1556792"/>
+            <a:ext cx="6768752" cy="4743159"/>
           </a:xfrm>
           <a:prstGeom prst="rect">
             <a:avLst/>
           </a:prstGeom>
           <a:noFill/>
+          <a:ln>
+            <a:noFill/>
+          </a:ln>
+          <a:effectLst/>
+          <a:extLst>
+            <a:ext uri="{909E8E84-426E-40DD-AFC4-6F175D3DCCD1}">
+              <a14:hiddenFill xmlns:a14="http://schemas.microsoft.com/office/drawing/2010/main">
+                <a:solidFill>
+                  <a:schemeClr val="accent1"/>
+                </a:solidFill>
+              </a14:hiddenFill>
+            </a:ext>
+            <a:ext uri="{91240B29-F687-4F45-9708-019B960494DF}">
+              <a14:hiddenLine xmlns:a14="http://schemas.microsoft.com/office/drawing/2010/main" w="9525">
+                <a:solidFill>
+                  <a:schemeClr val="tx1"/>
+                </a:solidFill>
+                <a:miter lim="800000"/>
+                <a:headEnd/>
+                <a:tailEnd/>
+              </a14:hiddenLine>
+            </a:ext>
+            <a:ext uri="{AF507438-7753-43E0-B8FC-AC1667EBCBE1}">
+              <a14:hiddenEffects xmlns:a14="http://schemas.microsoft.com/office/drawing/2010/main">
+                <a:effectLst>
+                  <a:outerShdw dist="35921" dir="2700000" algn="ctr" rotWithShape="0">
+                    <a:schemeClr val="bg2"/>
+                  </a:outerShdw>
+                </a:effectLst>
+              </a14:hiddenEffects>
+            </a:ext>
+          </a:extLst>
         </p:spPr>
-        <p:txBody>
-          <a:bodyPr wrap="square" rtlCol="0">
-            <a:spAutoFit/>
-          </a:bodyPr>
-          <a:lstStyle/>
-          <a:p>
-            <a:r>
-              <a:rPr lang="zh-CN" altLang="en-US" sz="1600" i="1" dirty="0"/>
-              <a:t>我们是一家工厂，发现工业企业中需要一款计时器。一家企业一般需要</a:t>
-            </a:r>
-            <a:r>
-              <a:rPr lang="en-US" altLang="zh-CN" sz="1600" i="1" dirty="0"/>
-              <a:t>100</a:t>
-            </a:r>
-            <a:r>
-              <a:rPr lang="zh-CN" altLang="en-US" sz="1600" i="1" dirty="0"/>
-              <a:t>左右这样的设备，用于各个工位上的员工计时。计时器通过无线电将记录下来的时间传送到服务器。一般的客户并不会承担过高的费用。</a:t>
-            </a:r>
-            <a:endParaRPr lang="en-US" altLang="zh-CN" sz="1600" i="1" dirty="0"/>
-          </a:p>
-          <a:p>
-            <a:r>
-              <a:rPr lang="zh-CN" altLang="en-US" sz="1600" i="1" dirty="0"/>
-              <a:t>请各自选择两个关键职位，并且合作制定一份计划书，计划书中必须包括销售计划，客户，供应商，材料计划，采购，存储，生产设备等关键信息。使用更多的表格，图表等可视化信息会加强计划的表达性。使用更多的数字可以增加计划的可信性。</a:t>
-            </a:r>
-            <a:endParaRPr lang="en-US" altLang="zh-CN" sz="1600" i="1" dirty="0"/>
-          </a:p>
-          <a:p>
-            <a:r>
-              <a:rPr lang="zh-CN" altLang="en-US" sz="1600" i="1" dirty="0"/>
-              <a:t>在行进过程中，请注意自己的邮箱，</a:t>
-            </a:r>
-            <a:r>
-              <a:rPr lang="zh-CN" altLang="en-US" sz="1600" i="1" dirty="0">
-                <a:hlinkClick r:id="rId2"/>
-              </a:rPr>
-              <a:t>来自</a:t>
-            </a:r>
-            <a:r>
-              <a:rPr lang="en-US" altLang="zh-CN" sz="1600" i="1" dirty="0">
-                <a:hlinkClick r:id="rId2"/>
-              </a:rPr>
-              <a:t>tianyi.shen@cz-tek.com</a:t>
-            </a:r>
-            <a:r>
-              <a:rPr lang="zh-CN" altLang="en-US" sz="1600" i="1" dirty="0"/>
-              <a:t>的邮件代表了客户和供应商。</a:t>
-            </a:r>
-            <a:endParaRPr lang="en-US" altLang="zh-CN" sz="1600" i="1" dirty="0"/>
-          </a:p>
-        </p:txBody>
-      </p:sp>
+      </p:pic>
     </p:spTree>
     <p:extLst>
       <p:ext uri="{BB962C8B-B14F-4D97-AF65-F5344CB8AC3E}">
-        <p14:creationId xmlns:p14="http://schemas.microsoft.com/office/powerpoint/2010/main" val="1933803528"/>
+        <p14:creationId xmlns:p14="http://schemas.microsoft.com/office/powerpoint/2010/main" val="1950375804"/>
       </p:ext>
     </p:extLst>
   </p:cSld>
@@ -20864,6 +21539,270 @@
       </p:grpSpPr>
       <p:sp>
         <p:nvSpPr>
+          <p:cNvPr id="2" name="Slide Number Placeholder 1"/>
+          <p:cNvSpPr>
+            <a:spLocks noGrp="1"/>
+          </p:cNvSpPr>
+          <p:nvPr>
+            <p:ph type="sldNum" sz="quarter" idx="12"/>
+          </p:nvPr>
+        </p:nvSpPr>
+        <p:spPr/>
+        <p:txBody>
+          <a:bodyPr/>
+          <a:lstStyle/>
+          <a:p>
+            <a:fld id="{EEF0AA90-7F0B-48EA-9407-1565AA29FFF0}" type="slidenum">
+              <a:rPr lang="en-IN" smtClean="0"/>
+              <a:pPr/>
+              <a:t>22</a:t>
+            </a:fld>
+            <a:endParaRPr lang="en-IN" dirty="0"/>
+          </a:p>
+        </p:txBody>
+      </p:sp>
+      <p:sp>
+        <p:nvSpPr>
+          <p:cNvPr id="11" name="Text Placeholder 10"/>
+          <p:cNvSpPr>
+            <a:spLocks noGrp="1"/>
+          </p:cNvSpPr>
+          <p:nvPr>
+            <p:ph type="body" sz="quarter" idx="13"/>
+          </p:nvPr>
+        </p:nvSpPr>
+        <p:spPr/>
+        <p:txBody>
+          <a:bodyPr>
+            <a:normAutofit lnSpcReduction="10000"/>
+          </a:bodyPr>
+          <a:lstStyle/>
+          <a:p>
+            <a:r>
+              <a:rPr lang="zh-CN" altLang="en-US" dirty="0"/>
+              <a:t>课后作业</a:t>
+            </a:r>
+            <a:r>
+              <a:rPr lang="en-US" altLang="zh-CN" dirty="0"/>
+              <a:t>1</a:t>
+            </a:r>
+            <a:endParaRPr lang="en-IN" dirty="0"/>
+          </a:p>
+        </p:txBody>
+      </p:sp>
+      <p:sp>
+        <p:nvSpPr>
+          <p:cNvPr id="3" name="TextBox 2"/>
+          <p:cNvSpPr txBox="1"/>
+          <p:nvPr/>
+        </p:nvSpPr>
+        <p:spPr>
+          <a:xfrm>
+            <a:off x="611560" y="1484784"/>
+            <a:ext cx="7920880" cy="338554"/>
+          </a:xfrm>
+          <a:prstGeom prst="rect">
+            <a:avLst/>
+          </a:prstGeom>
+          <a:noFill/>
+        </p:spPr>
+        <p:txBody>
+          <a:bodyPr wrap="square" rtlCol="0">
+            <a:spAutoFit/>
+          </a:bodyPr>
+          <a:lstStyle/>
+          <a:p>
+            <a:r>
+              <a:rPr lang="zh-CN" altLang="en-US" sz="1600" i="1" dirty="0"/>
+              <a:t>请总结你们在这堂课听到的所有奇奇怪怪的术语及缩写</a:t>
+            </a:r>
+            <a:endParaRPr lang="en-US" altLang="zh-CN" sz="1600" i="1" dirty="0"/>
+          </a:p>
+        </p:txBody>
+      </p:sp>
+    </p:spTree>
+    <p:extLst>
+      <p:ext uri="{BB962C8B-B14F-4D97-AF65-F5344CB8AC3E}">
+        <p14:creationId xmlns:p14="http://schemas.microsoft.com/office/powerpoint/2010/main" val="3615277260"/>
+      </p:ext>
+    </p:extLst>
+  </p:cSld>
+  <p:clrMapOvr>
+    <a:masterClrMapping/>
+  </p:clrMapOvr>
+</p:sld>
+</file>
+
+<file path=ppt/slides/slide23.xml><?xml version="1.0" encoding="utf-8"?>
+<p:sld xmlns:a="http://schemas.openxmlformats.org/drawingml/2006/main" xmlns:r="http://schemas.openxmlformats.org/officeDocument/2006/relationships" xmlns:p="http://schemas.openxmlformats.org/presentationml/2006/main">
+  <p:cSld>
+    <p:spTree>
+      <p:nvGrpSpPr>
+        <p:cNvPr id="1" name=""/>
+        <p:cNvGrpSpPr/>
+        <p:nvPr/>
+      </p:nvGrpSpPr>
+      <p:grpSpPr>
+        <a:xfrm>
+          <a:off x="0" y="0"/>
+          <a:ext cx="0" cy="0"/>
+          <a:chOff x="0" y="0"/>
+          <a:chExt cx="0" cy="0"/>
+        </a:xfrm>
+      </p:grpSpPr>
+      <p:sp>
+        <p:nvSpPr>
+          <p:cNvPr id="2" name="Slide Number Placeholder 1"/>
+          <p:cNvSpPr>
+            <a:spLocks noGrp="1"/>
+          </p:cNvSpPr>
+          <p:nvPr>
+            <p:ph type="sldNum" sz="quarter" idx="12"/>
+          </p:nvPr>
+        </p:nvSpPr>
+        <p:spPr/>
+        <p:txBody>
+          <a:bodyPr/>
+          <a:lstStyle/>
+          <a:p>
+            <a:fld id="{EEF0AA90-7F0B-48EA-9407-1565AA29FFF0}" type="slidenum">
+              <a:rPr lang="en-IN" smtClean="0"/>
+              <a:pPr/>
+              <a:t>23</a:t>
+            </a:fld>
+            <a:endParaRPr lang="en-IN" dirty="0"/>
+          </a:p>
+        </p:txBody>
+      </p:sp>
+      <p:sp>
+        <p:nvSpPr>
+          <p:cNvPr id="11" name="Text Placeholder 10"/>
+          <p:cNvSpPr>
+            <a:spLocks noGrp="1"/>
+          </p:cNvSpPr>
+          <p:nvPr>
+            <p:ph type="body" sz="quarter" idx="13"/>
+          </p:nvPr>
+        </p:nvSpPr>
+        <p:spPr/>
+        <p:txBody>
+          <a:bodyPr>
+            <a:normAutofit lnSpcReduction="10000"/>
+          </a:bodyPr>
+          <a:lstStyle/>
+          <a:p>
+            <a:r>
+              <a:rPr lang="zh-CN" altLang="en-US" dirty="0"/>
+              <a:t>课后作业</a:t>
+            </a:r>
+            <a:r>
+              <a:rPr lang="en-US" altLang="zh-CN" dirty="0"/>
+              <a:t>2</a:t>
+            </a:r>
+            <a:endParaRPr lang="en-IN" dirty="0"/>
+          </a:p>
+        </p:txBody>
+      </p:sp>
+      <p:sp>
+        <p:nvSpPr>
+          <p:cNvPr id="3" name="TextBox 2"/>
+          <p:cNvSpPr txBox="1"/>
+          <p:nvPr/>
+        </p:nvSpPr>
+        <p:spPr>
+          <a:xfrm>
+            <a:off x="611560" y="1484784"/>
+            <a:ext cx="7920880" cy="2123658"/>
+          </a:xfrm>
+          <a:prstGeom prst="rect">
+            <a:avLst/>
+          </a:prstGeom>
+          <a:noFill/>
+        </p:spPr>
+        <p:txBody>
+          <a:bodyPr wrap="square" rtlCol="0">
+            <a:spAutoFit/>
+          </a:bodyPr>
+          <a:lstStyle/>
+          <a:p>
+            <a:r>
+              <a:rPr lang="zh-CN" altLang="en-US" sz="1600" i="1" dirty="0"/>
+              <a:t>我们是一家工厂，发现工业企业中需要一款计时器。一家企业一般需要</a:t>
+            </a:r>
+            <a:r>
+              <a:rPr lang="en-US" altLang="zh-CN" sz="1600" i="1" dirty="0"/>
+              <a:t>100</a:t>
+            </a:r>
+            <a:r>
+              <a:rPr lang="zh-CN" altLang="en-US" sz="1600" i="1" dirty="0"/>
+              <a:t>左右这样的设备，用于各个工位上的员工计时。计时器通过无线电将记录下来的时间传送到服务器。一般的客户并不会承担过高的费用。</a:t>
+            </a:r>
+            <a:endParaRPr lang="en-US" altLang="zh-CN" sz="1600" i="1" dirty="0"/>
+          </a:p>
+          <a:p>
+            <a:r>
+              <a:rPr lang="zh-CN" altLang="en-US" sz="1600" i="1" dirty="0"/>
+              <a:t>请各自选择两个关键职位，并且合作制定一份计划书，计划书中必须包括销售计划，客户，供应商，材料计划，采购，存储，生产设备等关键信息。使用更多的表格，图表等可视化信息会加强计划的表达性。使用更多的数字可以增加计划的可信性。</a:t>
+            </a:r>
+            <a:endParaRPr lang="en-US" altLang="zh-CN" sz="1600" i="1" dirty="0"/>
+          </a:p>
+          <a:p>
+            <a:r>
+              <a:rPr lang="zh-CN" altLang="en-US" sz="1600" i="1" dirty="0"/>
+              <a:t>在行进过程中，请注意自己的邮箱，</a:t>
+            </a:r>
+            <a:r>
+              <a:rPr lang="zh-CN" altLang="en-US" sz="1600" i="1" dirty="0">
+                <a:hlinkClick r:id="rId2"/>
+              </a:rPr>
+              <a:t>来自</a:t>
+            </a:r>
+            <a:r>
+              <a:rPr lang="en-US" altLang="zh-CN" sz="1600" i="1" dirty="0">
+                <a:hlinkClick r:id="rId2"/>
+              </a:rPr>
+              <a:t>tianyi.shen@cz-tek.com</a:t>
+            </a:r>
+            <a:r>
+              <a:rPr lang="zh-CN" altLang="en-US" sz="1600" i="1" dirty="0"/>
+              <a:t>的邮件代表了客户和供应商。</a:t>
+            </a:r>
+            <a:endParaRPr lang="en-US" altLang="zh-CN" sz="1600" i="1" dirty="0"/>
+          </a:p>
+        </p:txBody>
+      </p:sp>
+    </p:spTree>
+    <p:extLst>
+      <p:ext uri="{BB962C8B-B14F-4D97-AF65-F5344CB8AC3E}">
+        <p14:creationId xmlns:p14="http://schemas.microsoft.com/office/powerpoint/2010/main" val="1933803528"/>
+      </p:ext>
+    </p:extLst>
+  </p:cSld>
+  <p:clrMapOvr>
+    <a:masterClrMapping/>
+  </p:clrMapOvr>
+</p:sld>
+</file>
+
+<file path=ppt/slides/slide24.xml><?xml version="1.0" encoding="utf-8"?>
+<p:sld xmlns:a="http://schemas.openxmlformats.org/drawingml/2006/main" xmlns:r="http://schemas.openxmlformats.org/officeDocument/2006/relationships" xmlns:p="http://schemas.openxmlformats.org/presentationml/2006/main">
+  <p:cSld>
+    <p:spTree>
+      <p:nvGrpSpPr>
+        <p:cNvPr id="1" name=""/>
+        <p:cNvGrpSpPr/>
+        <p:nvPr/>
+      </p:nvGrpSpPr>
+      <p:grpSpPr>
+        <a:xfrm>
+          <a:off x="0" y="0"/>
+          <a:ext cx="0" cy="0"/>
+          <a:chOff x="0" y="0"/>
+          <a:chExt cx="0" cy="0"/>
+        </a:xfrm>
+      </p:grpSpPr>
+      <p:sp>
+        <p:nvSpPr>
           <p:cNvPr id="7" name="Rectangle 6"/>
           <p:cNvSpPr/>
           <p:nvPr/>
@@ -20935,7 +21874,7 @@
                 </a:solidFill>
               </a:rPr>
               <a:pPr/>
-              <a:t>22</a:t>
+              <a:t>24</a:t>
             </a:fld>
             <a:endParaRPr lang="en-IN" dirty="0">
               <a:solidFill>
@@ -26761,6 +27700,105 @@
           </a:p>
         </p:txBody>
       </p:sp>
+      <p:pic>
+        <p:nvPicPr>
+          <p:cNvPr id="6" name="图片 5"/>
+          <p:cNvPicPr>
+            <a:picLocks noChangeAspect="1"/>
+          </p:cNvPicPr>
+          <p:nvPr/>
+        </p:nvPicPr>
+        <p:blipFill>
+          <a:blip r:embed="rId3"/>
+          <a:stretch>
+            <a:fillRect/>
+          </a:stretch>
+        </p:blipFill>
+        <p:spPr>
+          <a:xfrm>
+            <a:off x="1115616" y="1484784"/>
+            <a:ext cx="6194034" cy="3744416"/>
+          </a:xfrm>
+          <a:prstGeom prst="rect">
+            <a:avLst/>
+          </a:prstGeom>
+          <a:solidFill>
+            <a:srgbClr val="FFFFFF">
+              <a:shade val="85000"/>
+            </a:srgbClr>
+          </a:solidFill>
+          <a:ln w="190500" cap="rnd">
+            <a:solidFill>
+              <a:srgbClr val="FFFFFF"/>
+            </a:solidFill>
+          </a:ln>
+          <a:effectLst>
+            <a:outerShdw blurRad="50000" algn="tl" rotWithShape="0">
+              <a:srgbClr val="000000">
+                <a:alpha val="41000"/>
+              </a:srgbClr>
+            </a:outerShdw>
+          </a:effectLst>
+          <a:scene3d>
+            <a:camera prst="orthographicFront"/>
+            <a:lightRig rig="twoPt" dir="t">
+              <a:rot lat="0" lon="0" rev="7800000"/>
+            </a:lightRig>
+          </a:scene3d>
+          <a:sp3d contourW="6350">
+            <a:bevelT w="50800" h="16510"/>
+            <a:contourClr>
+              <a:srgbClr val="C0C0C0"/>
+            </a:contourClr>
+          </a:sp3d>
+        </p:spPr>
+      </p:pic>
+      <p:sp>
+        <p:nvSpPr>
+          <p:cNvPr id="8" name="文本框 7"/>
+          <p:cNvSpPr txBox="1"/>
+          <p:nvPr/>
+        </p:nvSpPr>
+        <p:spPr>
+          <a:xfrm>
+            <a:off x="4788024" y="1916832"/>
+            <a:ext cx="851515" cy="369332"/>
+          </a:xfrm>
+          <a:prstGeom prst="rect">
+            <a:avLst/>
+          </a:prstGeom>
+          <a:noFill/>
+        </p:spPr>
+        <p:txBody>
+          <a:bodyPr wrap="none" rtlCol="0">
+            <a:spAutoFit/>
+          </a:bodyPr>
+          <a:lstStyle/>
+          <a:p>
+            <a:r>
+              <a:rPr lang="en-US" altLang="zh-CN" b="1" dirty="0" err="1">
+                <a:solidFill>
+                  <a:srgbClr val="C00000"/>
+                </a:solidFill>
+              </a:rPr>
+              <a:t>zh</a:t>
+            </a:r>
+            <a:r>
+              <a:rPr lang="en-US" altLang="zh-CN" b="1" dirty="0">
+                <a:solidFill>
+                  <a:srgbClr val="C00000"/>
+                </a:solidFill>
+              </a:rPr>
+              <a:t>-CN</a:t>
+            </a:r>
+            <a:endParaRPr lang="zh-CN" altLang="en-US" b="1" dirty="0">
+              <a:solidFill>
+                <a:srgbClr val="C00000"/>
+              </a:solidFill>
+            </a:endParaRPr>
+          </a:p>
+        </p:txBody>
+      </p:sp>
     </p:spTree>
     <p:extLst>
       <p:ext uri="{BB962C8B-B14F-4D97-AF65-F5344CB8AC3E}">
@@ -26817,471 +27855,207 @@
       </p:sp>
       <p:sp>
         <p:nvSpPr>
-          <p:cNvPr id="3" name="Text Placeholder 2"/>
-          <p:cNvSpPr>
-            <a:spLocks noGrp="1"/>
-          </p:cNvSpPr>
-          <p:nvPr>
-            <p:ph type="body" sz="quarter" idx="13"/>
-          </p:nvPr>
-        </p:nvSpPr>
-        <p:spPr/>
-        <p:txBody>
-          <a:bodyPr>
-            <a:normAutofit lnSpcReduction="10000"/>
+          <p:cNvPr id="20" name="文本框 19"/>
+          <p:cNvSpPr txBox="1"/>
+          <p:nvPr/>
+        </p:nvSpPr>
+        <p:spPr>
+          <a:xfrm>
+            <a:off x="326028" y="692696"/>
+            <a:ext cx="4097725" cy="400110"/>
+          </a:xfrm>
+          <a:prstGeom prst="rect">
+            <a:avLst/>
+          </a:prstGeom>
+          <a:noFill/>
+        </p:spPr>
+        <p:txBody>
+          <a:bodyPr wrap="none" rtlCol="0">
+            <a:spAutoFit/>
           </a:bodyPr>
           <a:lstStyle/>
           <a:p>
             <a:r>
-              <a:rPr lang="zh-CN" altLang="en-US" dirty="0"/>
-              <a:t>前六个部门</a:t>
-            </a:r>
-            <a:endParaRPr lang="en-IN" dirty="0"/>
-          </a:p>
-        </p:txBody>
-      </p:sp>
-      <p:sp>
-        <p:nvSpPr>
-          <p:cNvPr id="4" name="Text Placeholder 3"/>
-          <p:cNvSpPr>
-            <a:spLocks noGrp="1"/>
-          </p:cNvSpPr>
-          <p:nvPr>
-            <p:ph type="body" sz="quarter" idx="29"/>
-          </p:nvPr>
-        </p:nvSpPr>
-        <p:spPr/>
-        <p:txBody>
-          <a:bodyPr>
-            <a:normAutofit fontScale="85000" lnSpcReduction="20000"/>
-          </a:bodyPr>
-          <a:lstStyle/>
-          <a:p>
-            <a:r>
-              <a:rPr lang="zh-CN" altLang="en-US" dirty="0"/>
-              <a:t>销售</a:t>
-            </a:r>
-            <a:endParaRPr lang="en-IN" dirty="0"/>
-          </a:p>
-        </p:txBody>
-      </p:sp>
-      <p:sp>
-        <p:nvSpPr>
-          <p:cNvPr id="5" name="Text Placeholder 4"/>
-          <p:cNvSpPr>
-            <a:spLocks noGrp="1"/>
-          </p:cNvSpPr>
-          <p:nvPr>
-            <p:ph type="body" sz="quarter" idx="33"/>
-          </p:nvPr>
-        </p:nvSpPr>
-        <p:spPr/>
-        <p:txBody>
-          <a:bodyPr anchor="t"/>
-          <a:lstStyle/>
-          <a:p>
-            <a:r>
-              <a:rPr lang="zh-CN" altLang="en-US" dirty="0"/>
-              <a:t>找到你的客户</a:t>
-            </a:r>
-            <a:endParaRPr lang="en-IN" dirty="0"/>
-          </a:p>
-        </p:txBody>
-      </p:sp>
+              <a:rPr lang="zh-CN" altLang="en-US" sz="2000" dirty="0">
+                <a:solidFill>
+                  <a:schemeClr val="accent5"/>
+                </a:solidFill>
+                <a:cs typeface="Arial" pitchFamily="34" charset="0"/>
+              </a:rPr>
+              <a:t>网页的骨架 </a:t>
+            </a:r>
+            <a:r>
+              <a:rPr lang="en-US" altLang="zh-CN" sz="2000" dirty="0">
+                <a:solidFill>
+                  <a:schemeClr val="accent5"/>
+                </a:solidFill>
+                <a:cs typeface="Arial" pitchFamily="34" charset="0"/>
+              </a:rPr>
+              <a:t>– HTML  –  h1~h6</a:t>
+            </a:r>
+            <a:r>
+              <a:rPr lang="zh-CN" altLang="en-US" sz="2000" dirty="0">
+                <a:solidFill>
+                  <a:schemeClr val="accent5"/>
+                </a:solidFill>
+                <a:cs typeface="Arial" pitchFamily="34" charset="0"/>
+              </a:rPr>
+              <a:t>标签</a:t>
+            </a:r>
+            <a:endParaRPr lang="en-IN" altLang="zh-CN" sz="2000" dirty="0">
+              <a:solidFill>
+                <a:schemeClr val="accent5"/>
+              </a:solidFill>
+              <a:cs typeface="Arial" pitchFamily="34" charset="0"/>
+            </a:endParaRPr>
+          </a:p>
+        </p:txBody>
+      </p:sp>
+      <p:grpSp>
+        <p:nvGrpSpPr>
+          <p:cNvPr id="8" name="组合 7"/>
+          <p:cNvGrpSpPr/>
+          <p:nvPr/>
+        </p:nvGrpSpPr>
+        <p:grpSpPr>
+          <a:xfrm>
+            <a:off x="611560" y="1349414"/>
+            <a:ext cx="6459716" cy="461665"/>
+            <a:chOff x="611560" y="1150585"/>
+            <a:chExt cx="6459716" cy="461665"/>
+          </a:xfrm>
+        </p:grpSpPr>
+        <p:sp>
+          <p:nvSpPr>
+            <p:cNvPr id="3" name="矩形 2"/>
+            <p:cNvSpPr/>
+            <p:nvPr/>
+          </p:nvSpPr>
+          <p:spPr>
+            <a:xfrm>
+              <a:off x="4644008" y="1150585"/>
+              <a:ext cx="2427268" cy="461665"/>
+            </a:xfrm>
+            <a:prstGeom prst="rect">
+              <a:avLst/>
+            </a:prstGeom>
+          </p:spPr>
+          <p:txBody>
+            <a:bodyPr wrap="none">
+              <a:spAutoFit/>
+            </a:bodyPr>
+            <a:lstStyle/>
+            <a:p>
+              <a:r>
+                <a:rPr lang="zh-CN" altLang="en-US" sz="2400" dirty="0">
+                  <a:solidFill>
+                    <a:srgbClr val="00B0F0"/>
+                  </a:solidFill>
+                </a:rPr>
+                <a:t>h${这是标题$}*6</a:t>
+              </a:r>
+              <a:endParaRPr lang="zh-CN" altLang="en-US" sz="2400" dirty="0">
+                <a:solidFill>
+                  <a:srgbClr val="00B0F0"/>
+                </a:solidFill>
+              </a:endParaRPr>
+            </a:p>
+          </p:txBody>
+        </p:sp>
+        <p:sp>
+          <p:nvSpPr>
+            <p:cNvPr id="4" name="文本框 3"/>
+            <p:cNvSpPr txBox="1"/>
+            <p:nvPr/>
+          </p:nvSpPr>
+          <p:spPr>
+            <a:xfrm>
+              <a:off x="611560" y="1196752"/>
+              <a:ext cx="3912353" cy="369332"/>
+            </a:xfrm>
+            <a:prstGeom prst="rect">
+              <a:avLst/>
+            </a:prstGeom>
+            <a:noFill/>
+          </p:spPr>
+          <p:txBody>
+            <a:bodyPr wrap="none" rtlCol="0">
+              <a:spAutoFit/>
+            </a:bodyPr>
+            <a:lstStyle/>
+            <a:p>
+              <a:r>
+                <a:rPr lang="en-US" altLang="zh-CN" dirty="0"/>
+                <a:t>Sublime Text </a:t>
+              </a:r>
+              <a:r>
+                <a:rPr lang="zh-CN" altLang="en-US" dirty="0"/>
+                <a:t>安装</a:t>
+              </a:r>
+              <a:r>
+                <a:rPr lang="en-US" altLang="zh-CN" dirty="0"/>
+                <a:t>Emmet</a:t>
+              </a:r>
+              <a:r>
+                <a:rPr lang="zh-CN" altLang="en-US" dirty="0"/>
+                <a:t>之后，输入</a:t>
+              </a:r>
+            </a:p>
+          </p:txBody>
+        </p:sp>
+      </p:grpSp>
       <p:pic>
         <p:nvPicPr>
-          <p:cNvPr id="22" name="Picture Placeholder 21"/>
+          <p:cNvPr id="5" name="图片 4"/>
           <p:cNvPicPr>
-            <a:picLocks noGrp="1" noChangeAspect="1"/>
+            <a:picLocks noChangeAspect="1"/>
           </p:cNvPicPr>
-          <p:nvPr>
-            <p:ph type="pic" sz="quarter" idx="34"/>
-          </p:nvPr>
+          <p:nvPr/>
         </p:nvPicPr>
         <p:blipFill>
-          <a:blip r:embed="rId2" cstate="print">
-            <a:extLst>
-              <a:ext uri="{28A0092B-C50C-407E-A947-70E740481C1C}">
-                <a14:useLocalDpi xmlns:a14="http://schemas.microsoft.com/office/drawing/2010/main" val="0"/>
-              </a:ext>
-            </a:extLst>
-          </a:blip>
-          <a:srcRect l="165" r="165"/>
+          <a:blip r:embed="rId3"/>
           <a:stretch>
             <a:fillRect/>
           </a:stretch>
         </p:blipFill>
-        <p:spPr/>
+        <p:spPr>
+          <a:xfrm>
+            <a:off x="827584" y="1844824"/>
+            <a:ext cx="3381375" cy="3343275"/>
+          </a:xfrm>
+          <a:prstGeom prst="rect">
+            <a:avLst/>
+          </a:prstGeom>
+        </p:spPr>
       </p:pic>
-      <p:sp>
-        <p:nvSpPr>
-          <p:cNvPr id="7" name="Text Placeholder 6"/>
-          <p:cNvSpPr>
-            <a:spLocks noGrp="1"/>
-          </p:cNvSpPr>
-          <p:nvPr>
-            <p:ph type="body" sz="quarter" idx="35"/>
-          </p:nvPr>
-        </p:nvSpPr>
-        <p:spPr/>
-        <p:txBody>
-          <a:bodyPr>
-            <a:normAutofit fontScale="85000" lnSpcReduction="20000"/>
-          </a:bodyPr>
-          <a:lstStyle/>
-          <a:p>
-            <a:r>
-              <a:rPr lang="zh-CN" altLang="en-US" dirty="0"/>
-              <a:t>产品研发</a:t>
-            </a:r>
-            <a:endParaRPr lang="en-IN" dirty="0"/>
-          </a:p>
-        </p:txBody>
-      </p:sp>
-      <p:sp>
-        <p:nvSpPr>
-          <p:cNvPr id="8" name="Text Placeholder 7"/>
-          <p:cNvSpPr>
-            <a:spLocks noGrp="1"/>
-          </p:cNvSpPr>
-          <p:nvPr>
-            <p:ph type="body" sz="quarter" idx="36"/>
-          </p:nvPr>
-        </p:nvSpPr>
-        <p:spPr/>
-        <p:txBody>
-          <a:bodyPr anchor="t"/>
-          <a:lstStyle/>
-          <a:p>
-            <a:r>
-              <a:rPr lang="zh-CN" altLang="en-US" dirty="0"/>
-              <a:t>找到你客户的需求</a:t>
-            </a:r>
-            <a:endParaRPr lang="en-IN" dirty="0"/>
-          </a:p>
-        </p:txBody>
-      </p:sp>
       <p:pic>
         <p:nvPicPr>
-          <p:cNvPr id="23" name="Picture Placeholder 22"/>
+          <p:cNvPr id="7" name="图片 6"/>
           <p:cNvPicPr>
-            <a:picLocks noGrp="1" noChangeAspect="1"/>
+            <a:picLocks noChangeAspect="1"/>
           </p:cNvPicPr>
-          <p:nvPr>
-            <p:ph type="pic" sz="quarter" idx="37"/>
-          </p:nvPr>
+          <p:nvPr/>
         </p:nvPicPr>
         <p:blipFill>
-          <a:blip r:embed="rId3" cstate="print">
-            <a:extLst>
-              <a:ext uri="{28A0092B-C50C-407E-A947-70E740481C1C}">
-                <a14:useLocalDpi xmlns:a14="http://schemas.microsoft.com/office/drawing/2010/main" val="0"/>
-              </a:ext>
-            </a:extLst>
-          </a:blip>
-          <a:srcRect/>
+          <a:blip r:embed="rId4"/>
           <a:stretch>
             <a:fillRect/>
           </a:stretch>
         </p:blipFill>
-        <p:spPr/>
-      </p:pic>
-      <p:sp>
-        <p:nvSpPr>
-          <p:cNvPr id="10" name="Text Placeholder 9"/>
-          <p:cNvSpPr>
-            <a:spLocks noGrp="1"/>
-          </p:cNvSpPr>
-          <p:nvPr>
-            <p:ph type="body" sz="quarter" idx="38"/>
-          </p:nvPr>
-        </p:nvSpPr>
-        <p:spPr/>
-        <p:txBody>
-          <a:bodyPr>
-            <a:normAutofit fontScale="85000" lnSpcReduction="20000"/>
-          </a:bodyPr>
-          <a:lstStyle/>
-          <a:p>
-            <a:r>
-              <a:rPr lang="zh-CN" altLang="en-US" dirty="0"/>
-              <a:t>工艺工程</a:t>
-            </a:r>
-            <a:endParaRPr lang="en-IN" dirty="0"/>
-          </a:p>
-        </p:txBody>
-      </p:sp>
-      <p:sp>
-        <p:nvSpPr>
-          <p:cNvPr id="11" name="Text Placeholder 10"/>
-          <p:cNvSpPr>
-            <a:spLocks noGrp="1"/>
-          </p:cNvSpPr>
-          <p:nvPr>
-            <p:ph type="body" sz="quarter" idx="39"/>
-          </p:nvPr>
-        </p:nvSpPr>
-        <p:spPr/>
-        <p:txBody>
-          <a:bodyPr anchor="t"/>
-          <a:lstStyle/>
-          <a:p>
-            <a:r>
-              <a:rPr lang="zh-CN" altLang="en-US" dirty="0"/>
-              <a:t>规划实现产品的路径</a:t>
-            </a:r>
-            <a:endParaRPr lang="en-IN" dirty="0"/>
-          </a:p>
-        </p:txBody>
-      </p:sp>
-      <p:pic>
-        <p:nvPicPr>
-          <p:cNvPr id="24" name="Picture Placeholder 23"/>
-          <p:cNvPicPr>
-            <a:picLocks noGrp="1" noChangeAspect="1"/>
-          </p:cNvPicPr>
-          <p:nvPr>
-            <p:ph type="pic" sz="quarter" idx="40"/>
-          </p:nvPr>
-        </p:nvPicPr>
-        <p:blipFill>
-          <a:blip r:embed="rId4" cstate="print">
-            <a:extLst>
-              <a:ext uri="{28A0092B-C50C-407E-A947-70E740481C1C}">
-                <a14:useLocalDpi xmlns:a14="http://schemas.microsoft.com/office/drawing/2010/main" val="0"/>
-              </a:ext>
-            </a:extLst>
-          </a:blip>
-          <a:srcRect/>
-          <a:stretch>
-            <a:fillRect/>
-          </a:stretch>
-        </p:blipFill>
-        <p:spPr/>
-      </p:pic>
-      <p:sp>
-        <p:nvSpPr>
-          <p:cNvPr id="13" name="Text Placeholder 12"/>
-          <p:cNvSpPr>
-            <a:spLocks noGrp="1"/>
-          </p:cNvSpPr>
-          <p:nvPr>
-            <p:ph type="body" sz="quarter" idx="41"/>
-          </p:nvPr>
-        </p:nvSpPr>
-        <p:spPr/>
-        <p:txBody>
-          <a:bodyPr>
-            <a:normAutofit fontScale="85000" lnSpcReduction="20000"/>
-          </a:bodyPr>
-          <a:lstStyle/>
-          <a:p>
-            <a:r>
-              <a:rPr lang="zh-CN" altLang="en-US" dirty="0"/>
-              <a:t>采购</a:t>
-            </a:r>
-            <a:endParaRPr lang="en-IN" dirty="0"/>
-          </a:p>
-        </p:txBody>
-      </p:sp>
-      <p:sp>
-        <p:nvSpPr>
-          <p:cNvPr id="14" name="Text Placeholder 13"/>
-          <p:cNvSpPr>
-            <a:spLocks noGrp="1"/>
-          </p:cNvSpPr>
-          <p:nvPr>
-            <p:ph type="body" sz="quarter" idx="42"/>
-          </p:nvPr>
-        </p:nvSpPr>
-        <p:spPr/>
-        <p:txBody>
-          <a:bodyPr anchor="t"/>
-          <a:lstStyle/>
-          <a:p>
-            <a:r>
-              <a:rPr lang="zh-CN" altLang="en-US" dirty="0"/>
-              <a:t>购买生产所需的设备和材料</a:t>
-            </a:r>
-            <a:endParaRPr lang="en-IN" dirty="0"/>
-          </a:p>
-        </p:txBody>
-      </p:sp>
-      <p:pic>
-        <p:nvPicPr>
-          <p:cNvPr id="27" name="Picture Placeholder 26"/>
-          <p:cNvPicPr>
-            <a:picLocks noGrp="1" noChangeAspect="1"/>
-          </p:cNvPicPr>
-          <p:nvPr>
-            <p:ph type="pic" sz="quarter" idx="43"/>
-          </p:nvPr>
-        </p:nvPicPr>
-        <p:blipFill>
-          <a:blip r:embed="rId5" cstate="print">
-            <a:extLst>
-              <a:ext uri="{28A0092B-C50C-407E-A947-70E740481C1C}">
-                <a14:useLocalDpi xmlns:a14="http://schemas.microsoft.com/office/drawing/2010/main" val="0"/>
-              </a:ext>
-            </a:extLst>
-          </a:blip>
-          <a:srcRect/>
-          <a:stretch>
-            <a:fillRect/>
-          </a:stretch>
-        </p:blipFill>
-        <p:spPr/>
-      </p:pic>
-      <p:sp>
-        <p:nvSpPr>
-          <p:cNvPr id="16" name="Text Placeholder 15"/>
-          <p:cNvSpPr>
-            <a:spLocks noGrp="1"/>
-          </p:cNvSpPr>
-          <p:nvPr>
-            <p:ph type="body" sz="quarter" idx="44"/>
-          </p:nvPr>
-        </p:nvSpPr>
-        <p:spPr/>
-        <p:txBody>
-          <a:bodyPr>
-            <a:normAutofit fontScale="85000" lnSpcReduction="20000"/>
-          </a:bodyPr>
-          <a:lstStyle/>
-          <a:p>
-            <a:r>
-              <a:rPr lang="zh-CN" altLang="en-US" dirty="0"/>
-              <a:t>物料计划</a:t>
-            </a:r>
-            <a:endParaRPr lang="en-IN" dirty="0"/>
-          </a:p>
-        </p:txBody>
-      </p:sp>
-      <p:sp>
-        <p:nvSpPr>
-          <p:cNvPr id="17" name="Text Placeholder 16"/>
-          <p:cNvSpPr>
-            <a:spLocks noGrp="1"/>
-          </p:cNvSpPr>
-          <p:nvPr>
-            <p:ph type="body" sz="quarter" idx="45"/>
-          </p:nvPr>
-        </p:nvSpPr>
-        <p:spPr/>
-        <p:txBody>
-          <a:bodyPr anchor="t"/>
-          <a:lstStyle/>
-          <a:p>
-            <a:r>
-              <a:rPr lang="zh-CN" altLang="en-US" dirty="0"/>
-              <a:t>补充材料</a:t>
-            </a:r>
-            <a:endParaRPr lang="en-IN" dirty="0"/>
-          </a:p>
-        </p:txBody>
-      </p:sp>
-      <p:pic>
-        <p:nvPicPr>
-          <p:cNvPr id="26" name="Picture Placeholder 25"/>
-          <p:cNvPicPr>
-            <a:picLocks noGrp="1" noChangeAspect="1"/>
-          </p:cNvPicPr>
-          <p:nvPr>
-            <p:ph type="pic" sz="quarter" idx="46"/>
-          </p:nvPr>
-        </p:nvPicPr>
-        <p:blipFill>
-          <a:blip r:embed="rId6" cstate="print">
-            <a:extLst>
-              <a:ext uri="{28A0092B-C50C-407E-A947-70E740481C1C}">
-                <a14:useLocalDpi xmlns:a14="http://schemas.microsoft.com/office/drawing/2010/main" val="0"/>
-              </a:ext>
-            </a:extLst>
-          </a:blip>
-          <a:srcRect t="165" b="165"/>
-          <a:stretch>
-            <a:fillRect/>
-          </a:stretch>
-        </p:blipFill>
-        <p:spPr/>
-      </p:pic>
-      <p:sp>
-        <p:nvSpPr>
-          <p:cNvPr id="19" name="Text Placeholder 18"/>
-          <p:cNvSpPr>
-            <a:spLocks noGrp="1"/>
-          </p:cNvSpPr>
-          <p:nvPr>
-            <p:ph type="body" sz="quarter" idx="47"/>
-          </p:nvPr>
-        </p:nvSpPr>
-        <p:spPr/>
-        <p:txBody>
-          <a:bodyPr>
-            <a:normAutofit fontScale="85000" lnSpcReduction="20000"/>
-          </a:bodyPr>
-          <a:lstStyle/>
-          <a:p>
-            <a:r>
-              <a:rPr lang="zh-CN" altLang="en-US" dirty="0"/>
-              <a:t>物流</a:t>
-            </a:r>
-            <a:endParaRPr lang="en-IN" dirty="0"/>
-          </a:p>
-        </p:txBody>
-      </p:sp>
-      <p:sp>
-        <p:nvSpPr>
-          <p:cNvPr id="20" name="Text Placeholder 19"/>
-          <p:cNvSpPr>
-            <a:spLocks noGrp="1"/>
-          </p:cNvSpPr>
-          <p:nvPr>
-            <p:ph type="body" sz="quarter" idx="48"/>
-          </p:nvPr>
-        </p:nvSpPr>
-        <p:spPr/>
-        <p:txBody>
-          <a:bodyPr anchor="t"/>
-          <a:lstStyle/>
-          <a:p>
-            <a:r>
-              <a:rPr lang="zh-CN" altLang="en-US" dirty="0"/>
-              <a:t>存放和运输</a:t>
-            </a:r>
-            <a:endParaRPr lang="en-IN" dirty="0"/>
-          </a:p>
-        </p:txBody>
-      </p:sp>
-      <p:pic>
-        <p:nvPicPr>
-          <p:cNvPr id="25" name="Picture Placeholder 24"/>
-          <p:cNvPicPr>
-            <a:picLocks noGrp="1" noChangeAspect="1"/>
-          </p:cNvPicPr>
-          <p:nvPr>
-            <p:ph type="pic" sz="quarter" idx="49"/>
-          </p:nvPr>
-        </p:nvPicPr>
-        <p:blipFill>
-          <a:blip r:embed="rId7" cstate="print">
-            <a:extLst>
-              <a:ext uri="{28A0092B-C50C-407E-A947-70E740481C1C}">
-                <a14:useLocalDpi xmlns:a14="http://schemas.microsoft.com/office/drawing/2010/main" val="0"/>
-              </a:ext>
-            </a:extLst>
-          </a:blip>
-          <a:srcRect t="165" b="165"/>
-          <a:stretch>
-            <a:fillRect/>
-          </a:stretch>
-        </p:blipFill>
-        <p:spPr/>
+        <p:spPr>
+          <a:xfrm>
+            <a:off x="4644008" y="1988840"/>
+            <a:ext cx="3867150" cy="2343150"/>
+          </a:xfrm>
+          <a:prstGeom prst="rect">
+            <a:avLst/>
+          </a:prstGeom>
+        </p:spPr>
       </p:pic>
     </p:spTree>
     <p:extLst>
       <p:ext uri="{BB962C8B-B14F-4D97-AF65-F5344CB8AC3E}">
-        <p14:creationId xmlns:p14="http://schemas.microsoft.com/office/powerpoint/2010/main" val="2851201215"/>
+        <p14:creationId xmlns:p14="http://schemas.microsoft.com/office/powerpoint/2010/main" val="1832887565"/>
       </p:ext>
     </p:extLst>
   </p:cSld>
@@ -27334,471 +28108,66 @@
       </p:sp>
       <p:sp>
         <p:nvSpPr>
-          <p:cNvPr id="3" name="Text Placeholder 2"/>
-          <p:cNvSpPr>
-            <a:spLocks noGrp="1"/>
-          </p:cNvSpPr>
-          <p:nvPr>
-            <p:ph type="body" sz="quarter" idx="13"/>
-          </p:nvPr>
-        </p:nvSpPr>
-        <p:spPr/>
-        <p:txBody>
-          <a:bodyPr>
-            <a:normAutofit lnSpcReduction="10000"/>
+          <p:cNvPr id="20" name="文本框 19"/>
+          <p:cNvSpPr txBox="1"/>
+          <p:nvPr/>
+        </p:nvSpPr>
+        <p:spPr>
+          <a:xfrm>
+            <a:off x="326028" y="692696"/>
+            <a:ext cx="3379580" cy="400110"/>
+          </a:xfrm>
+          <a:prstGeom prst="rect">
+            <a:avLst/>
+          </a:prstGeom>
+          <a:noFill/>
+        </p:spPr>
+        <p:txBody>
+          <a:bodyPr wrap="none" rtlCol="0">
+            <a:spAutoFit/>
           </a:bodyPr>
           <a:lstStyle/>
           <a:p>
             <a:r>
-              <a:rPr lang="zh-CN" altLang="en-US" dirty="0"/>
-              <a:t>后六个部门</a:t>
-            </a:r>
-            <a:endParaRPr lang="en-IN" dirty="0"/>
-          </a:p>
-        </p:txBody>
-      </p:sp>
-      <p:sp>
-        <p:nvSpPr>
-          <p:cNvPr id="4" name="Text Placeholder 3"/>
-          <p:cNvSpPr>
-            <a:spLocks noGrp="1"/>
-          </p:cNvSpPr>
-          <p:nvPr>
-            <p:ph type="body" sz="quarter" idx="29"/>
-          </p:nvPr>
-        </p:nvSpPr>
-        <p:spPr/>
-        <p:txBody>
-          <a:bodyPr>
-            <a:normAutofit fontScale="85000" lnSpcReduction="20000"/>
-          </a:bodyPr>
-          <a:lstStyle/>
-          <a:p>
-            <a:r>
-              <a:rPr lang="zh-CN" altLang="en-US" dirty="0"/>
-              <a:t>生产管理</a:t>
-            </a:r>
-            <a:endParaRPr lang="en-IN" dirty="0"/>
-          </a:p>
-        </p:txBody>
-      </p:sp>
-      <p:sp>
-        <p:nvSpPr>
-          <p:cNvPr id="5" name="Text Placeholder 4"/>
-          <p:cNvSpPr>
-            <a:spLocks noGrp="1"/>
-          </p:cNvSpPr>
-          <p:nvPr>
-            <p:ph type="body" sz="quarter" idx="33"/>
-          </p:nvPr>
-        </p:nvSpPr>
-        <p:spPr/>
-        <p:txBody>
-          <a:bodyPr anchor="t"/>
-          <a:lstStyle/>
-          <a:p>
-            <a:r>
-              <a:rPr lang="zh-CN" altLang="en-US" dirty="0"/>
-              <a:t>制造出你需要的东西</a:t>
-            </a:r>
-            <a:endParaRPr lang="en-IN" dirty="0"/>
-          </a:p>
-        </p:txBody>
-      </p:sp>
-      <p:pic>
-        <p:nvPicPr>
-          <p:cNvPr id="22" name="Picture Placeholder 21"/>
-          <p:cNvPicPr>
-            <a:picLocks noGrp="1" noChangeAspect="1"/>
-          </p:cNvPicPr>
-          <p:nvPr>
-            <p:ph type="pic" sz="quarter" idx="34"/>
-          </p:nvPr>
-        </p:nvPicPr>
-        <p:blipFill>
-          <a:blip r:embed="rId2" cstate="print">
-            <a:extLst>
-              <a:ext uri="{28A0092B-C50C-407E-A947-70E740481C1C}">
-                <a14:useLocalDpi xmlns:a14="http://schemas.microsoft.com/office/drawing/2010/main" val="0"/>
-              </a:ext>
-            </a:extLst>
-          </a:blip>
-          <a:srcRect l="165" r="165"/>
-          <a:stretch>
-            <a:fillRect/>
-          </a:stretch>
-        </p:blipFill>
-        <p:spPr/>
-      </p:pic>
-      <p:sp>
-        <p:nvSpPr>
-          <p:cNvPr id="7" name="Text Placeholder 6"/>
-          <p:cNvSpPr>
-            <a:spLocks noGrp="1"/>
-          </p:cNvSpPr>
-          <p:nvPr>
-            <p:ph type="body" sz="quarter" idx="35"/>
-          </p:nvPr>
-        </p:nvSpPr>
-        <p:spPr/>
-        <p:txBody>
-          <a:bodyPr>
-            <a:normAutofit fontScale="85000" lnSpcReduction="20000"/>
-          </a:bodyPr>
-          <a:lstStyle/>
-          <a:p>
-            <a:r>
-              <a:rPr lang="zh-CN" altLang="en-US" dirty="0"/>
-              <a:t>工业工程</a:t>
-            </a:r>
-            <a:endParaRPr lang="en-IN" dirty="0"/>
-          </a:p>
-        </p:txBody>
-      </p:sp>
-      <p:sp>
-        <p:nvSpPr>
-          <p:cNvPr id="8" name="Text Placeholder 7"/>
-          <p:cNvSpPr>
-            <a:spLocks noGrp="1"/>
-          </p:cNvSpPr>
-          <p:nvPr>
-            <p:ph type="body" sz="quarter" idx="36"/>
-          </p:nvPr>
-        </p:nvSpPr>
-        <p:spPr/>
-        <p:txBody>
-          <a:bodyPr anchor="t"/>
-          <a:lstStyle/>
-          <a:p>
-            <a:r>
-              <a:rPr lang="zh-CN" altLang="en-US" dirty="0"/>
-              <a:t>降低成本</a:t>
-            </a:r>
-            <a:endParaRPr lang="en-IN" dirty="0"/>
-          </a:p>
-        </p:txBody>
-      </p:sp>
-      <p:pic>
-        <p:nvPicPr>
-          <p:cNvPr id="23" name="Picture Placeholder 22"/>
-          <p:cNvPicPr>
-            <a:picLocks noGrp="1" noChangeAspect="1"/>
-          </p:cNvPicPr>
-          <p:nvPr>
-            <p:ph type="pic" sz="quarter" idx="37"/>
-          </p:nvPr>
-        </p:nvPicPr>
-        <p:blipFill>
-          <a:blip r:embed="rId3" cstate="print">
-            <a:extLst>
-              <a:ext uri="{28A0092B-C50C-407E-A947-70E740481C1C}">
-                <a14:useLocalDpi xmlns:a14="http://schemas.microsoft.com/office/drawing/2010/main" val="0"/>
-              </a:ext>
-            </a:extLst>
-          </a:blip>
-          <a:srcRect/>
-          <a:stretch>
-            <a:fillRect/>
-          </a:stretch>
-        </p:blipFill>
-        <p:spPr/>
-      </p:pic>
-      <p:sp>
-        <p:nvSpPr>
-          <p:cNvPr id="10" name="Text Placeholder 9"/>
-          <p:cNvSpPr>
-            <a:spLocks noGrp="1"/>
-          </p:cNvSpPr>
-          <p:nvPr>
-            <p:ph type="body" sz="quarter" idx="38"/>
-          </p:nvPr>
-        </p:nvSpPr>
-        <p:spPr/>
-        <p:txBody>
-          <a:bodyPr>
-            <a:normAutofit fontScale="85000" lnSpcReduction="20000"/>
-          </a:bodyPr>
-          <a:lstStyle/>
-          <a:p>
-            <a:r>
-              <a:rPr lang="zh-CN" altLang="en-US" dirty="0"/>
-              <a:t>质量</a:t>
-            </a:r>
-            <a:endParaRPr lang="en-IN" dirty="0"/>
-          </a:p>
-        </p:txBody>
-      </p:sp>
-      <p:sp>
-        <p:nvSpPr>
-          <p:cNvPr id="11" name="Text Placeholder 10"/>
-          <p:cNvSpPr>
-            <a:spLocks noGrp="1"/>
-          </p:cNvSpPr>
-          <p:nvPr>
-            <p:ph type="body" sz="quarter" idx="39"/>
-          </p:nvPr>
-        </p:nvSpPr>
-        <p:spPr/>
-        <p:txBody>
-          <a:bodyPr anchor="t"/>
-          <a:lstStyle/>
-          <a:p>
-            <a:r>
-              <a:rPr lang="zh-CN" altLang="en-US" dirty="0"/>
-              <a:t>完美无缺的产品</a:t>
-            </a:r>
-            <a:endParaRPr lang="en-IN" dirty="0"/>
-          </a:p>
-        </p:txBody>
-      </p:sp>
-      <p:pic>
-        <p:nvPicPr>
-          <p:cNvPr id="24" name="Picture Placeholder 23"/>
-          <p:cNvPicPr>
-            <a:picLocks noGrp="1" noChangeAspect="1"/>
-          </p:cNvPicPr>
-          <p:nvPr>
-            <p:ph type="pic" sz="quarter" idx="40"/>
-          </p:nvPr>
-        </p:nvPicPr>
-        <p:blipFill>
-          <a:blip r:embed="rId4" cstate="print">
-            <a:extLst>
-              <a:ext uri="{28A0092B-C50C-407E-A947-70E740481C1C}">
-                <a14:useLocalDpi xmlns:a14="http://schemas.microsoft.com/office/drawing/2010/main" val="0"/>
-              </a:ext>
-            </a:extLst>
-          </a:blip>
-          <a:srcRect/>
-          <a:stretch>
-            <a:fillRect/>
-          </a:stretch>
-        </p:blipFill>
-        <p:spPr/>
-      </p:pic>
-      <p:sp>
-        <p:nvSpPr>
-          <p:cNvPr id="13" name="Text Placeholder 12"/>
-          <p:cNvSpPr>
-            <a:spLocks noGrp="1"/>
-          </p:cNvSpPr>
-          <p:nvPr>
-            <p:ph type="body" sz="quarter" idx="41"/>
-          </p:nvPr>
-        </p:nvSpPr>
-        <p:spPr/>
-        <p:txBody>
-          <a:bodyPr>
-            <a:normAutofit fontScale="85000" lnSpcReduction="20000"/>
-          </a:bodyPr>
-          <a:lstStyle/>
-          <a:p>
-            <a:r>
-              <a:rPr lang="zh-CN" altLang="en-US" dirty="0"/>
-              <a:t>供应链</a:t>
-            </a:r>
-            <a:endParaRPr lang="en-IN" dirty="0"/>
-          </a:p>
-        </p:txBody>
-      </p:sp>
-      <p:sp>
-        <p:nvSpPr>
-          <p:cNvPr id="14" name="Text Placeholder 13"/>
-          <p:cNvSpPr>
-            <a:spLocks noGrp="1"/>
-          </p:cNvSpPr>
-          <p:nvPr>
-            <p:ph type="body" sz="quarter" idx="42"/>
-          </p:nvPr>
-        </p:nvSpPr>
-        <p:spPr/>
-        <p:txBody>
-          <a:bodyPr anchor="t"/>
-          <a:lstStyle/>
-          <a:p>
-            <a:r>
-              <a:rPr lang="zh-CN" altLang="en-US" dirty="0"/>
-              <a:t>更紧密的商业伙伴</a:t>
-            </a:r>
-            <a:endParaRPr lang="en-IN" dirty="0"/>
-          </a:p>
-        </p:txBody>
-      </p:sp>
-      <p:pic>
-        <p:nvPicPr>
-          <p:cNvPr id="27" name="Picture Placeholder 26"/>
-          <p:cNvPicPr>
-            <a:picLocks noGrp="1" noChangeAspect="1"/>
-          </p:cNvPicPr>
-          <p:nvPr>
-            <p:ph type="pic" sz="quarter" idx="43"/>
-          </p:nvPr>
-        </p:nvPicPr>
-        <p:blipFill>
-          <a:blip r:embed="rId5" cstate="print">
-            <a:extLst>
-              <a:ext uri="{28A0092B-C50C-407E-A947-70E740481C1C}">
-                <a14:useLocalDpi xmlns:a14="http://schemas.microsoft.com/office/drawing/2010/main" val="0"/>
-              </a:ext>
-            </a:extLst>
-          </a:blip>
-          <a:srcRect/>
-          <a:stretch>
-            <a:fillRect/>
-          </a:stretch>
-        </p:blipFill>
-        <p:spPr/>
-      </p:pic>
-      <p:sp>
-        <p:nvSpPr>
-          <p:cNvPr id="16" name="Text Placeholder 15"/>
-          <p:cNvSpPr>
-            <a:spLocks noGrp="1"/>
-          </p:cNvSpPr>
-          <p:nvPr>
-            <p:ph type="body" sz="quarter" idx="44"/>
-          </p:nvPr>
-        </p:nvSpPr>
-        <p:spPr/>
-        <p:txBody>
-          <a:bodyPr>
-            <a:normAutofit fontScale="85000" lnSpcReduction="20000"/>
-          </a:bodyPr>
-          <a:lstStyle/>
-          <a:p>
-            <a:r>
-              <a:rPr lang="en-US" altLang="zh-CN" dirty="0"/>
-              <a:t>TS	</a:t>
-            </a:r>
-            <a:endParaRPr lang="en-IN" dirty="0"/>
-          </a:p>
-        </p:txBody>
-      </p:sp>
-      <p:sp>
-        <p:nvSpPr>
-          <p:cNvPr id="17" name="Text Placeholder 16"/>
-          <p:cNvSpPr>
-            <a:spLocks noGrp="1"/>
-          </p:cNvSpPr>
-          <p:nvPr>
-            <p:ph type="body" sz="quarter" idx="45"/>
-          </p:nvPr>
-        </p:nvSpPr>
-        <p:spPr/>
-        <p:txBody>
-          <a:bodyPr anchor="t"/>
-          <a:lstStyle/>
-          <a:p>
-            <a:r>
-              <a:rPr lang="zh-CN" altLang="en-US" dirty="0"/>
-              <a:t>设备保障</a:t>
-            </a:r>
-            <a:endParaRPr lang="en-IN" dirty="0"/>
-          </a:p>
-        </p:txBody>
-      </p:sp>
-      <p:pic>
-        <p:nvPicPr>
-          <p:cNvPr id="26" name="Picture Placeholder 25"/>
-          <p:cNvPicPr>
-            <a:picLocks noGrp="1" noChangeAspect="1"/>
-          </p:cNvPicPr>
-          <p:nvPr>
-            <p:ph type="pic" sz="quarter" idx="46"/>
-          </p:nvPr>
-        </p:nvPicPr>
-        <p:blipFill>
-          <a:blip r:embed="rId6" cstate="print">
-            <a:extLst>
-              <a:ext uri="{28A0092B-C50C-407E-A947-70E740481C1C}">
-                <a14:useLocalDpi xmlns:a14="http://schemas.microsoft.com/office/drawing/2010/main" val="0"/>
-              </a:ext>
-            </a:extLst>
-          </a:blip>
-          <a:srcRect t="165" b="165"/>
-          <a:stretch>
-            <a:fillRect/>
-          </a:stretch>
-        </p:blipFill>
-        <p:spPr/>
-      </p:pic>
-      <p:sp>
-        <p:nvSpPr>
-          <p:cNvPr id="19" name="Text Placeholder 18"/>
-          <p:cNvSpPr>
-            <a:spLocks noGrp="1"/>
-          </p:cNvSpPr>
-          <p:nvPr>
-            <p:ph type="body" sz="quarter" idx="47"/>
-          </p:nvPr>
-        </p:nvSpPr>
-        <p:spPr/>
-        <p:txBody>
-          <a:bodyPr>
-            <a:normAutofit fontScale="85000" lnSpcReduction="20000"/>
-          </a:bodyPr>
-          <a:lstStyle/>
-          <a:p>
-            <a:r>
-              <a:rPr lang="zh-CN" altLang="en-US" dirty="0"/>
-              <a:t>项目管理</a:t>
-            </a:r>
-            <a:endParaRPr lang="en-IN" dirty="0"/>
-          </a:p>
-        </p:txBody>
-      </p:sp>
-      <p:sp>
-        <p:nvSpPr>
-          <p:cNvPr id="20" name="Text Placeholder 19"/>
-          <p:cNvSpPr>
-            <a:spLocks noGrp="1"/>
-          </p:cNvSpPr>
-          <p:nvPr>
-            <p:ph type="body" sz="quarter" idx="48"/>
-          </p:nvPr>
-        </p:nvSpPr>
-        <p:spPr/>
-        <p:txBody>
-          <a:bodyPr anchor="t"/>
-          <a:lstStyle/>
-          <a:p>
-            <a:r>
-              <a:rPr lang="zh-CN" altLang="en-US" dirty="0"/>
-              <a:t>时间管理</a:t>
-            </a:r>
-            <a:endParaRPr lang="en-IN" dirty="0"/>
-          </a:p>
-        </p:txBody>
-      </p:sp>
-      <p:pic>
-        <p:nvPicPr>
-          <p:cNvPr id="25" name="Picture Placeholder 24"/>
-          <p:cNvPicPr>
-            <a:picLocks noGrp="1" noChangeAspect="1"/>
-          </p:cNvPicPr>
-          <p:nvPr>
-            <p:ph type="pic" sz="quarter" idx="49"/>
-          </p:nvPr>
-        </p:nvPicPr>
-        <p:blipFill>
-          <a:blip r:embed="rId7" cstate="print">
-            <a:extLst>
-              <a:ext uri="{28A0092B-C50C-407E-A947-70E740481C1C}">
-                <a14:useLocalDpi xmlns:a14="http://schemas.microsoft.com/office/drawing/2010/main" val="0"/>
-              </a:ext>
-            </a:extLst>
-          </a:blip>
-          <a:srcRect t="165" b="165"/>
-          <a:stretch>
-            <a:fillRect/>
-          </a:stretch>
-        </p:blipFill>
-        <p:spPr/>
-      </p:pic>
+              <a:rPr lang="zh-CN" altLang="en-US" sz="2000" dirty="0">
+                <a:solidFill>
+                  <a:schemeClr val="accent5"/>
+                </a:solidFill>
+                <a:cs typeface="Arial" pitchFamily="34" charset="0"/>
+              </a:rPr>
+              <a:t>网页的骨架 </a:t>
+            </a:r>
+            <a:r>
+              <a:rPr lang="en-US" altLang="zh-CN" sz="2000" dirty="0">
+                <a:solidFill>
+                  <a:schemeClr val="accent5"/>
+                </a:solidFill>
+                <a:cs typeface="Arial" pitchFamily="34" charset="0"/>
+              </a:rPr>
+              <a:t>– HTML – a</a:t>
+            </a:r>
+            <a:r>
+              <a:rPr lang="zh-CN" altLang="en-US" sz="2000" dirty="0">
+                <a:solidFill>
+                  <a:schemeClr val="accent5"/>
+                </a:solidFill>
+                <a:cs typeface="Arial" pitchFamily="34" charset="0"/>
+              </a:rPr>
+              <a:t>标签</a:t>
+            </a:r>
+            <a:endParaRPr lang="en-IN" altLang="zh-CN" sz="2000" dirty="0">
+              <a:solidFill>
+                <a:schemeClr val="accent5"/>
+              </a:solidFill>
+              <a:cs typeface="Arial" pitchFamily="34" charset="0"/>
+            </a:endParaRPr>
+          </a:p>
+        </p:txBody>
+      </p:sp>
     </p:spTree>
     <p:extLst>
       <p:ext uri="{BB962C8B-B14F-4D97-AF65-F5344CB8AC3E}">
-        <p14:creationId xmlns:p14="http://schemas.microsoft.com/office/powerpoint/2010/main" val="3544526747"/>
+        <p14:creationId xmlns:p14="http://schemas.microsoft.com/office/powerpoint/2010/main" val="4072943485"/>
       </p:ext>
     </p:extLst>
   </p:cSld>
@@ -27849,14 +28218,87 @@
           </a:p>
         </p:txBody>
       </p:sp>
+      <p:sp>
+        <p:nvSpPr>
+          <p:cNvPr id="3" name="Text Placeholder 2"/>
+          <p:cNvSpPr>
+            <a:spLocks noGrp="1"/>
+          </p:cNvSpPr>
+          <p:nvPr>
+            <p:ph type="body" sz="quarter" idx="13"/>
+          </p:nvPr>
+        </p:nvSpPr>
+        <p:spPr/>
+        <p:txBody>
+          <a:bodyPr>
+            <a:normAutofit lnSpcReduction="10000"/>
+          </a:bodyPr>
+          <a:lstStyle/>
+          <a:p>
+            <a:r>
+              <a:rPr lang="zh-CN" altLang="en-US" dirty="0"/>
+              <a:t>前六个部门</a:t>
+            </a:r>
+            <a:endParaRPr lang="en-IN" dirty="0"/>
+          </a:p>
+        </p:txBody>
+      </p:sp>
+      <p:sp>
+        <p:nvSpPr>
+          <p:cNvPr id="4" name="Text Placeholder 3"/>
+          <p:cNvSpPr>
+            <a:spLocks noGrp="1"/>
+          </p:cNvSpPr>
+          <p:nvPr>
+            <p:ph type="body" sz="quarter" idx="29"/>
+          </p:nvPr>
+        </p:nvSpPr>
+        <p:spPr/>
+        <p:txBody>
+          <a:bodyPr>
+            <a:normAutofit fontScale="85000" lnSpcReduction="20000"/>
+          </a:bodyPr>
+          <a:lstStyle/>
+          <a:p>
+            <a:r>
+              <a:rPr lang="zh-CN" altLang="en-US" dirty="0"/>
+              <a:t>销售</a:t>
+            </a:r>
+            <a:endParaRPr lang="en-IN" dirty="0"/>
+          </a:p>
+        </p:txBody>
+      </p:sp>
+      <p:sp>
+        <p:nvSpPr>
+          <p:cNvPr id="5" name="Text Placeholder 4"/>
+          <p:cNvSpPr>
+            <a:spLocks noGrp="1"/>
+          </p:cNvSpPr>
+          <p:nvPr>
+            <p:ph type="body" sz="quarter" idx="33"/>
+          </p:nvPr>
+        </p:nvSpPr>
+        <p:spPr/>
+        <p:txBody>
+          <a:bodyPr anchor="t"/>
+          <a:lstStyle/>
+          <a:p>
+            <a:r>
+              <a:rPr lang="zh-CN" altLang="en-US" dirty="0"/>
+              <a:t>找到你的客户</a:t>
+            </a:r>
+            <a:endParaRPr lang="en-IN" dirty="0"/>
+          </a:p>
+        </p:txBody>
+      </p:sp>
       <p:pic>
         <p:nvPicPr>
-          <p:cNvPr id="16" name="Picture Placeholder 15"/>
+          <p:cNvPr id="22" name="Picture Placeholder 21"/>
           <p:cNvPicPr>
             <a:picLocks noGrp="1" noChangeAspect="1"/>
           </p:cNvPicPr>
           <p:nvPr>
-            <p:ph type="pic" sz="quarter" idx="25"/>
+            <p:ph type="pic" sz="quarter" idx="34"/>
           </p:nvPr>
         </p:nvPicPr>
         <p:blipFill>
@@ -27867,7 +28309,7 @@
               </a:ext>
             </a:extLst>
           </a:blip>
-          <a:srcRect l="110" r="110"/>
+          <a:srcRect l="165" r="165"/>
           <a:stretch>
             <a:fillRect/>
           </a:stretch>
@@ -27876,45 +28318,60 @@
       </p:pic>
       <p:sp>
         <p:nvSpPr>
-          <p:cNvPr id="4" name="Text Placeholder 3"/>
+          <p:cNvPr id="7" name="Text Placeholder 6"/>
           <p:cNvSpPr>
             <a:spLocks noGrp="1"/>
           </p:cNvSpPr>
           <p:nvPr>
-            <p:ph type="body" sz="quarter" idx="29"/>
+            <p:ph type="body" sz="quarter" idx="35"/>
           </p:nvPr>
         </p:nvSpPr>
         <p:spPr/>
         <p:txBody>
           <a:bodyPr>
-            <a:noAutofit/>
+            <a:normAutofit fontScale="85000" lnSpcReduction="20000"/>
           </a:bodyPr>
           <a:lstStyle/>
           <a:p>
             <a:r>
-              <a:rPr lang="zh-CN" altLang="en-US" sz="1800" b="0" dirty="0">
-                <a:solidFill>
-                  <a:schemeClr val="tx1"/>
-                </a:solidFill>
-              </a:rPr>
-              <a:t>需求管理</a:t>
-            </a:r>
-            <a:endParaRPr lang="en-IN" sz="1800" b="0" dirty="0">
-              <a:solidFill>
-                <a:schemeClr val="tx1"/>
-              </a:solidFill>
-            </a:endParaRPr>
+              <a:rPr lang="zh-CN" altLang="en-US" dirty="0"/>
+              <a:t>产品研发</a:t>
+            </a:r>
+            <a:endParaRPr lang="en-IN" dirty="0"/>
+          </a:p>
+        </p:txBody>
+      </p:sp>
+      <p:sp>
+        <p:nvSpPr>
+          <p:cNvPr id="8" name="Text Placeholder 7"/>
+          <p:cNvSpPr>
+            <a:spLocks noGrp="1"/>
+          </p:cNvSpPr>
+          <p:nvPr>
+            <p:ph type="body" sz="quarter" idx="36"/>
+          </p:nvPr>
+        </p:nvSpPr>
+        <p:spPr/>
+        <p:txBody>
+          <a:bodyPr anchor="t"/>
+          <a:lstStyle/>
+          <a:p>
+            <a:r>
+              <a:rPr lang="zh-CN" altLang="en-US" dirty="0"/>
+              <a:t>找到你客户的需求</a:t>
+            </a:r>
+            <a:endParaRPr lang="en-IN" dirty="0"/>
           </a:p>
         </p:txBody>
       </p:sp>
       <p:pic>
         <p:nvPicPr>
-          <p:cNvPr id="17" name="Picture Placeholder 16"/>
+          <p:cNvPr id="23" name="Picture Placeholder 22"/>
           <p:cNvPicPr>
             <a:picLocks noGrp="1" noChangeAspect="1"/>
           </p:cNvPicPr>
           <p:nvPr>
-            <p:ph type="pic" sz="quarter" idx="34"/>
+            <p:ph type="pic" sz="quarter" idx="37"/>
           </p:nvPr>
         </p:nvPicPr>
         <p:blipFill>
@@ -27934,45 +28391,60 @@
       </p:pic>
       <p:sp>
         <p:nvSpPr>
-          <p:cNvPr id="7" name="Text Placeholder 6"/>
+          <p:cNvPr id="10" name="Text Placeholder 9"/>
           <p:cNvSpPr>
             <a:spLocks noGrp="1"/>
           </p:cNvSpPr>
           <p:nvPr>
-            <p:ph type="body" sz="quarter" idx="35"/>
+            <p:ph type="body" sz="quarter" idx="38"/>
           </p:nvPr>
         </p:nvSpPr>
         <p:spPr/>
         <p:txBody>
           <a:bodyPr>
-            <a:noAutofit/>
+            <a:normAutofit fontScale="85000" lnSpcReduction="20000"/>
           </a:bodyPr>
           <a:lstStyle/>
           <a:p>
             <a:r>
-              <a:rPr lang="zh-CN" altLang="en-US" sz="2000" b="0" dirty="0">
-                <a:solidFill>
-                  <a:schemeClr val="tx1"/>
-                </a:solidFill>
-              </a:rPr>
-              <a:t>图纸管理</a:t>
-            </a:r>
-            <a:endParaRPr lang="en-IN" sz="2000" b="0" dirty="0">
-              <a:solidFill>
-                <a:schemeClr val="tx1"/>
-              </a:solidFill>
-            </a:endParaRPr>
+              <a:rPr lang="zh-CN" altLang="en-US" dirty="0"/>
+              <a:t>工艺工程</a:t>
+            </a:r>
+            <a:endParaRPr lang="en-IN" dirty="0"/>
+          </a:p>
+        </p:txBody>
+      </p:sp>
+      <p:sp>
+        <p:nvSpPr>
+          <p:cNvPr id="11" name="Text Placeholder 10"/>
+          <p:cNvSpPr>
+            <a:spLocks noGrp="1"/>
+          </p:cNvSpPr>
+          <p:nvPr>
+            <p:ph type="body" sz="quarter" idx="39"/>
+          </p:nvPr>
+        </p:nvSpPr>
+        <p:spPr/>
+        <p:txBody>
+          <a:bodyPr anchor="t"/>
+          <a:lstStyle/>
+          <a:p>
+            <a:r>
+              <a:rPr lang="zh-CN" altLang="en-US" dirty="0"/>
+              <a:t>规划实现产品的路径</a:t>
+            </a:r>
+            <a:endParaRPr lang="en-IN" dirty="0"/>
           </a:p>
         </p:txBody>
       </p:sp>
       <p:pic>
         <p:nvPicPr>
-          <p:cNvPr id="18" name="Picture Placeholder 17"/>
+          <p:cNvPr id="24" name="Picture Placeholder 23"/>
           <p:cNvPicPr>
             <a:picLocks noGrp="1" noChangeAspect="1"/>
           </p:cNvPicPr>
           <p:nvPr>
-            <p:ph type="pic" sz="quarter" idx="37"/>
+            <p:ph type="pic" sz="quarter" idx="40"/>
           </p:nvPr>
         </p:nvPicPr>
         <p:blipFill>
@@ -27992,65 +28464,227 @@
       </p:pic>
       <p:sp>
         <p:nvSpPr>
-          <p:cNvPr id="10" name="Text Placeholder 9"/>
+          <p:cNvPr id="13" name="Text Placeholder 12"/>
           <p:cNvSpPr>
             <a:spLocks noGrp="1"/>
           </p:cNvSpPr>
           <p:nvPr>
-            <p:ph type="body" sz="quarter" idx="38"/>
+            <p:ph type="body" sz="quarter" idx="41"/>
           </p:nvPr>
         </p:nvSpPr>
         <p:spPr/>
         <p:txBody>
           <a:bodyPr>
-            <a:normAutofit lnSpcReduction="10000"/>
+            <a:normAutofit fontScale="85000" lnSpcReduction="20000"/>
           </a:bodyPr>
           <a:lstStyle/>
           <a:p>
             <a:r>
-              <a:rPr lang="en-US" altLang="zh-CN" sz="2000" b="0" dirty="0">
-                <a:solidFill>
-                  <a:schemeClr val="tx1"/>
-                </a:solidFill>
-              </a:rPr>
-              <a:t>BOM</a:t>
-            </a:r>
-            <a:endParaRPr lang="en-IN" sz="2000" b="0" dirty="0">
-              <a:solidFill>
-                <a:schemeClr val="tx1"/>
-              </a:solidFill>
-            </a:endParaRPr>
-          </a:p>
-        </p:txBody>
-      </p:sp>
-      <p:sp>
-        <p:nvSpPr>
-          <p:cNvPr id="15" name="Text Placeholder 14"/>
+              <a:rPr lang="zh-CN" altLang="en-US" dirty="0"/>
+              <a:t>采购</a:t>
+            </a:r>
+            <a:endParaRPr lang="en-IN" dirty="0"/>
+          </a:p>
+        </p:txBody>
+      </p:sp>
+      <p:sp>
+        <p:nvSpPr>
+          <p:cNvPr id="14" name="Text Placeholder 13"/>
           <p:cNvSpPr>
             <a:spLocks noGrp="1"/>
           </p:cNvSpPr>
           <p:nvPr>
-            <p:ph type="body" sz="quarter" idx="43"/>
+            <p:ph type="body" sz="quarter" idx="42"/>
           </p:nvPr>
         </p:nvSpPr>
         <p:spPr/>
         <p:txBody>
-          <a:bodyPr/>
+          <a:bodyPr anchor="t"/>
           <a:lstStyle/>
           <a:p>
-            <a:pPr algn="ctr"/>
             <a:r>
               <a:rPr lang="zh-CN" altLang="en-US" dirty="0"/>
-              <a:t>产品研发</a:t>
+              <a:t>购买生产所需的设备和材料</a:t>
             </a:r>
             <a:endParaRPr lang="en-IN" dirty="0"/>
           </a:p>
         </p:txBody>
       </p:sp>
+      <p:pic>
+        <p:nvPicPr>
+          <p:cNvPr id="27" name="Picture Placeholder 26"/>
+          <p:cNvPicPr>
+            <a:picLocks noGrp="1" noChangeAspect="1"/>
+          </p:cNvPicPr>
+          <p:nvPr>
+            <p:ph type="pic" sz="quarter" idx="43"/>
+          </p:nvPr>
+        </p:nvPicPr>
+        <p:blipFill>
+          <a:blip r:embed="rId5" cstate="print">
+            <a:extLst>
+              <a:ext uri="{28A0092B-C50C-407E-A947-70E740481C1C}">
+                <a14:useLocalDpi xmlns:a14="http://schemas.microsoft.com/office/drawing/2010/main" val="0"/>
+              </a:ext>
+            </a:extLst>
+          </a:blip>
+          <a:srcRect/>
+          <a:stretch>
+            <a:fillRect/>
+          </a:stretch>
+        </p:blipFill>
+        <p:spPr/>
+      </p:pic>
+      <p:sp>
+        <p:nvSpPr>
+          <p:cNvPr id="16" name="Text Placeholder 15"/>
+          <p:cNvSpPr>
+            <a:spLocks noGrp="1"/>
+          </p:cNvSpPr>
+          <p:nvPr>
+            <p:ph type="body" sz="quarter" idx="44"/>
+          </p:nvPr>
+        </p:nvSpPr>
+        <p:spPr/>
+        <p:txBody>
+          <a:bodyPr>
+            <a:normAutofit fontScale="85000" lnSpcReduction="20000"/>
+          </a:bodyPr>
+          <a:lstStyle/>
+          <a:p>
+            <a:r>
+              <a:rPr lang="zh-CN" altLang="en-US" dirty="0"/>
+              <a:t>物料计划</a:t>
+            </a:r>
+            <a:endParaRPr lang="en-IN" dirty="0"/>
+          </a:p>
+        </p:txBody>
+      </p:sp>
+      <p:sp>
+        <p:nvSpPr>
+          <p:cNvPr id="17" name="Text Placeholder 16"/>
+          <p:cNvSpPr>
+            <a:spLocks noGrp="1"/>
+          </p:cNvSpPr>
+          <p:nvPr>
+            <p:ph type="body" sz="quarter" idx="45"/>
+          </p:nvPr>
+        </p:nvSpPr>
+        <p:spPr/>
+        <p:txBody>
+          <a:bodyPr anchor="t"/>
+          <a:lstStyle/>
+          <a:p>
+            <a:r>
+              <a:rPr lang="zh-CN" altLang="en-US" dirty="0"/>
+              <a:t>补充材料</a:t>
+            </a:r>
+            <a:endParaRPr lang="en-IN" dirty="0"/>
+          </a:p>
+        </p:txBody>
+      </p:sp>
+      <p:pic>
+        <p:nvPicPr>
+          <p:cNvPr id="26" name="Picture Placeholder 25"/>
+          <p:cNvPicPr>
+            <a:picLocks noGrp="1" noChangeAspect="1"/>
+          </p:cNvPicPr>
+          <p:nvPr>
+            <p:ph type="pic" sz="quarter" idx="46"/>
+          </p:nvPr>
+        </p:nvPicPr>
+        <p:blipFill>
+          <a:blip r:embed="rId6" cstate="print">
+            <a:extLst>
+              <a:ext uri="{28A0092B-C50C-407E-A947-70E740481C1C}">
+                <a14:useLocalDpi xmlns:a14="http://schemas.microsoft.com/office/drawing/2010/main" val="0"/>
+              </a:ext>
+            </a:extLst>
+          </a:blip>
+          <a:srcRect t="165" b="165"/>
+          <a:stretch>
+            <a:fillRect/>
+          </a:stretch>
+        </p:blipFill>
+        <p:spPr/>
+      </p:pic>
+      <p:sp>
+        <p:nvSpPr>
+          <p:cNvPr id="19" name="Text Placeholder 18"/>
+          <p:cNvSpPr>
+            <a:spLocks noGrp="1"/>
+          </p:cNvSpPr>
+          <p:nvPr>
+            <p:ph type="body" sz="quarter" idx="47"/>
+          </p:nvPr>
+        </p:nvSpPr>
+        <p:spPr/>
+        <p:txBody>
+          <a:bodyPr>
+            <a:normAutofit fontScale="85000" lnSpcReduction="20000"/>
+          </a:bodyPr>
+          <a:lstStyle/>
+          <a:p>
+            <a:r>
+              <a:rPr lang="zh-CN" altLang="en-US" dirty="0"/>
+              <a:t>物流</a:t>
+            </a:r>
+            <a:endParaRPr lang="en-IN" dirty="0"/>
+          </a:p>
+        </p:txBody>
+      </p:sp>
+      <p:sp>
+        <p:nvSpPr>
+          <p:cNvPr id="20" name="Text Placeholder 19"/>
+          <p:cNvSpPr>
+            <a:spLocks noGrp="1"/>
+          </p:cNvSpPr>
+          <p:nvPr>
+            <p:ph type="body" sz="quarter" idx="48"/>
+          </p:nvPr>
+        </p:nvSpPr>
+        <p:spPr/>
+        <p:txBody>
+          <a:bodyPr anchor="t"/>
+          <a:lstStyle/>
+          <a:p>
+            <a:r>
+              <a:rPr lang="zh-CN" altLang="en-US" dirty="0"/>
+              <a:t>存放和运输</a:t>
+            </a:r>
+            <a:endParaRPr lang="en-IN" dirty="0"/>
+          </a:p>
+        </p:txBody>
+      </p:sp>
+      <p:pic>
+        <p:nvPicPr>
+          <p:cNvPr id="25" name="Picture Placeholder 24"/>
+          <p:cNvPicPr>
+            <a:picLocks noGrp="1" noChangeAspect="1"/>
+          </p:cNvPicPr>
+          <p:nvPr>
+            <p:ph type="pic" sz="quarter" idx="49"/>
+          </p:nvPr>
+        </p:nvPicPr>
+        <p:blipFill>
+          <a:blip r:embed="rId7" cstate="print">
+            <a:extLst>
+              <a:ext uri="{28A0092B-C50C-407E-A947-70E740481C1C}">
+                <a14:useLocalDpi xmlns:a14="http://schemas.microsoft.com/office/drawing/2010/main" val="0"/>
+              </a:ext>
+            </a:extLst>
+          </a:blip>
+          <a:srcRect t="165" b="165"/>
+          <a:stretch>
+            <a:fillRect/>
+          </a:stretch>
+        </p:blipFill>
+        <p:spPr/>
+      </p:pic>
     </p:spTree>
     <p:extLst>
       <p:ext uri="{BB962C8B-B14F-4D97-AF65-F5344CB8AC3E}">
-        <p14:creationId xmlns:p14="http://schemas.microsoft.com/office/powerpoint/2010/main" val="38425374"/>
+        <p14:creationId xmlns:p14="http://schemas.microsoft.com/office/powerpoint/2010/main" val="2851201215"/>
       </p:ext>
     </p:extLst>
   </p:cSld>
